--- a/portfolio/프로젝트 기획서_ver1.1.pptx
+++ b/portfolio/프로젝트 기획서_ver1.1.pptx
@@ -5,7 +5,7 @@
     <p:sldMasterId id="2147483648" r:id="rId1"/>
   </p:sldMasterIdLst>
   <p:notesMasterIdLst>
-    <p:notesMasterId r:id="rId14"/>
+    <p:notesMasterId r:id="rId15"/>
   </p:notesMasterIdLst>
   <p:sldIdLst>
     <p:sldId id="256" r:id="rId2"/>
@@ -14,12 +14,13 @@
     <p:sldId id="285" r:id="rId5"/>
     <p:sldId id="294" r:id="rId6"/>
     <p:sldId id="286" r:id="rId7"/>
-    <p:sldId id="284" r:id="rId8"/>
-    <p:sldId id="287" r:id="rId9"/>
-    <p:sldId id="293" r:id="rId10"/>
-    <p:sldId id="289" r:id="rId11"/>
-    <p:sldId id="290" r:id="rId12"/>
-    <p:sldId id="265" r:id="rId13"/>
+    <p:sldId id="295" r:id="rId8"/>
+    <p:sldId id="284" r:id="rId9"/>
+    <p:sldId id="287" r:id="rId10"/>
+    <p:sldId id="293" r:id="rId11"/>
+    <p:sldId id="289" r:id="rId12"/>
+    <p:sldId id="290" r:id="rId13"/>
+    <p:sldId id="265" r:id="rId14"/>
   </p:sldIdLst>
   <p:sldSz cx="18288000" cy="10287000"/>
   <p:notesSz cx="10287000" cy="18288000"/>
@@ -219,7 +220,7 @@
           <a:p>
             <a:fld id="{46E21593-5DE6-437E-B2F1-08DBF74A4C5F}" type="datetimeFigureOut">
               <a:rPr lang="ko-KR" altLang="en-US" smtClean="0"/>
-              <a:t>2023-07-31</a:t>
+              <a:t>2023-08-25</a:t>
             </a:fld>
             <a:endParaRPr lang="ko-KR" altLang="en-US"/>
           </a:p>
@@ -833,7 +834,7 @@
           <a:p>
             <a:fld id="{F8166F1F-CE9B-4651-A6AA-CD717754106B}" type="datetimeFigureOut">
               <a:rPr lang="en-US" smtClean="0"/>
-              <a:t>7/31/2023</a:t>
+              <a:t>8/25/2023</a:t>
             </a:fld>
             <a:endParaRPr lang="en-US"/>
           </a:p>
@@ -996,7 +997,7 @@
           <a:p>
             <a:fld id="{A76116CE-C4A3-4A05-B2D7-7C2E9A889C0F}" type="datetimeFigureOut">
               <a:rPr lang="en-US" smtClean="0"/>
-              <a:t>7/31/2023</a:t>
+              <a:t>8/25/2023</a:t>
             </a:fld>
             <a:endParaRPr lang="en-US"/>
           </a:p>
@@ -1169,7 +1170,7 @@
           <a:p>
             <a:fld id="{A76116CE-C4A3-4A05-B2D7-7C2E9A889C0F}" type="datetimeFigureOut">
               <a:rPr lang="en-US" smtClean="0"/>
-              <a:t>7/31/2023</a:t>
+              <a:t>8/25/2023</a:t>
             </a:fld>
             <a:endParaRPr lang="en-US"/>
           </a:p>
@@ -1334,7 +1335,7 @@
           <a:p>
             <a:fld id="{A76116CE-C4A3-4A05-B2D7-7C2E9A889C0F}" type="datetimeFigureOut">
               <a:rPr lang="en-US" smtClean="0"/>
-              <a:t>7/31/2023</a:t>
+              <a:t>8/25/2023</a:t>
             </a:fld>
             <a:endParaRPr lang="en-US"/>
           </a:p>
@@ -1574,7 +1575,7 @@
           <a:p>
             <a:fld id="{A76116CE-C4A3-4A05-B2D7-7C2E9A889C0F}" type="datetimeFigureOut">
               <a:rPr lang="en-US" smtClean="0"/>
-              <a:t>7/31/2023</a:t>
+              <a:t>8/25/2023</a:t>
             </a:fld>
             <a:endParaRPr lang="en-US"/>
           </a:p>
@@ -1854,7 +1855,7 @@
           <a:p>
             <a:fld id="{A76116CE-C4A3-4A05-B2D7-7C2E9A889C0F}" type="datetimeFigureOut">
               <a:rPr lang="en-US" smtClean="0"/>
-              <a:t>7/31/2023</a:t>
+              <a:t>8/25/2023</a:t>
             </a:fld>
             <a:endParaRPr lang="en-US"/>
           </a:p>
@@ -2268,7 +2269,7 @@
           <a:p>
             <a:fld id="{A76116CE-C4A3-4A05-B2D7-7C2E9A889C0F}" type="datetimeFigureOut">
               <a:rPr lang="en-US" smtClean="0"/>
-              <a:t>7/31/2023</a:t>
+              <a:t>8/25/2023</a:t>
             </a:fld>
             <a:endParaRPr lang="en-US"/>
           </a:p>
@@ -2380,7 +2381,7 @@
           <a:p>
             <a:fld id="{A76116CE-C4A3-4A05-B2D7-7C2E9A889C0F}" type="datetimeFigureOut">
               <a:rPr lang="en-US" smtClean="0"/>
-              <a:t>7/31/2023</a:t>
+              <a:t>8/25/2023</a:t>
             </a:fld>
             <a:endParaRPr lang="en-US"/>
           </a:p>
@@ -2470,7 +2471,7 @@
           <a:p>
             <a:fld id="{A76116CE-C4A3-4A05-B2D7-7C2E9A889C0F}" type="datetimeFigureOut">
               <a:rPr lang="en-US" smtClean="0"/>
-              <a:t>7/31/2023</a:t>
+              <a:t>8/25/2023</a:t>
             </a:fld>
             <a:endParaRPr lang="en-US"/>
           </a:p>
@@ -2740,7 +2741,7 @@
           <a:p>
             <a:fld id="{A76116CE-C4A3-4A05-B2D7-7C2E9A889C0F}" type="datetimeFigureOut">
               <a:rPr lang="en-US" smtClean="0"/>
-              <a:t>7/31/2023</a:t>
+              <a:t>8/25/2023</a:t>
             </a:fld>
             <a:endParaRPr lang="en-US"/>
           </a:p>
@@ -2987,7 +2988,7 @@
           <a:p>
             <a:fld id="{A76116CE-C4A3-4A05-B2D7-7C2E9A889C0F}" type="datetimeFigureOut">
               <a:rPr lang="en-US" smtClean="0"/>
-              <a:t>7/31/2023</a:t>
+              <a:t>8/25/2023</a:t>
             </a:fld>
             <a:endParaRPr lang="en-US"/>
           </a:p>
@@ -3193,7 +3194,7 @@
           <a:p>
             <a:fld id="{F8166F1F-CE9B-4651-A6AA-CD717754106B}" type="datetimeFigureOut">
               <a:rPr lang="en-US" smtClean="0"/>
-              <a:t>7/31/2023</a:t>
+              <a:t>8/25/2023</a:t>
             </a:fld>
             <a:endParaRPr lang="en-US"/>
           </a:p>
@@ -4257,6 +4258,931 @@
           <a:chExt cx="0" cy="0"/>
         </a:xfrm>
       </p:grpSpPr>
+      <p:cxnSp>
+        <p:nvCxnSpPr>
+          <p:cNvPr id="7" name="직선 연결선 6"/>
+          <p:cNvCxnSpPr/>
+          <p:nvPr/>
+        </p:nvCxnSpPr>
+        <p:spPr>
+          <a:xfrm>
+            <a:off x="0" y="1790700"/>
+            <a:ext cx="18288000" cy="0"/>
+          </a:xfrm>
+          <a:prstGeom prst="line">
+            <a:avLst/>
+          </a:prstGeom>
+          <a:ln w="28575">
+            <a:solidFill>
+              <a:srgbClr val="293D65"/>
+            </a:solidFill>
+          </a:ln>
+        </p:spPr>
+        <p:style>
+          <a:lnRef idx="1">
+            <a:schemeClr val="accent1"/>
+          </a:lnRef>
+          <a:fillRef idx="0">
+            <a:schemeClr val="accent1"/>
+          </a:fillRef>
+          <a:effectRef idx="0">
+            <a:schemeClr val="accent1"/>
+          </a:effectRef>
+          <a:fontRef idx="minor">
+            <a:schemeClr val="tx1"/>
+          </a:fontRef>
+        </p:style>
+      </p:cxnSp>
+      <p:sp>
+        <p:nvSpPr>
+          <p:cNvPr id="20" name="Object 30"/>
+          <p:cNvSpPr txBox="1"/>
+          <p:nvPr/>
+        </p:nvSpPr>
+        <p:spPr>
+          <a:xfrm>
+            <a:off x="896446" y="698837"/>
+            <a:ext cx="3142790" cy="1015663"/>
+          </a:xfrm>
+          <a:prstGeom prst="rect">
+            <a:avLst/>
+          </a:prstGeom>
+          <a:noFill/>
+        </p:spPr>
+        <p:txBody>
+          <a:bodyPr wrap="square" rtlCol="0" anchor="b" anchorCtr="0">
+            <a:spAutoFit/>
+          </a:bodyPr>
+          <a:lstStyle/>
+          <a:p>
+            <a:r>
+              <a:rPr lang="ko-KR" altLang="en-US" sz="6000" kern="0" spc="-600" dirty="0">
+                <a:solidFill>
+                  <a:srgbClr val="293D65"/>
+                </a:solidFill>
+                <a:latin typeface="G마켓 산스 Medium" panose="02000000000000000000" pitchFamily="50" charset="-127"/>
+                <a:ea typeface="G마켓 산스 Medium" panose="02000000000000000000" pitchFamily="50" charset="-127"/>
+                <a:cs typeface="Black Han Sans" pitchFamily="34" charset="0"/>
+              </a:rPr>
+              <a:t>개발목표</a:t>
+            </a:r>
+            <a:endParaRPr lang="en-US" altLang="ko-KR" sz="6000" dirty="0">
+              <a:solidFill>
+                <a:srgbClr val="293D65"/>
+              </a:solidFill>
+              <a:latin typeface="G마켓 산스 Medium" panose="02000000000000000000" pitchFamily="50" charset="-127"/>
+              <a:ea typeface="G마켓 산스 Medium" panose="02000000000000000000" pitchFamily="50" charset="-127"/>
+            </a:endParaRPr>
+          </a:p>
+        </p:txBody>
+      </p:sp>
+      <p:sp>
+        <p:nvSpPr>
+          <p:cNvPr id="21" name="Object 30">
+            <a:extLst>
+              <a:ext uri="{FF2B5EF4-FFF2-40B4-BE49-F238E27FC236}">
+                <a16:creationId xmlns:a16="http://schemas.microsoft.com/office/drawing/2014/main" id="{EC5357E5-3F55-470D-BFD9-A6A1D92BD057}"/>
+              </a:ext>
+            </a:extLst>
+          </p:cNvPr>
+          <p:cNvSpPr txBox="1"/>
+          <p:nvPr/>
+        </p:nvSpPr>
+        <p:spPr>
+          <a:xfrm>
+            <a:off x="5354186" y="726698"/>
+            <a:ext cx="8265508" cy="892552"/>
+          </a:xfrm>
+          <a:prstGeom prst="rect">
+            <a:avLst/>
+          </a:prstGeom>
+          <a:noFill/>
+        </p:spPr>
+        <p:txBody>
+          <a:bodyPr wrap="square" rtlCol="0" anchor="b" anchorCtr="0">
+            <a:spAutoFit/>
+          </a:bodyPr>
+          <a:lstStyle/>
+          <a:p>
+            <a:r>
+              <a:rPr lang="en-US" altLang="ko-KR" sz="3200" dirty="0">
+                <a:solidFill>
+                  <a:srgbClr val="002060"/>
+                </a:solidFill>
+                <a:latin typeface="G마켓 산스 Medium" panose="02000000000000000000" pitchFamily="50" charset="-127"/>
+                <a:ea typeface="G마켓 산스 Medium" panose="02000000000000000000" pitchFamily="50" charset="-127"/>
+              </a:rPr>
+              <a:t>MZ</a:t>
+            </a:r>
+            <a:r>
+              <a:rPr lang="ko-KR" altLang="en-US" sz="3200" dirty="0">
+                <a:solidFill>
+                  <a:srgbClr val="002060"/>
+                </a:solidFill>
+                <a:latin typeface="G마켓 산스 Medium" panose="02000000000000000000" pitchFamily="50" charset="-127"/>
+                <a:ea typeface="G마켓 산스 Medium" panose="02000000000000000000" pitchFamily="50" charset="-127"/>
+              </a:rPr>
+              <a:t>심층 분석</a:t>
+            </a:r>
+          </a:p>
+          <a:p>
+            <a:r>
+              <a:rPr lang="ko-KR" altLang="en-US" sz="2000" dirty="0">
+                <a:solidFill>
+                  <a:srgbClr val="002060"/>
+                </a:solidFill>
+                <a:latin typeface="G마켓 산스 Medium" panose="02000000000000000000" pitchFamily="50" charset="-127"/>
+                <a:ea typeface="G마켓 산스 Medium" panose="02000000000000000000" pitchFamily="50" charset="-127"/>
+              </a:rPr>
+              <a:t>요인 별 삶의 모습 분석 </a:t>
+            </a:r>
+            <a:endParaRPr lang="en-US" altLang="ko-KR" sz="2000" dirty="0">
+              <a:solidFill>
+                <a:srgbClr val="002060"/>
+              </a:solidFill>
+              <a:latin typeface="G마켓 산스 Medium" panose="02000000000000000000" pitchFamily="50" charset="-127"/>
+              <a:ea typeface="G마켓 산스 Medium" panose="02000000000000000000" pitchFamily="50" charset="-127"/>
+            </a:endParaRPr>
+          </a:p>
+        </p:txBody>
+      </p:sp>
+      <p:sp>
+        <p:nvSpPr>
+          <p:cNvPr id="22" name="TextBox 21">
+            <a:extLst>
+              <a:ext uri="{FF2B5EF4-FFF2-40B4-BE49-F238E27FC236}">
+                <a16:creationId xmlns:a16="http://schemas.microsoft.com/office/drawing/2014/main" id="{357FCFF1-0DFF-497E-814F-487E78109E89}"/>
+              </a:ext>
+            </a:extLst>
+          </p:cNvPr>
+          <p:cNvSpPr txBox="1"/>
+          <p:nvPr/>
+        </p:nvSpPr>
+        <p:spPr>
+          <a:xfrm>
+            <a:off x="4081160" y="698837"/>
+            <a:ext cx="1312438" cy="1015663"/>
+          </a:xfrm>
+          <a:prstGeom prst="rect">
+            <a:avLst/>
+          </a:prstGeom>
+          <a:noFill/>
+        </p:spPr>
+        <p:txBody>
+          <a:bodyPr wrap="square" rtlCol="0">
+            <a:spAutoFit/>
+          </a:bodyPr>
+          <a:lstStyle/>
+          <a:p>
+            <a:r>
+              <a:rPr lang="en-US" altLang="ko-KR" sz="6000" dirty="0">
+                <a:solidFill>
+                  <a:srgbClr val="7FB1D3">
+                    <a:alpha val="80000"/>
+                  </a:srgbClr>
+                </a:solidFill>
+                <a:effectLst>
+                  <a:outerShdw blurRad="50800" dist="38100" dir="5400000" algn="t" rotWithShape="0">
+                    <a:prstClr val="black">
+                      <a:alpha val="26000"/>
+                    </a:prstClr>
+                  </a:outerShdw>
+                </a:effectLst>
+                <a:latin typeface="G마켓 산스 Bold" panose="02000000000000000000" pitchFamily="50" charset="-127"/>
+                <a:ea typeface="G마켓 산스 Bold" panose="02000000000000000000" pitchFamily="50" charset="-127"/>
+              </a:rPr>
+              <a:t>02</a:t>
+            </a:r>
+            <a:endParaRPr lang="ko-KR" altLang="en-US" sz="6000" dirty="0">
+              <a:solidFill>
+                <a:srgbClr val="7FB1D3">
+                  <a:alpha val="80000"/>
+                </a:srgbClr>
+              </a:solidFill>
+              <a:effectLst>
+                <a:outerShdw blurRad="50800" dist="38100" dir="5400000" algn="t" rotWithShape="0">
+                  <a:prstClr val="black">
+                    <a:alpha val="26000"/>
+                  </a:prstClr>
+                </a:outerShdw>
+              </a:effectLst>
+              <a:latin typeface="G마켓 산스 Bold" panose="02000000000000000000" pitchFamily="50" charset="-127"/>
+              <a:ea typeface="G마켓 산스 Bold" panose="02000000000000000000" pitchFamily="50" charset="-127"/>
+            </a:endParaRPr>
+          </a:p>
+        </p:txBody>
+      </p:sp>
+      <p:grpSp>
+        <p:nvGrpSpPr>
+          <p:cNvPr id="2" name="그룹 1"/>
+          <p:cNvGrpSpPr/>
+          <p:nvPr/>
+        </p:nvGrpSpPr>
+        <p:grpSpPr>
+          <a:xfrm>
+            <a:off x="9857969" y="2169720"/>
+            <a:ext cx="7523450" cy="7021310"/>
+            <a:chOff x="9857969" y="2169720"/>
+            <a:chExt cx="7523450" cy="7021310"/>
+          </a:xfrm>
+        </p:grpSpPr>
+        <p:sp>
+          <p:nvSpPr>
+            <p:cNvPr id="24" name="직사각형 23">
+              <a:extLst>
+                <a:ext uri="{FF2B5EF4-FFF2-40B4-BE49-F238E27FC236}">
+                  <a16:creationId xmlns:a16="http://schemas.microsoft.com/office/drawing/2014/main" id="{4AA18350-BAAE-1C58-C0CC-36F7D0681531}"/>
+                </a:ext>
+              </a:extLst>
+            </p:cNvPr>
+            <p:cNvSpPr/>
+            <p:nvPr/>
+          </p:nvSpPr>
+          <p:spPr>
+            <a:xfrm>
+              <a:off x="11689022" y="2555172"/>
+              <a:ext cx="3931978" cy="4905197"/>
+            </a:xfrm>
+            <a:prstGeom prst="rect">
+              <a:avLst/>
+            </a:prstGeom>
+            <a:noFill/>
+            <a:ln>
+              <a:solidFill>
+                <a:schemeClr val="accent1">
+                  <a:shade val="50000"/>
+                </a:schemeClr>
+              </a:solidFill>
+            </a:ln>
+          </p:spPr>
+          <p:style>
+            <a:lnRef idx="2">
+              <a:schemeClr val="accent1">
+                <a:shade val="50000"/>
+              </a:schemeClr>
+            </a:lnRef>
+            <a:fillRef idx="1">
+              <a:schemeClr val="accent1"/>
+            </a:fillRef>
+            <a:effectRef idx="0">
+              <a:schemeClr val="accent1"/>
+            </a:effectRef>
+            <a:fontRef idx="minor">
+              <a:schemeClr val="lt1"/>
+            </a:fontRef>
+          </p:style>
+          <p:txBody>
+            <a:bodyPr rtlCol="0" anchor="ctr"/>
+            <a:lstStyle/>
+            <a:p>
+              <a:pPr algn="ctr"/>
+              <a:endParaRPr lang="ko-KR" altLang="en-US"/>
+            </a:p>
+          </p:txBody>
+        </p:sp>
+        <p:sp>
+          <p:nvSpPr>
+            <p:cNvPr id="27" name="TextBox 26">
+              <a:extLst>
+                <a:ext uri="{FF2B5EF4-FFF2-40B4-BE49-F238E27FC236}">
+                  <a16:creationId xmlns:a16="http://schemas.microsoft.com/office/drawing/2014/main" id="{5ACF5703-A291-E8EE-4A12-AE63C46788B6}"/>
+                </a:ext>
+              </a:extLst>
+            </p:cNvPr>
+            <p:cNvSpPr txBox="1"/>
+            <p:nvPr/>
+          </p:nvSpPr>
+          <p:spPr>
+            <a:xfrm>
+              <a:off x="12357071" y="2365849"/>
+              <a:ext cx="2415981" cy="523220"/>
+            </a:xfrm>
+            <a:prstGeom prst="rect">
+              <a:avLst/>
+            </a:prstGeom>
+            <a:solidFill>
+              <a:schemeClr val="bg1"/>
+            </a:solidFill>
+          </p:spPr>
+          <p:txBody>
+            <a:bodyPr wrap="square">
+              <a:spAutoFit/>
+            </a:bodyPr>
+            <a:lstStyle/>
+            <a:p>
+              <a:pPr algn="ctr"/>
+              <a:r>
+                <a:rPr lang="ko-KR" altLang="en-US" sz="2800" dirty="0">
+                  <a:solidFill>
+                    <a:srgbClr val="002060"/>
+                  </a:solidFill>
+                  <a:latin typeface="G마켓 산스 Bold" panose="02000000000000000000" pitchFamily="50" charset="-127"/>
+                  <a:ea typeface="G마켓 산스 Bold" panose="02000000000000000000" pitchFamily="50" charset="-127"/>
+                </a:rPr>
+                <a:t>삶의 모습</a:t>
+              </a:r>
+            </a:p>
+          </p:txBody>
+        </p:sp>
+        <p:sp>
+          <p:nvSpPr>
+            <p:cNvPr id="28" name="TextBox 27">
+              <a:extLst>
+                <a:ext uri="{FF2B5EF4-FFF2-40B4-BE49-F238E27FC236}">
+                  <a16:creationId xmlns:a16="http://schemas.microsoft.com/office/drawing/2014/main" id="{CAB44407-EF61-A4FC-451A-6A19EEBE5E7C}"/>
+                </a:ext>
+              </a:extLst>
+            </p:cNvPr>
+            <p:cNvSpPr txBox="1"/>
+            <p:nvPr/>
+          </p:nvSpPr>
+          <p:spPr>
+            <a:xfrm>
+              <a:off x="11737726" y="2781300"/>
+              <a:ext cx="3654673" cy="2966197"/>
+            </a:xfrm>
+            <a:prstGeom prst="rect">
+              <a:avLst/>
+            </a:prstGeom>
+            <a:noFill/>
+          </p:spPr>
+          <p:txBody>
+            <a:bodyPr wrap="square">
+              <a:spAutoFit/>
+            </a:bodyPr>
+            <a:lstStyle/>
+            <a:p>
+              <a:pPr>
+                <a:lnSpc>
+                  <a:spcPct val="150000"/>
+                </a:lnSpc>
+              </a:pPr>
+              <a:r>
+                <a:rPr lang="en-US" altLang="ko-KR" dirty="0">
+                  <a:solidFill>
+                    <a:srgbClr val="002060"/>
+                  </a:solidFill>
+                  <a:latin typeface="G마켓 산스 Medium" panose="02000000000000000000" pitchFamily="50" charset="-127"/>
+                  <a:ea typeface="G마켓 산스 Medium" panose="02000000000000000000" pitchFamily="50" charset="-127"/>
+                </a:rPr>
+                <a:t>1) </a:t>
+              </a:r>
+              <a:r>
+                <a:rPr lang="ko-KR" altLang="en-US" dirty="0">
+                  <a:solidFill>
+                    <a:srgbClr val="002060"/>
+                  </a:solidFill>
+                  <a:latin typeface="G마켓 산스 Medium" panose="02000000000000000000" pitchFamily="50" charset="-127"/>
+                  <a:ea typeface="G마켓 산스 Medium" panose="02000000000000000000" pitchFamily="50" charset="-127"/>
+                </a:rPr>
+                <a:t>삶의 만족도</a:t>
+              </a:r>
+              <a:endParaRPr lang="en-US" altLang="ko-KR" dirty="0">
+                <a:solidFill>
+                  <a:schemeClr val="tx1">
+                    <a:lumMod val="50000"/>
+                    <a:lumOff val="50000"/>
+                  </a:schemeClr>
+                </a:solidFill>
+                <a:latin typeface="G마켓 산스 Medium" panose="02000000000000000000" pitchFamily="50" charset="-127"/>
+                <a:ea typeface="G마켓 산스 Medium" panose="02000000000000000000" pitchFamily="50" charset="-127"/>
+              </a:endParaRPr>
+            </a:p>
+            <a:p>
+              <a:pPr>
+                <a:lnSpc>
+                  <a:spcPct val="150000"/>
+                </a:lnSpc>
+              </a:pPr>
+              <a:r>
+                <a:rPr lang="en-US" altLang="ko-KR" dirty="0">
+                  <a:solidFill>
+                    <a:srgbClr val="002060"/>
+                  </a:solidFill>
+                  <a:latin typeface="G마켓 산스 Medium" panose="02000000000000000000" pitchFamily="50" charset="-127"/>
+                  <a:ea typeface="G마켓 산스 Medium" panose="02000000000000000000" pitchFamily="50" charset="-127"/>
+                </a:rPr>
+                <a:t>2) </a:t>
+              </a:r>
+              <a:r>
+                <a:rPr lang="ko-KR" altLang="en-US" dirty="0" err="1">
+                  <a:solidFill>
+                    <a:srgbClr val="002060"/>
+                  </a:solidFill>
+                  <a:latin typeface="G마켓 산스 Medium" panose="02000000000000000000" pitchFamily="50" charset="-127"/>
+                  <a:ea typeface="G마켓 산스 Medium" panose="02000000000000000000" pitchFamily="50" charset="-127"/>
+                </a:rPr>
+                <a:t>자차</a:t>
+              </a:r>
+              <a:r>
+                <a:rPr lang="en-US" altLang="ko-KR" dirty="0">
+                  <a:solidFill>
+                    <a:srgbClr val="002060"/>
+                  </a:solidFill>
+                  <a:latin typeface="G마켓 산스 Medium" panose="02000000000000000000" pitchFamily="50" charset="-127"/>
+                  <a:ea typeface="G마켓 산스 Medium" panose="02000000000000000000" pitchFamily="50" charset="-127"/>
+                </a:rPr>
+                <a:t>/</a:t>
+              </a:r>
+              <a:r>
+                <a:rPr lang="ko-KR" altLang="en-US" dirty="0">
+                  <a:solidFill>
+                    <a:srgbClr val="002060"/>
+                  </a:solidFill>
+                  <a:latin typeface="G마켓 산스 Medium" panose="02000000000000000000" pitchFamily="50" charset="-127"/>
+                  <a:ea typeface="G마켓 산스 Medium" panose="02000000000000000000" pitchFamily="50" charset="-127"/>
+                </a:rPr>
+                <a:t>자가</a:t>
+              </a:r>
+              <a:r>
+                <a:rPr lang="en-US" altLang="ko-KR" dirty="0">
+                  <a:solidFill>
+                    <a:srgbClr val="002060"/>
+                  </a:solidFill>
+                  <a:latin typeface="G마켓 산스 Medium" panose="02000000000000000000" pitchFamily="50" charset="-127"/>
+                  <a:ea typeface="G마켓 산스 Medium" panose="02000000000000000000" pitchFamily="50" charset="-127"/>
+                </a:rPr>
+                <a:t>/</a:t>
+              </a:r>
+              <a:r>
+                <a:rPr lang="ko-KR" altLang="en-US" dirty="0">
+                  <a:solidFill>
+                    <a:srgbClr val="002060"/>
+                  </a:solidFill>
+                  <a:latin typeface="G마켓 산스 Medium" panose="02000000000000000000" pitchFamily="50" charset="-127"/>
+                  <a:ea typeface="G마켓 산스 Medium" panose="02000000000000000000" pitchFamily="50" charset="-127"/>
+                </a:rPr>
+                <a:t>결혼 유무</a:t>
+              </a:r>
+              <a:endParaRPr lang="en-US" altLang="ko-KR" dirty="0">
+                <a:solidFill>
+                  <a:schemeClr val="tx1">
+                    <a:lumMod val="50000"/>
+                    <a:lumOff val="50000"/>
+                  </a:schemeClr>
+                </a:solidFill>
+                <a:latin typeface="G마켓 산스 Medium" panose="02000000000000000000" pitchFamily="50" charset="-127"/>
+                <a:ea typeface="G마켓 산스 Medium" panose="02000000000000000000" pitchFamily="50" charset="-127"/>
+              </a:endParaRPr>
+            </a:p>
+            <a:p>
+              <a:pPr>
+                <a:lnSpc>
+                  <a:spcPct val="150000"/>
+                </a:lnSpc>
+              </a:pPr>
+              <a:r>
+                <a:rPr lang="en-US" altLang="ko-KR" dirty="0">
+                  <a:solidFill>
+                    <a:srgbClr val="002060"/>
+                  </a:solidFill>
+                  <a:latin typeface="G마켓 산스 Medium" panose="02000000000000000000" pitchFamily="50" charset="-127"/>
+                  <a:ea typeface="G마켓 산스 Medium" panose="02000000000000000000" pitchFamily="50" charset="-127"/>
+                </a:rPr>
+                <a:t>3) </a:t>
+              </a:r>
+              <a:r>
+                <a:rPr lang="ko-KR" altLang="en-US" dirty="0">
+                  <a:solidFill>
+                    <a:srgbClr val="002060"/>
+                  </a:solidFill>
+                  <a:latin typeface="G마켓 산스 Medium" panose="02000000000000000000" pitchFamily="50" charset="-127"/>
+                  <a:ea typeface="G마켓 산스 Medium" panose="02000000000000000000" pitchFamily="50" charset="-127"/>
+                </a:rPr>
+                <a:t>평균 월급</a:t>
+              </a:r>
+              <a:r>
+                <a:rPr lang="en-US" altLang="ko-KR" dirty="0">
+                  <a:solidFill>
+                    <a:srgbClr val="002060"/>
+                  </a:solidFill>
+                  <a:latin typeface="G마켓 산스 Medium" panose="02000000000000000000" pitchFamily="50" charset="-127"/>
+                  <a:ea typeface="G마켓 산스 Medium" panose="02000000000000000000" pitchFamily="50" charset="-127"/>
+                </a:rPr>
+                <a:t> </a:t>
+              </a:r>
+            </a:p>
+            <a:p>
+              <a:pPr>
+                <a:lnSpc>
+                  <a:spcPct val="150000"/>
+                </a:lnSpc>
+              </a:pPr>
+              <a:r>
+                <a:rPr lang="en-US" altLang="ko-KR" dirty="0">
+                  <a:solidFill>
+                    <a:srgbClr val="002060"/>
+                  </a:solidFill>
+                  <a:latin typeface="G마켓 산스 Medium" panose="02000000000000000000" pitchFamily="50" charset="-127"/>
+                  <a:ea typeface="G마켓 산스 Medium" panose="02000000000000000000" pitchFamily="50" charset="-127"/>
+                </a:rPr>
+                <a:t>4) </a:t>
+              </a:r>
+              <a:r>
+                <a:rPr lang="ko-KR" altLang="en-US" dirty="0">
+                  <a:solidFill>
+                    <a:srgbClr val="002060"/>
+                  </a:solidFill>
+                  <a:latin typeface="G마켓 산스 Medium" panose="02000000000000000000" pitchFamily="50" charset="-127"/>
+                  <a:ea typeface="G마켓 산스 Medium" panose="02000000000000000000" pitchFamily="50" charset="-127"/>
+                </a:rPr>
+                <a:t>평균 근로시간</a:t>
+              </a:r>
+              <a:endParaRPr lang="en-US" altLang="ko-KR" dirty="0">
+                <a:solidFill>
+                  <a:srgbClr val="002060"/>
+                </a:solidFill>
+                <a:latin typeface="G마켓 산스 Medium" panose="02000000000000000000" pitchFamily="50" charset="-127"/>
+                <a:ea typeface="G마켓 산스 Medium" panose="02000000000000000000" pitchFamily="50" charset="-127"/>
+              </a:endParaRPr>
+            </a:p>
+            <a:p>
+              <a:pPr>
+                <a:lnSpc>
+                  <a:spcPct val="150000"/>
+                </a:lnSpc>
+              </a:pPr>
+              <a:r>
+                <a:rPr lang="en-US" altLang="ko-KR" dirty="0">
+                  <a:solidFill>
+                    <a:srgbClr val="002060"/>
+                  </a:solidFill>
+                  <a:latin typeface="G마켓 산스 Medium" panose="02000000000000000000" pitchFamily="50" charset="-127"/>
+                  <a:ea typeface="G마켓 산스 Medium" panose="02000000000000000000" pitchFamily="50" charset="-127"/>
+                </a:rPr>
+                <a:t>5) </a:t>
+              </a:r>
+              <a:r>
+                <a:rPr lang="ko-KR" altLang="en-US" dirty="0">
+                  <a:solidFill>
+                    <a:srgbClr val="002060"/>
+                  </a:solidFill>
+                  <a:latin typeface="G마켓 산스 Medium" panose="02000000000000000000" pitchFamily="50" charset="-127"/>
+                  <a:ea typeface="G마켓 산스 Medium" panose="02000000000000000000" pitchFamily="50" charset="-127"/>
+                </a:rPr>
+                <a:t>가치관</a:t>
+              </a:r>
+              <a:endParaRPr lang="en-US" altLang="ko-KR" dirty="0">
+                <a:solidFill>
+                  <a:srgbClr val="002060"/>
+                </a:solidFill>
+                <a:latin typeface="G마켓 산스 Medium" panose="02000000000000000000" pitchFamily="50" charset="-127"/>
+                <a:ea typeface="G마켓 산스 Medium" panose="02000000000000000000" pitchFamily="50" charset="-127"/>
+              </a:endParaRPr>
+            </a:p>
+            <a:p>
+              <a:pPr algn="ctr">
+                <a:lnSpc>
+                  <a:spcPct val="150000"/>
+                </a:lnSpc>
+              </a:pPr>
+              <a:r>
+                <a:rPr lang="en-US" altLang="ko-KR" dirty="0">
+                  <a:solidFill>
+                    <a:srgbClr val="002060"/>
+                  </a:solidFill>
+                  <a:latin typeface="G마켓 산스 Medium" panose="02000000000000000000" pitchFamily="50" charset="-127"/>
+                  <a:ea typeface="G마켓 산스 Medium" panose="02000000000000000000" pitchFamily="50" charset="-127"/>
+                </a:rPr>
+                <a:t>…</a:t>
+              </a:r>
+            </a:p>
+            <a:p>
+              <a:pPr>
+                <a:lnSpc>
+                  <a:spcPct val="150000"/>
+                </a:lnSpc>
+              </a:pPr>
+              <a:endParaRPr lang="en-US" altLang="ko-KR" dirty="0">
+                <a:solidFill>
+                  <a:srgbClr val="002060"/>
+                </a:solidFill>
+                <a:latin typeface="G마켓 산스 Medium" panose="02000000000000000000" pitchFamily="50" charset="-127"/>
+                <a:ea typeface="G마켓 산스 Medium" panose="02000000000000000000" pitchFamily="50" charset="-127"/>
+              </a:endParaRPr>
+            </a:p>
+          </p:txBody>
+        </p:sp>
+        <p:sp>
+          <p:nvSpPr>
+            <p:cNvPr id="30" name="이등변 삼각형 29">
+              <a:extLst>
+                <a:ext uri="{FF2B5EF4-FFF2-40B4-BE49-F238E27FC236}">
+                  <a16:creationId xmlns:a16="http://schemas.microsoft.com/office/drawing/2014/main" id="{0DBB5C95-073E-3960-723A-3589C32907DD}"/>
+                </a:ext>
+              </a:extLst>
+            </p:cNvPr>
+            <p:cNvSpPr/>
+            <p:nvPr/>
+          </p:nvSpPr>
+          <p:spPr>
+            <a:xfrm rot="10800000">
+              <a:off x="9857969" y="7912977"/>
+              <a:ext cx="7523450" cy="996679"/>
+            </a:xfrm>
+            <a:prstGeom prst="triangle">
+              <a:avLst/>
+            </a:prstGeom>
+            <a:solidFill>
+              <a:srgbClr val="6E9CCC">
+                <a:alpha val="16000"/>
+              </a:srgbClr>
+            </a:solidFill>
+            <a:ln>
+              <a:noFill/>
+            </a:ln>
+          </p:spPr>
+          <p:style>
+            <a:lnRef idx="2">
+              <a:schemeClr val="accent1">
+                <a:shade val="50000"/>
+              </a:schemeClr>
+            </a:lnRef>
+            <a:fillRef idx="1">
+              <a:schemeClr val="accent1"/>
+            </a:fillRef>
+            <a:effectRef idx="0">
+              <a:schemeClr val="accent1"/>
+            </a:effectRef>
+            <a:fontRef idx="minor">
+              <a:schemeClr val="lt1"/>
+            </a:fontRef>
+          </p:style>
+          <p:txBody>
+            <a:bodyPr rtlCol="0" anchor="ctr"/>
+            <a:lstStyle/>
+            <a:p>
+              <a:pPr algn="ctr"/>
+              <a:endParaRPr lang="ko-KR" altLang="en-US" dirty="0"/>
+            </a:p>
+          </p:txBody>
+        </p:sp>
+        <p:sp>
+          <p:nvSpPr>
+            <p:cNvPr id="32" name="직사각형 31"/>
+            <p:cNvSpPr/>
+            <p:nvPr/>
+          </p:nvSpPr>
+          <p:spPr>
+            <a:xfrm>
+              <a:off x="12470857" y="2169720"/>
+              <a:ext cx="2188420" cy="307777"/>
+            </a:xfrm>
+            <a:prstGeom prst="rect">
+              <a:avLst/>
+            </a:prstGeom>
+          </p:spPr>
+          <p:txBody>
+            <a:bodyPr wrap="none">
+              <a:spAutoFit/>
+            </a:bodyPr>
+            <a:lstStyle/>
+            <a:p>
+              <a:pPr algn="ctr"/>
+              <a:r>
+                <a:rPr lang="ko-KR" altLang="en-US" sz="1400" dirty="0">
+                  <a:solidFill>
+                    <a:schemeClr val="bg1">
+                      <a:lumMod val="50000"/>
+                    </a:schemeClr>
+                  </a:solidFill>
+                  <a:latin typeface="G마켓 산스 Medium" panose="02000000000000000000" pitchFamily="50" charset="-127"/>
+                  <a:ea typeface="G마켓 산스 Medium" panose="02000000000000000000" pitchFamily="50" charset="-127"/>
+                </a:rPr>
+                <a:t>사용자와 유사한 사람들의</a:t>
+              </a:r>
+              <a:endParaRPr lang="en-US" altLang="ko-KR" sz="1400" dirty="0">
+                <a:solidFill>
+                  <a:schemeClr val="bg1">
+                    <a:lumMod val="50000"/>
+                  </a:schemeClr>
+                </a:solidFill>
+                <a:latin typeface="G마켓 산스 Medium" panose="02000000000000000000" pitchFamily="50" charset="-127"/>
+                <a:ea typeface="G마켓 산스 Medium" panose="02000000000000000000" pitchFamily="50" charset="-127"/>
+              </a:endParaRPr>
+            </a:p>
+          </p:txBody>
+        </p:sp>
+        <p:sp>
+          <p:nvSpPr>
+            <p:cNvPr id="29" name="TextBox 28">
+              <a:extLst>
+                <a:ext uri="{FF2B5EF4-FFF2-40B4-BE49-F238E27FC236}">
+                  <a16:creationId xmlns:a16="http://schemas.microsoft.com/office/drawing/2014/main" id="{2F35F647-9C72-DADD-2876-2296C29DAF00}"/>
+                </a:ext>
+              </a:extLst>
+            </p:cNvPr>
+            <p:cNvSpPr txBox="1"/>
+            <p:nvPr/>
+          </p:nvSpPr>
+          <p:spPr>
+            <a:xfrm>
+              <a:off x="10144991" y="7581900"/>
+              <a:ext cx="6913418" cy="707886"/>
+            </a:xfrm>
+            <a:prstGeom prst="rect">
+              <a:avLst/>
+            </a:prstGeom>
+            <a:noFill/>
+          </p:spPr>
+          <p:txBody>
+            <a:bodyPr wrap="square">
+              <a:spAutoFit/>
+            </a:bodyPr>
+            <a:lstStyle/>
+            <a:p>
+              <a:pPr algn="ctr"/>
+              <a:r>
+                <a:rPr lang="en-US" altLang="ko-KR" sz="4000" dirty="0">
+                  <a:solidFill>
+                    <a:srgbClr val="002060"/>
+                  </a:solidFill>
+                  <a:latin typeface="G마켓 산스 Bold" panose="02000000000000000000" pitchFamily="50" charset="-127"/>
+                  <a:ea typeface="G마켓 산스 Bold" panose="02000000000000000000" pitchFamily="50" charset="-127"/>
+                </a:rPr>
+                <a:t>“</a:t>
+              </a:r>
+              <a:r>
+                <a:rPr lang="ko-KR" altLang="en-US" sz="4000" dirty="0">
+                  <a:solidFill>
+                    <a:srgbClr val="002060"/>
+                  </a:solidFill>
+                  <a:latin typeface="G마켓 산스 Bold" panose="02000000000000000000" pitchFamily="50" charset="-127"/>
+                  <a:ea typeface="G마켓 산스 Bold" panose="02000000000000000000" pitchFamily="50" charset="-127"/>
+                </a:rPr>
+                <a:t>유사 조건 </a:t>
+              </a:r>
+              <a:r>
+                <a:rPr lang="en-US" altLang="ko-KR" sz="4000" dirty="0">
+                  <a:solidFill>
+                    <a:srgbClr val="002060"/>
+                  </a:solidFill>
+                  <a:latin typeface="G마켓 산스 Bold" panose="02000000000000000000" pitchFamily="50" charset="-127"/>
+                  <a:ea typeface="G마켓 산스 Bold" panose="02000000000000000000" pitchFamily="50" charset="-127"/>
+                </a:rPr>
+                <a:t>MZ</a:t>
+              </a:r>
+              <a:r>
+                <a:rPr lang="ko-KR" altLang="en-US" sz="4000" dirty="0">
+                  <a:solidFill>
+                    <a:srgbClr val="002060"/>
+                  </a:solidFill>
+                  <a:latin typeface="G마켓 산스 Bold" panose="02000000000000000000" pitchFamily="50" charset="-127"/>
+                  <a:ea typeface="G마켓 산스 Bold" panose="02000000000000000000" pitchFamily="50" charset="-127"/>
+                </a:rPr>
+                <a:t>세대의 통계</a:t>
+              </a:r>
+              <a:r>
+                <a:rPr lang="en-US" altLang="ko-KR" sz="4000" dirty="0">
+                  <a:solidFill>
+                    <a:srgbClr val="002060"/>
+                  </a:solidFill>
+                  <a:latin typeface="G마켓 산스 Bold" panose="02000000000000000000" pitchFamily="50" charset="-127"/>
+                  <a:ea typeface="G마켓 산스 Bold" panose="02000000000000000000" pitchFamily="50" charset="-127"/>
+                </a:rPr>
+                <a:t>”</a:t>
+              </a:r>
+            </a:p>
+          </p:txBody>
+        </p:sp>
+        <p:sp>
+          <p:nvSpPr>
+            <p:cNvPr id="33" name="TextBox 32"/>
+            <p:cNvSpPr txBox="1"/>
+            <p:nvPr/>
+          </p:nvSpPr>
+          <p:spPr>
+            <a:xfrm>
+              <a:off x="10134600" y="8267700"/>
+              <a:ext cx="6934200" cy="923330"/>
+            </a:xfrm>
+            <a:prstGeom prst="rect">
+              <a:avLst/>
+            </a:prstGeom>
+            <a:noFill/>
+          </p:spPr>
+          <p:txBody>
+            <a:bodyPr wrap="square" rtlCol="0">
+              <a:spAutoFit/>
+            </a:bodyPr>
+            <a:lstStyle/>
+            <a:p>
+              <a:pPr algn="ctr"/>
+              <a:r>
+                <a:rPr lang="ko-KR" altLang="en-US" sz="2700" dirty="0">
+                  <a:solidFill>
+                    <a:srgbClr val="002060"/>
+                  </a:solidFill>
+                  <a:latin typeface="G마켓 산스 Bold" panose="02000000000000000000" pitchFamily="50" charset="-127"/>
+                  <a:ea typeface="G마켓 산스 Bold" panose="02000000000000000000" pitchFamily="50" charset="-127"/>
+                </a:rPr>
+                <a:t>사용자와 유사한 조건의 사람들의</a:t>
+              </a:r>
+              <a:endParaRPr lang="en-US" altLang="ko-KR" sz="2700" dirty="0">
+                <a:solidFill>
+                  <a:srgbClr val="002060"/>
+                </a:solidFill>
+                <a:latin typeface="G마켓 산스 Bold" panose="02000000000000000000" pitchFamily="50" charset="-127"/>
+                <a:ea typeface="G마켓 산스 Bold" panose="02000000000000000000" pitchFamily="50" charset="-127"/>
+              </a:endParaRPr>
+            </a:p>
+            <a:p>
+              <a:pPr algn="ctr"/>
+              <a:r>
+                <a:rPr lang="ko-KR" altLang="en-US" sz="2700" dirty="0">
+                  <a:solidFill>
+                    <a:srgbClr val="002060"/>
+                  </a:solidFill>
+                  <a:latin typeface="G마켓 산스 Bold" panose="02000000000000000000" pitchFamily="50" charset="-127"/>
+                  <a:ea typeface="G마켓 산스 Bold" panose="02000000000000000000" pitchFamily="50" charset="-127"/>
+                </a:rPr>
+                <a:t>다양한 삶의 모습을</a:t>
+              </a:r>
+              <a:r>
+                <a:rPr lang="en-US" altLang="ko-KR" sz="2700" dirty="0">
+                  <a:solidFill>
+                    <a:srgbClr val="002060"/>
+                  </a:solidFill>
+                  <a:latin typeface="G마켓 산스 Bold" panose="02000000000000000000" pitchFamily="50" charset="-127"/>
+                  <a:ea typeface="G마켓 산스 Bold" panose="02000000000000000000" pitchFamily="50" charset="-127"/>
+                </a:rPr>
+                <a:t> </a:t>
+              </a:r>
+              <a:r>
+                <a:rPr lang="ko-KR" altLang="en-US" sz="2700" dirty="0">
+                  <a:solidFill>
+                    <a:srgbClr val="002060"/>
+                  </a:solidFill>
+                  <a:latin typeface="G마켓 산스 Bold" panose="02000000000000000000" pitchFamily="50" charset="-127"/>
+                  <a:ea typeface="G마켓 산스 Bold" panose="02000000000000000000" pitchFamily="50" charset="-127"/>
+                </a:rPr>
+                <a:t>시각화하여 제공</a:t>
+              </a:r>
+              <a:endParaRPr lang="en-US" altLang="ko-KR" sz="2700" dirty="0">
+                <a:solidFill>
+                  <a:srgbClr val="002060"/>
+                </a:solidFill>
+                <a:latin typeface="G마켓 산스 Bold" panose="02000000000000000000" pitchFamily="50" charset="-127"/>
+                <a:ea typeface="G마켓 산스 Bold" panose="02000000000000000000" pitchFamily="50" charset="-127"/>
+              </a:endParaRPr>
+            </a:p>
+          </p:txBody>
+        </p:sp>
+      </p:grpSp>
+      <p:pic>
+        <p:nvPicPr>
+          <p:cNvPr id="3" name="그림 2"/>
+          <p:cNvPicPr>
+            <a:picLocks noChangeAspect="1"/>
+          </p:cNvPicPr>
+          <p:nvPr/>
+        </p:nvPicPr>
+        <p:blipFill>
+          <a:blip r:embed="rId2"/>
+          <a:stretch>
+            <a:fillRect/>
+          </a:stretch>
+        </p:blipFill>
+        <p:spPr>
+          <a:xfrm>
+            <a:off x="609600" y="2707855"/>
+            <a:ext cx="8837541" cy="6169445"/>
+          </a:xfrm>
+          <a:prstGeom prst="rect">
+            <a:avLst/>
+          </a:prstGeom>
+        </p:spPr>
+      </p:pic>
+    </p:spTree>
+    <p:extLst>
+      <p:ext uri="{BB962C8B-B14F-4D97-AF65-F5344CB8AC3E}">
+        <p14:creationId xmlns:p14="http://schemas.microsoft.com/office/powerpoint/2010/main" val="3451368840"/>
+      </p:ext>
+    </p:extLst>
+  </p:cSld>
+  <p:clrMapOvr>
+    <a:masterClrMapping/>
+  </p:clrMapOvr>
+</p:sld>
+</file>
+
+<file path=ppt/slides/slide11.xml><?xml version="1.0" encoding="utf-8"?>
+<p:sld xmlns:a="http://schemas.openxmlformats.org/drawingml/2006/main" xmlns:r="http://schemas.openxmlformats.org/officeDocument/2006/relationships" xmlns:p="http://schemas.openxmlformats.org/presentationml/2006/main">
+  <p:cSld>
+    <p:spTree>
+      <p:nvGrpSpPr>
+        <p:cNvPr id="1" name=""/>
+        <p:cNvGrpSpPr/>
+        <p:nvPr/>
+      </p:nvGrpSpPr>
+      <p:grpSpPr>
+        <a:xfrm>
+          <a:off x="0" y="0"/>
+          <a:ext cx="0" cy="0"/>
+          <a:chOff x="0" y="0"/>
+          <a:chExt cx="0" cy="0"/>
+        </a:xfrm>
+      </p:grpSpPr>
       <p:sp>
         <p:nvSpPr>
           <p:cNvPr id="6" name="Object 30"/>
@@ -5007,7 +5933,7 @@
 </p:sld>
 </file>
 
-<file path=ppt/slides/slide11.xml><?xml version="1.0" encoding="utf-8"?>
+<file path=ppt/slides/slide12.xml><?xml version="1.0" encoding="utf-8"?>
 <p:sld xmlns:a="http://schemas.openxmlformats.org/drawingml/2006/main" xmlns:r="http://schemas.openxmlformats.org/officeDocument/2006/relationships" xmlns:p="http://schemas.openxmlformats.org/presentationml/2006/main">
   <p:cSld>
     <p:spTree>
@@ -5258,6 +6184,13 @@
                 <a:ea typeface="G마켓 산스 Bold" panose="02000000000000000000" pitchFamily="50" charset="-127"/>
               </a:rPr>
               <a:t>베이비붐 세대 </a:t>
+            </a:r>
+            <a:r>
+              <a:rPr lang="en-US" altLang="ko-KR" dirty="0">
+                <a:latin typeface="G마켓 산스 Bold" panose="02000000000000000000" pitchFamily="50" charset="-127"/>
+                <a:ea typeface="G마켓 산스 Bold" panose="02000000000000000000" pitchFamily="50" charset="-127"/>
+              </a:rPr>
+              <a:t/>
             </a:r>
             <a:br>
               <a:rPr lang="en-US" altLang="ko-KR" dirty="0">
@@ -5496,6 +6429,13 @@
               </a:rPr>
               <a:t>세대 취미 추천 서비스</a:t>
             </a:r>
+            <a:r>
+              <a:rPr lang="en-US" altLang="ko-KR" dirty="0">
+                <a:latin typeface="G마켓 산스 Bold" panose="02000000000000000000" pitchFamily="50" charset="-127"/>
+                <a:ea typeface="G마켓 산스 Bold" panose="02000000000000000000" pitchFamily="50" charset="-127"/>
+              </a:rPr>
+              <a:t/>
+            </a:r>
             <a:br>
               <a:rPr lang="en-US" altLang="ko-KR" dirty="0">
                 <a:latin typeface="G마켓 산스 Bold" panose="02000000000000000000" pitchFamily="50" charset="-127"/>
@@ -5559,7 +6499,7 @@
 </p:sld>
 </file>
 
-<file path=ppt/slides/slide12.xml><?xml version="1.0" encoding="utf-8"?>
+<file path=ppt/slides/slide13.xml><?xml version="1.0" encoding="utf-8"?>
 <p:sld xmlns:a="http://schemas.openxmlformats.org/drawingml/2006/main" xmlns:r="http://schemas.openxmlformats.org/officeDocument/2006/relationships" xmlns:p="http://schemas.openxmlformats.org/presentationml/2006/main">
   <p:cSld name="Slide 10">
     <p:bg>
@@ -11351,1431 +12291,6 @@
       </p:cxnSp>
       <p:sp>
         <p:nvSpPr>
-          <p:cNvPr id="58" name="직사각형 57">
-            <a:extLst>
-              <a:ext uri="{FF2B5EF4-FFF2-40B4-BE49-F238E27FC236}">
-                <a16:creationId xmlns:a16="http://schemas.microsoft.com/office/drawing/2014/main" id="{7A18BB36-6312-271E-240E-1B79BD8E9244}"/>
-              </a:ext>
-            </a:extLst>
-          </p:cNvPr>
-          <p:cNvSpPr/>
-          <p:nvPr/>
-        </p:nvSpPr>
-        <p:spPr>
-          <a:xfrm>
-            <a:off x="9952342" y="2555172"/>
-            <a:ext cx="3200934" cy="4905197"/>
-          </a:xfrm>
-          <a:prstGeom prst="rect">
-            <a:avLst/>
-          </a:prstGeom>
-          <a:noFill/>
-          <a:ln>
-            <a:solidFill>
-              <a:schemeClr val="accent1">
-                <a:shade val="50000"/>
-              </a:schemeClr>
-            </a:solidFill>
-          </a:ln>
-        </p:spPr>
-        <p:style>
-          <a:lnRef idx="2">
-            <a:schemeClr val="accent1">
-              <a:shade val="50000"/>
-            </a:schemeClr>
-          </a:lnRef>
-          <a:fillRef idx="1">
-            <a:schemeClr val="accent1"/>
-          </a:fillRef>
-          <a:effectRef idx="0">
-            <a:schemeClr val="accent1"/>
-          </a:effectRef>
-          <a:fontRef idx="minor">
-            <a:schemeClr val="lt1"/>
-          </a:fontRef>
-        </p:style>
-        <p:txBody>
-          <a:bodyPr rtlCol="0" anchor="ctr"/>
-          <a:lstStyle/>
-          <a:p>
-            <a:pPr algn="ctr"/>
-            <a:endParaRPr lang="ko-KR" altLang="en-US"/>
-          </a:p>
-        </p:txBody>
-      </p:sp>
-      <p:sp>
-        <p:nvSpPr>
-          <p:cNvPr id="59" name="직사각형 58">
-            <a:extLst>
-              <a:ext uri="{FF2B5EF4-FFF2-40B4-BE49-F238E27FC236}">
-                <a16:creationId xmlns:a16="http://schemas.microsoft.com/office/drawing/2014/main" id="{4AA18350-BAAE-1C58-C0CC-36F7D0681531}"/>
-              </a:ext>
-            </a:extLst>
-          </p:cNvPr>
-          <p:cNvSpPr/>
-          <p:nvPr/>
-        </p:nvSpPr>
-        <p:spPr>
-          <a:xfrm>
-            <a:off x="13524239" y="2555172"/>
-            <a:ext cx="3931978" cy="4905197"/>
-          </a:xfrm>
-          <a:prstGeom prst="rect">
-            <a:avLst/>
-          </a:prstGeom>
-          <a:noFill/>
-          <a:ln>
-            <a:solidFill>
-              <a:schemeClr val="accent1">
-                <a:shade val="50000"/>
-              </a:schemeClr>
-            </a:solidFill>
-          </a:ln>
-        </p:spPr>
-        <p:style>
-          <a:lnRef idx="2">
-            <a:schemeClr val="accent1">
-              <a:shade val="50000"/>
-            </a:schemeClr>
-          </a:lnRef>
-          <a:fillRef idx="1">
-            <a:schemeClr val="accent1"/>
-          </a:fillRef>
-          <a:effectRef idx="0">
-            <a:schemeClr val="accent1"/>
-          </a:effectRef>
-          <a:fontRef idx="minor">
-            <a:schemeClr val="lt1"/>
-          </a:fontRef>
-        </p:style>
-        <p:txBody>
-          <a:bodyPr rtlCol="0" anchor="ctr"/>
-          <a:lstStyle/>
-          <a:p>
-            <a:pPr algn="ctr"/>
-            <a:endParaRPr lang="ko-KR" altLang="en-US"/>
-          </a:p>
-        </p:txBody>
-      </p:sp>
-      <p:sp>
-        <p:nvSpPr>
-          <p:cNvPr id="63" name="TextBox 62">
-            <a:extLst>
-              <a:ext uri="{FF2B5EF4-FFF2-40B4-BE49-F238E27FC236}">
-                <a16:creationId xmlns:a16="http://schemas.microsoft.com/office/drawing/2014/main" id="{47EC1A70-0287-ACDB-501D-EA00F3D43C91}"/>
-              </a:ext>
-            </a:extLst>
-          </p:cNvPr>
-          <p:cNvSpPr txBox="1"/>
-          <p:nvPr/>
-        </p:nvSpPr>
-        <p:spPr>
-          <a:xfrm>
-            <a:off x="10344818" y="2365849"/>
-            <a:ext cx="2415981" cy="523220"/>
-          </a:xfrm>
-          <a:prstGeom prst="rect">
-            <a:avLst/>
-          </a:prstGeom>
-          <a:solidFill>
-            <a:schemeClr val="bg1"/>
-          </a:solidFill>
-        </p:spPr>
-        <p:txBody>
-          <a:bodyPr wrap="square">
-            <a:spAutoFit/>
-          </a:bodyPr>
-          <a:lstStyle/>
-          <a:p>
-            <a:pPr algn="ctr"/>
-            <a:r>
-              <a:rPr lang="ko-KR" altLang="en-US" sz="2800" dirty="0">
-                <a:solidFill>
-                  <a:srgbClr val="002060"/>
-                </a:solidFill>
-                <a:latin typeface="G마켓 산스 Bold" panose="02000000000000000000" pitchFamily="50" charset="-127"/>
-                <a:ea typeface="G마켓 산스 Bold" panose="02000000000000000000" pitchFamily="50" charset="-127"/>
-              </a:rPr>
-              <a:t>개인별 환경 </a:t>
-            </a:r>
-          </a:p>
-        </p:txBody>
-      </p:sp>
-      <p:sp>
-        <p:nvSpPr>
-          <p:cNvPr id="65" name="TextBox 64">
-            <a:extLst>
-              <a:ext uri="{FF2B5EF4-FFF2-40B4-BE49-F238E27FC236}">
-                <a16:creationId xmlns:a16="http://schemas.microsoft.com/office/drawing/2014/main" id="{5EBB711D-57E6-DB6C-F4C7-82AD98360413}"/>
-              </a:ext>
-            </a:extLst>
-          </p:cNvPr>
-          <p:cNvSpPr txBox="1"/>
-          <p:nvPr/>
-        </p:nvSpPr>
-        <p:spPr>
-          <a:xfrm>
-            <a:off x="10120207" y="2781300"/>
-            <a:ext cx="2196970" cy="2550698"/>
-          </a:xfrm>
-          <a:prstGeom prst="rect">
-            <a:avLst/>
-          </a:prstGeom>
-          <a:noFill/>
-        </p:spPr>
-        <p:txBody>
-          <a:bodyPr wrap="square">
-            <a:spAutoFit/>
-          </a:bodyPr>
-          <a:lstStyle/>
-          <a:p>
-            <a:pPr>
-              <a:lnSpc>
-                <a:spcPct val="150000"/>
-              </a:lnSpc>
-            </a:pPr>
-            <a:r>
-              <a:rPr lang="en-US" altLang="ko-KR" dirty="0">
-                <a:solidFill>
-                  <a:srgbClr val="002060"/>
-                </a:solidFill>
-                <a:latin typeface="G마켓 산스 Medium" panose="02000000000000000000" pitchFamily="50" charset="-127"/>
-                <a:ea typeface="G마켓 산스 Medium" panose="02000000000000000000" pitchFamily="50" charset="-127"/>
-              </a:rPr>
-              <a:t>1) </a:t>
-            </a:r>
-            <a:r>
-              <a:rPr lang="ko-KR" altLang="en-US" dirty="0">
-                <a:solidFill>
-                  <a:srgbClr val="002060"/>
-                </a:solidFill>
-                <a:latin typeface="G마켓 산스 Medium" panose="02000000000000000000" pitchFamily="50" charset="-127"/>
-                <a:ea typeface="G마켓 산스 Medium" panose="02000000000000000000" pitchFamily="50" charset="-127"/>
-              </a:rPr>
-              <a:t>성별</a:t>
-            </a:r>
-            <a:endParaRPr lang="en-US" altLang="ko-KR" dirty="0">
-              <a:solidFill>
-                <a:srgbClr val="002060"/>
-              </a:solidFill>
-              <a:latin typeface="G마켓 산스 Medium" panose="02000000000000000000" pitchFamily="50" charset="-127"/>
-              <a:ea typeface="G마켓 산스 Medium" panose="02000000000000000000" pitchFamily="50" charset="-127"/>
-            </a:endParaRPr>
-          </a:p>
-          <a:p>
-            <a:pPr>
-              <a:lnSpc>
-                <a:spcPct val="150000"/>
-              </a:lnSpc>
-            </a:pPr>
-            <a:r>
-              <a:rPr lang="en-US" altLang="ko-KR" dirty="0">
-                <a:solidFill>
-                  <a:srgbClr val="002060"/>
-                </a:solidFill>
-                <a:latin typeface="G마켓 산스 Medium" panose="02000000000000000000" pitchFamily="50" charset="-127"/>
-                <a:ea typeface="G마켓 산스 Medium" panose="02000000000000000000" pitchFamily="50" charset="-127"/>
-              </a:rPr>
-              <a:t>2) </a:t>
-            </a:r>
-            <a:r>
-              <a:rPr lang="ko-KR" altLang="en-US" dirty="0">
-                <a:solidFill>
-                  <a:srgbClr val="002060"/>
-                </a:solidFill>
-                <a:latin typeface="G마켓 산스 Medium" panose="02000000000000000000" pitchFamily="50" charset="-127"/>
-                <a:ea typeface="G마켓 산스 Medium" panose="02000000000000000000" pitchFamily="50" charset="-127"/>
-              </a:rPr>
-              <a:t>연령</a:t>
-            </a:r>
-            <a:endParaRPr lang="en-US" altLang="ko-KR" dirty="0">
-              <a:solidFill>
-                <a:srgbClr val="002060"/>
-              </a:solidFill>
-              <a:latin typeface="G마켓 산스 Medium" panose="02000000000000000000" pitchFamily="50" charset="-127"/>
-              <a:ea typeface="G마켓 산스 Medium" panose="02000000000000000000" pitchFamily="50" charset="-127"/>
-            </a:endParaRPr>
-          </a:p>
-          <a:p>
-            <a:pPr>
-              <a:lnSpc>
-                <a:spcPct val="150000"/>
-              </a:lnSpc>
-            </a:pPr>
-            <a:r>
-              <a:rPr lang="en-US" altLang="ko-KR" dirty="0">
-                <a:solidFill>
-                  <a:srgbClr val="002060"/>
-                </a:solidFill>
-                <a:latin typeface="G마켓 산스 Medium" panose="02000000000000000000" pitchFamily="50" charset="-127"/>
-                <a:ea typeface="G마켓 산스 Medium" panose="02000000000000000000" pitchFamily="50" charset="-127"/>
-              </a:rPr>
-              <a:t>3) </a:t>
-            </a:r>
-            <a:r>
-              <a:rPr lang="ko-KR" altLang="en-US" dirty="0">
-                <a:solidFill>
-                  <a:srgbClr val="002060"/>
-                </a:solidFill>
-                <a:latin typeface="G마켓 산스 Medium" panose="02000000000000000000" pitchFamily="50" charset="-127"/>
-                <a:ea typeface="G마켓 산스 Medium" panose="02000000000000000000" pitchFamily="50" charset="-127"/>
-              </a:rPr>
-              <a:t>학력</a:t>
-            </a:r>
-            <a:endParaRPr lang="en-US" altLang="ko-KR" dirty="0">
-              <a:solidFill>
-                <a:srgbClr val="002060"/>
-              </a:solidFill>
-              <a:latin typeface="G마켓 산스 Medium" panose="02000000000000000000" pitchFamily="50" charset="-127"/>
-              <a:ea typeface="G마켓 산스 Medium" panose="02000000000000000000" pitchFamily="50" charset="-127"/>
-            </a:endParaRPr>
-          </a:p>
-          <a:p>
-            <a:pPr>
-              <a:lnSpc>
-                <a:spcPct val="150000"/>
-              </a:lnSpc>
-            </a:pPr>
-            <a:r>
-              <a:rPr lang="en-US" altLang="ko-KR" dirty="0">
-                <a:solidFill>
-                  <a:srgbClr val="002060"/>
-                </a:solidFill>
-                <a:latin typeface="G마켓 산스 Medium" panose="02000000000000000000" pitchFamily="50" charset="-127"/>
-                <a:ea typeface="G마켓 산스 Medium" panose="02000000000000000000" pitchFamily="50" charset="-127"/>
-              </a:rPr>
-              <a:t>4) </a:t>
-            </a:r>
-            <a:r>
-              <a:rPr lang="ko-KR" altLang="en-US" dirty="0">
-                <a:solidFill>
-                  <a:srgbClr val="002060"/>
-                </a:solidFill>
-                <a:latin typeface="G마켓 산스 Medium" panose="02000000000000000000" pitchFamily="50" charset="-127"/>
-                <a:ea typeface="G마켓 산스 Medium" panose="02000000000000000000" pitchFamily="50" charset="-127"/>
-              </a:rPr>
-              <a:t>혼인 여부</a:t>
-            </a:r>
-          </a:p>
-          <a:p>
-            <a:pPr>
-              <a:lnSpc>
-                <a:spcPct val="150000"/>
-              </a:lnSpc>
-            </a:pPr>
-            <a:r>
-              <a:rPr lang="en-US" altLang="ko-KR" dirty="0">
-                <a:solidFill>
-                  <a:srgbClr val="002060"/>
-                </a:solidFill>
-                <a:latin typeface="G마켓 산스 Medium" panose="02000000000000000000" pitchFamily="50" charset="-127"/>
-                <a:ea typeface="G마켓 산스 Medium" panose="02000000000000000000" pitchFamily="50" charset="-127"/>
-              </a:rPr>
-              <a:t>5) </a:t>
-            </a:r>
-            <a:r>
-              <a:rPr lang="ko-KR" altLang="en-US" dirty="0" err="1">
-                <a:solidFill>
-                  <a:srgbClr val="002060"/>
-                </a:solidFill>
-                <a:latin typeface="G마켓 산스 Medium" panose="02000000000000000000" pitchFamily="50" charset="-127"/>
-                <a:ea typeface="G마켓 산스 Medium" panose="02000000000000000000" pitchFamily="50" charset="-127"/>
-              </a:rPr>
-              <a:t>자차</a:t>
-            </a:r>
-            <a:r>
-              <a:rPr lang="ko-KR" altLang="en-US" dirty="0">
-                <a:solidFill>
-                  <a:srgbClr val="002060"/>
-                </a:solidFill>
-                <a:latin typeface="G마켓 산스 Medium" panose="02000000000000000000" pitchFamily="50" charset="-127"/>
-                <a:ea typeface="G마켓 산스 Medium" panose="02000000000000000000" pitchFamily="50" charset="-127"/>
-              </a:rPr>
-              <a:t> 여부</a:t>
-            </a:r>
-            <a:endParaRPr lang="en-US" altLang="ko-KR" dirty="0">
-              <a:solidFill>
-                <a:srgbClr val="002060"/>
-              </a:solidFill>
-              <a:latin typeface="G마켓 산스 Medium" panose="02000000000000000000" pitchFamily="50" charset="-127"/>
-              <a:ea typeface="G마켓 산스 Medium" panose="02000000000000000000" pitchFamily="50" charset="-127"/>
-            </a:endParaRPr>
-          </a:p>
-          <a:p>
-            <a:pPr>
-              <a:lnSpc>
-                <a:spcPct val="150000"/>
-              </a:lnSpc>
-            </a:pPr>
-            <a:r>
-              <a:rPr lang="en-US" altLang="ko-KR" dirty="0">
-                <a:solidFill>
-                  <a:srgbClr val="002060"/>
-                </a:solidFill>
-                <a:latin typeface="G마켓 산스 Medium" panose="02000000000000000000" pitchFamily="50" charset="-127"/>
-                <a:ea typeface="G마켓 산스 Medium" panose="02000000000000000000" pitchFamily="50" charset="-127"/>
-              </a:rPr>
-              <a:t>6) </a:t>
-            </a:r>
-            <a:r>
-              <a:rPr lang="ko-KR" altLang="en-US" dirty="0">
-                <a:solidFill>
-                  <a:srgbClr val="002060"/>
-                </a:solidFill>
-                <a:latin typeface="G마켓 산스 Medium" panose="02000000000000000000" pitchFamily="50" charset="-127"/>
-                <a:ea typeface="G마켓 산스 Medium" panose="02000000000000000000" pitchFamily="50" charset="-127"/>
-              </a:rPr>
-              <a:t>가치관</a:t>
-            </a:r>
-            <a:endParaRPr lang="en-US" altLang="ko-KR" dirty="0">
-              <a:solidFill>
-                <a:srgbClr val="002060"/>
-              </a:solidFill>
-              <a:latin typeface="G마켓 산스 Medium" panose="02000000000000000000" pitchFamily="50" charset="-127"/>
-              <a:ea typeface="G마켓 산스 Medium" panose="02000000000000000000" pitchFamily="50" charset="-127"/>
-            </a:endParaRPr>
-          </a:p>
-        </p:txBody>
-      </p:sp>
-      <p:sp>
-        <p:nvSpPr>
-          <p:cNvPr id="66" name="TextBox 65">
-            <a:extLst>
-              <a:ext uri="{FF2B5EF4-FFF2-40B4-BE49-F238E27FC236}">
-                <a16:creationId xmlns:a16="http://schemas.microsoft.com/office/drawing/2014/main" id="{5ACF5703-A291-E8EE-4A12-AE63C46788B6}"/>
-              </a:ext>
-            </a:extLst>
-          </p:cNvPr>
-          <p:cNvSpPr txBox="1"/>
-          <p:nvPr/>
-        </p:nvSpPr>
-        <p:spPr>
-          <a:xfrm>
-            <a:off x="14192288" y="2365849"/>
-            <a:ext cx="2415981" cy="523220"/>
-          </a:xfrm>
-          <a:prstGeom prst="rect">
-            <a:avLst/>
-          </a:prstGeom>
-          <a:solidFill>
-            <a:schemeClr val="bg1"/>
-          </a:solidFill>
-        </p:spPr>
-        <p:txBody>
-          <a:bodyPr wrap="square">
-            <a:spAutoFit/>
-          </a:bodyPr>
-          <a:lstStyle/>
-          <a:p>
-            <a:pPr algn="ctr"/>
-            <a:r>
-              <a:rPr lang="ko-KR" altLang="en-US" sz="2800" dirty="0">
-                <a:solidFill>
-                  <a:srgbClr val="002060"/>
-                </a:solidFill>
-                <a:latin typeface="G마켓 산스 Bold" panose="02000000000000000000" pitchFamily="50" charset="-127"/>
-                <a:ea typeface="G마켓 산스 Bold" panose="02000000000000000000" pitchFamily="50" charset="-127"/>
-              </a:rPr>
-              <a:t>만족도</a:t>
-            </a:r>
-          </a:p>
-        </p:txBody>
-      </p:sp>
-      <p:sp>
-        <p:nvSpPr>
-          <p:cNvPr id="68" name="TextBox 67">
-            <a:extLst>
-              <a:ext uri="{FF2B5EF4-FFF2-40B4-BE49-F238E27FC236}">
-                <a16:creationId xmlns:a16="http://schemas.microsoft.com/office/drawing/2014/main" id="{CAB44407-EF61-A4FC-451A-6A19EEBE5E7C}"/>
-              </a:ext>
-            </a:extLst>
-          </p:cNvPr>
-          <p:cNvSpPr txBox="1"/>
-          <p:nvPr/>
-        </p:nvSpPr>
-        <p:spPr>
-          <a:xfrm>
-            <a:off x="13572943" y="2781300"/>
-            <a:ext cx="3654673" cy="3797193"/>
-          </a:xfrm>
-          <a:prstGeom prst="rect">
-            <a:avLst/>
-          </a:prstGeom>
-          <a:noFill/>
-        </p:spPr>
-        <p:txBody>
-          <a:bodyPr wrap="square">
-            <a:spAutoFit/>
-          </a:bodyPr>
-          <a:lstStyle/>
-          <a:p>
-            <a:pPr marL="342900" indent="-342900">
-              <a:lnSpc>
-                <a:spcPct val="150000"/>
-              </a:lnSpc>
-              <a:buAutoNum type="arabicParenR"/>
-            </a:pPr>
-            <a:r>
-              <a:rPr lang="ko-KR" altLang="en-US" dirty="0">
-                <a:solidFill>
-                  <a:srgbClr val="002060"/>
-                </a:solidFill>
-                <a:latin typeface="G마켓 산스 Medium" panose="02000000000000000000" pitchFamily="50" charset="-127"/>
-                <a:ea typeface="G마켓 산스 Medium" panose="02000000000000000000" pitchFamily="50" charset="-127"/>
-              </a:rPr>
-              <a:t>삶의 만족도</a:t>
-            </a:r>
-            <a:endParaRPr lang="en-US" altLang="ko-KR" dirty="0">
-              <a:solidFill>
-                <a:srgbClr val="002060"/>
-              </a:solidFill>
-              <a:latin typeface="G마켓 산스 Medium" panose="02000000000000000000" pitchFamily="50" charset="-127"/>
-              <a:ea typeface="G마켓 산스 Medium" panose="02000000000000000000" pitchFamily="50" charset="-127"/>
-            </a:endParaRPr>
-          </a:p>
-          <a:p>
-            <a:pPr>
-              <a:lnSpc>
-                <a:spcPct val="150000"/>
-              </a:lnSpc>
-            </a:pPr>
-            <a:r>
-              <a:rPr lang="en-US" altLang="ko-KR" dirty="0">
-                <a:solidFill>
-                  <a:schemeClr val="tx1">
-                    <a:lumMod val="50000"/>
-                    <a:lumOff val="50000"/>
-                  </a:schemeClr>
-                </a:solidFill>
-                <a:latin typeface="G마켓 산스 Medium" panose="02000000000000000000" pitchFamily="50" charset="-127"/>
-                <a:ea typeface="G마켓 산스 Medium" panose="02000000000000000000" pitchFamily="50" charset="-127"/>
-              </a:rPr>
-              <a:t>: </a:t>
-            </a:r>
-            <a:r>
-              <a:rPr lang="ko-KR" altLang="en-US" dirty="0">
-                <a:solidFill>
-                  <a:schemeClr val="tx1">
-                    <a:lumMod val="50000"/>
-                    <a:lumOff val="50000"/>
-                  </a:schemeClr>
-                </a:solidFill>
-                <a:latin typeface="G마켓 산스 Medium" panose="02000000000000000000" pitchFamily="50" charset="-127"/>
-                <a:ea typeface="G마켓 산스 Medium" panose="02000000000000000000" pitchFamily="50" charset="-127"/>
-              </a:rPr>
-              <a:t>전반적인 삶의 만족도</a:t>
-            </a:r>
-            <a:endParaRPr lang="en-US" altLang="ko-KR" dirty="0">
-              <a:solidFill>
-                <a:schemeClr val="tx1">
-                  <a:lumMod val="50000"/>
-                  <a:lumOff val="50000"/>
-                </a:schemeClr>
-              </a:solidFill>
-              <a:latin typeface="G마켓 산스 Medium" panose="02000000000000000000" pitchFamily="50" charset="-127"/>
-              <a:ea typeface="G마켓 산스 Medium" panose="02000000000000000000" pitchFamily="50" charset="-127"/>
-            </a:endParaRPr>
-          </a:p>
-          <a:p>
-            <a:pPr>
-              <a:lnSpc>
-                <a:spcPct val="150000"/>
-              </a:lnSpc>
-            </a:pPr>
-            <a:r>
-              <a:rPr lang="en-US" altLang="ko-KR" dirty="0">
-                <a:solidFill>
-                  <a:srgbClr val="002060"/>
-                </a:solidFill>
-                <a:latin typeface="G마켓 산스 Medium" panose="02000000000000000000" pitchFamily="50" charset="-127"/>
-                <a:ea typeface="G마켓 산스 Medium" panose="02000000000000000000" pitchFamily="50" charset="-127"/>
-              </a:rPr>
-              <a:t>2) </a:t>
-            </a:r>
-            <a:r>
-              <a:rPr lang="ko-KR" altLang="en-US" dirty="0">
-                <a:solidFill>
-                  <a:srgbClr val="002060"/>
-                </a:solidFill>
-                <a:latin typeface="G마켓 산스 Medium" panose="02000000000000000000" pitchFamily="50" charset="-127"/>
-                <a:ea typeface="G마켓 산스 Medium" panose="02000000000000000000" pitchFamily="50" charset="-127"/>
-              </a:rPr>
-              <a:t>생활수준 만족도</a:t>
-            </a:r>
-            <a:endParaRPr lang="en-US" altLang="ko-KR" dirty="0">
-              <a:solidFill>
-                <a:srgbClr val="002060"/>
-              </a:solidFill>
-              <a:latin typeface="G마켓 산스 Medium" panose="02000000000000000000" pitchFamily="50" charset="-127"/>
-              <a:ea typeface="G마켓 산스 Medium" panose="02000000000000000000" pitchFamily="50" charset="-127"/>
-            </a:endParaRPr>
-          </a:p>
-          <a:p>
-            <a:pPr>
-              <a:lnSpc>
-                <a:spcPct val="150000"/>
-              </a:lnSpc>
-            </a:pPr>
-            <a:r>
-              <a:rPr lang="en-US" altLang="ko-KR" dirty="0">
-                <a:solidFill>
-                  <a:srgbClr val="002060"/>
-                </a:solidFill>
-                <a:latin typeface="G마켓 산스 Medium" panose="02000000000000000000" pitchFamily="50" charset="-127"/>
-                <a:ea typeface="G마켓 산스 Medium" panose="02000000000000000000" pitchFamily="50" charset="-127"/>
-              </a:rPr>
-              <a:t>: </a:t>
-            </a:r>
-            <a:r>
-              <a:rPr lang="ko-KR" altLang="en-US" dirty="0">
-                <a:solidFill>
-                  <a:schemeClr val="tx1">
-                    <a:lumMod val="50000"/>
-                    <a:lumOff val="50000"/>
-                  </a:schemeClr>
-                </a:solidFill>
-                <a:latin typeface="G마켓 산스 Medium" panose="02000000000000000000" pitchFamily="50" charset="-127"/>
-                <a:ea typeface="G마켓 산스 Medium" panose="02000000000000000000" pitchFamily="50" charset="-127"/>
-              </a:rPr>
-              <a:t>생활의 경제적 수준에 대한 만족도</a:t>
-            </a:r>
-            <a:endParaRPr lang="en-US" altLang="ko-KR" dirty="0">
-              <a:solidFill>
-                <a:schemeClr val="tx1">
-                  <a:lumMod val="50000"/>
-                  <a:lumOff val="50000"/>
-                </a:schemeClr>
-              </a:solidFill>
-              <a:latin typeface="G마켓 산스 Medium" panose="02000000000000000000" pitchFamily="50" charset="-127"/>
-              <a:ea typeface="G마켓 산스 Medium" panose="02000000000000000000" pitchFamily="50" charset="-127"/>
-            </a:endParaRPr>
-          </a:p>
-          <a:p>
-            <a:pPr>
-              <a:lnSpc>
-                <a:spcPct val="150000"/>
-              </a:lnSpc>
-            </a:pPr>
-            <a:r>
-              <a:rPr lang="en-US" altLang="ko-KR" dirty="0">
-                <a:solidFill>
-                  <a:srgbClr val="002060"/>
-                </a:solidFill>
-                <a:latin typeface="G마켓 산스 Medium" panose="02000000000000000000" pitchFamily="50" charset="-127"/>
-                <a:ea typeface="G마켓 산스 Medium" panose="02000000000000000000" pitchFamily="50" charset="-127"/>
-              </a:rPr>
-              <a:t>3) </a:t>
-            </a:r>
-            <a:r>
-              <a:rPr lang="ko-KR" altLang="en-US" dirty="0">
-                <a:solidFill>
-                  <a:srgbClr val="002060"/>
-                </a:solidFill>
-                <a:latin typeface="G마켓 산스 Medium" panose="02000000000000000000" pitchFamily="50" charset="-127"/>
-                <a:ea typeface="G마켓 산스 Medium" panose="02000000000000000000" pitchFamily="50" charset="-127"/>
-              </a:rPr>
-              <a:t>건강 만족도</a:t>
-            </a:r>
-            <a:endParaRPr lang="en-US" altLang="ko-KR" dirty="0">
-              <a:solidFill>
-                <a:srgbClr val="002060"/>
-              </a:solidFill>
-              <a:latin typeface="G마켓 산스 Medium" panose="02000000000000000000" pitchFamily="50" charset="-127"/>
-              <a:ea typeface="G마켓 산스 Medium" panose="02000000000000000000" pitchFamily="50" charset="-127"/>
-            </a:endParaRPr>
-          </a:p>
-          <a:p>
-            <a:pPr>
-              <a:lnSpc>
-                <a:spcPct val="150000"/>
-              </a:lnSpc>
-            </a:pPr>
-            <a:r>
-              <a:rPr lang="en-US" altLang="ko-KR" dirty="0">
-                <a:solidFill>
-                  <a:srgbClr val="002060"/>
-                </a:solidFill>
-                <a:latin typeface="G마켓 산스 Medium" panose="02000000000000000000" pitchFamily="50" charset="-127"/>
-                <a:ea typeface="G마켓 산스 Medium" panose="02000000000000000000" pitchFamily="50" charset="-127"/>
-              </a:rPr>
-              <a:t>: </a:t>
-            </a:r>
-            <a:r>
-              <a:rPr lang="ko-KR" altLang="en-US" dirty="0">
-                <a:solidFill>
-                  <a:schemeClr val="tx1">
-                    <a:lumMod val="50000"/>
-                    <a:lumOff val="50000"/>
-                  </a:schemeClr>
-                </a:solidFill>
-                <a:latin typeface="G마켓 산스 Medium" panose="02000000000000000000" pitchFamily="50" charset="-127"/>
-                <a:ea typeface="G마켓 산스 Medium" panose="02000000000000000000" pitchFamily="50" charset="-127"/>
-              </a:rPr>
-              <a:t>본인의 건강에 대한 만족도</a:t>
-            </a:r>
-            <a:endParaRPr lang="en-US" altLang="ko-KR" dirty="0">
-              <a:solidFill>
-                <a:schemeClr val="tx1">
-                  <a:lumMod val="50000"/>
-                  <a:lumOff val="50000"/>
-                </a:schemeClr>
-              </a:solidFill>
-              <a:latin typeface="G마켓 산스 Medium" panose="02000000000000000000" pitchFamily="50" charset="-127"/>
-              <a:ea typeface="G마켓 산스 Medium" panose="02000000000000000000" pitchFamily="50" charset="-127"/>
-            </a:endParaRPr>
-          </a:p>
-          <a:p>
-            <a:pPr>
-              <a:lnSpc>
-                <a:spcPct val="150000"/>
-              </a:lnSpc>
-            </a:pPr>
-            <a:r>
-              <a:rPr lang="en-US" altLang="ko-KR" dirty="0">
-                <a:solidFill>
-                  <a:srgbClr val="002060"/>
-                </a:solidFill>
-                <a:latin typeface="G마켓 산스 Medium" panose="02000000000000000000" pitchFamily="50" charset="-127"/>
-                <a:ea typeface="G마켓 산스 Medium" panose="02000000000000000000" pitchFamily="50" charset="-127"/>
-              </a:rPr>
-              <a:t>4) </a:t>
-            </a:r>
-            <a:r>
-              <a:rPr lang="ko-KR" altLang="en-US" dirty="0">
-                <a:solidFill>
-                  <a:srgbClr val="002060"/>
-                </a:solidFill>
-                <a:latin typeface="G마켓 산스 Medium" panose="02000000000000000000" pitchFamily="50" charset="-127"/>
-                <a:ea typeface="G마켓 산스 Medium" panose="02000000000000000000" pitchFamily="50" charset="-127"/>
-              </a:rPr>
-              <a:t>대인관계 만족도</a:t>
-            </a:r>
-            <a:endParaRPr lang="en-US" altLang="ko-KR" dirty="0">
-              <a:solidFill>
-                <a:srgbClr val="002060"/>
-              </a:solidFill>
-              <a:latin typeface="G마켓 산스 Medium" panose="02000000000000000000" pitchFamily="50" charset="-127"/>
-              <a:ea typeface="G마켓 산스 Medium" panose="02000000000000000000" pitchFamily="50" charset="-127"/>
-            </a:endParaRPr>
-          </a:p>
-          <a:p>
-            <a:pPr>
-              <a:lnSpc>
-                <a:spcPct val="150000"/>
-              </a:lnSpc>
-            </a:pPr>
-            <a:r>
-              <a:rPr lang="en-US" altLang="ko-KR" dirty="0">
-                <a:solidFill>
-                  <a:srgbClr val="002060"/>
-                </a:solidFill>
-                <a:latin typeface="G마켓 산스 Medium" panose="02000000000000000000" pitchFamily="50" charset="-127"/>
-                <a:ea typeface="G마켓 산스 Medium" panose="02000000000000000000" pitchFamily="50" charset="-127"/>
-              </a:rPr>
-              <a:t>: </a:t>
-            </a:r>
-            <a:r>
-              <a:rPr lang="ko-KR" altLang="en-US" dirty="0">
-                <a:solidFill>
-                  <a:schemeClr val="tx1">
-                    <a:lumMod val="50000"/>
-                    <a:lumOff val="50000"/>
-                  </a:schemeClr>
-                </a:solidFill>
-                <a:latin typeface="G마켓 산스 Medium" panose="02000000000000000000" pitchFamily="50" charset="-127"/>
-                <a:ea typeface="G마켓 산스 Medium" panose="02000000000000000000" pitchFamily="50" charset="-127"/>
-              </a:rPr>
-              <a:t>전체적인 대인관계에 대한 만족도</a:t>
-            </a:r>
-            <a:endParaRPr lang="en-US" altLang="ko-KR" dirty="0">
-              <a:solidFill>
-                <a:schemeClr val="tx1">
-                  <a:lumMod val="50000"/>
-                  <a:lumOff val="50000"/>
-                </a:schemeClr>
-              </a:solidFill>
-              <a:latin typeface="G마켓 산스 Medium" panose="02000000000000000000" pitchFamily="50" charset="-127"/>
-              <a:ea typeface="G마켓 산스 Medium" panose="02000000000000000000" pitchFamily="50" charset="-127"/>
-            </a:endParaRPr>
-          </a:p>
-          <a:p>
-            <a:pPr>
-              <a:lnSpc>
-                <a:spcPct val="150000"/>
-              </a:lnSpc>
-            </a:pPr>
-            <a:endParaRPr lang="en-US" altLang="ko-KR" dirty="0">
-              <a:solidFill>
-                <a:schemeClr val="tx1">
-                  <a:lumMod val="50000"/>
-                  <a:lumOff val="50000"/>
-                </a:schemeClr>
-              </a:solidFill>
-              <a:latin typeface="G마켓 산스 Medium" panose="02000000000000000000" pitchFamily="50" charset="-127"/>
-              <a:ea typeface="G마켓 산스 Medium" panose="02000000000000000000" pitchFamily="50" charset="-127"/>
-            </a:endParaRPr>
-          </a:p>
-        </p:txBody>
-      </p:sp>
-      <p:sp>
-        <p:nvSpPr>
-          <p:cNvPr id="69" name="TextBox 68">
-            <a:extLst>
-              <a:ext uri="{FF2B5EF4-FFF2-40B4-BE49-F238E27FC236}">
-                <a16:creationId xmlns:a16="http://schemas.microsoft.com/office/drawing/2014/main" id="{2F35F647-9C72-DADD-2876-2296C29DAF00}"/>
-              </a:ext>
-            </a:extLst>
-          </p:cNvPr>
-          <p:cNvSpPr txBox="1"/>
-          <p:nvPr/>
-        </p:nvSpPr>
-        <p:spPr>
-          <a:xfrm>
-            <a:off x="10363200" y="7581900"/>
-            <a:ext cx="6019800" cy="707886"/>
-          </a:xfrm>
-          <a:prstGeom prst="rect">
-            <a:avLst/>
-          </a:prstGeom>
-          <a:solidFill>
-            <a:schemeClr val="bg1"/>
-          </a:solidFill>
-        </p:spPr>
-        <p:txBody>
-          <a:bodyPr wrap="square">
-            <a:spAutoFit/>
-          </a:bodyPr>
-          <a:lstStyle/>
-          <a:p>
-            <a:pPr algn="ctr"/>
-            <a:r>
-              <a:rPr lang="en-US" altLang="ko-KR" sz="4000" dirty="0">
-                <a:solidFill>
-                  <a:srgbClr val="002060"/>
-                </a:solidFill>
-                <a:latin typeface="G마켓 산스 Bold" panose="02000000000000000000" pitchFamily="50" charset="-127"/>
-                <a:ea typeface="G마켓 산스 Bold" panose="02000000000000000000" pitchFamily="50" charset="-127"/>
-              </a:rPr>
-              <a:t>“</a:t>
-            </a:r>
-            <a:r>
-              <a:rPr lang="ko-KR" altLang="en-US" sz="4000" dirty="0">
-                <a:solidFill>
-                  <a:srgbClr val="002060"/>
-                </a:solidFill>
-                <a:latin typeface="G마켓 산스 Bold" panose="02000000000000000000" pitchFamily="50" charset="-127"/>
-                <a:ea typeface="G마켓 산스 Bold" panose="02000000000000000000" pitchFamily="50" charset="-127"/>
-              </a:rPr>
-              <a:t>사용자 개인과 비교</a:t>
-            </a:r>
-            <a:r>
-              <a:rPr lang="en-US" altLang="ko-KR" sz="4000" dirty="0">
-                <a:solidFill>
-                  <a:srgbClr val="002060"/>
-                </a:solidFill>
-                <a:latin typeface="G마켓 산스 Bold" panose="02000000000000000000" pitchFamily="50" charset="-127"/>
-                <a:ea typeface="G마켓 산스 Bold" panose="02000000000000000000" pitchFamily="50" charset="-127"/>
-              </a:rPr>
-              <a:t>·</a:t>
-            </a:r>
-            <a:r>
-              <a:rPr lang="ko-KR" altLang="en-US" sz="4000" dirty="0">
-                <a:solidFill>
-                  <a:srgbClr val="002060"/>
-                </a:solidFill>
-                <a:latin typeface="G마켓 산스 Bold" panose="02000000000000000000" pitchFamily="50" charset="-127"/>
-                <a:ea typeface="G마켓 산스 Bold" panose="02000000000000000000" pitchFamily="50" charset="-127"/>
-              </a:rPr>
-              <a:t>분석</a:t>
-            </a:r>
-            <a:r>
-              <a:rPr lang="en-US" altLang="ko-KR" sz="4000" dirty="0">
-                <a:solidFill>
-                  <a:srgbClr val="002060"/>
-                </a:solidFill>
-                <a:latin typeface="G마켓 산스 Bold" panose="02000000000000000000" pitchFamily="50" charset="-127"/>
-                <a:ea typeface="G마켓 산스 Bold" panose="02000000000000000000" pitchFamily="50" charset="-127"/>
-              </a:rPr>
-              <a:t>”</a:t>
-            </a:r>
-          </a:p>
-        </p:txBody>
-      </p:sp>
-      <p:sp>
-        <p:nvSpPr>
-          <p:cNvPr id="70" name="이등변 삼각형 69">
-            <a:extLst>
-              <a:ext uri="{FF2B5EF4-FFF2-40B4-BE49-F238E27FC236}">
-                <a16:creationId xmlns:a16="http://schemas.microsoft.com/office/drawing/2014/main" id="{0DBB5C95-073E-3960-723A-3589C32907DD}"/>
-              </a:ext>
-            </a:extLst>
-          </p:cNvPr>
-          <p:cNvSpPr/>
-          <p:nvPr/>
-        </p:nvSpPr>
-        <p:spPr>
-          <a:xfrm rot="10800000">
-            <a:off x="9932767" y="7464378"/>
-            <a:ext cx="7503875" cy="996679"/>
-          </a:xfrm>
-          <a:prstGeom prst="triangle">
-            <a:avLst/>
-          </a:prstGeom>
-          <a:solidFill>
-            <a:srgbClr val="6E9CCC">
-              <a:alpha val="16000"/>
-            </a:srgbClr>
-          </a:solidFill>
-          <a:ln>
-            <a:noFill/>
-          </a:ln>
-        </p:spPr>
-        <p:style>
-          <a:lnRef idx="2">
-            <a:schemeClr val="accent1">
-              <a:shade val="50000"/>
-            </a:schemeClr>
-          </a:lnRef>
-          <a:fillRef idx="1">
-            <a:schemeClr val="accent1"/>
-          </a:fillRef>
-          <a:effectRef idx="0">
-            <a:schemeClr val="accent1"/>
-          </a:effectRef>
-          <a:fontRef idx="minor">
-            <a:schemeClr val="lt1"/>
-          </a:fontRef>
-        </p:style>
-        <p:txBody>
-          <a:bodyPr rtlCol="0" anchor="ctr"/>
-          <a:lstStyle/>
-          <a:p>
-            <a:pPr algn="ctr"/>
-            <a:endParaRPr lang="ko-KR" altLang="en-US" dirty="0"/>
-          </a:p>
-        </p:txBody>
-      </p:sp>
-      <p:sp>
-        <p:nvSpPr>
-          <p:cNvPr id="64" name="TextBox 63">
-            <a:extLst>
-              <a:ext uri="{FF2B5EF4-FFF2-40B4-BE49-F238E27FC236}">
-                <a16:creationId xmlns:a16="http://schemas.microsoft.com/office/drawing/2014/main" id="{1E909F02-5BAC-46DA-A388-A77A550B42D5}"/>
-              </a:ext>
-            </a:extLst>
-          </p:cNvPr>
-          <p:cNvSpPr txBox="1"/>
-          <p:nvPr/>
-        </p:nvSpPr>
-        <p:spPr>
-          <a:xfrm>
-            <a:off x="4081160" y="698837"/>
-            <a:ext cx="1312438" cy="1015663"/>
-          </a:xfrm>
-          <a:prstGeom prst="rect">
-            <a:avLst/>
-          </a:prstGeom>
-          <a:noFill/>
-        </p:spPr>
-        <p:txBody>
-          <a:bodyPr wrap="square" rtlCol="0">
-            <a:spAutoFit/>
-          </a:bodyPr>
-          <a:lstStyle/>
-          <a:p>
-            <a:r>
-              <a:rPr lang="en-US" altLang="ko-KR" sz="6000" dirty="0">
-                <a:solidFill>
-                  <a:srgbClr val="7FB1D3">
-                    <a:alpha val="80000"/>
-                  </a:srgbClr>
-                </a:solidFill>
-                <a:effectLst>
-                  <a:outerShdw blurRad="50800" dist="38100" dir="5400000" algn="t" rotWithShape="0">
-                    <a:prstClr val="black">
-                      <a:alpha val="26000"/>
-                    </a:prstClr>
-                  </a:outerShdw>
-                </a:effectLst>
-                <a:latin typeface="G마켓 산스 Bold" panose="02000000000000000000" pitchFamily="50" charset="-127"/>
-                <a:ea typeface="G마켓 산스 Bold" panose="02000000000000000000" pitchFamily="50" charset="-127"/>
-              </a:rPr>
-              <a:t>01</a:t>
-            </a:r>
-            <a:endParaRPr lang="ko-KR" altLang="en-US" sz="6000" dirty="0">
-              <a:solidFill>
-                <a:srgbClr val="7FB1D3">
-                  <a:alpha val="80000"/>
-                </a:srgbClr>
-              </a:solidFill>
-              <a:effectLst>
-                <a:outerShdw blurRad="50800" dist="38100" dir="5400000" algn="t" rotWithShape="0">
-                  <a:prstClr val="black">
-                    <a:alpha val="26000"/>
-                  </a:prstClr>
-                </a:outerShdw>
-              </a:effectLst>
-              <a:latin typeface="G마켓 산스 Bold" panose="02000000000000000000" pitchFamily="50" charset="-127"/>
-              <a:ea typeface="G마켓 산스 Bold" panose="02000000000000000000" pitchFamily="50" charset="-127"/>
-            </a:endParaRPr>
-          </a:p>
-        </p:txBody>
-      </p:sp>
-      <p:sp>
-        <p:nvSpPr>
-          <p:cNvPr id="55" name="Object 30">
-            <a:extLst>
-              <a:ext uri="{FF2B5EF4-FFF2-40B4-BE49-F238E27FC236}">
-                <a16:creationId xmlns:a16="http://schemas.microsoft.com/office/drawing/2014/main" id="{CBE6738D-6A3F-4883-8BA2-FB1BD2C83A12}"/>
-              </a:ext>
-            </a:extLst>
-          </p:cNvPr>
-          <p:cNvSpPr txBox="1"/>
-          <p:nvPr/>
-        </p:nvSpPr>
-        <p:spPr>
-          <a:xfrm>
-            <a:off x="5354186" y="726698"/>
-            <a:ext cx="8265508" cy="892552"/>
-          </a:xfrm>
-          <a:prstGeom prst="rect">
-            <a:avLst/>
-          </a:prstGeom>
-          <a:noFill/>
-        </p:spPr>
-        <p:txBody>
-          <a:bodyPr wrap="square" rtlCol="0" anchor="b" anchorCtr="0">
-            <a:spAutoFit/>
-          </a:bodyPr>
-          <a:lstStyle/>
-          <a:p>
-            <a:r>
-              <a:rPr lang="ko-KR" altLang="en-US" sz="3200" dirty="0">
-                <a:solidFill>
-                  <a:srgbClr val="002060"/>
-                </a:solidFill>
-                <a:latin typeface="G마켓 산스 Medium" panose="02000000000000000000" pitchFamily="50" charset="-127"/>
-                <a:ea typeface="G마켓 산스 Medium" panose="02000000000000000000" pitchFamily="50" charset="-127"/>
-              </a:rPr>
-              <a:t>나의 만족도 알아보기</a:t>
-            </a:r>
-            <a:endParaRPr lang="en-US" altLang="ko-KR" sz="3200" dirty="0">
-              <a:solidFill>
-                <a:srgbClr val="002060"/>
-              </a:solidFill>
-              <a:latin typeface="G마켓 산스 Medium" panose="02000000000000000000" pitchFamily="50" charset="-127"/>
-              <a:ea typeface="G마켓 산스 Medium" panose="02000000000000000000" pitchFamily="50" charset="-127"/>
-            </a:endParaRPr>
-          </a:p>
-          <a:p>
-            <a:r>
-              <a:rPr lang="ko-KR" altLang="en-US" sz="2000" dirty="0">
-                <a:solidFill>
-                  <a:srgbClr val="002060"/>
-                </a:solidFill>
-                <a:latin typeface="G마켓 산스 Medium" panose="02000000000000000000" pitchFamily="50" charset="-127"/>
-                <a:ea typeface="G마켓 산스 Medium" panose="02000000000000000000" pitchFamily="50" charset="-127"/>
-              </a:rPr>
-              <a:t>개인의 상황에 따른 만족도를 비교</a:t>
-            </a:r>
-            <a:r>
-              <a:rPr lang="en-US" altLang="ko-KR" sz="2000" dirty="0">
-                <a:solidFill>
-                  <a:srgbClr val="002060"/>
-                </a:solidFill>
-                <a:latin typeface="G마켓 산스 Medium" panose="02000000000000000000" pitchFamily="50" charset="-127"/>
-                <a:ea typeface="G마켓 산스 Medium" panose="02000000000000000000" pitchFamily="50" charset="-127"/>
-              </a:rPr>
-              <a:t>, </a:t>
-            </a:r>
-            <a:r>
-              <a:rPr lang="ko-KR" altLang="en-US" sz="2000" dirty="0">
-                <a:solidFill>
-                  <a:srgbClr val="002060"/>
-                </a:solidFill>
-                <a:latin typeface="G마켓 산스 Medium" panose="02000000000000000000" pitchFamily="50" charset="-127"/>
-                <a:ea typeface="G마켓 산스 Medium" panose="02000000000000000000" pitchFamily="50" charset="-127"/>
-              </a:rPr>
-              <a:t>분석</a:t>
-            </a:r>
-            <a:endParaRPr lang="en-US" altLang="ko-KR" sz="2000" dirty="0">
-              <a:solidFill>
-                <a:srgbClr val="002060"/>
-              </a:solidFill>
-              <a:latin typeface="G마켓 산스 Medium" panose="02000000000000000000" pitchFamily="50" charset="-127"/>
-              <a:ea typeface="G마켓 산스 Medium" panose="02000000000000000000" pitchFamily="50" charset="-127"/>
-            </a:endParaRPr>
-          </a:p>
-        </p:txBody>
-      </p:sp>
-      <p:sp>
-        <p:nvSpPr>
-          <p:cNvPr id="5" name="직사각형 4"/>
-          <p:cNvSpPr/>
-          <p:nvPr/>
-        </p:nvSpPr>
-        <p:spPr>
-          <a:xfrm>
-            <a:off x="10804848" y="2168723"/>
-            <a:ext cx="1495922" cy="307777"/>
-          </a:xfrm>
-          <a:prstGeom prst="rect">
-            <a:avLst/>
-          </a:prstGeom>
-        </p:spPr>
-        <p:txBody>
-          <a:bodyPr wrap="none">
-            <a:spAutoFit/>
-          </a:bodyPr>
-          <a:lstStyle/>
-          <a:p>
-            <a:pPr algn="ctr"/>
-            <a:r>
-              <a:rPr lang="ko-KR" altLang="en-US" sz="1400" dirty="0">
-                <a:solidFill>
-                  <a:schemeClr val="bg1">
-                    <a:lumMod val="50000"/>
-                  </a:schemeClr>
-                </a:solidFill>
-                <a:latin typeface="G마켓 산스 Medium" panose="02000000000000000000" pitchFamily="50" charset="-127"/>
-                <a:ea typeface="G마켓 산스 Medium" panose="02000000000000000000" pitchFamily="50" charset="-127"/>
-              </a:rPr>
-              <a:t>회원 가입시 입력</a:t>
-            </a:r>
-            <a:endParaRPr lang="en-US" altLang="ko-KR" sz="1400" dirty="0">
-              <a:solidFill>
-                <a:schemeClr val="bg1">
-                  <a:lumMod val="50000"/>
-                </a:schemeClr>
-              </a:solidFill>
-              <a:latin typeface="G마켓 산스 Medium" panose="02000000000000000000" pitchFamily="50" charset="-127"/>
-              <a:ea typeface="G마켓 산스 Medium" panose="02000000000000000000" pitchFamily="50" charset="-127"/>
-            </a:endParaRPr>
-          </a:p>
-        </p:txBody>
-      </p:sp>
-      <p:sp>
-        <p:nvSpPr>
-          <p:cNvPr id="60" name="직사각형 59"/>
-          <p:cNvSpPr/>
-          <p:nvPr/>
-        </p:nvSpPr>
-        <p:spPr>
-          <a:xfrm>
-            <a:off x="14565755" y="2169720"/>
-            <a:ext cx="1669048" cy="307777"/>
-          </a:xfrm>
-          <a:prstGeom prst="rect">
-            <a:avLst/>
-          </a:prstGeom>
-        </p:spPr>
-        <p:txBody>
-          <a:bodyPr wrap="none">
-            <a:spAutoFit/>
-          </a:bodyPr>
-          <a:lstStyle/>
-          <a:p>
-            <a:pPr algn="ctr"/>
-            <a:r>
-              <a:rPr lang="ko-KR" altLang="en-US" sz="1400" dirty="0">
-                <a:solidFill>
-                  <a:schemeClr val="bg1">
-                    <a:lumMod val="50000"/>
-                  </a:schemeClr>
-                </a:solidFill>
-                <a:latin typeface="G마켓 산스 Medium" panose="02000000000000000000" pitchFamily="50" charset="-127"/>
-                <a:ea typeface="G마켓 산스 Medium" panose="02000000000000000000" pitchFamily="50" charset="-127"/>
-              </a:rPr>
-              <a:t>기존 데이터와 비교</a:t>
-            </a:r>
-            <a:endParaRPr lang="en-US" altLang="ko-KR" sz="1400" dirty="0">
-              <a:solidFill>
-                <a:schemeClr val="bg1">
-                  <a:lumMod val="50000"/>
-                </a:schemeClr>
-              </a:solidFill>
-              <a:latin typeface="G마켓 산스 Medium" panose="02000000000000000000" pitchFamily="50" charset="-127"/>
-              <a:ea typeface="G마켓 산스 Medium" panose="02000000000000000000" pitchFamily="50" charset="-127"/>
-            </a:endParaRPr>
-          </a:p>
-        </p:txBody>
-      </p:sp>
-      <p:sp>
-        <p:nvSpPr>
-          <p:cNvPr id="74" name="TextBox 73"/>
-          <p:cNvSpPr txBox="1"/>
-          <p:nvPr/>
-        </p:nvSpPr>
-        <p:spPr>
-          <a:xfrm>
-            <a:off x="9906000" y="8267700"/>
-            <a:ext cx="6934200" cy="1338828"/>
-          </a:xfrm>
-          <a:prstGeom prst="rect">
-            <a:avLst/>
-          </a:prstGeom>
-          <a:noFill/>
-        </p:spPr>
-        <p:txBody>
-          <a:bodyPr wrap="square" rtlCol="0">
-            <a:spAutoFit/>
-          </a:bodyPr>
-          <a:lstStyle/>
-          <a:p>
-            <a:pPr algn="ctr"/>
-            <a:r>
-              <a:rPr lang="ko-KR" altLang="en-US" sz="2700" dirty="0">
-                <a:solidFill>
-                  <a:srgbClr val="002060"/>
-                </a:solidFill>
-                <a:latin typeface="G마켓 산스 Bold" panose="02000000000000000000" pitchFamily="50" charset="-127"/>
-                <a:ea typeface="G마켓 산스 Bold" panose="02000000000000000000" pitchFamily="50" charset="-127"/>
-              </a:rPr>
-              <a:t>분석한 내용을 바탕으로</a:t>
-            </a:r>
-            <a:endParaRPr lang="en-US" altLang="ko-KR" sz="2700" dirty="0">
-              <a:solidFill>
-                <a:srgbClr val="002060"/>
-              </a:solidFill>
-              <a:latin typeface="G마켓 산스 Bold" panose="02000000000000000000" pitchFamily="50" charset="-127"/>
-              <a:ea typeface="G마켓 산스 Bold" panose="02000000000000000000" pitchFamily="50" charset="-127"/>
-            </a:endParaRPr>
-          </a:p>
-          <a:p>
-            <a:pPr algn="ctr"/>
-            <a:r>
-              <a:rPr lang="ko-KR" altLang="en-US" sz="2700" dirty="0">
-                <a:solidFill>
-                  <a:srgbClr val="002060"/>
-                </a:solidFill>
-                <a:latin typeface="G마켓 산스 Bold" panose="02000000000000000000" pitchFamily="50" charset="-127"/>
-                <a:ea typeface="G마켓 산스 Bold" panose="02000000000000000000" pitchFamily="50" charset="-127"/>
-              </a:rPr>
-              <a:t>유사 조건인 사람들의 평균 만족도와</a:t>
-            </a:r>
-            <a:r>
-              <a:rPr lang="en-US" altLang="ko-KR" sz="2700" dirty="0">
-                <a:solidFill>
-                  <a:srgbClr val="002060"/>
-                </a:solidFill>
-                <a:latin typeface="G마켓 산스 Bold" panose="02000000000000000000" pitchFamily="50" charset="-127"/>
-                <a:ea typeface="G마켓 산스 Bold" panose="02000000000000000000" pitchFamily="50" charset="-127"/>
-              </a:rPr>
-              <a:t>,</a:t>
-            </a:r>
-          </a:p>
-          <a:p>
-            <a:pPr algn="ctr"/>
-            <a:r>
-              <a:rPr lang="ko-KR" altLang="en-US" sz="2700" dirty="0">
-                <a:solidFill>
-                  <a:srgbClr val="002060"/>
-                </a:solidFill>
-                <a:latin typeface="G마켓 산스 Bold" panose="02000000000000000000" pitchFamily="50" charset="-127"/>
-                <a:ea typeface="G마켓 산스 Bold" panose="02000000000000000000" pitchFamily="50" charset="-127"/>
-              </a:rPr>
-              <a:t>현 조건에서 더 행복해질 수 있는 방법 제시</a:t>
-            </a:r>
-            <a:endParaRPr lang="en-US" altLang="ko-KR" sz="2700" dirty="0">
-              <a:solidFill>
-                <a:srgbClr val="002060"/>
-              </a:solidFill>
-              <a:latin typeface="G마켓 산스 Bold" panose="02000000000000000000" pitchFamily="50" charset="-127"/>
-              <a:ea typeface="G마켓 산스 Bold" panose="02000000000000000000" pitchFamily="50" charset="-127"/>
-            </a:endParaRPr>
-          </a:p>
-        </p:txBody>
-      </p:sp>
-      <p:sp>
-        <p:nvSpPr>
-          <p:cNvPr id="61" name="TextBox 60">
-            <a:extLst>
-              <a:ext uri="{FF2B5EF4-FFF2-40B4-BE49-F238E27FC236}">
-                <a16:creationId xmlns:a16="http://schemas.microsoft.com/office/drawing/2014/main" id="{5EBB711D-57E6-DB6C-F4C7-82AD98360413}"/>
-              </a:ext>
-            </a:extLst>
-          </p:cNvPr>
-          <p:cNvSpPr txBox="1"/>
-          <p:nvPr/>
-        </p:nvSpPr>
-        <p:spPr>
-          <a:xfrm>
-            <a:off x="11189657" y="5321523"/>
-            <a:ext cx="726302" cy="473206"/>
-          </a:xfrm>
-          <a:prstGeom prst="rect">
-            <a:avLst/>
-          </a:prstGeom>
-          <a:noFill/>
-        </p:spPr>
-        <p:txBody>
-          <a:bodyPr wrap="square">
-            <a:spAutoFit/>
-          </a:bodyPr>
-          <a:lstStyle/>
-          <a:p>
-            <a:pPr algn="ctr">
-              <a:lnSpc>
-                <a:spcPct val="150000"/>
-              </a:lnSpc>
-            </a:pPr>
-            <a:r>
-              <a:rPr lang="en-US" altLang="ko-KR" dirty="0">
-                <a:solidFill>
-                  <a:srgbClr val="002060"/>
-                </a:solidFill>
-                <a:latin typeface="G마켓 산스 Medium" panose="02000000000000000000" pitchFamily="50" charset="-127"/>
-                <a:ea typeface="G마켓 산스 Medium" panose="02000000000000000000" pitchFamily="50" charset="-127"/>
-              </a:rPr>
-              <a:t>…</a:t>
-            </a:r>
-          </a:p>
-        </p:txBody>
-      </p:sp>
-      <p:pic>
-        <p:nvPicPr>
-          <p:cNvPr id="3" name="그림 2">
-            <a:extLst>
-              <a:ext uri="{FF2B5EF4-FFF2-40B4-BE49-F238E27FC236}">
-                <a16:creationId xmlns:a16="http://schemas.microsoft.com/office/drawing/2014/main" id="{55D9C2DF-267E-BDC6-7561-01FB97DE48A5}"/>
-              </a:ext>
-            </a:extLst>
-          </p:cNvPr>
-          <p:cNvPicPr>
-            <a:picLocks noChangeAspect="1"/>
-          </p:cNvPicPr>
-          <p:nvPr/>
-        </p:nvPicPr>
-        <p:blipFill rotWithShape="1">
-          <a:blip r:embed="rId2"/>
-          <a:srcRect b="1233"/>
-          <a:stretch/>
-        </p:blipFill>
-        <p:spPr>
-          <a:xfrm>
-            <a:off x="609600" y="2658329"/>
-            <a:ext cx="8797000" cy="6097440"/>
-          </a:xfrm>
-          <a:prstGeom prst="rect">
-            <a:avLst/>
-          </a:prstGeom>
-          <a:ln>
-            <a:solidFill>
-              <a:schemeClr val="tx1"/>
-            </a:solidFill>
-          </a:ln>
-        </p:spPr>
-      </p:pic>
-    </p:spTree>
-    <p:extLst>
-      <p:ext uri="{BB962C8B-B14F-4D97-AF65-F5344CB8AC3E}">
-        <p14:creationId xmlns:p14="http://schemas.microsoft.com/office/powerpoint/2010/main" val="830093387"/>
-      </p:ext>
-    </p:extLst>
-  </p:cSld>
-  <p:clrMapOvr>
-    <a:masterClrMapping/>
-  </p:clrMapOvr>
-</p:sld>
-</file>
-
-<file path=ppt/slides/slide8.xml><?xml version="1.0" encoding="utf-8"?>
-<p:sld xmlns:a="http://schemas.openxmlformats.org/drawingml/2006/main" xmlns:r="http://schemas.openxmlformats.org/officeDocument/2006/relationships" xmlns:p="http://schemas.openxmlformats.org/presentationml/2006/main">
-  <p:cSld>
-    <p:spTree>
-      <p:nvGrpSpPr>
-        <p:cNvPr id="1" name=""/>
-        <p:cNvGrpSpPr/>
-        <p:nvPr/>
-      </p:nvGrpSpPr>
-      <p:grpSpPr>
-        <a:xfrm>
-          <a:off x="0" y="0"/>
-          <a:ext cx="0" cy="0"/>
-          <a:chOff x="0" y="0"/>
-          <a:chExt cx="0" cy="0"/>
-        </a:xfrm>
-      </p:grpSpPr>
-      <p:sp>
-        <p:nvSpPr>
-          <p:cNvPr id="6" name="Object 30"/>
-          <p:cNvSpPr txBox="1"/>
-          <p:nvPr/>
-        </p:nvSpPr>
-        <p:spPr>
-          <a:xfrm>
-            <a:off x="896446" y="698837"/>
-            <a:ext cx="3142790" cy="1015663"/>
-          </a:xfrm>
-          <a:prstGeom prst="rect">
-            <a:avLst/>
-          </a:prstGeom>
-          <a:noFill/>
-        </p:spPr>
-        <p:txBody>
-          <a:bodyPr wrap="square" rtlCol="0" anchor="b" anchorCtr="0">
-            <a:spAutoFit/>
-          </a:bodyPr>
-          <a:lstStyle/>
-          <a:p>
-            <a:r>
-              <a:rPr lang="ko-KR" altLang="en-US" sz="6000" kern="0" spc="-600" dirty="0">
-                <a:solidFill>
-                  <a:srgbClr val="293D65"/>
-                </a:solidFill>
-                <a:latin typeface="G마켓 산스 Medium" panose="02000000000000000000" pitchFamily="50" charset="-127"/>
-                <a:ea typeface="G마켓 산스 Medium" panose="02000000000000000000" pitchFamily="50" charset="-127"/>
-                <a:cs typeface="Black Han Sans" pitchFamily="34" charset="0"/>
-              </a:rPr>
-              <a:t>개발목표</a:t>
-            </a:r>
-            <a:endParaRPr lang="en-US" altLang="ko-KR" sz="6000" dirty="0">
-              <a:solidFill>
-                <a:srgbClr val="293D65"/>
-              </a:solidFill>
-              <a:latin typeface="G마켓 산스 Medium" panose="02000000000000000000" pitchFamily="50" charset="-127"/>
-              <a:ea typeface="G마켓 산스 Medium" panose="02000000000000000000" pitchFamily="50" charset="-127"/>
-            </a:endParaRPr>
-          </a:p>
-        </p:txBody>
-      </p:sp>
-      <p:cxnSp>
-        <p:nvCxnSpPr>
-          <p:cNvPr id="7" name="직선 연결선 6"/>
-          <p:cNvCxnSpPr/>
-          <p:nvPr/>
-        </p:nvCxnSpPr>
-        <p:spPr>
-          <a:xfrm>
-            <a:off x="0" y="1790700"/>
-            <a:ext cx="18288000" cy="0"/>
-          </a:xfrm>
-          <a:prstGeom prst="line">
-            <a:avLst/>
-          </a:prstGeom>
-          <a:ln w="28575">
-            <a:solidFill>
-              <a:srgbClr val="293D65"/>
-            </a:solidFill>
-          </a:ln>
-        </p:spPr>
-        <p:style>
-          <a:lnRef idx="1">
-            <a:schemeClr val="accent1"/>
-          </a:lnRef>
-          <a:fillRef idx="0">
-            <a:schemeClr val="accent1"/>
-          </a:fillRef>
-          <a:effectRef idx="0">
-            <a:schemeClr val="accent1"/>
-          </a:effectRef>
-          <a:fontRef idx="minor">
-            <a:schemeClr val="tx1"/>
-          </a:fontRef>
-        </p:style>
-      </p:cxnSp>
-      <p:sp>
-        <p:nvSpPr>
           <p:cNvPr id="162" name="TextBox 161">
             <a:extLst>
               <a:ext uri="{FF2B5EF4-FFF2-40B4-BE49-F238E27FC236}">
@@ -12961,7 +12476,7 @@
                 </a:lnSpc>
               </a:pPr>
               <a:r>
-                <a:rPr lang="ko-KR" altLang="en-US" sz="2200" dirty="0">
+                <a:rPr lang="ko-KR" altLang="en-US" sz="2200" dirty="0" smtClean="0">
                   <a:solidFill>
                     <a:schemeClr val="tx1">
                       <a:lumMod val="50000"/>
@@ -12971,7 +12486,2071 @@
                   <a:latin typeface="G마켓 산스 Medium" panose="02000000000000000000" pitchFamily="50" charset="-127"/>
                   <a:ea typeface="G마켓 산스 Medium" panose="02000000000000000000" pitchFamily="50" charset="-127"/>
                 </a:rPr>
-                <a:t>만족도 알아보기 항목에서</a:t>
+                <a:t>나의 만족도 알아보기</a:t>
+              </a:r>
+              <a:endParaRPr lang="en-US" altLang="ko-KR" sz="2200" dirty="0">
+                <a:solidFill>
+                  <a:schemeClr val="tx1">
+                    <a:lumMod val="50000"/>
+                    <a:lumOff val="50000"/>
+                  </a:schemeClr>
+                </a:solidFill>
+                <a:latin typeface="G마켓 산스 Medium" panose="02000000000000000000" pitchFamily="50" charset="-127"/>
+                <a:ea typeface="G마켓 산스 Medium" panose="02000000000000000000" pitchFamily="50" charset="-127"/>
+              </a:endParaRPr>
+            </a:p>
+          </p:txBody>
+        </p:sp>
+        <p:sp>
+          <p:nvSpPr>
+            <p:cNvPr id="164" name="직사각형 163">
+              <a:extLst>
+                <a:ext uri="{FF2B5EF4-FFF2-40B4-BE49-F238E27FC236}">
+                  <a16:creationId xmlns:a16="http://schemas.microsoft.com/office/drawing/2014/main" id="{C4EC0D7A-D2C4-4DCD-B927-65F416D80D1E}"/>
+                </a:ext>
+              </a:extLst>
+            </p:cNvPr>
+            <p:cNvSpPr/>
+            <p:nvPr/>
+          </p:nvSpPr>
+          <p:spPr>
+            <a:xfrm>
+              <a:off x="10148830" y="4655986"/>
+              <a:ext cx="1243654" cy="180480"/>
+            </a:xfrm>
+            <a:prstGeom prst="rect">
+              <a:avLst/>
+            </a:prstGeom>
+            <a:solidFill>
+              <a:schemeClr val="bg1">
+                <a:lumMod val="75000"/>
+              </a:schemeClr>
+            </a:solidFill>
+            <a:ln>
+              <a:noFill/>
+            </a:ln>
+          </p:spPr>
+          <p:style>
+            <a:lnRef idx="2">
+              <a:schemeClr val="accent1">
+                <a:shade val="50000"/>
+              </a:schemeClr>
+            </a:lnRef>
+            <a:fillRef idx="1">
+              <a:schemeClr val="accent1"/>
+            </a:fillRef>
+            <a:effectRef idx="0">
+              <a:schemeClr val="accent1"/>
+            </a:effectRef>
+            <a:fontRef idx="minor">
+              <a:schemeClr val="lt1"/>
+            </a:fontRef>
+          </p:style>
+          <p:txBody>
+            <a:bodyPr rtlCol="0" anchor="ctr"/>
+            <a:lstStyle/>
+            <a:p>
+              <a:pPr algn="ctr"/>
+              <a:endParaRPr lang="ko-KR" altLang="en-US" sz="1400"/>
+            </a:p>
+          </p:txBody>
+        </p:sp>
+      </p:grpSp>
+      <p:sp>
+        <p:nvSpPr>
+          <p:cNvPr id="16" name="TextBox 15">
+            <a:extLst>
+              <a:ext uri="{FF2B5EF4-FFF2-40B4-BE49-F238E27FC236}">
+                <a16:creationId xmlns:a16="http://schemas.microsoft.com/office/drawing/2014/main" id="{08DE5CE5-7E91-4CFE-95FE-93B7C5CE82CA}"/>
+              </a:ext>
+            </a:extLst>
+          </p:cNvPr>
+          <p:cNvSpPr txBox="1"/>
+          <p:nvPr/>
+        </p:nvSpPr>
+        <p:spPr>
+          <a:xfrm>
+            <a:off x="3733800" y="4139326"/>
+            <a:ext cx="10659109" cy="769441"/>
+          </a:xfrm>
+          <a:prstGeom prst="rect">
+            <a:avLst/>
+          </a:prstGeom>
+          <a:noFill/>
+        </p:spPr>
+        <p:txBody>
+          <a:bodyPr wrap="square" rtlCol="0">
+            <a:spAutoFit/>
+          </a:bodyPr>
+          <a:lstStyle>
+            <a:defPPr>
+              <a:defRPr lang="en-US"/>
+            </a:defPPr>
+            <a:lvl1pPr>
+              <a:defRPr sz="2000">
+                <a:solidFill>
+                  <a:srgbClr val="002060"/>
+                </a:solidFill>
+                <a:latin typeface="G마켓 산스 Medium" panose="02000000000000000000" pitchFamily="50" charset="-127"/>
+                <a:ea typeface="G마켓 산스 Medium" panose="02000000000000000000" pitchFamily="50" charset="-127"/>
+              </a:defRPr>
+            </a:lvl1pPr>
+          </a:lstStyle>
+          <a:p>
+            <a:pPr algn="ctr">
+              <a:lnSpc>
+                <a:spcPct val="150000"/>
+              </a:lnSpc>
+            </a:pPr>
+            <a:r>
+              <a:rPr lang="ko-KR" altLang="en-US" sz="3200" dirty="0">
+                <a:latin typeface="G마켓 산스 Bold" panose="02000000000000000000" pitchFamily="50" charset="-127"/>
+                <a:ea typeface="G마켓 산스 Bold" panose="02000000000000000000" pitchFamily="50" charset="-127"/>
+              </a:rPr>
+              <a:t>분석한 데이터</a:t>
+            </a:r>
+            <a:r>
+              <a:rPr lang="ko-KR" altLang="en-US" sz="3200" dirty="0">
+                <a:solidFill>
+                  <a:schemeClr val="bg1">
+                    <a:lumMod val="50000"/>
+                  </a:schemeClr>
+                </a:solidFill>
+                <a:latin typeface="G마켓 산스 Bold" panose="02000000000000000000" pitchFamily="50" charset="-127"/>
+                <a:ea typeface="G마켓 산스 Bold" panose="02000000000000000000" pitchFamily="50" charset="-127"/>
+              </a:rPr>
+              <a:t>를 </a:t>
+            </a:r>
+            <a:r>
+              <a:rPr lang="ko-KR" altLang="en-US" sz="3200" dirty="0">
+                <a:latin typeface="G마켓 산스 Bold" panose="02000000000000000000" pitchFamily="50" charset="-127"/>
+                <a:ea typeface="G마켓 산스 Bold" panose="02000000000000000000" pitchFamily="50" charset="-127"/>
+              </a:rPr>
+              <a:t>요인 별</a:t>
+            </a:r>
+            <a:r>
+              <a:rPr lang="ko-KR" altLang="en-US" sz="3200" dirty="0">
+                <a:solidFill>
+                  <a:schemeClr val="bg1">
+                    <a:lumMod val="50000"/>
+                  </a:schemeClr>
+                </a:solidFill>
+                <a:latin typeface="G마켓 산스 Bold" panose="02000000000000000000" pitchFamily="50" charset="-127"/>
+                <a:ea typeface="G마켓 산스 Bold" panose="02000000000000000000" pitchFamily="50" charset="-127"/>
+              </a:rPr>
+              <a:t>로</a:t>
+            </a:r>
+            <a:r>
+              <a:rPr lang="ko-KR" altLang="en-US" sz="3200" dirty="0">
+                <a:latin typeface="G마켓 산스 Bold" panose="02000000000000000000" pitchFamily="50" charset="-127"/>
+                <a:ea typeface="G마켓 산스 Bold" panose="02000000000000000000" pitchFamily="50" charset="-127"/>
+              </a:rPr>
+              <a:t> 시각화</a:t>
+            </a:r>
+            <a:endParaRPr lang="en-US" altLang="ko-KR" sz="3200" dirty="0">
+              <a:latin typeface="G마켓 산스 Bold" panose="02000000000000000000" pitchFamily="50" charset="-127"/>
+              <a:ea typeface="G마켓 산스 Bold" panose="02000000000000000000" pitchFamily="50" charset="-127"/>
+            </a:endParaRPr>
+          </a:p>
+        </p:txBody>
+      </p:sp>
+      <p:sp>
+        <p:nvSpPr>
+          <p:cNvPr id="12" name="TextBox 11">
+            <a:extLst>
+              <a:ext uri="{FF2B5EF4-FFF2-40B4-BE49-F238E27FC236}">
+                <a16:creationId xmlns:a16="http://schemas.microsoft.com/office/drawing/2014/main" id="{1E909F02-5BAC-46DA-A388-A77A550B42D5}"/>
+              </a:ext>
+            </a:extLst>
+          </p:cNvPr>
+          <p:cNvSpPr txBox="1"/>
+          <p:nvPr/>
+        </p:nvSpPr>
+        <p:spPr>
+          <a:xfrm>
+            <a:off x="4081160" y="698837"/>
+            <a:ext cx="1312438" cy="1015663"/>
+          </a:xfrm>
+          <a:prstGeom prst="rect">
+            <a:avLst/>
+          </a:prstGeom>
+          <a:noFill/>
+        </p:spPr>
+        <p:txBody>
+          <a:bodyPr wrap="square" rtlCol="0">
+            <a:spAutoFit/>
+          </a:bodyPr>
+          <a:lstStyle/>
+          <a:p>
+            <a:r>
+              <a:rPr lang="en-US" altLang="ko-KR" sz="6000" dirty="0">
+                <a:solidFill>
+                  <a:srgbClr val="7FB1D3">
+                    <a:alpha val="80000"/>
+                  </a:srgbClr>
+                </a:solidFill>
+                <a:effectLst>
+                  <a:outerShdw blurRad="50800" dist="38100" dir="5400000" algn="t" rotWithShape="0">
+                    <a:prstClr val="black">
+                      <a:alpha val="26000"/>
+                    </a:prstClr>
+                  </a:outerShdw>
+                </a:effectLst>
+                <a:latin typeface="G마켓 산스 Bold" panose="02000000000000000000" pitchFamily="50" charset="-127"/>
+                <a:ea typeface="G마켓 산스 Bold" panose="02000000000000000000" pitchFamily="50" charset="-127"/>
+              </a:rPr>
+              <a:t>01</a:t>
+            </a:r>
+            <a:endParaRPr lang="ko-KR" altLang="en-US" sz="6000" dirty="0">
+              <a:solidFill>
+                <a:srgbClr val="7FB1D3">
+                  <a:alpha val="80000"/>
+                </a:srgbClr>
+              </a:solidFill>
+              <a:effectLst>
+                <a:outerShdw blurRad="50800" dist="38100" dir="5400000" algn="t" rotWithShape="0">
+                  <a:prstClr val="black">
+                    <a:alpha val="26000"/>
+                  </a:prstClr>
+                </a:outerShdw>
+              </a:effectLst>
+              <a:latin typeface="G마켓 산스 Bold" panose="02000000000000000000" pitchFamily="50" charset="-127"/>
+              <a:ea typeface="G마켓 산스 Bold" panose="02000000000000000000" pitchFamily="50" charset="-127"/>
+            </a:endParaRPr>
+          </a:p>
+        </p:txBody>
+      </p:sp>
+      <p:sp>
+        <p:nvSpPr>
+          <p:cNvPr id="13" name="Object 30">
+            <a:extLst>
+              <a:ext uri="{FF2B5EF4-FFF2-40B4-BE49-F238E27FC236}">
+                <a16:creationId xmlns:a16="http://schemas.microsoft.com/office/drawing/2014/main" id="{CBE6738D-6A3F-4883-8BA2-FB1BD2C83A12}"/>
+              </a:ext>
+            </a:extLst>
+          </p:cNvPr>
+          <p:cNvSpPr txBox="1"/>
+          <p:nvPr/>
+        </p:nvSpPr>
+        <p:spPr>
+          <a:xfrm>
+            <a:off x="5354186" y="726698"/>
+            <a:ext cx="8265508" cy="892552"/>
+          </a:xfrm>
+          <a:prstGeom prst="rect">
+            <a:avLst/>
+          </a:prstGeom>
+          <a:noFill/>
+        </p:spPr>
+        <p:txBody>
+          <a:bodyPr wrap="square" rtlCol="0" anchor="b" anchorCtr="0">
+            <a:spAutoFit/>
+          </a:bodyPr>
+          <a:lstStyle/>
+          <a:p>
+            <a:r>
+              <a:rPr lang="ko-KR" altLang="en-US" sz="3200" dirty="0">
+                <a:solidFill>
+                  <a:srgbClr val="002060"/>
+                </a:solidFill>
+                <a:latin typeface="G마켓 산스 Medium" panose="02000000000000000000" pitchFamily="50" charset="-127"/>
+                <a:ea typeface="G마켓 산스 Medium" panose="02000000000000000000" pitchFamily="50" charset="-127"/>
+              </a:rPr>
+              <a:t>나의 만족도 알아보기</a:t>
+            </a:r>
+            <a:endParaRPr lang="en-US" altLang="ko-KR" sz="3200" dirty="0">
+              <a:solidFill>
+                <a:srgbClr val="002060"/>
+              </a:solidFill>
+              <a:latin typeface="G마켓 산스 Medium" panose="02000000000000000000" pitchFamily="50" charset="-127"/>
+              <a:ea typeface="G마켓 산스 Medium" panose="02000000000000000000" pitchFamily="50" charset="-127"/>
+            </a:endParaRPr>
+          </a:p>
+          <a:p>
+            <a:r>
+              <a:rPr lang="ko-KR" altLang="en-US" sz="2000" dirty="0">
+                <a:solidFill>
+                  <a:srgbClr val="002060"/>
+                </a:solidFill>
+                <a:latin typeface="G마켓 산스 Medium" panose="02000000000000000000" pitchFamily="50" charset="-127"/>
+                <a:ea typeface="G마켓 산스 Medium" panose="02000000000000000000" pitchFamily="50" charset="-127"/>
+              </a:rPr>
+              <a:t>개인의 상황에 따른 만족도를 비교</a:t>
+            </a:r>
+            <a:r>
+              <a:rPr lang="en-US" altLang="ko-KR" sz="2000" dirty="0">
+                <a:solidFill>
+                  <a:srgbClr val="002060"/>
+                </a:solidFill>
+                <a:latin typeface="G마켓 산스 Medium" panose="02000000000000000000" pitchFamily="50" charset="-127"/>
+                <a:ea typeface="G마켓 산스 Medium" panose="02000000000000000000" pitchFamily="50" charset="-127"/>
+              </a:rPr>
+              <a:t>, </a:t>
+            </a:r>
+            <a:r>
+              <a:rPr lang="ko-KR" altLang="en-US" sz="2000" dirty="0">
+                <a:solidFill>
+                  <a:srgbClr val="002060"/>
+                </a:solidFill>
+                <a:latin typeface="G마켓 산스 Medium" panose="02000000000000000000" pitchFamily="50" charset="-127"/>
+                <a:ea typeface="G마켓 산스 Medium" panose="02000000000000000000" pitchFamily="50" charset="-127"/>
+              </a:rPr>
+              <a:t>분석</a:t>
+            </a:r>
+            <a:endParaRPr lang="en-US" altLang="ko-KR" sz="2000" dirty="0">
+              <a:solidFill>
+                <a:srgbClr val="002060"/>
+              </a:solidFill>
+              <a:latin typeface="G마켓 산스 Medium" panose="02000000000000000000" pitchFamily="50" charset="-127"/>
+              <a:ea typeface="G마켓 산스 Medium" panose="02000000000000000000" pitchFamily="50" charset="-127"/>
+            </a:endParaRPr>
+          </a:p>
+        </p:txBody>
+      </p:sp>
+    </p:spTree>
+    <p:extLst>
+      <p:ext uri="{BB962C8B-B14F-4D97-AF65-F5344CB8AC3E}">
+        <p14:creationId xmlns:p14="http://schemas.microsoft.com/office/powerpoint/2010/main" val="2383448402"/>
+      </p:ext>
+    </p:extLst>
+  </p:cSld>
+  <p:clrMapOvr>
+    <a:masterClrMapping/>
+  </p:clrMapOvr>
+</p:sld>
+</file>
+
+<file path=ppt/slides/slide8.xml><?xml version="1.0" encoding="utf-8"?>
+<p:sld xmlns:a="http://schemas.openxmlformats.org/drawingml/2006/main" xmlns:r="http://schemas.openxmlformats.org/officeDocument/2006/relationships" xmlns:p="http://schemas.openxmlformats.org/presentationml/2006/main">
+  <p:cSld>
+    <p:spTree>
+      <p:nvGrpSpPr>
+        <p:cNvPr id="1" name=""/>
+        <p:cNvGrpSpPr/>
+        <p:nvPr/>
+      </p:nvGrpSpPr>
+      <p:grpSpPr>
+        <a:xfrm>
+          <a:off x="0" y="0"/>
+          <a:ext cx="0" cy="0"/>
+          <a:chOff x="0" y="0"/>
+          <a:chExt cx="0" cy="0"/>
+        </a:xfrm>
+      </p:grpSpPr>
+      <p:sp>
+        <p:nvSpPr>
+          <p:cNvPr id="6" name="Object 30"/>
+          <p:cNvSpPr txBox="1"/>
+          <p:nvPr/>
+        </p:nvSpPr>
+        <p:spPr>
+          <a:xfrm>
+            <a:off x="896446" y="698837"/>
+            <a:ext cx="3142790" cy="1015663"/>
+          </a:xfrm>
+          <a:prstGeom prst="rect">
+            <a:avLst/>
+          </a:prstGeom>
+          <a:noFill/>
+        </p:spPr>
+        <p:txBody>
+          <a:bodyPr wrap="square" rtlCol="0" anchor="b" anchorCtr="0">
+            <a:spAutoFit/>
+          </a:bodyPr>
+          <a:lstStyle/>
+          <a:p>
+            <a:r>
+              <a:rPr lang="ko-KR" altLang="en-US" sz="6000" kern="0" spc="-600" dirty="0">
+                <a:solidFill>
+                  <a:srgbClr val="293D65"/>
+                </a:solidFill>
+                <a:latin typeface="G마켓 산스 Medium" panose="02000000000000000000" pitchFamily="50" charset="-127"/>
+                <a:ea typeface="G마켓 산스 Medium" panose="02000000000000000000" pitchFamily="50" charset="-127"/>
+                <a:cs typeface="Black Han Sans" pitchFamily="34" charset="0"/>
+              </a:rPr>
+              <a:t>개발목표</a:t>
+            </a:r>
+            <a:endParaRPr lang="en-US" altLang="ko-KR" sz="6000" dirty="0">
+              <a:solidFill>
+                <a:srgbClr val="293D65"/>
+              </a:solidFill>
+              <a:latin typeface="G마켓 산스 Medium" panose="02000000000000000000" pitchFamily="50" charset="-127"/>
+              <a:ea typeface="G마켓 산스 Medium" panose="02000000000000000000" pitchFamily="50" charset="-127"/>
+            </a:endParaRPr>
+          </a:p>
+        </p:txBody>
+      </p:sp>
+      <p:cxnSp>
+        <p:nvCxnSpPr>
+          <p:cNvPr id="7" name="직선 연결선 6"/>
+          <p:cNvCxnSpPr/>
+          <p:nvPr/>
+        </p:nvCxnSpPr>
+        <p:spPr>
+          <a:xfrm>
+            <a:off x="0" y="1790700"/>
+            <a:ext cx="18288000" cy="0"/>
+          </a:xfrm>
+          <a:prstGeom prst="line">
+            <a:avLst/>
+          </a:prstGeom>
+          <a:ln w="28575">
+            <a:solidFill>
+              <a:srgbClr val="293D65"/>
+            </a:solidFill>
+          </a:ln>
+        </p:spPr>
+        <p:style>
+          <a:lnRef idx="1">
+            <a:schemeClr val="accent1"/>
+          </a:lnRef>
+          <a:fillRef idx="0">
+            <a:schemeClr val="accent1"/>
+          </a:fillRef>
+          <a:effectRef idx="0">
+            <a:schemeClr val="accent1"/>
+          </a:effectRef>
+          <a:fontRef idx="minor">
+            <a:schemeClr val="tx1"/>
+          </a:fontRef>
+        </p:style>
+      </p:cxnSp>
+      <p:sp>
+        <p:nvSpPr>
+          <p:cNvPr id="58" name="직사각형 57">
+            <a:extLst>
+              <a:ext uri="{FF2B5EF4-FFF2-40B4-BE49-F238E27FC236}">
+                <a16:creationId xmlns:a16="http://schemas.microsoft.com/office/drawing/2014/main" id="{7A18BB36-6312-271E-240E-1B79BD8E9244}"/>
+              </a:ext>
+            </a:extLst>
+          </p:cNvPr>
+          <p:cNvSpPr/>
+          <p:nvPr/>
+        </p:nvSpPr>
+        <p:spPr>
+          <a:xfrm>
+            <a:off x="9952342" y="2555172"/>
+            <a:ext cx="3200934" cy="4905197"/>
+          </a:xfrm>
+          <a:prstGeom prst="rect">
+            <a:avLst/>
+          </a:prstGeom>
+          <a:noFill/>
+          <a:ln>
+            <a:solidFill>
+              <a:schemeClr val="accent1">
+                <a:shade val="50000"/>
+              </a:schemeClr>
+            </a:solidFill>
+          </a:ln>
+        </p:spPr>
+        <p:style>
+          <a:lnRef idx="2">
+            <a:schemeClr val="accent1">
+              <a:shade val="50000"/>
+            </a:schemeClr>
+          </a:lnRef>
+          <a:fillRef idx="1">
+            <a:schemeClr val="accent1"/>
+          </a:fillRef>
+          <a:effectRef idx="0">
+            <a:schemeClr val="accent1"/>
+          </a:effectRef>
+          <a:fontRef idx="minor">
+            <a:schemeClr val="lt1"/>
+          </a:fontRef>
+        </p:style>
+        <p:txBody>
+          <a:bodyPr rtlCol="0" anchor="ctr"/>
+          <a:lstStyle/>
+          <a:p>
+            <a:pPr algn="ctr"/>
+            <a:endParaRPr lang="ko-KR" altLang="en-US"/>
+          </a:p>
+        </p:txBody>
+      </p:sp>
+      <p:sp>
+        <p:nvSpPr>
+          <p:cNvPr id="59" name="직사각형 58">
+            <a:extLst>
+              <a:ext uri="{FF2B5EF4-FFF2-40B4-BE49-F238E27FC236}">
+                <a16:creationId xmlns:a16="http://schemas.microsoft.com/office/drawing/2014/main" id="{4AA18350-BAAE-1C58-C0CC-36F7D0681531}"/>
+              </a:ext>
+            </a:extLst>
+          </p:cNvPr>
+          <p:cNvSpPr/>
+          <p:nvPr/>
+        </p:nvSpPr>
+        <p:spPr>
+          <a:xfrm>
+            <a:off x="13524239" y="2555172"/>
+            <a:ext cx="3931978" cy="4905197"/>
+          </a:xfrm>
+          <a:prstGeom prst="rect">
+            <a:avLst/>
+          </a:prstGeom>
+          <a:noFill/>
+          <a:ln>
+            <a:solidFill>
+              <a:schemeClr val="accent1">
+                <a:shade val="50000"/>
+              </a:schemeClr>
+            </a:solidFill>
+          </a:ln>
+        </p:spPr>
+        <p:style>
+          <a:lnRef idx="2">
+            <a:schemeClr val="accent1">
+              <a:shade val="50000"/>
+            </a:schemeClr>
+          </a:lnRef>
+          <a:fillRef idx="1">
+            <a:schemeClr val="accent1"/>
+          </a:fillRef>
+          <a:effectRef idx="0">
+            <a:schemeClr val="accent1"/>
+          </a:effectRef>
+          <a:fontRef idx="minor">
+            <a:schemeClr val="lt1"/>
+          </a:fontRef>
+        </p:style>
+        <p:txBody>
+          <a:bodyPr rtlCol="0" anchor="ctr"/>
+          <a:lstStyle/>
+          <a:p>
+            <a:pPr algn="ctr"/>
+            <a:endParaRPr lang="ko-KR" altLang="en-US"/>
+          </a:p>
+        </p:txBody>
+      </p:sp>
+      <p:sp>
+        <p:nvSpPr>
+          <p:cNvPr id="63" name="TextBox 62">
+            <a:extLst>
+              <a:ext uri="{FF2B5EF4-FFF2-40B4-BE49-F238E27FC236}">
+                <a16:creationId xmlns:a16="http://schemas.microsoft.com/office/drawing/2014/main" id="{47EC1A70-0287-ACDB-501D-EA00F3D43C91}"/>
+              </a:ext>
+            </a:extLst>
+          </p:cNvPr>
+          <p:cNvSpPr txBox="1"/>
+          <p:nvPr/>
+        </p:nvSpPr>
+        <p:spPr>
+          <a:xfrm>
+            <a:off x="10344818" y="2365849"/>
+            <a:ext cx="2415981" cy="523220"/>
+          </a:xfrm>
+          <a:prstGeom prst="rect">
+            <a:avLst/>
+          </a:prstGeom>
+          <a:solidFill>
+            <a:schemeClr val="bg1"/>
+          </a:solidFill>
+        </p:spPr>
+        <p:txBody>
+          <a:bodyPr wrap="square">
+            <a:spAutoFit/>
+          </a:bodyPr>
+          <a:lstStyle/>
+          <a:p>
+            <a:pPr algn="ctr"/>
+            <a:r>
+              <a:rPr lang="ko-KR" altLang="en-US" sz="2800" dirty="0">
+                <a:solidFill>
+                  <a:srgbClr val="002060"/>
+                </a:solidFill>
+                <a:latin typeface="G마켓 산스 Bold" panose="02000000000000000000" pitchFamily="50" charset="-127"/>
+                <a:ea typeface="G마켓 산스 Bold" panose="02000000000000000000" pitchFamily="50" charset="-127"/>
+              </a:rPr>
+              <a:t>개인별 환경 </a:t>
+            </a:r>
+          </a:p>
+        </p:txBody>
+      </p:sp>
+      <p:sp>
+        <p:nvSpPr>
+          <p:cNvPr id="65" name="TextBox 64">
+            <a:extLst>
+              <a:ext uri="{FF2B5EF4-FFF2-40B4-BE49-F238E27FC236}">
+                <a16:creationId xmlns:a16="http://schemas.microsoft.com/office/drawing/2014/main" id="{5EBB711D-57E6-DB6C-F4C7-82AD98360413}"/>
+              </a:ext>
+            </a:extLst>
+          </p:cNvPr>
+          <p:cNvSpPr txBox="1"/>
+          <p:nvPr/>
+        </p:nvSpPr>
+        <p:spPr>
+          <a:xfrm>
+            <a:off x="10120207" y="2781300"/>
+            <a:ext cx="2196970" cy="2550698"/>
+          </a:xfrm>
+          <a:prstGeom prst="rect">
+            <a:avLst/>
+          </a:prstGeom>
+          <a:noFill/>
+        </p:spPr>
+        <p:txBody>
+          <a:bodyPr wrap="square">
+            <a:spAutoFit/>
+          </a:bodyPr>
+          <a:lstStyle/>
+          <a:p>
+            <a:pPr>
+              <a:lnSpc>
+                <a:spcPct val="150000"/>
+              </a:lnSpc>
+            </a:pPr>
+            <a:r>
+              <a:rPr lang="en-US" altLang="ko-KR" dirty="0">
+                <a:solidFill>
+                  <a:srgbClr val="002060"/>
+                </a:solidFill>
+                <a:latin typeface="G마켓 산스 Medium" panose="02000000000000000000" pitchFamily="50" charset="-127"/>
+                <a:ea typeface="G마켓 산스 Medium" panose="02000000000000000000" pitchFamily="50" charset="-127"/>
+              </a:rPr>
+              <a:t>1) </a:t>
+            </a:r>
+            <a:r>
+              <a:rPr lang="ko-KR" altLang="en-US" dirty="0">
+                <a:solidFill>
+                  <a:srgbClr val="002060"/>
+                </a:solidFill>
+                <a:latin typeface="G마켓 산스 Medium" panose="02000000000000000000" pitchFamily="50" charset="-127"/>
+                <a:ea typeface="G마켓 산스 Medium" panose="02000000000000000000" pitchFamily="50" charset="-127"/>
+              </a:rPr>
+              <a:t>성별</a:t>
+            </a:r>
+            <a:endParaRPr lang="en-US" altLang="ko-KR" dirty="0">
+              <a:solidFill>
+                <a:srgbClr val="002060"/>
+              </a:solidFill>
+              <a:latin typeface="G마켓 산스 Medium" panose="02000000000000000000" pitchFamily="50" charset="-127"/>
+              <a:ea typeface="G마켓 산스 Medium" panose="02000000000000000000" pitchFamily="50" charset="-127"/>
+            </a:endParaRPr>
+          </a:p>
+          <a:p>
+            <a:pPr>
+              <a:lnSpc>
+                <a:spcPct val="150000"/>
+              </a:lnSpc>
+            </a:pPr>
+            <a:r>
+              <a:rPr lang="en-US" altLang="ko-KR" dirty="0">
+                <a:solidFill>
+                  <a:srgbClr val="002060"/>
+                </a:solidFill>
+                <a:latin typeface="G마켓 산스 Medium" panose="02000000000000000000" pitchFamily="50" charset="-127"/>
+                <a:ea typeface="G마켓 산스 Medium" panose="02000000000000000000" pitchFamily="50" charset="-127"/>
+              </a:rPr>
+              <a:t>2) </a:t>
+            </a:r>
+            <a:r>
+              <a:rPr lang="ko-KR" altLang="en-US" dirty="0">
+                <a:solidFill>
+                  <a:srgbClr val="002060"/>
+                </a:solidFill>
+                <a:latin typeface="G마켓 산스 Medium" panose="02000000000000000000" pitchFamily="50" charset="-127"/>
+                <a:ea typeface="G마켓 산스 Medium" panose="02000000000000000000" pitchFamily="50" charset="-127"/>
+              </a:rPr>
+              <a:t>연령</a:t>
+            </a:r>
+            <a:endParaRPr lang="en-US" altLang="ko-KR" dirty="0">
+              <a:solidFill>
+                <a:srgbClr val="002060"/>
+              </a:solidFill>
+              <a:latin typeface="G마켓 산스 Medium" panose="02000000000000000000" pitchFamily="50" charset="-127"/>
+              <a:ea typeface="G마켓 산스 Medium" panose="02000000000000000000" pitchFamily="50" charset="-127"/>
+            </a:endParaRPr>
+          </a:p>
+          <a:p>
+            <a:pPr>
+              <a:lnSpc>
+                <a:spcPct val="150000"/>
+              </a:lnSpc>
+            </a:pPr>
+            <a:r>
+              <a:rPr lang="en-US" altLang="ko-KR" dirty="0">
+                <a:solidFill>
+                  <a:srgbClr val="002060"/>
+                </a:solidFill>
+                <a:latin typeface="G마켓 산스 Medium" panose="02000000000000000000" pitchFamily="50" charset="-127"/>
+                <a:ea typeface="G마켓 산스 Medium" panose="02000000000000000000" pitchFamily="50" charset="-127"/>
+              </a:rPr>
+              <a:t>3) </a:t>
+            </a:r>
+            <a:r>
+              <a:rPr lang="ko-KR" altLang="en-US" dirty="0">
+                <a:solidFill>
+                  <a:srgbClr val="002060"/>
+                </a:solidFill>
+                <a:latin typeface="G마켓 산스 Medium" panose="02000000000000000000" pitchFamily="50" charset="-127"/>
+                <a:ea typeface="G마켓 산스 Medium" panose="02000000000000000000" pitchFamily="50" charset="-127"/>
+              </a:rPr>
+              <a:t>학력</a:t>
+            </a:r>
+            <a:endParaRPr lang="en-US" altLang="ko-KR" dirty="0">
+              <a:solidFill>
+                <a:srgbClr val="002060"/>
+              </a:solidFill>
+              <a:latin typeface="G마켓 산스 Medium" panose="02000000000000000000" pitchFamily="50" charset="-127"/>
+              <a:ea typeface="G마켓 산스 Medium" panose="02000000000000000000" pitchFamily="50" charset="-127"/>
+            </a:endParaRPr>
+          </a:p>
+          <a:p>
+            <a:pPr>
+              <a:lnSpc>
+                <a:spcPct val="150000"/>
+              </a:lnSpc>
+            </a:pPr>
+            <a:r>
+              <a:rPr lang="en-US" altLang="ko-KR" dirty="0">
+                <a:solidFill>
+                  <a:srgbClr val="002060"/>
+                </a:solidFill>
+                <a:latin typeface="G마켓 산스 Medium" panose="02000000000000000000" pitchFamily="50" charset="-127"/>
+                <a:ea typeface="G마켓 산스 Medium" panose="02000000000000000000" pitchFamily="50" charset="-127"/>
+              </a:rPr>
+              <a:t>4) </a:t>
+            </a:r>
+            <a:r>
+              <a:rPr lang="ko-KR" altLang="en-US" dirty="0">
+                <a:solidFill>
+                  <a:srgbClr val="002060"/>
+                </a:solidFill>
+                <a:latin typeface="G마켓 산스 Medium" panose="02000000000000000000" pitchFamily="50" charset="-127"/>
+                <a:ea typeface="G마켓 산스 Medium" panose="02000000000000000000" pitchFamily="50" charset="-127"/>
+              </a:rPr>
+              <a:t>혼인 여부</a:t>
+            </a:r>
+          </a:p>
+          <a:p>
+            <a:pPr>
+              <a:lnSpc>
+                <a:spcPct val="150000"/>
+              </a:lnSpc>
+            </a:pPr>
+            <a:r>
+              <a:rPr lang="en-US" altLang="ko-KR" dirty="0">
+                <a:solidFill>
+                  <a:srgbClr val="002060"/>
+                </a:solidFill>
+                <a:latin typeface="G마켓 산스 Medium" panose="02000000000000000000" pitchFamily="50" charset="-127"/>
+                <a:ea typeface="G마켓 산스 Medium" panose="02000000000000000000" pitchFamily="50" charset="-127"/>
+              </a:rPr>
+              <a:t>5) </a:t>
+            </a:r>
+            <a:r>
+              <a:rPr lang="ko-KR" altLang="en-US" dirty="0" err="1">
+                <a:solidFill>
+                  <a:srgbClr val="002060"/>
+                </a:solidFill>
+                <a:latin typeface="G마켓 산스 Medium" panose="02000000000000000000" pitchFamily="50" charset="-127"/>
+                <a:ea typeface="G마켓 산스 Medium" panose="02000000000000000000" pitchFamily="50" charset="-127"/>
+              </a:rPr>
+              <a:t>자차</a:t>
+            </a:r>
+            <a:r>
+              <a:rPr lang="ko-KR" altLang="en-US" dirty="0">
+                <a:solidFill>
+                  <a:srgbClr val="002060"/>
+                </a:solidFill>
+                <a:latin typeface="G마켓 산스 Medium" panose="02000000000000000000" pitchFamily="50" charset="-127"/>
+                <a:ea typeface="G마켓 산스 Medium" panose="02000000000000000000" pitchFamily="50" charset="-127"/>
+              </a:rPr>
+              <a:t> 여부</a:t>
+            </a:r>
+            <a:endParaRPr lang="en-US" altLang="ko-KR" dirty="0">
+              <a:solidFill>
+                <a:srgbClr val="002060"/>
+              </a:solidFill>
+              <a:latin typeface="G마켓 산스 Medium" panose="02000000000000000000" pitchFamily="50" charset="-127"/>
+              <a:ea typeface="G마켓 산스 Medium" panose="02000000000000000000" pitchFamily="50" charset="-127"/>
+            </a:endParaRPr>
+          </a:p>
+          <a:p>
+            <a:pPr>
+              <a:lnSpc>
+                <a:spcPct val="150000"/>
+              </a:lnSpc>
+            </a:pPr>
+            <a:r>
+              <a:rPr lang="en-US" altLang="ko-KR" dirty="0">
+                <a:solidFill>
+                  <a:srgbClr val="002060"/>
+                </a:solidFill>
+                <a:latin typeface="G마켓 산스 Medium" panose="02000000000000000000" pitchFamily="50" charset="-127"/>
+                <a:ea typeface="G마켓 산스 Medium" panose="02000000000000000000" pitchFamily="50" charset="-127"/>
+              </a:rPr>
+              <a:t>6) </a:t>
+            </a:r>
+            <a:r>
+              <a:rPr lang="ko-KR" altLang="en-US" dirty="0">
+                <a:solidFill>
+                  <a:srgbClr val="002060"/>
+                </a:solidFill>
+                <a:latin typeface="G마켓 산스 Medium" panose="02000000000000000000" pitchFamily="50" charset="-127"/>
+                <a:ea typeface="G마켓 산스 Medium" panose="02000000000000000000" pitchFamily="50" charset="-127"/>
+              </a:rPr>
+              <a:t>가치관</a:t>
+            </a:r>
+            <a:endParaRPr lang="en-US" altLang="ko-KR" dirty="0">
+              <a:solidFill>
+                <a:srgbClr val="002060"/>
+              </a:solidFill>
+              <a:latin typeface="G마켓 산스 Medium" panose="02000000000000000000" pitchFamily="50" charset="-127"/>
+              <a:ea typeface="G마켓 산스 Medium" panose="02000000000000000000" pitchFamily="50" charset="-127"/>
+            </a:endParaRPr>
+          </a:p>
+        </p:txBody>
+      </p:sp>
+      <p:sp>
+        <p:nvSpPr>
+          <p:cNvPr id="66" name="TextBox 65">
+            <a:extLst>
+              <a:ext uri="{FF2B5EF4-FFF2-40B4-BE49-F238E27FC236}">
+                <a16:creationId xmlns:a16="http://schemas.microsoft.com/office/drawing/2014/main" id="{5ACF5703-A291-E8EE-4A12-AE63C46788B6}"/>
+              </a:ext>
+            </a:extLst>
+          </p:cNvPr>
+          <p:cNvSpPr txBox="1"/>
+          <p:nvPr/>
+        </p:nvSpPr>
+        <p:spPr>
+          <a:xfrm>
+            <a:off x="14192288" y="2365849"/>
+            <a:ext cx="2415981" cy="523220"/>
+          </a:xfrm>
+          <a:prstGeom prst="rect">
+            <a:avLst/>
+          </a:prstGeom>
+          <a:solidFill>
+            <a:schemeClr val="bg1"/>
+          </a:solidFill>
+        </p:spPr>
+        <p:txBody>
+          <a:bodyPr wrap="square">
+            <a:spAutoFit/>
+          </a:bodyPr>
+          <a:lstStyle/>
+          <a:p>
+            <a:pPr algn="ctr"/>
+            <a:r>
+              <a:rPr lang="ko-KR" altLang="en-US" sz="2800" dirty="0">
+                <a:solidFill>
+                  <a:srgbClr val="002060"/>
+                </a:solidFill>
+                <a:latin typeface="G마켓 산스 Bold" panose="02000000000000000000" pitchFamily="50" charset="-127"/>
+                <a:ea typeface="G마켓 산스 Bold" panose="02000000000000000000" pitchFamily="50" charset="-127"/>
+              </a:rPr>
+              <a:t>만족도</a:t>
+            </a:r>
+          </a:p>
+        </p:txBody>
+      </p:sp>
+      <p:sp>
+        <p:nvSpPr>
+          <p:cNvPr id="68" name="TextBox 67">
+            <a:extLst>
+              <a:ext uri="{FF2B5EF4-FFF2-40B4-BE49-F238E27FC236}">
+                <a16:creationId xmlns:a16="http://schemas.microsoft.com/office/drawing/2014/main" id="{CAB44407-EF61-A4FC-451A-6A19EEBE5E7C}"/>
+              </a:ext>
+            </a:extLst>
+          </p:cNvPr>
+          <p:cNvSpPr txBox="1"/>
+          <p:nvPr/>
+        </p:nvSpPr>
+        <p:spPr>
+          <a:xfrm>
+            <a:off x="13572943" y="2781300"/>
+            <a:ext cx="3654673" cy="3797193"/>
+          </a:xfrm>
+          <a:prstGeom prst="rect">
+            <a:avLst/>
+          </a:prstGeom>
+          <a:noFill/>
+        </p:spPr>
+        <p:txBody>
+          <a:bodyPr wrap="square">
+            <a:spAutoFit/>
+          </a:bodyPr>
+          <a:lstStyle/>
+          <a:p>
+            <a:pPr marL="342900" indent="-342900">
+              <a:lnSpc>
+                <a:spcPct val="150000"/>
+              </a:lnSpc>
+              <a:buAutoNum type="arabicParenR"/>
+            </a:pPr>
+            <a:r>
+              <a:rPr lang="ko-KR" altLang="en-US" dirty="0">
+                <a:solidFill>
+                  <a:srgbClr val="002060"/>
+                </a:solidFill>
+                <a:latin typeface="G마켓 산스 Medium" panose="02000000000000000000" pitchFamily="50" charset="-127"/>
+                <a:ea typeface="G마켓 산스 Medium" panose="02000000000000000000" pitchFamily="50" charset="-127"/>
+              </a:rPr>
+              <a:t>삶의 만족도</a:t>
+            </a:r>
+            <a:endParaRPr lang="en-US" altLang="ko-KR" dirty="0">
+              <a:solidFill>
+                <a:srgbClr val="002060"/>
+              </a:solidFill>
+              <a:latin typeface="G마켓 산스 Medium" panose="02000000000000000000" pitchFamily="50" charset="-127"/>
+              <a:ea typeface="G마켓 산스 Medium" panose="02000000000000000000" pitchFamily="50" charset="-127"/>
+            </a:endParaRPr>
+          </a:p>
+          <a:p>
+            <a:pPr>
+              <a:lnSpc>
+                <a:spcPct val="150000"/>
+              </a:lnSpc>
+            </a:pPr>
+            <a:r>
+              <a:rPr lang="en-US" altLang="ko-KR" dirty="0">
+                <a:solidFill>
+                  <a:schemeClr val="tx1">
+                    <a:lumMod val="50000"/>
+                    <a:lumOff val="50000"/>
+                  </a:schemeClr>
+                </a:solidFill>
+                <a:latin typeface="G마켓 산스 Medium" panose="02000000000000000000" pitchFamily="50" charset="-127"/>
+                <a:ea typeface="G마켓 산스 Medium" panose="02000000000000000000" pitchFamily="50" charset="-127"/>
+              </a:rPr>
+              <a:t>: </a:t>
+            </a:r>
+            <a:r>
+              <a:rPr lang="ko-KR" altLang="en-US" dirty="0">
+                <a:solidFill>
+                  <a:schemeClr val="tx1">
+                    <a:lumMod val="50000"/>
+                    <a:lumOff val="50000"/>
+                  </a:schemeClr>
+                </a:solidFill>
+                <a:latin typeface="G마켓 산스 Medium" panose="02000000000000000000" pitchFamily="50" charset="-127"/>
+                <a:ea typeface="G마켓 산스 Medium" panose="02000000000000000000" pitchFamily="50" charset="-127"/>
+              </a:rPr>
+              <a:t>전반적인 삶의 만족도</a:t>
+            </a:r>
+            <a:endParaRPr lang="en-US" altLang="ko-KR" dirty="0">
+              <a:solidFill>
+                <a:schemeClr val="tx1">
+                  <a:lumMod val="50000"/>
+                  <a:lumOff val="50000"/>
+                </a:schemeClr>
+              </a:solidFill>
+              <a:latin typeface="G마켓 산스 Medium" panose="02000000000000000000" pitchFamily="50" charset="-127"/>
+              <a:ea typeface="G마켓 산스 Medium" panose="02000000000000000000" pitchFamily="50" charset="-127"/>
+            </a:endParaRPr>
+          </a:p>
+          <a:p>
+            <a:pPr>
+              <a:lnSpc>
+                <a:spcPct val="150000"/>
+              </a:lnSpc>
+            </a:pPr>
+            <a:r>
+              <a:rPr lang="en-US" altLang="ko-KR" dirty="0">
+                <a:solidFill>
+                  <a:srgbClr val="002060"/>
+                </a:solidFill>
+                <a:latin typeface="G마켓 산스 Medium" panose="02000000000000000000" pitchFamily="50" charset="-127"/>
+                <a:ea typeface="G마켓 산스 Medium" panose="02000000000000000000" pitchFamily="50" charset="-127"/>
+              </a:rPr>
+              <a:t>2) </a:t>
+            </a:r>
+            <a:r>
+              <a:rPr lang="ko-KR" altLang="en-US" dirty="0">
+                <a:solidFill>
+                  <a:srgbClr val="002060"/>
+                </a:solidFill>
+                <a:latin typeface="G마켓 산스 Medium" panose="02000000000000000000" pitchFamily="50" charset="-127"/>
+                <a:ea typeface="G마켓 산스 Medium" panose="02000000000000000000" pitchFamily="50" charset="-127"/>
+              </a:rPr>
+              <a:t>생활수준 만족도</a:t>
+            </a:r>
+            <a:endParaRPr lang="en-US" altLang="ko-KR" dirty="0">
+              <a:solidFill>
+                <a:srgbClr val="002060"/>
+              </a:solidFill>
+              <a:latin typeface="G마켓 산스 Medium" panose="02000000000000000000" pitchFamily="50" charset="-127"/>
+              <a:ea typeface="G마켓 산스 Medium" panose="02000000000000000000" pitchFamily="50" charset="-127"/>
+            </a:endParaRPr>
+          </a:p>
+          <a:p>
+            <a:pPr>
+              <a:lnSpc>
+                <a:spcPct val="150000"/>
+              </a:lnSpc>
+            </a:pPr>
+            <a:r>
+              <a:rPr lang="en-US" altLang="ko-KR" dirty="0">
+                <a:solidFill>
+                  <a:srgbClr val="002060"/>
+                </a:solidFill>
+                <a:latin typeface="G마켓 산스 Medium" panose="02000000000000000000" pitchFamily="50" charset="-127"/>
+                <a:ea typeface="G마켓 산스 Medium" panose="02000000000000000000" pitchFamily="50" charset="-127"/>
+              </a:rPr>
+              <a:t>: </a:t>
+            </a:r>
+            <a:r>
+              <a:rPr lang="ko-KR" altLang="en-US" dirty="0">
+                <a:solidFill>
+                  <a:schemeClr val="tx1">
+                    <a:lumMod val="50000"/>
+                    <a:lumOff val="50000"/>
+                  </a:schemeClr>
+                </a:solidFill>
+                <a:latin typeface="G마켓 산스 Medium" panose="02000000000000000000" pitchFamily="50" charset="-127"/>
+                <a:ea typeface="G마켓 산스 Medium" panose="02000000000000000000" pitchFamily="50" charset="-127"/>
+              </a:rPr>
+              <a:t>생활의 경제적 수준에 대한 만족도</a:t>
+            </a:r>
+            <a:endParaRPr lang="en-US" altLang="ko-KR" dirty="0">
+              <a:solidFill>
+                <a:schemeClr val="tx1">
+                  <a:lumMod val="50000"/>
+                  <a:lumOff val="50000"/>
+                </a:schemeClr>
+              </a:solidFill>
+              <a:latin typeface="G마켓 산스 Medium" panose="02000000000000000000" pitchFamily="50" charset="-127"/>
+              <a:ea typeface="G마켓 산스 Medium" panose="02000000000000000000" pitchFamily="50" charset="-127"/>
+            </a:endParaRPr>
+          </a:p>
+          <a:p>
+            <a:pPr>
+              <a:lnSpc>
+                <a:spcPct val="150000"/>
+              </a:lnSpc>
+            </a:pPr>
+            <a:r>
+              <a:rPr lang="en-US" altLang="ko-KR" dirty="0">
+                <a:solidFill>
+                  <a:srgbClr val="002060"/>
+                </a:solidFill>
+                <a:latin typeface="G마켓 산스 Medium" panose="02000000000000000000" pitchFamily="50" charset="-127"/>
+                <a:ea typeface="G마켓 산스 Medium" panose="02000000000000000000" pitchFamily="50" charset="-127"/>
+              </a:rPr>
+              <a:t>3) </a:t>
+            </a:r>
+            <a:r>
+              <a:rPr lang="ko-KR" altLang="en-US" dirty="0">
+                <a:solidFill>
+                  <a:srgbClr val="002060"/>
+                </a:solidFill>
+                <a:latin typeface="G마켓 산스 Medium" panose="02000000000000000000" pitchFamily="50" charset="-127"/>
+                <a:ea typeface="G마켓 산스 Medium" panose="02000000000000000000" pitchFamily="50" charset="-127"/>
+              </a:rPr>
+              <a:t>건강 만족도</a:t>
+            </a:r>
+            <a:endParaRPr lang="en-US" altLang="ko-KR" dirty="0">
+              <a:solidFill>
+                <a:srgbClr val="002060"/>
+              </a:solidFill>
+              <a:latin typeface="G마켓 산스 Medium" panose="02000000000000000000" pitchFamily="50" charset="-127"/>
+              <a:ea typeface="G마켓 산스 Medium" panose="02000000000000000000" pitchFamily="50" charset="-127"/>
+            </a:endParaRPr>
+          </a:p>
+          <a:p>
+            <a:pPr>
+              <a:lnSpc>
+                <a:spcPct val="150000"/>
+              </a:lnSpc>
+            </a:pPr>
+            <a:r>
+              <a:rPr lang="en-US" altLang="ko-KR" dirty="0">
+                <a:solidFill>
+                  <a:srgbClr val="002060"/>
+                </a:solidFill>
+                <a:latin typeface="G마켓 산스 Medium" panose="02000000000000000000" pitchFamily="50" charset="-127"/>
+                <a:ea typeface="G마켓 산스 Medium" panose="02000000000000000000" pitchFamily="50" charset="-127"/>
+              </a:rPr>
+              <a:t>: </a:t>
+            </a:r>
+            <a:r>
+              <a:rPr lang="ko-KR" altLang="en-US" dirty="0">
+                <a:solidFill>
+                  <a:schemeClr val="tx1">
+                    <a:lumMod val="50000"/>
+                    <a:lumOff val="50000"/>
+                  </a:schemeClr>
+                </a:solidFill>
+                <a:latin typeface="G마켓 산스 Medium" panose="02000000000000000000" pitchFamily="50" charset="-127"/>
+                <a:ea typeface="G마켓 산스 Medium" panose="02000000000000000000" pitchFamily="50" charset="-127"/>
+              </a:rPr>
+              <a:t>본인의 건강에 대한 만족도</a:t>
+            </a:r>
+            <a:endParaRPr lang="en-US" altLang="ko-KR" dirty="0">
+              <a:solidFill>
+                <a:schemeClr val="tx1">
+                  <a:lumMod val="50000"/>
+                  <a:lumOff val="50000"/>
+                </a:schemeClr>
+              </a:solidFill>
+              <a:latin typeface="G마켓 산스 Medium" panose="02000000000000000000" pitchFamily="50" charset="-127"/>
+              <a:ea typeface="G마켓 산스 Medium" panose="02000000000000000000" pitchFamily="50" charset="-127"/>
+            </a:endParaRPr>
+          </a:p>
+          <a:p>
+            <a:pPr>
+              <a:lnSpc>
+                <a:spcPct val="150000"/>
+              </a:lnSpc>
+            </a:pPr>
+            <a:r>
+              <a:rPr lang="en-US" altLang="ko-KR" dirty="0">
+                <a:solidFill>
+                  <a:srgbClr val="002060"/>
+                </a:solidFill>
+                <a:latin typeface="G마켓 산스 Medium" panose="02000000000000000000" pitchFamily="50" charset="-127"/>
+                <a:ea typeface="G마켓 산스 Medium" panose="02000000000000000000" pitchFamily="50" charset="-127"/>
+              </a:rPr>
+              <a:t>4) </a:t>
+            </a:r>
+            <a:r>
+              <a:rPr lang="ko-KR" altLang="en-US" dirty="0">
+                <a:solidFill>
+                  <a:srgbClr val="002060"/>
+                </a:solidFill>
+                <a:latin typeface="G마켓 산스 Medium" panose="02000000000000000000" pitchFamily="50" charset="-127"/>
+                <a:ea typeface="G마켓 산스 Medium" panose="02000000000000000000" pitchFamily="50" charset="-127"/>
+              </a:rPr>
+              <a:t>대인관계 만족도</a:t>
+            </a:r>
+            <a:endParaRPr lang="en-US" altLang="ko-KR" dirty="0">
+              <a:solidFill>
+                <a:srgbClr val="002060"/>
+              </a:solidFill>
+              <a:latin typeface="G마켓 산스 Medium" panose="02000000000000000000" pitchFamily="50" charset="-127"/>
+              <a:ea typeface="G마켓 산스 Medium" panose="02000000000000000000" pitchFamily="50" charset="-127"/>
+            </a:endParaRPr>
+          </a:p>
+          <a:p>
+            <a:pPr>
+              <a:lnSpc>
+                <a:spcPct val="150000"/>
+              </a:lnSpc>
+            </a:pPr>
+            <a:r>
+              <a:rPr lang="en-US" altLang="ko-KR" dirty="0">
+                <a:solidFill>
+                  <a:srgbClr val="002060"/>
+                </a:solidFill>
+                <a:latin typeface="G마켓 산스 Medium" panose="02000000000000000000" pitchFamily="50" charset="-127"/>
+                <a:ea typeface="G마켓 산스 Medium" panose="02000000000000000000" pitchFamily="50" charset="-127"/>
+              </a:rPr>
+              <a:t>: </a:t>
+            </a:r>
+            <a:r>
+              <a:rPr lang="ko-KR" altLang="en-US" dirty="0">
+                <a:solidFill>
+                  <a:schemeClr val="tx1">
+                    <a:lumMod val="50000"/>
+                    <a:lumOff val="50000"/>
+                  </a:schemeClr>
+                </a:solidFill>
+                <a:latin typeface="G마켓 산스 Medium" panose="02000000000000000000" pitchFamily="50" charset="-127"/>
+                <a:ea typeface="G마켓 산스 Medium" panose="02000000000000000000" pitchFamily="50" charset="-127"/>
+              </a:rPr>
+              <a:t>전체적인 대인관계에 대한 만족도</a:t>
+            </a:r>
+            <a:endParaRPr lang="en-US" altLang="ko-KR" dirty="0">
+              <a:solidFill>
+                <a:schemeClr val="tx1">
+                  <a:lumMod val="50000"/>
+                  <a:lumOff val="50000"/>
+                </a:schemeClr>
+              </a:solidFill>
+              <a:latin typeface="G마켓 산스 Medium" panose="02000000000000000000" pitchFamily="50" charset="-127"/>
+              <a:ea typeface="G마켓 산스 Medium" panose="02000000000000000000" pitchFamily="50" charset="-127"/>
+            </a:endParaRPr>
+          </a:p>
+          <a:p>
+            <a:pPr>
+              <a:lnSpc>
+                <a:spcPct val="150000"/>
+              </a:lnSpc>
+            </a:pPr>
+            <a:endParaRPr lang="en-US" altLang="ko-KR" dirty="0">
+              <a:solidFill>
+                <a:schemeClr val="tx1">
+                  <a:lumMod val="50000"/>
+                  <a:lumOff val="50000"/>
+                </a:schemeClr>
+              </a:solidFill>
+              <a:latin typeface="G마켓 산스 Medium" panose="02000000000000000000" pitchFamily="50" charset="-127"/>
+              <a:ea typeface="G마켓 산스 Medium" panose="02000000000000000000" pitchFamily="50" charset="-127"/>
+            </a:endParaRPr>
+          </a:p>
+        </p:txBody>
+      </p:sp>
+      <p:sp>
+        <p:nvSpPr>
+          <p:cNvPr id="69" name="TextBox 68">
+            <a:extLst>
+              <a:ext uri="{FF2B5EF4-FFF2-40B4-BE49-F238E27FC236}">
+                <a16:creationId xmlns:a16="http://schemas.microsoft.com/office/drawing/2014/main" id="{2F35F647-9C72-DADD-2876-2296C29DAF00}"/>
+              </a:ext>
+            </a:extLst>
+          </p:cNvPr>
+          <p:cNvSpPr txBox="1"/>
+          <p:nvPr/>
+        </p:nvSpPr>
+        <p:spPr>
+          <a:xfrm>
+            <a:off x="10363200" y="7581900"/>
+            <a:ext cx="6019800" cy="707886"/>
+          </a:xfrm>
+          <a:prstGeom prst="rect">
+            <a:avLst/>
+          </a:prstGeom>
+          <a:solidFill>
+            <a:schemeClr val="bg1"/>
+          </a:solidFill>
+        </p:spPr>
+        <p:txBody>
+          <a:bodyPr wrap="square">
+            <a:spAutoFit/>
+          </a:bodyPr>
+          <a:lstStyle/>
+          <a:p>
+            <a:pPr algn="ctr"/>
+            <a:r>
+              <a:rPr lang="en-US" altLang="ko-KR" sz="4000" dirty="0">
+                <a:solidFill>
+                  <a:srgbClr val="002060"/>
+                </a:solidFill>
+                <a:latin typeface="G마켓 산스 Bold" panose="02000000000000000000" pitchFamily="50" charset="-127"/>
+                <a:ea typeface="G마켓 산스 Bold" panose="02000000000000000000" pitchFamily="50" charset="-127"/>
+              </a:rPr>
+              <a:t>“</a:t>
+            </a:r>
+            <a:r>
+              <a:rPr lang="ko-KR" altLang="en-US" sz="4000" dirty="0">
+                <a:solidFill>
+                  <a:srgbClr val="002060"/>
+                </a:solidFill>
+                <a:latin typeface="G마켓 산스 Bold" panose="02000000000000000000" pitchFamily="50" charset="-127"/>
+                <a:ea typeface="G마켓 산스 Bold" panose="02000000000000000000" pitchFamily="50" charset="-127"/>
+              </a:rPr>
+              <a:t>사용자 개인과 비교</a:t>
+            </a:r>
+            <a:r>
+              <a:rPr lang="en-US" altLang="ko-KR" sz="4000" dirty="0">
+                <a:solidFill>
+                  <a:srgbClr val="002060"/>
+                </a:solidFill>
+                <a:latin typeface="G마켓 산스 Bold" panose="02000000000000000000" pitchFamily="50" charset="-127"/>
+                <a:ea typeface="G마켓 산스 Bold" panose="02000000000000000000" pitchFamily="50" charset="-127"/>
+              </a:rPr>
+              <a:t>·</a:t>
+            </a:r>
+            <a:r>
+              <a:rPr lang="ko-KR" altLang="en-US" sz="4000" dirty="0">
+                <a:solidFill>
+                  <a:srgbClr val="002060"/>
+                </a:solidFill>
+                <a:latin typeface="G마켓 산스 Bold" panose="02000000000000000000" pitchFamily="50" charset="-127"/>
+                <a:ea typeface="G마켓 산스 Bold" panose="02000000000000000000" pitchFamily="50" charset="-127"/>
+              </a:rPr>
+              <a:t>분석</a:t>
+            </a:r>
+            <a:r>
+              <a:rPr lang="en-US" altLang="ko-KR" sz="4000" dirty="0">
+                <a:solidFill>
+                  <a:srgbClr val="002060"/>
+                </a:solidFill>
+                <a:latin typeface="G마켓 산스 Bold" panose="02000000000000000000" pitchFamily="50" charset="-127"/>
+                <a:ea typeface="G마켓 산스 Bold" panose="02000000000000000000" pitchFamily="50" charset="-127"/>
+              </a:rPr>
+              <a:t>”</a:t>
+            </a:r>
+          </a:p>
+        </p:txBody>
+      </p:sp>
+      <p:sp>
+        <p:nvSpPr>
+          <p:cNvPr id="70" name="이등변 삼각형 69">
+            <a:extLst>
+              <a:ext uri="{FF2B5EF4-FFF2-40B4-BE49-F238E27FC236}">
+                <a16:creationId xmlns:a16="http://schemas.microsoft.com/office/drawing/2014/main" id="{0DBB5C95-073E-3960-723A-3589C32907DD}"/>
+              </a:ext>
+            </a:extLst>
+          </p:cNvPr>
+          <p:cNvSpPr/>
+          <p:nvPr/>
+        </p:nvSpPr>
+        <p:spPr>
+          <a:xfrm rot="10800000">
+            <a:off x="9932767" y="7464378"/>
+            <a:ext cx="7503875" cy="996679"/>
+          </a:xfrm>
+          <a:prstGeom prst="triangle">
+            <a:avLst/>
+          </a:prstGeom>
+          <a:solidFill>
+            <a:srgbClr val="6E9CCC">
+              <a:alpha val="16000"/>
+            </a:srgbClr>
+          </a:solidFill>
+          <a:ln>
+            <a:noFill/>
+          </a:ln>
+        </p:spPr>
+        <p:style>
+          <a:lnRef idx="2">
+            <a:schemeClr val="accent1">
+              <a:shade val="50000"/>
+            </a:schemeClr>
+          </a:lnRef>
+          <a:fillRef idx="1">
+            <a:schemeClr val="accent1"/>
+          </a:fillRef>
+          <a:effectRef idx="0">
+            <a:schemeClr val="accent1"/>
+          </a:effectRef>
+          <a:fontRef idx="minor">
+            <a:schemeClr val="lt1"/>
+          </a:fontRef>
+        </p:style>
+        <p:txBody>
+          <a:bodyPr rtlCol="0" anchor="ctr"/>
+          <a:lstStyle/>
+          <a:p>
+            <a:pPr algn="ctr"/>
+            <a:endParaRPr lang="ko-KR" altLang="en-US" dirty="0"/>
+          </a:p>
+        </p:txBody>
+      </p:sp>
+      <p:sp>
+        <p:nvSpPr>
+          <p:cNvPr id="64" name="TextBox 63">
+            <a:extLst>
+              <a:ext uri="{FF2B5EF4-FFF2-40B4-BE49-F238E27FC236}">
+                <a16:creationId xmlns:a16="http://schemas.microsoft.com/office/drawing/2014/main" id="{1E909F02-5BAC-46DA-A388-A77A550B42D5}"/>
+              </a:ext>
+            </a:extLst>
+          </p:cNvPr>
+          <p:cNvSpPr txBox="1"/>
+          <p:nvPr/>
+        </p:nvSpPr>
+        <p:spPr>
+          <a:xfrm>
+            <a:off x="4081160" y="698837"/>
+            <a:ext cx="1312438" cy="1015663"/>
+          </a:xfrm>
+          <a:prstGeom prst="rect">
+            <a:avLst/>
+          </a:prstGeom>
+          <a:noFill/>
+        </p:spPr>
+        <p:txBody>
+          <a:bodyPr wrap="square" rtlCol="0">
+            <a:spAutoFit/>
+          </a:bodyPr>
+          <a:lstStyle/>
+          <a:p>
+            <a:r>
+              <a:rPr lang="en-US" altLang="ko-KR" sz="6000" dirty="0">
+                <a:solidFill>
+                  <a:srgbClr val="7FB1D3">
+                    <a:alpha val="80000"/>
+                  </a:srgbClr>
+                </a:solidFill>
+                <a:effectLst>
+                  <a:outerShdw blurRad="50800" dist="38100" dir="5400000" algn="t" rotWithShape="0">
+                    <a:prstClr val="black">
+                      <a:alpha val="26000"/>
+                    </a:prstClr>
+                  </a:outerShdw>
+                </a:effectLst>
+                <a:latin typeface="G마켓 산스 Bold" panose="02000000000000000000" pitchFamily="50" charset="-127"/>
+                <a:ea typeface="G마켓 산스 Bold" panose="02000000000000000000" pitchFamily="50" charset="-127"/>
+              </a:rPr>
+              <a:t>01</a:t>
+            </a:r>
+            <a:endParaRPr lang="ko-KR" altLang="en-US" sz="6000" dirty="0">
+              <a:solidFill>
+                <a:srgbClr val="7FB1D3">
+                  <a:alpha val="80000"/>
+                </a:srgbClr>
+              </a:solidFill>
+              <a:effectLst>
+                <a:outerShdw blurRad="50800" dist="38100" dir="5400000" algn="t" rotWithShape="0">
+                  <a:prstClr val="black">
+                    <a:alpha val="26000"/>
+                  </a:prstClr>
+                </a:outerShdw>
+              </a:effectLst>
+              <a:latin typeface="G마켓 산스 Bold" panose="02000000000000000000" pitchFamily="50" charset="-127"/>
+              <a:ea typeface="G마켓 산스 Bold" panose="02000000000000000000" pitchFamily="50" charset="-127"/>
+            </a:endParaRPr>
+          </a:p>
+        </p:txBody>
+      </p:sp>
+      <p:sp>
+        <p:nvSpPr>
+          <p:cNvPr id="55" name="Object 30">
+            <a:extLst>
+              <a:ext uri="{FF2B5EF4-FFF2-40B4-BE49-F238E27FC236}">
+                <a16:creationId xmlns:a16="http://schemas.microsoft.com/office/drawing/2014/main" id="{CBE6738D-6A3F-4883-8BA2-FB1BD2C83A12}"/>
+              </a:ext>
+            </a:extLst>
+          </p:cNvPr>
+          <p:cNvSpPr txBox="1"/>
+          <p:nvPr/>
+        </p:nvSpPr>
+        <p:spPr>
+          <a:xfrm>
+            <a:off x="5354186" y="726698"/>
+            <a:ext cx="8265508" cy="892552"/>
+          </a:xfrm>
+          <a:prstGeom prst="rect">
+            <a:avLst/>
+          </a:prstGeom>
+          <a:noFill/>
+        </p:spPr>
+        <p:txBody>
+          <a:bodyPr wrap="square" rtlCol="0" anchor="b" anchorCtr="0">
+            <a:spAutoFit/>
+          </a:bodyPr>
+          <a:lstStyle/>
+          <a:p>
+            <a:r>
+              <a:rPr lang="ko-KR" altLang="en-US" sz="3200" dirty="0">
+                <a:solidFill>
+                  <a:srgbClr val="002060"/>
+                </a:solidFill>
+                <a:latin typeface="G마켓 산스 Medium" panose="02000000000000000000" pitchFamily="50" charset="-127"/>
+                <a:ea typeface="G마켓 산스 Medium" panose="02000000000000000000" pitchFamily="50" charset="-127"/>
+              </a:rPr>
+              <a:t>나의 만족도 알아보기</a:t>
+            </a:r>
+            <a:endParaRPr lang="en-US" altLang="ko-KR" sz="3200" dirty="0">
+              <a:solidFill>
+                <a:srgbClr val="002060"/>
+              </a:solidFill>
+              <a:latin typeface="G마켓 산스 Medium" panose="02000000000000000000" pitchFamily="50" charset="-127"/>
+              <a:ea typeface="G마켓 산스 Medium" panose="02000000000000000000" pitchFamily="50" charset="-127"/>
+            </a:endParaRPr>
+          </a:p>
+          <a:p>
+            <a:r>
+              <a:rPr lang="ko-KR" altLang="en-US" sz="2000" dirty="0">
+                <a:solidFill>
+                  <a:srgbClr val="002060"/>
+                </a:solidFill>
+                <a:latin typeface="G마켓 산스 Medium" panose="02000000000000000000" pitchFamily="50" charset="-127"/>
+                <a:ea typeface="G마켓 산스 Medium" panose="02000000000000000000" pitchFamily="50" charset="-127"/>
+              </a:rPr>
+              <a:t>개인의 상황에 따른 만족도를 비교</a:t>
+            </a:r>
+            <a:r>
+              <a:rPr lang="en-US" altLang="ko-KR" sz="2000" dirty="0">
+                <a:solidFill>
+                  <a:srgbClr val="002060"/>
+                </a:solidFill>
+                <a:latin typeface="G마켓 산스 Medium" panose="02000000000000000000" pitchFamily="50" charset="-127"/>
+                <a:ea typeface="G마켓 산스 Medium" panose="02000000000000000000" pitchFamily="50" charset="-127"/>
+              </a:rPr>
+              <a:t>, </a:t>
+            </a:r>
+            <a:r>
+              <a:rPr lang="ko-KR" altLang="en-US" sz="2000" dirty="0">
+                <a:solidFill>
+                  <a:srgbClr val="002060"/>
+                </a:solidFill>
+                <a:latin typeface="G마켓 산스 Medium" panose="02000000000000000000" pitchFamily="50" charset="-127"/>
+                <a:ea typeface="G마켓 산스 Medium" panose="02000000000000000000" pitchFamily="50" charset="-127"/>
+              </a:rPr>
+              <a:t>분석</a:t>
+            </a:r>
+            <a:endParaRPr lang="en-US" altLang="ko-KR" sz="2000" dirty="0">
+              <a:solidFill>
+                <a:srgbClr val="002060"/>
+              </a:solidFill>
+              <a:latin typeface="G마켓 산스 Medium" panose="02000000000000000000" pitchFamily="50" charset="-127"/>
+              <a:ea typeface="G마켓 산스 Medium" panose="02000000000000000000" pitchFamily="50" charset="-127"/>
+            </a:endParaRPr>
+          </a:p>
+        </p:txBody>
+      </p:sp>
+      <p:sp>
+        <p:nvSpPr>
+          <p:cNvPr id="5" name="직사각형 4"/>
+          <p:cNvSpPr/>
+          <p:nvPr/>
+        </p:nvSpPr>
+        <p:spPr>
+          <a:xfrm>
+            <a:off x="10804848" y="2168723"/>
+            <a:ext cx="1495922" cy="307777"/>
+          </a:xfrm>
+          <a:prstGeom prst="rect">
+            <a:avLst/>
+          </a:prstGeom>
+        </p:spPr>
+        <p:txBody>
+          <a:bodyPr wrap="none">
+            <a:spAutoFit/>
+          </a:bodyPr>
+          <a:lstStyle/>
+          <a:p>
+            <a:pPr algn="ctr"/>
+            <a:r>
+              <a:rPr lang="ko-KR" altLang="en-US" sz="1400" dirty="0">
+                <a:solidFill>
+                  <a:schemeClr val="bg1">
+                    <a:lumMod val="50000"/>
+                  </a:schemeClr>
+                </a:solidFill>
+                <a:latin typeface="G마켓 산스 Medium" panose="02000000000000000000" pitchFamily="50" charset="-127"/>
+                <a:ea typeface="G마켓 산스 Medium" panose="02000000000000000000" pitchFamily="50" charset="-127"/>
+              </a:rPr>
+              <a:t>회원 가입시 입력</a:t>
+            </a:r>
+            <a:endParaRPr lang="en-US" altLang="ko-KR" sz="1400" dirty="0">
+              <a:solidFill>
+                <a:schemeClr val="bg1">
+                  <a:lumMod val="50000"/>
+                </a:schemeClr>
+              </a:solidFill>
+              <a:latin typeface="G마켓 산스 Medium" panose="02000000000000000000" pitchFamily="50" charset="-127"/>
+              <a:ea typeface="G마켓 산스 Medium" panose="02000000000000000000" pitchFamily="50" charset="-127"/>
+            </a:endParaRPr>
+          </a:p>
+        </p:txBody>
+      </p:sp>
+      <p:sp>
+        <p:nvSpPr>
+          <p:cNvPr id="60" name="직사각형 59"/>
+          <p:cNvSpPr/>
+          <p:nvPr/>
+        </p:nvSpPr>
+        <p:spPr>
+          <a:xfrm>
+            <a:off x="14565755" y="2169720"/>
+            <a:ext cx="1669048" cy="307777"/>
+          </a:xfrm>
+          <a:prstGeom prst="rect">
+            <a:avLst/>
+          </a:prstGeom>
+        </p:spPr>
+        <p:txBody>
+          <a:bodyPr wrap="none">
+            <a:spAutoFit/>
+          </a:bodyPr>
+          <a:lstStyle/>
+          <a:p>
+            <a:pPr algn="ctr"/>
+            <a:r>
+              <a:rPr lang="ko-KR" altLang="en-US" sz="1400" dirty="0">
+                <a:solidFill>
+                  <a:schemeClr val="bg1">
+                    <a:lumMod val="50000"/>
+                  </a:schemeClr>
+                </a:solidFill>
+                <a:latin typeface="G마켓 산스 Medium" panose="02000000000000000000" pitchFamily="50" charset="-127"/>
+                <a:ea typeface="G마켓 산스 Medium" panose="02000000000000000000" pitchFamily="50" charset="-127"/>
+              </a:rPr>
+              <a:t>기존 데이터와 비교</a:t>
+            </a:r>
+            <a:endParaRPr lang="en-US" altLang="ko-KR" sz="1400" dirty="0">
+              <a:solidFill>
+                <a:schemeClr val="bg1">
+                  <a:lumMod val="50000"/>
+                </a:schemeClr>
+              </a:solidFill>
+              <a:latin typeface="G마켓 산스 Medium" panose="02000000000000000000" pitchFamily="50" charset="-127"/>
+              <a:ea typeface="G마켓 산스 Medium" panose="02000000000000000000" pitchFamily="50" charset="-127"/>
+            </a:endParaRPr>
+          </a:p>
+        </p:txBody>
+      </p:sp>
+      <p:sp>
+        <p:nvSpPr>
+          <p:cNvPr id="74" name="TextBox 73"/>
+          <p:cNvSpPr txBox="1"/>
+          <p:nvPr/>
+        </p:nvSpPr>
+        <p:spPr>
+          <a:xfrm>
+            <a:off x="9906000" y="8267700"/>
+            <a:ext cx="6934200" cy="1338828"/>
+          </a:xfrm>
+          <a:prstGeom prst="rect">
+            <a:avLst/>
+          </a:prstGeom>
+          <a:noFill/>
+        </p:spPr>
+        <p:txBody>
+          <a:bodyPr wrap="square" rtlCol="0">
+            <a:spAutoFit/>
+          </a:bodyPr>
+          <a:lstStyle/>
+          <a:p>
+            <a:pPr algn="ctr"/>
+            <a:r>
+              <a:rPr lang="ko-KR" altLang="en-US" sz="2700" dirty="0">
+                <a:solidFill>
+                  <a:srgbClr val="002060"/>
+                </a:solidFill>
+                <a:latin typeface="G마켓 산스 Bold" panose="02000000000000000000" pitchFamily="50" charset="-127"/>
+                <a:ea typeface="G마켓 산스 Bold" panose="02000000000000000000" pitchFamily="50" charset="-127"/>
+              </a:rPr>
+              <a:t>분석한 내용을 바탕으로</a:t>
+            </a:r>
+            <a:endParaRPr lang="en-US" altLang="ko-KR" sz="2700" dirty="0">
+              <a:solidFill>
+                <a:srgbClr val="002060"/>
+              </a:solidFill>
+              <a:latin typeface="G마켓 산스 Bold" panose="02000000000000000000" pitchFamily="50" charset="-127"/>
+              <a:ea typeface="G마켓 산스 Bold" panose="02000000000000000000" pitchFamily="50" charset="-127"/>
+            </a:endParaRPr>
+          </a:p>
+          <a:p>
+            <a:pPr algn="ctr"/>
+            <a:r>
+              <a:rPr lang="ko-KR" altLang="en-US" sz="2700" dirty="0" smtClean="0">
+                <a:solidFill>
+                  <a:srgbClr val="002060"/>
+                </a:solidFill>
+                <a:latin typeface="G마켓 산스 Bold" panose="02000000000000000000" pitchFamily="50" charset="-127"/>
+                <a:ea typeface="G마켓 산스 Bold" panose="02000000000000000000" pitchFamily="50" charset="-127"/>
+              </a:rPr>
+              <a:t>사용자의 예상 만족도와</a:t>
+            </a:r>
+            <a:r>
+              <a:rPr lang="en-US" altLang="ko-KR" sz="2700" dirty="0">
+                <a:solidFill>
+                  <a:srgbClr val="002060"/>
+                </a:solidFill>
+                <a:latin typeface="G마켓 산스 Bold" panose="02000000000000000000" pitchFamily="50" charset="-127"/>
+                <a:ea typeface="G마켓 산스 Bold" panose="02000000000000000000" pitchFamily="50" charset="-127"/>
+              </a:rPr>
+              <a:t>,</a:t>
+            </a:r>
+          </a:p>
+          <a:p>
+            <a:pPr algn="ctr"/>
+            <a:r>
+              <a:rPr lang="ko-KR" altLang="en-US" sz="2700" dirty="0" smtClean="0">
+                <a:solidFill>
+                  <a:srgbClr val="002060"/>
+                </a:solidFill>
+                <a:latin typeface="G마켓 산스 Bold" panose="02000000000000000000" pitchFamily="50" charset="-127"/>
+                <a:ea typeface="G마켓 산스 Bold" panose="02000000000000000000" pitchFamily="50" charset="-127"/>
+              </a:rPr>
+              <a:t>만족도를 높일 수 있는 방법 </a:t>
+            </a:r>
+            <a:r>
+              <a:rPr lang="ko-KR" altLang="en-US" sz="2700" dirty="0">
+                <a:solidFill>
+                  <a:srgbClr val="002060"/>
+                </a:solidFill>
+                <a:latin typeface="G마켓 산스 Bold" panose="02000000000000000000" pitchFamily="50" charset="-127"/>
+                <a:ea typeface="G마켓 산스 Bold" panose="02000000000000000000" pitchFamily="50" charset="-127"/>
+              </a:rPr>
+              <a:t>제시</a:t>
+            </a:r>
+            <a:endParaRPr lang="en-US" altLang="ko-KR" sz="2700" dirty="0">
+              <a:solidFill>
+                <a:srgbClr val="002060"/>
+              </a:solidFill>
+              <a:latin typeface="G마켓 산스 Bold" panose="02000000000000000000" pitchFamily="50" charset="-127"/>
+              <a:ea typeface="G마켓 산스 Bold" panose="02000000000000000000" pitchFamily="50" charset="-127"/>
+            </a:endParaRPr>
+          </a:p>
+        </p:txBody>
+      </p:sp>
+      <p:sp>
+        <p:nvSpPr>
+          <p:cNvPr id="61" name="TextBox 60">
+            <a:extLst>
+              <a:ext uri="{FF2B5EF4-FFF2-40B4-BE49-F238E27FC236}">
+                <a16:creationId xmlns:a16="http://schemas.microsoft.com/office/drawing/2014/main" id="{5EBB711D-57E6-DB6C-F4C7-82AD98360413}"/>
+              </a:ext>
+            </a:extLst>
+          </p:cNvPr>
+          <p:cNvSpPr txBox="1"/>
+          <p:nvPr/>
+        </p:nvSpPr>
+        <p:spPr>
+          <a:xfrm>
+            <a:off x="11189657" y="5321523"/>
+            <a:ext cx="726302" cy="473206"/>
+          </a:xfrm>
+          <a:prstGeom prst="rect">
+            <a:avLst/>
+          </a:prstGeom>
+          <a:noFill/>
+        </p:spPr>
+        <p:txBody>
+          <a:bodyPr wrap="square">
+            <a:spAutoFit/>
+          </a:bodyPr>
+          <a:lstStyle/>
+          <a:p>
+            <a:pPr algn="ctr">
+              <a:lnSpc>
+                <a:spcPct val="150000"/>
+              </a:lnSpc>
+            </a:pPr>
+            <a:r>
+              <a:rPr lang="en-US" altLang="ko-KR" dirty="0">
+                <a:solidFill>
+                  <a:srgbClr val="002060"/>
+                </a:solidFill>
+                <a:latin typeface="G마켓 산스 Medium" panose="02000000000000000000" pitchFamily="50" charset="-127"/>
+                <a:ea typeface="G마켓 산스 Medium" panose="02000000000000000000" pitchFamily="50" charset="-127"/>
+              </a:rPr>
+              <a:t>…</a:t>
+            </a:r>
+          </a:p>
+        </p:txBody>
+      </p:sp>
+      <p:pic>
+        <p:nvPicPr>
+          <p:cNvPr id="4" name="그림 3"/>
+          <p:cNvPicPr>
+            <a:picLocks noChangeAspect="1"/>
+          </p:cNvPicPr>
+          <p:nvPr/>
+        </p:nvPicPr>
+        <p:blipFill>
+          <a:blip r:embed="rId2"/>
+          <a:stretch>
+            <a:fillRect/>
+          </a:stretch>
+        </p:blipFill>
+        <p:spPr>
+          <a:xfrm>
+            <a:off x="609600" y="2707855"/>
+            <a:ext cx="8837541" cy="6169445"/>
+          </a:xfrm>
+          <a:prstGeom prst="rect">
+            <a:avLst/>
+          </a:prstGeom>
+        </p:spPr>
+      </p:pic>
+    </p:spTree>
+    <p:extLst>
+      <p:ext uri="{BB962C8B-B14F-4D97-AF65-F5344CB8AC3E}">
+        <p14:creationId xmlns:p14="http://schemas.microsoft.com/office/powerpoint/2010/main" val="830093387"/>
+      </p:ext>
+    </p:extLst>
+  </p:cSld>
+  <p:clrMapOvr>
+    <a:masterClrMapping/>
+  </p:clrMapOvr>
+</p:sld>
+</file>
+
+<file path=ppt/slides/slide9.xml><?xml version="1.0" encoding="utf-8"?>
+<p:sld xmlns:a="http://schemas.openxmlformats.org/drawingml/2006/main" xmlns:r="http://schemas.openxmlformats.org/officeDocument/2006/relationships" xmlns:p="http://schemas.openxmlformats.org/presentationml/2006/main">
+  <p:cSld>
+    <p:spTree>
+      <p:nvGrpSpPr>
+        <p:cNvPr id="1" name=""/>
+        <p:cNvGrpSpPr/>
+        <p:nvPr/>
+      </p:nvGrpSpPr>
+      <p:grpSpPr>
+        <a:xfrm>
+          <a:off x="0" y="0"/>
+          <a:ext cx="0" cy="0"/>
+          <a:chOff x="0" y="0"/>
+          <a:chExt cx="0" cy="0"/>
+        </a:xfrm>
+      </p:grpSpPr>
+      <p:sp>
+        <p:nvSpPr>
+          <p:cNvPr id="6" name="Object 30"/>
+          <p:cNvSpPr txBox="1"/>
+          <p:nvPr/>
+        </p:nvSpPr>
+        <p:spPr>
+          <a:xfrm>
+            <a:off x="896446" y="698837"/>
+            <a:ext cx="3142790" cy="1015663"/>
+          </a:xfrm>
+          <a:prstGeom prst="rect">
+            <a:avLst/>
+          </a:prstGeom>
+          <a:noFill/>
+        </p:spPr>
+        <p:txBody>
+          <a:bodyPr wrap="square" rtlCol="0" anchor="b" anchorCtr="0">
+            <a:spAutoFit/>
+          </a:bodyPr>
+          <a:lstStyle/>
+          <a:p>
+            <a:r>
+              <a:rPr lang="ko-KR" altLang="en-US" sz="6000" kern="0" spc="-600" dirty="0">
+                <a:solidFill>
+                  <a:srgbClr val="293D65"/>
+                </a:solidFill>
+                <a:latin typeface="G마켓 산스 Medium" panose="02000000000000000000" pitchFamily="50" charset="-127"/>
+                <a:ea typeface="G마켓 산스 Medium" panose="02000000000000000000" pitchFamily="50" charset="-127"/>
+                <a:cs typeface="Black Han Sans" pitchFamily="34" charset="0"/>
+              </a:rPr>
+              <a:t>개발목표</a:t>
+            </a:r>
+            <a:endParaRPr lang="en-US" altLang="ko-KR" sz="6000" dirty="0">
+              <a:solidFill>
+                <a:srgbClr val="293D65"/>
+              </a:solidFill>
+              <a:latin typeface="G마켓 산스 Medium" panose="02000000000000000000" pitchFamily="50" charset="-127"/>
+              <a:ea typeface="G마켓 산스 Medium" panose="02000000000000000000" pitchFamily="50" charset="-127"/>
+            </a:endParaRPr>
+          </a:p>
+        </p:txBody>
+      </p:sp>
+      <p:cxnSp>
+        <p:nvCxnSpPr>
+          <p:cNvPr id="7" name="직선 연결선 6"/>
+          <p:cNvCxnSpPr/>
+          <p:nvPr/>
+        </p:nvCxnSpPr>
+        <p:spPr>
+          <a:xfrm>
+            <a:off x="0" y="1790700"/>
+            <a:ext cx="18288000" cy="0"/>
+          </a:xfrm>
+          <a:prstGeom prst="line">
+            <a:avLst/>
+          </a:prstGeom>
+          <a:ln w="28575">
+            <a:solidFill>
+              <a:srgbClr val="293D65"/>
+            </a:solidFill>
+          </a:ln>
+        </p:spPr>
+        <p:style>
+          <a:lnRef idx="1">
+            <a:schemeClr val="accent1"/>
+          </a:lnRef>
+          <a:fillRef idx="0">
+            <a:schemeClr val="accent1"/>
+          </a:fillRef>
+          <a:effectRef idx="0">
+            <a:schemeClr val="accent1"/>
+          </a:effectRef>
+          <a:fontRef idx="minor">
+            <a:schemeClr val="tx1"/>
+          </a:fontRef>
+        </p:style>
+      </p:cxnSp>
+      <p:sp>
+        <p:nvSpPr>
+          <p:cNvPr id="162" name="TextBox 161">
+            <a:extLst>
+              <a:ext uri="{FF2B5EF4-FFF2-40B4-BE49-F238E27FC236}">
+                <a16:creationId xmlns:a16="http://schemas.microsoft.com/office/drawing/2014/main" id="{066814A7-AFED-401C-BF38-27C7DAE53768}"/>
+              </a:ext>
+            </a:extLst>
+          </p:cNvPr>
+          <p:cNvSpPr txBox="1"/>
+          <p:nvPr/>
+        </p:nvSpPr>
+        <p:spPr>
+          <a:xfrm>
+            <a:off x="2587169" y="6164766"/>
+            <a:ext cx="13113662" cy="1950534"/>
+          </a:xfrm>
+          <a:prstGeom prst="rect">
+            <a:avLst/>
+          </a:prstGeom>
+        </p:spPr>
+        <p:txBody>
+          <a:bodyPr wrap="square" rtlCol="0">
+            <a:spAutoFit/>
+          </a:bodyPr>
+          <a:lstStyle>
+            <a:defPPr>
+              <a:defRPr lang="en-US"/>
+            </a:defPPr>
+            <a:lvl1pPr>
+              <a:defRPr sz="2000">
+                <a:solidFill>
+                  <a:srgbClr val="002060"/>
+                </a:solidFill>
+                <a:latin typeface="G마켓 산스 Medium" panose="02000000000000000000" pitchFamily="50" charset="-127"/>
+                <a:ea typeface="G마켓 산스 Medium" panose="02000000000000000000" pitchFamily="50" charset="-127"/>
+              </a:defRPr>
+            </a:lvl1pPr>
+          </a:lstStyle>
+          <a:p>
+            <a:pPr algn="ctr">
+              <a:lnSpc>
+                <a:spcPct val="150000"/>
+              </a:lnSpc>
+            </a:pPr>
+            <a:r>
+              <a:rPr lang="ko-KR" altLang="en-US" sz="4200" dirty="0">
+                <a:latin typeface="G마켓 산스 Bold" panose="02000000000000000000" pitchFamily="50" charset="-127"/>
+                <a:ea typeface="G마켓 산스 Bold" panose="02000000000000000000" pitchFamily="50" charset="-127"/>
+              </a:rPr>
+              <a:t>사용자가 선택한 요인에 따른 정보를</a:t>
+            </a:r>
+            <a:endParaRPr lang="en-US" altLang="ko-KR" sz="4200" dirty="0">
+              <a:latin typeface="G마켓 산스 Bold" panose="02000000000000000000" pitchFamily="50" charset="-127"/>
+              <a:ea typeface="G마켓 산스 Bold" panose="02000000000000000000" pitchFamily="50" charset="-127"/>
+            </a:endParaRPr>
+          </a:p>
+          <a:p>
+            <a:pPr algn="ctr">
+              <a:lnSpc>
+                <a:spcPct val="150000"/>
+              </a:lnSpc>
+            </a:pPr>
+            <a:r>
+              <a:rPr lang="ko-KR" altLang="en-US" sz="4200" dirty="0">
+                <a:latin typeface="G마켓 산스 Bold" panose="02000000000000000000" pitchFamily="50" charset="-127"/>
+                <a:ea typeface="G마켓 산스 Bold" panose="02000000000000000000" pitchFamily="50" charset="-127"/>
+              </a:rPr>
+              <a:t>그래프로 제공</a:t>
+            </a:r>
+            <a:endParaRPr lang="en-US" altLang="ko-KR" sz="4200" dirty="0">
+              <a:latin typeface="G마켓 산스 Bold" panose="02000000000000000000" pitchFamily="50" charset="-127"/>
+              <a:ea typeface="G마켓 산스 Bold" panose="02000000000000000000" pitchFamily="50" charset="-127"/>
+            </a:endParaRPr>
+          </a:p>
+        </p:txBody>
+      </p:sp>
+      <p:grpSp>
+        <p:nvGrpSpPr>
+          <p:cNvPr id="2" name="그룹 1">
+            <a:extLst>
+              <a:ext uri="{FF2B5EF4-FFF2-40B4-BE49-F238E27FC236}">
+                <a16:creationId xmlns:a16="http://schemas.microsoft.com/office/drawing/2014/main" id="{AC446990-EEA5-46BA-82DF-26E0A097A9E1}"/>
+              </a:ext>
+            </a:extLst>
+          </p:cNvPr>
+          <p:cNvGrpSpPr/>
+          <p:nvPr/>
+        </p:nvGrpSpPr>
+        <p:grpSpPr>
+          <a:xfrm>
+            <a:off x="4991101" y="3771900"/>
+            <a:ext cx="8305799" cy="2274200"/>
+            <a:chOff x="4319531" y="3783699"/>
+            <a:chExt cx="8305799" cy="2274200"/>
+          </a:xfrm>
+        </p:grpSpPr>
+        <p:sp>
+          <p:nvSpPr>
+            <p:cNvPr id="166" name="이등변 삼각형 165">
+              <a:extLst>
+                <a:ext uri="{FF2B5EF4-FFF2-40B4-BE49-F238E27FC236}">
+                  <a16:creationId xmlns:a16="http://schemas.microsoft.com/office/drawing/2014/main" id="{7FB22958-DF2A-492B-9372-6DE9A7165FCC}"/>
+                </a:ext>
+              </a:extLst>
+            </p:cNvPr>
+            <p:cNvSpPr/>
+            <p:nvPr/>
+          </p:nvSpPr>
+          <p:spPr>
+            <a:xfrm rot="10800000">
+              <a:off x="4319531" y="5004667"/>
+              <a:ext cx="8305799" cy="1053232"/>
+            </a:xfrm>
+            <a:prstGeom prst="triangle">
+              <a:avLst>
+                <a:gd name="adj" fmla="val 50000"/>
+              </a:avLst>
+            </a:prstGeom>
+            <a:solidFill>
+              <a:srgbClr val="6E9CCC">
+                <a:alpha val="16000"/>
+              </a:srgbClr>
+            </a:solidFill>
+            <a:ln>
+              <a:noFill/>
+            </a:ln>
+          </p:spPr>
+          <p:style>
+            <a:lnRef idx="2">
+              <a:schemeClr val="accent1">
+                <a:shade val="50000"/>
+              </a:schemeClr>
+            </a:lnRef>
+            <a:fillRef idx="1">
+              <a:schemeClr val="accent1"/>
+            </a:fillRef>
+            <a:effectRef idx="0">
+              <a:schemeClr val="accent1"/>
+            </a:effectRef>
+            <a:fontRef idx="minor">
+              <a:schemeClr val="lt1"/>
+            </a:fontRef>
+          </p:style>
+          <p:txBody>
+            <a:bodyPr rtlCol="0" anchor="ctr"/>
+            <a:lstStyle/>
+            <a:p>
+              <a:pPr algn="ctr"/>
+              <a:endParaRPr lang="ko-KR" altLang="en-US" dirty="0"/>
+            </a:p>
+          </p:txBody>
+        </p:sp>
+        <p:sp>
+          <p:nvSpPr>
+            <p:cNvPr id="167" name="TextBox 166">
+              <a:extLst>
+                <a:ext uri="{FF2B5EF4-FFF2-40B4-BE49-F238E27FC236}">
+                  <a16:creationId xmlns:a16="http://schemas.microsoft.com/office/drawing/2014/main" id="{3B4BFE7C-34CA-41EE-B123-E58A6B32B3CA}"/>
+                </a:ext>
+              </a:extLst>
+            </p:cNvPr>
+            <p:cNvSpPr txBox="1"/>
+            <p:nvPr/>
+          </p:nvSpPr>
+          <p:spPr>
+            <a:xfrm>
+              <a:off x="6709231" y="3783699"/>
+              <a:ext cx="3505200" cy="600164"/>
+            </a:xfrm>
+            <a:prstGeom prst="rect">
+              <a:avLst/>
+            </a:prstGeom>
+            <a:noFill/>
+          </p:spPr>
+          <p:txBody>
+            <a:bodyPr wrap="square">
+              <a:spAutoFit/>
+            </a:bodyPr>
+            <a:lstStyle/>
+            <a:p>
+              <a:pPr algn="ctr">
+                <a:lnSpc>
+                  <a:spcPct val="150000"/>
+                </a:lnSpc>
+              </a:pPr>
+              <a:r>
+                <a:rPr lang="en-US" altLang="ko-KR" sz="2200" dirty="0" smtClean="0">
+                  <a:solidFill>
+                    <a:schemeClr val="tx1">
+                      <a:lumMod val="50000"/>
+                      <a:lumOff val="50000"/>
+                    </a:schemeClr>
+                  </a:solidFill>
+                  <a:latin typeface="G마켓 산스 Medium" panose="02000000000000000000" pitchFamily="50" charset="-127"/>
+                  <a:ea typeface="G마켓 산스 Medium" panose="02000000000000000000" pitchFamily="50" charset="-127"/>
+                </a:rPr>
+                <a:t>MZ</a:t>
+              </a:r>
+              <a:r>
+                <a:rPr lang="ko-KR" altLang="en-US" sz="2200" dirty="0" smtClean="0">
+                  <a:solidFill>
+                    <a:schemeClr val="tx1">
+                      <a:lumMod val="50000"/>
+                      <a:lumOff val="50000"/>
+                    </a:schemeClr>
+                  </a:solidFill>
+                  <a:latin typeface="G마켓 산스 Medium" panose="02000000000000000000" pitchFamily="50" charset="-127"/>
+                  <a:ea typeface="G마켓 산스 Medium" panose="02000000000000000000" pitchFamily="50" charset="-127"/>
+                </a:rPr>
+                <a:t> 통계 보기</a:t>
               </a:r>
               <a:endParaRPr lang="en-US" altLang="ko-KR" sz="2200" dirty="0">
                 <a:solidFill>
@@ -13070,24 +14649,24 @@
           <a:lstStyle/>
           <a:p>
             <a:r>
-              <a:rPr lang="en-US" altLang="ko-KR" sz="3200" dirty="0">
+              <a:rPr lang="en-US" altLang="ko-KR" sz="3200" dirty="0" smtClean="0">
                 <a:solidFill>
                   <a:srgbClr val="002060"/>
                 </a:solidFill>
                 <a:latin typeface="G마켓 산스 Medium" panose="02000000000000000000" pitchFamily="50" charset="-127"/>
                 <a:ea typeface="G마켓 산스 Medium" panose="02000000000000000000" pitchFamily="50" charset="-127"/>
               </a:rPr>
-              <a:t>MZ</a:t>
-            </a:r>
-            <a:r>
-              <a:rPr lang="ko-KR" altLang="en-US" sz="3200" dirty="0">
+              <a:t>MZ </a:t>
+            </a:r>
+            <a:r>
+              <a:rPr lang="ko-KR" altLang="en-US" sz="3200" dirty="0" smtClean="0">
                 <a:solidFill>
                   <a:srgbClr val="002060"/>
                 </a:solidFill>
                 <a:latin typeface="G마켓 산스 Medium" panose="02000000000000000000" pitchFamily="50" charset="-127"/>
                 <a:ea typeface="G마켓 산스 Medium" panose="02000000000000000000" pitchFamily="50" charset="-127"/>
               </a:rPr>
-              <a:t>심층 분석</a:t>
+              <a:t>통계 보기</a:t>
             </a:r>
             <a:endParaRPr lang="en-US" altLang="ko-KR" sz="3200" dirty="0">
               <a:solidFill>
@@ -13286,927 +14865,6 @@
     <p:extLst>
       <p:ext uri="{BB962C8B-B14F-4D97-AF65-F5344CB8AC3E}">
         <p14:creationId xmlns:p14="http://schemas.microsoft.com/office/powerpoint/2010/main" val="372401017"/>
-      </p:ext>
-    </p:extLst>
-  </p:cSld>
-  <p:clrMapOvr>
-    <a:masterClrMapping/>
-  </p:clrMapOvr>
-</p:sld>
-</file>
-
-<file path=ppt/slides/slide9.xml><?xml version="1.0" encoding="utf-8"?>
-<p:sld xmlns:a="http://schemas.openxmlformats.org/drawingml/2006/main" xmlns:r="http://schemas.openxmlformats.org/officeDocument/2006/relationships" xmlns:p="http://schemas.openxmlformats.org/presentationml/2006/main">
-  <p:cSld>
-    <p:spTree>
-      <p:nvGrpSpPr>
-        <p:cNvPr id="1" name=""/>
-        <p:cNvGrpSpPr/>
-        <p:nvPr/>
-      </p:nvGrpSpPr>
-      <p:grpSpPr>
-        <a:xfrm>
-          <a:off x="0" y="0"/>
-          <a:ext cx="0" cy="0"/>
-          <a:chOff x="0" y="0"/>
-          <a:chExt cx="0" cy="0"/>
-        </a:xfrm>
-      </p:grpSpPr>
-      <p:cxnSp>
-        <p:nvCxnSpPr>
-          <p:cNvPr id="7" name="직선 연결선 6"/>
-          <p:cNvCxnSpPr/>
-          <p:nvPr/>
-        </p:nvCxnSpPr>
-        <p:spPr>
-          <a:xfrm>
-            <a:off x="0" y="1790700"/>
-            <a:ext cx="18288000" cy="0"/>
-          </a:xfrm>
-          <a:prstGeom prst="line">
-            <a:avLst/>
-          </a:prstGeom>
-          <a:ln w="28575">
-            <a:solidFill>
-              <a:srgbClr val="293D65"/>
-            </a:solidFill>
-          </a:ln>
-        </p:spPr>
-        <p:style>
-          <a:lnRef idx="1">
-            <a:schemeClr val="accent1"/>
-          </a:lnRef>
-          <a:fillRef idx="0">
-            <a:schemeClr val="accent1"/>
-          </a:fillRef>
-          <a:effectRef idx="0">
-            <a:schemeClr val="accent1"/>
-          </a:effectRef>
-          <a:fontRef idx="minor">
-            <a:schemeClr val="tx1"/>
-          </a:fontRef>
-        </p:style>
-      </p:cxnSp>
-      <p:sp>
-        <p:nvSpPr>
-          <p:cNvPr id="20" name="Object 30"/>
-          <p:cNvSpPr txBox="1"/>
-          <p:nvPr/>
-        </p:nvSpPr>
-        <p:spPr>
-          <a:xfrm>
-            <a:off x="896446" y="698837"/>
-            <a:ext cx="3142790" cy="1015663"/>
-          </a:xfrm>
-          <a:prstGeom prst="rect">
-            <a:avLst/>
-          </a:prstGeom>
-          <a:noFill/>
-        </p:spPr>
-        <p:txBody>
-          <a:bodyPr wrap="square" rtlCol="0" anchor="b" anchorCtr="0">
-            <a:spAutoFit/>
-          </a:bodyPr>
-          <a:lstStyle/>
-          <a:p>
-            <a:r>
-              <a:rPr lang="ko-KR" altLang="en-US" sz="6000" kern="0" spc="-600" dirty="0">
-                <a:solidFill>
-                  <a:srgbClr val="293D65"/>
-                </a:solidFill>
-                <a:latin typeface="G마켓 산스 Medium" panose="02000000000000000000" pitchFamily="50" charset="-127"/>
-                <a:ea typeface="G마켓 산스 Medium" panose="02000000000000000000" pitchFamily="50" charset="-127"/>
-                <a:cs typeface="Black Han Sans" pitchFamily="34" charset="0"/>
-              </a:rPr>
-              <a:t>개발목표</a:t>
-            </a:r>
-            <a:endParaRPr lang="en-US" altLang="ko-KR" sz="6000" dirty="0">
-              <a:solidFill>
-                <a:srgbClr val="293D65"/>
-              </a:solidFill>
-              <a:latin typeface="G마켓 산스 Medium" panose="02000000000000000000" pitchFamily="50" charset="-127"/>
-              <a:ea typeface="G마켓 산스 Medium" panose="02000000000000000000" pitchFamily="50" charset="-127"/>
-            </a:endParaRPr>
-          </a:p>
-        </p:txBody>
-      </p:sp>
-      <p:sp>
-        <p:nvSpPr>
-          <p:cNvPr id="21" name="Object 30">
-            <a:extLst>
-              <a:ext uri="{FF2B5EF4-FFF2-40B4-BE49-F238E27FC236}">
-                <a16:creationId xmlns:a16="http://schemas.microsoft.com/office/drawing/2014/main" id="{EC5357E5-3F55-470D-BFD9-A6A1D92BD057}"/>
-              </a:ext>
-            </a:extLst>
-          </p:cNvPr>
-          <p:cNvSpPr txBox="1"/>
-          <p:nvPr/>
-        </p:nvSpPr>
-        <p:spPr>
-          <a:xfrm>
-            <a:off x="5354186" y="726698"/>
-            <a:ext cx="8265508" cy="892552"/>
-          </a:xfrm>
-          <a:prstGeom prst="rect">
-            <a:avLst/>
-          </a:prstGeom>
-          <a:noFill/>
-        </p:spPr>
-        <p:txBody>
-          <a:bodyPr wrap="square" rtlCol="0" anchor="b" anchorCtr="0">
-            <a:spAutoFit/>
-          </a:bodyPr>
-          <a:lstStyle/>
-          <a:p>
-            <a:r>
-              <a:rPr lang="en-US" altLang="ko-KR" sz="3200" dirty="0">
-                <a:solidFill>
-                  <a:srgbClr val="002060"/>
-                </a:solidFill>
-                <a:latin typeface="G마켓 산스 Medium" panose="02000000000000000000" pitchFamily="50" charset="-127"/>
-                <a:ea typeface="G마켓 산스 Medium" panose="02000000000000000000" pitchFamily="50" charset="-127"/>
-              </a:rPr>
-              <a:t>MZ</a:t>
-            </a:r>
-            <a:r>
-              <a:rPr lang="ko-KR" altLang="en-US" sz="3200" dirty="0">
-                <a:solidFill>
-                  <a:srgbClr val="002060"/>
-                </a:solidFill>
-                <a:latin typeface="G마켓 산스 Medium" panose="02000000000000000000" pitchFamily="50" charset="-127"/>
-                <a:ea typeface="G마켓 산스 Medium" panose="02000000000000000000" pitchFamily="50" charset="-127"/>
-              </a:rPr>
-              <a:t>심층 분석</a:t>
-            </a:r>
-          </a:p>
-          <a:p>
-            <a:r>
-              <a:rPr lang="ko-KR" altLang="en-US" sz="2000" dirty="0">
-                <a:solidFill>
-                  <a:srgbClr val="002060"/>
-                </a:solidFill>
-                <a:latin typeface="G마켓 산스 Medium" panose="02000000000000000000" pitchFamily="50" charset="-127"/>
-                <a:ea typeface="G마켓 산스 Medium" panose="02000000000000000000" pitchFamily="50" charset="-127"/>
-              </a:rPr>
-              <a:t>요인 별 삶의 모습 분석 </a:t>
-            </a:r>
-            <a:endParaRPr lang="en-US" altLang="ko-KR" sz="2000" dirty="0">
-              <a:solidFill>
-                <a:srgbClr val="002060"/>
-              </a:solidFill>
-              <a:latin typeface="G마켓 산스 Medium" panose="02000000000000000000" pitchFamily="50" charset="-127"/>
-              <a:ea typeface="G마켓 산스 Medium" panose="02000000000000000000" pitchFamily="50" charset="-127"/>
-            </a:endParaRPr>
-          </a:p>
-        </p:txBody>
-      </p:sp>
-      <p:sp>
-        <p:nvSpPr>
-          <p:cNvPr id="22" name="TextBox 21">
-            <a:extLst>
-              <a:ext uri="{FF2B5EF4-FFF2-40B4-BE49-F238E27FC236}">
-                <a16:creationId xmlns:a16="http://schemas.microsoft.com/office/drawing/2014/main" id="{357FCFF1-0DFF-497E-814F-487E78109E89}"/>
-              </a:ext>
-            </a:extLst>
-          </p:cNvPr>
-          <p:cNvSpPr txBox="1"/>
-          <p:nvPr/>
-        </p:nvSpPr>
-        <p:spPr>
-          <a:xfrm>
-            <a:off x="4081160" y="698837"/>
-            <a:ext cx="1312438" cy="1015663"/>
-          </a:xfrm>
-          <a:prstGeom prst="rect">
-            <a:avLst/>
-          </a:prstGeom>
-          <a:noFill/>
-        </p:spPr>
-        <p:txBody>
-          <a:bodyPr wrap="square" rtlCol="0">
-            <a:spAutoFit/>
-          </a:bodyPr>
-          <a:lstStyle/>
-          <a:p>
-            <a:r>
-              <a:rPr lang="en-US" altLang="ko-KR" sz="6000" dirty="0">
-                <a:solidFill>
-                  <a:srgbClr val="7FB1D3">
-                    <a:alpha val="80000"/>
-                  </a:srgbClr>
-                </a:solidFill>
-                <a:effectLst>
-                  <a:outerShdw blurRad="50800" dist="38100" dir="5400000" algn="t" rotWithShape="0">
-                    <a:prstClr val="black">
-                      <a:alpha val="26000"/>
-                    </a:prstClr>
-                  </a:outerShdw>
-                </a:effectLst>
-                <a:latin typeface="G마켓 산스 Bold" panose="02000000000000000000" pitchFamily="50" charset="-127"/>
-                <a:ea typeface="G마켓 산스 Bold" panose="02000000000000000000" pitchFamily="50" charset="-127"/>
-              </a:rPr>
-              <a:t>02</a:t>
-            </a:r>
-            <a:endParaRPr lang="ko-KR" altLang="en-US" sz="6000" dirty="0">
-              <a:solidFill>
-                <a:srgbClr val="7FB1D3">
-                  <a:alpha val="80000"/>
-                </a:srgbClr>
-              </a:solidFill>
-              <a:effectLst>
-                <a:outerShdw blurRad="50800" dist="38100" dir="5400000" algn="t" rotWithShape="0">
-                  <a:prstClr val="black">
-                    <a:alpha val="26000"/>
-                  </a:prstClr>
-                </a:outerShdw>
-              </a:effectLst>
-              <a:latin typeface="G마켓 산스 Bold" panose="02000000000000000000" pitchFamily="50" charset="-127"/>
-              <a:ea typeface="G마켓 산스 Bold" panose="02000000000000000000" pitchFamily="50" charset="-127"/>
-            </a:endParaRPr>
-          </a:p>
-        </p:txBody>
-      </p:sp>
-      <p:sp>
-        <p:nvSpPr>
-          <p:cNvPr id="24" name="직사각형 23">
-            <a:extLst>
-              <a:ext uri="{FF2B5EF4-FFF2-40B4-BE49-F238E27FC236}">
-                <a16:creationId xmlns:a16="http://schemas.microsoft.com/office/drawing/2014/main" id="{4AA18350-BAAE-1C58-C0CC-36F7D0681531}"/>
-              </a:ext>
-            </a:extLst>
-          </p:cNvPr>
-          <p:cNvSpPr/>
-          <p:nvPr/>
-        </p:nvSpPr>
-        <p:spPr>
-          <a:xfrm>
-            <a:off x="11689022" y="2555172"/>
-            <a:ext cx="3931978" cy="4905197"/>
-          </a:xfrm>
-          <a:prstGeom prst="rect">
-            <a:avLst/>
-          </a:prstGeom>
-          <a:noFill/>
-          <a:ln>
-            <a:solidFill>
-              <a:schemeClr val="accent1">
-                <a:shade val="50000"/>
-              </a:schemeClr>
-            </a:solidFill>
-          </a:ln>
-        </p:spPr>
-        <p:style>
-          <a:lnRef idx="2">
-            <a:schemeClr val="accent1">
-              <a:shade val="50000"/>
-            </a:schemeClr>
-          </a:lnRef>
-          <a:fillRef idx="1">
-            <a:schemeClr val="accent1"/>
-          </a:fillRef>
-          <a:effectRef idx="0">
-            <a:schemeClr val="accent1"/>
-          </a:effectRef>
-          <a:fontRef idx="minor">
-            <a:schemeClr val="lt1"/>
-          </a:fontRef>
-        </p:style>
-        <p:txBody>
-          <a:bodyPr rtlCol="0" anchor="ctr"/>
-          <a:lstStyle/>
-          <a:p>
-            <a:pPr algn="ctr"/>
-            <a:endParaRPr lang="ko-KR" altLang="en-US"/>
-          </a:p>
-        </p:txBody>
-      </p:sp>
-      <p:sp>
-        <p:nvSpPr>
-          <p:cNvPr id="27" name="TextBox 26">
-            <a:extLst>
-              <a:ext uri="{FF2B5EF4-FFF2-40B4-BE49-F238E27FC236}">
-                <a16:creationId xmlns:a16="http://schemas.microsoft.com/office/drawing/2014/main" id="{5ACF5703-A291-E8EE-4A12-AE63C46788B6}"/>
-              </a:ext>
-            </a:extLst>
-          </p:cNvPr>
-          <p:cNvSpPr txBox="1"/>
-          <p:nvPr/>
-        </p:nvSpPr>
-        <p:spPr>
-          <a:xfrm>
-            <a:off x="12357071" y="2365849"/>
-            <a:ext cx="2415981" cy="523220"/>
-          </a:xfrm>
-          <a:prstGeom prst="rect">
-            <a:avLst/>
-          </a:prstGeom>
-          <a:solidFill>
-            <a:schemeClr val="bg1"/>
-          </a:solidFill>
-        </p:spPr>
-        <p:txBody>
-          <a:bodyPr wrap="square">
-            <a:spAutoFit/>
-          </a:bodyPr>
-          <a:lstStyle/>
-          <a:p>
-            <a:pPr algn="ctr"/>
-            <a:r>
-              <a:rPr lang="ko-KR" altLang="en-US" sz="2800" dirty="0">
-                <a:solidFill>
-                  <a:srgbClr val="002060"/>
-                </a:solidFill>
-                <a:latin typeface="G마켓 산스 Bold" panose="02000000000000000000" pitchFamily="50" charset="-127"/>
-                <a:ea typeface="G마켓 산스 Bold" panose="02000000000000000000" pitchFamily="50" charset="-127"/>
-              </a:rPr>
-              <a:t>삶의 모습</a:t>
-            </a:r>
-          </a:p>
-        </p:txBody>
-      </p:sp>
-      <p:sp>
-        <p:nvSpPr>
-          <p:cNvPr id="28" name="TextBox 27">
-            <a:extLst>
-              <a:ext uri="{FF2B5EF4-FFF2-40B4-BE49-F238E27FC236}">
-                <a16:creationId xmlns:a16="http://schemas.microsoft.com/office/drawing/2014/main" id="{CAB44407-EF61-A4FC-451A-6A19EEBE5E7C}"/>
-              </a:ext>
-            </a:extLst>
-          </p:cNvPr>
-          <p:cNvSpPr txBox="1"/>
-          <p:nvPr/>
-        </p:nvSpPr>
-        <p:spPr>
-          <a:xfrm>
-            <a:off x="11737726" y="2781300"/>
-            <a:ext cx="3654673" cy="2966197"/>
-          </a:xfrm>
-          <a:prstGeom prst="rect">
-            <a:avLst/>
-          </a:prstGeom>
-          <a:noFill/>
-        </p:spPr>
-        <p:txBody>
-          <a:bodyPr wrap="square">
-            <a:spAutoFit/>
-          </a:bodyPr>
-          <a:lstStyle/>
-          <a:p>
-            <a:pPr>
-              <a:lnSpc>
-                <a:spcPct val="150000"/>
-              </a:lnSpc>
-            </a:pPr>
-            <a:r>
-              <a:rPr lang="en-US" altLang="ko-KR" dirty="0">
-                <a:solidFill>
-                  <a:srgbClr val="002060"/>
-                </a:solidFill>
-                <a:latin typeface="G마켓 산스 Medium" panose="02000000000000000000" pitchFamily="50" charset="-127"/>
-                <a:ea typeface="G마켓 산스 Medium" panose="02000000000000000000" pitchFamily="50" charset="-127"/>
-              </a:rPr>
-              <a:t>1) </a:t>
-            </a:r>
-            <a:r>
-              <a:rPr lang="ko-KR" altLang="en-US" dirty="0">
-                <a:solidFill>
-                  <a:srgbClr val="002060"/>
-                </a:solidFill>
-                <a:latin typeface="G마켓 산스 Medium" panose="02000000000000000000" pitchFamily="50" charset="-127"/>
-                <a:ea typeface="G마켓 산스 Medium" panose="02000000000000000000" pitchFamily="50" charset="-127"/>
-              </a:rPr>
-              <a:t>삶의 만족도</a:t>
-            </a:r>
-            <a:endParaRPr lang="en-US" altLang="ko-KR" dirty="0">
-              <a:solidFill>
-                <a:schemeClr val="tx1">
-                  <a:lumMod val="50000"/>
-                  <a:lumOff val="50000"/>
-                </a:schemeClr>
-              </a:solidFill>
-              <a:latin typeface="G마켓 산스 Medium" panose="02000000000000000000" pitchFamily="50" charset="-127"/>
-              <a:ea typeface="G마켓 산스 Medium" panose="02000000000000000000" pitchFamily="50" charset="-127"/>
-            </a:endParaRPr>
-          </a:p>
-          <a:p>
-            <a:pPr>
-              <a:lnSpc>
-                <a:spcPct val="150000"/>
-              </a:lnSpc>
-            </a:pPr>
-            <a:r>
-              <a:rPr lang="en-US" altLang="ko-KR" dirty="0">
-                <a:solidFill>
-                  <a:srgbClr val="002060"/>
-                </a:solidFill>
-                <a:latin typeface="G마켓 산스 Medium" panose="02000000000000000000" pitchFamily="50" charset="-127"/>
-                <a:ea typeface="G마켓 산스 Medium" panose="02000000000000000000" pitchFamily="50" charset="-127"/>
-              </a:rPr>
-              <a:t>2) </a:t>
-            </a:r>
-            <a:r>
-              <a:rPr lang="ko-KR" altLang="en-US" dirty="0" err="1">
-                <a:solidFill>
-                  <a:srgbClr val="002060"/>
-                </a:solidFill>
-                <a:latin typeface="G마켓 산스 Medium" panose="02000000000000000000" pitchFamily="50" charset="-127"/>
-                <a:ea typeface="G마켓 산스 Medium" panose="02000000000000000000" pitchFamily="50" charset="-127"/>
-              </a:rPr>
-              <a:t>자차</a:t>
-            </a:r>
-            <a:r>
-              <a:rPr lang="en-US" altLang="ko-KR" dirty="0">
-                <a:solidFill>
-                  <a:srgbClr val="002060"/>
-                </a:solidFill>
-                <a:latin typeface="G마켓 산스 Medium" panose="02000000000000000000" pitchFamily="50" charset="-127"/>
-                <a:ea typeface="G마켓 산스 Medium" panose="02000000000000000000" pitchFamily="50" charset="-127"/>
-              </a:rPr>
-              <a:t>/</a:t>
-            </a:r>
-            <a:r>
-              <a:rPr lang="ko-KR" altLang="en-US" dirty="0">
-                <a:solidFill>
-                  <a:srgbClr val="002060"/>
-                </a:solidFill>
-                <a:latin typeface="G마켓 산스 Medium" panose="02000000000000000000" pitchFamily="50" charset="-127"/>
-                <a:ea typeface="G마켓 산스 Medium" panose="02000000000000000000" pitchFamily="50" charset="-127"/>
-              </a:rPr>
-              <a:t>자가</a:t>
-            </a:r>
-            <a:r>
-              <a:rPr lang="en-US" altLang="ko-KR" dirty="0">
-                <a:solidFill>
-                  <a:srgbClr val="002060"/>
-                </a:solidFill>
-                <a:latin typeface="G마켓 산스 Medium" panose="02000000000000000000" pitchFamily="50" charset="-127"/>
-                <a:ea typeface="G마켓 산스 Medium" panose="02000000000000000000" pitchFamily="50" charset="-127"/>
-              </a:rPr>
-              <a:t>/</a:t>
-            </a:r>
-            <a:r>
-              <a:rPr lang="ko-KR" altLang="en-US" dirty="0">
-                <a:solidFill>
-                  <a:srgbClr val="002060"/>
-                </a:solidFill>
-                <a:latin typeface="G마켓 산스 Medium" panose="02000000000000000000" pitchFamily="50" charset="-127"/>
-                <a:ea typeface="G마켓 산스 Medium" panose="02000000000000000000" pitchFamily="50" charset="-127"/>
-              </a:rPr>
-              <a:t>결혼 유무</a:t>
-            </a:r>
-            <a:endParaRPr lang="en-US" altLang="ko-KR" dirty="0">
-              <a:solidFill>
-                <a:schemeClr val="tx1">
-                  <a:lumMod val="50000"/>
-                  <a:lumOff val="50000"/>
-                </a:schemeClr>
-              </a:solidFill>
-              <a:latin typeface="G마켓 산스 Medium" panose="02000000000000000000" pitchFamily="50" charset="-127"/>
-              <a:ea typeface="G마켓 산스 Medium" panose="02000000000000000000" pitchFamily="50" charset="-127"/>
-            </a:endParaRPr>
-          </a:p>
-          <a:p>
-            <a:pPr>
-              <a:lnSpc>
-                <a:spcPct val="150000"/>
-              </a:lnSpc>
-            </a:pPr>
-            <a:r>
-              <a:rPr lang="en-US" altLang="ko-KR" dirty="0">
-                <a:solidFill>
-                  <a:srgbClr val="002060"/>
-                </a:solidFill>
-                <a:latin typeface="G마켓 산스 Medium" panose="02000000000000000000" pitchFamily="50" charset="-127"/>
-                <a:ea typeface="G마켓 산스 Medium" panose="02000000000000000000" pitchFamily="50" charset="-127"/>
-              </a:rPr>
-              <a:t>3) </a:t>
-            </a:r>
-            <a:r>
-              <a:rPr lang="ko-KR" altLang="en-US" dirty="0">
-                <a:solidFill>
-                  <a:srgbClr val="002060"/>
-                </a:solidFill>
-                <a:latin typeface="G마켓 산스 Medium" panose="02000000000000000000" pitchFamily="50" charset="-127"/>
-                <a:ea typeface="G마켓 산스 Medium" panose="02000000000000000000" pitchFamily="50" charset="-127"/>
-              </a:rPr>
-              <a:t>평균 월급</a:t>
-            </a:r>
-            <a:r>
-              <a:rPr lang="en-US" altLang="ko-KR" dirty="0">
-                <a:solidFill>
-                  <a:srgbClr val="002060"/>
-                </a:solidFill>
-                <a:latin typeface="G마켓 산스 Medium" panose="02000000000000000000" pitchFamily="50" charset="-127"/>
-                <a:ea typeface="G마켓 산스 Medium" panose="02000000000000000000" pitchFamily="50" charset="-127"/>
-              </a:rPr>
-              <a:t> </a:t>
-            </a:r>
-          </a:p>
-          <a:p>
-            <a:pPr>
-              <a:lnSpc>
-                <a:spcPct val="150000"/>
-              </a:lnSpc>
-            </a:pPr>
-            <a:r>
-              <a:rPr lang="en-US" altLang="ko-KR" dirty="0">
-                <a:solidFill>
-                  <a:srgbClr val="002060"/>
-                </a:solidFill>
-                <a:latin typeface="G마켓 산스 Medium" panose="02000000000000000000" pitchFamily="50" charset="-127"/>
-                <a:ea typeface="G마켓 산스 Medium" panose="02000000000000000000" pitchFamily="50" charset="-127"/>
-              </a:rPr>
-              <a:t>4) </a:t>
-            </a:r>
-            <a:r>
-              <a:rPr lang="ko-KR" altLang="en-US" dirty="0">
-                <a:solidFill>
-                  <a:srgbClr val="002060"/>
-                </a:solidFill>
-                <a:latin typeface="G마켓 산스 Medium" panose="02000000000000000000" pitchFamily="50" charset="-127"/>
-                <a:ea typeface="G마켓 산스 Medium" panose="02000000000000000000" pitchFamily="50" charset="-127"/>
-              </a:rPr>
-              <a:t>평균 근로시간</a:t>
-            </a:r>
-            <a:endParaRPr lang="en-US" altLang="ko-KR" dirty="0">
-              <a:solidFill>
-                <a:srgbClr val="002060"/>
-              </a:solidFill>
-              <a:latin typeface="G마켓 산스 Medium" panose="02000000000000000000" pitchFamily="50" charset="-127"/>
-              <a:ea typeface="G마켓 산스 Medium" panose="02000000000000000000" pitchFamily="50" charset="-127"/>
-            </a:endParaRPr>
-          </a:p>
-          <a:p>
-            <a:pPr>
-              <a:lnSpc>
-                <a:spcPct val="150000"/>
-              </a:lnSpc>
-            </a:pPr>
-            <a:r>
-              <a:rPr lang="en-US" altLang="ko-KR" dirty="0">
-                <a:solidFill>
-                  <a:srgbClr val="002060"/>
-                </a:solidFill>
-                <a:latin typeface="G마켓 산스 Medium" panose="02000000000000000000" pitchFamily="50" charset="-127"/>
-                <a:ea typeface="G마켓 산스 Medium" panose="02000000000000000000" pitchFamily="50" charset="-127"/>
-              </a:rPr>
-              <a:t>5) </a:t>
-            </a:r>
-            <a:r>
-              <a:rPr lang="ko-KR" altLang="en-US" dirty="0">
-                <a:solidFill>
-                  <a:srgbClr val="002060"/>
-                </a:solidFill>
-                <a:latin typeface="G마켓 산스 Medium" panose="02000000000000000000" pitchFamily="50" charset="-127"/>
-                <a:ea typeface="G마켓 산스 Medium" panose="02000000000000000000" pitchFamily="50" charset="-127"/>
-              </a:rPr>
-              <a:t>가치관</a:t>
-            </a:r>
-            <a:endParaRPr lang="en-US" altLang="ko-KR" dirty="0">
-              <a:solidFill>
-                <a:srgbClr val="002060"/>
-              </a:solidFill>
-              <a:latin typeface="G마켓 산스 Medium" panose="02000000000000000000" pitchFamily="50" charset="-127"/>
-              <a:ea typeface="G마켓 산스 Medium" panose="02000000000000000000" pitchFamily="50" charset="-127"/>
-            </a:endParaRPr>
-          </a:p>
-          <a:p>
-            <a:pPr algn="ctr">
-              <a:lnSpc>
-                <a:spcPct val="150000"/>
-              </a:lnSpc>
-            </a:pPr>
-            <a:r>
-              <a:rPr lang="en-US" altLang="ko-KR" dirty="0">
-                <a:solidFill>
-                  <a:srgbClr val="002060"/>
-                </a:solidFill>
-                <a:latin typeface="G마켓 산스 Medium" panose="02000000000000000000" pitchFamily="50" charset="-127"/>
-                <a:ea typeface="G마켓 산스 Medium" panose="02000000000000000000" pitchFamily="50" charset="-127"/>
-              </a:rPr>
-              <a:t>…</a:t>
-            </a:r>
-          </a:p>
-          <a:p>
-            <a:pPr>
-              <a:lnSpc>
-                <a:spcPct val="150000"/>
-              </a:lnSpc>
-            </a:pPr>
-            <a:endParaRPr lang="en-US" altLang="ko-KR" dirty="0">
-              <a:solidFill>
-                <a:srgbClr val="002060"/>
-              </a:solidFill>
-              <a:latin typeface="G마켓 산스 Medium" panose="02000000000000000000" pitchFamily="50" charset="-127"/>
-              <a:ea typeface="G마켓 산스 Medium" panose="02000000000000000000" pitchFamily="50" charset="-127"/>
-            </a:endParaRPr>
-          </a:p>
-        </p:txBody>
-      </p:sp>
-      <p:sp>
-        <p:nvSpPr>
-          <p:cNvPr id="30" name="이등변 삼각형 29">
-            <a:extLst>
-              <a:ext uri="{FF2B5EF4-FFF2-40B4-BE49-F238E27FC236}">
-                <a16:creationId xmlns:a16="http://schemas.microsoft.com/office/drawing/2014/main" id="{0DBB5C95-073E-3960-723A-3589C32907DD}"/>
-              </a:ext>
-            </a:extLst>
-          </p:cNvPr>
-          <p:cNvSpPr/>
-          <p:nvPr/>
-        </p:nvSpPr>
-        <p:spPr>
-          <a:xfrm rot="10800000">
-            <a:off x="9857969" y="7912977"/>
-            <a:ext cx="7523450" cy="996679"/>
-          </a:xfrm>
-          <a:prstGeom prst="triangle">
-            <a:avLst/>
-          </a:prstGeom>
-          <a:solidFill>
-            <a:srgbClr val="6E9CCC">
-              <a:alpha val="16000"/>
-            </a:srgbClr>
-          </a:solidFill>
-          <a:ln>
-            <a:noFill/>
-          </a:ln>
-        </p:spPr>
-        <p:style>
-          <a:lnRef idx="2">
-            <a:schemeClr val="accent1">
-              <a:shade val="50000"/>
-            </a:schemeClr>
-          </a:lnRef>
-          <a:fillRef idx="1">
-            <a:schemeClr val="accent1"/>
-          </a:fillRef>
-          <a:effectRef idx="0">
-            <a:schemeClr val="accent1"/>
-          </a:effectRef>
-          <a:fontRef idx="minor">
-            <a:schemeClr val="lt1"/>
-          </a:fontRef>
-        </p:style>
-        <p:txBody>
-          <a:bodyPr rtlCol="0" anchor="ctr"/>
-          <a:lstStyle/>
-          <a:p>
-            <a:pPr algn="ctr"/>
-            <a:endParaRPr lang="ko-KR" altLang="en-US" dirty="0"/>
-          </a:p>
-        </p:txBody>
-      </p:sp>
-      <p:sp>
-        <p:nvSpPr>
-          <p:cNvPr id="32" name="직사각형 31"/>
-          <p:cNvSpPr/>
-          <p:nvPr/>
-        </p:nvSpPr>
-        <p:spPr>
-          <a:xfrm>
-            <a:off x="12470857" y="2169720"/>
-            <a:ext cx="2188420" cy="307777"/>
-          </a:xfrm>
-          <a:prstGeom prst="rect">
-            <a:avLst/>
-          </a:prstGeom>
-        </p:spPr>
-        <p:txBody>
-          <a:bodyPr wrap="none">
-            <a:spAutoFit/>
-          </a:bodyPr>
-          <a:lstStyle/>
-          <a:p>
-            <a:pPr algn="ctr"/>
-            <a:r>
-              <a:rPr lang="ko-KR" altLang="en-US" sz="1400" dirty="0">
-                <a:solidFill>
-                  <a:schemeClr val="bg1">
-                    <a:lumMod val="50000"/>
-                  </a:schemeClr>
-                </a:solidFill>
-                <a:latin typeface="G마켓 산스 Medium" panose="02000000000000000000" pitchFamily="50" charset="-127"/>
-                <a:ea typeface="G마켓 산스 Medium" panose="02000000000000000000" pitchFamily="50" charset="-127"/>
-              </a:rPr>
-              <a:t>사용자와 유사한 사람들의</a:t>
-            </a:r>
-            <a:endParaRPr lang="en-US" altLang="ko-KR" sz="1400" dirty="0">
-              <a:solidFill>
-                <a:schemeClr val="bg1">
-                  <a:lumMod val="50000"/>
-                </a:schemeClr>
-              </a:solidFill>
-              <a:latin typeface="G마켓 산스 Medium" panose="02000000000000000000" pitchFamily="50" charset="-127"/>
-              <a:ea typeface="G마켓 산스 Medium" panose="02000000000000000000" pitchFamily="50" charset="-127"/>
-            </a:endParaRPr>
-          </a:p>
-        </p:txBody>
-      </p:sp>
-      <p:sp>
-        <p:nvSpPr>
-          <p:cNvPr id="29" name="TextBox 28">
-            <a:extLst>
-              <a:ext uri="{FF2B5EF4-FFF2-40B4-BE49-F238E27FC236}">
-                <a16:creationId xmlns:a16="http://schemas.microsoft.com/office/drawing/2014/main" id="{2F35F647-9C72-DADD-2876-2296C29DAF00}"/>
-              </a:ext>
-            </a:extLst>
-          </p:cNvPr>
-          <p:cNvSpPr txBox="1"/>
-          <p:nvPr/>
-        </p:nvSpPr>
-        <p:spPr>
-          <a:xfrm>
-            <a:off x="10144991" y="7581900"/>
-            <a:ext cx="6913418" cy="707886"/>
-          </a:xfrm>
-          <a:prstGeom prst="rect">
-            <a:avLst/>
-          </a:prstGeom>
-          <a:noFill/>
-        </p:spPr>
-        <p:txBody>
-          <a:bodyPr wrap="square">
-            <a:spAutoFit/>
-          </a:bodyPr>
-          <a:lstStyle/>
-          <a:p>
-            <a:pPr algn="ctr"/>
-            <a:r>
-              <a:rPr lang="en-US" altLang="ko-KR" sz="4000" dirty="0">
-                <a:solidFill>
-                  <a:srgbClr val="002060"/>
-                </a:solidFill>
-                <a:latin typeface="G마켓 산스 Bold" panose="02000000000000000000" pitchFamily="50" charset="-127"/>
-                <a:ea typeface="G마켓 산스 Bold" panose="02000000000000000000" pitchFamily="50" charset="-127"/>
-              </a:rPr>
-              <a:t>“</a:t>
-            </a:r>
-            <a:r>
-              <a:rPr lang="ko-KR" altLang="en-US" sz="4000" dirty="0">
-                <a:solidFill>
-                  <a:srgbClr val="002060"/>
-                </a:solidFill>
-                <a:latin typeface="G마켓 산스 Bold" panose="02000000000000000000" pitchFamily="50" charset="-127"/>
-                <a:ea typeface="G마켓 산스 Bold" panose="02000000000000000000" pitchFamily="50" charset="-127"/>
-              </a:rPr>
-              <a:t>유사 조건 </a:t>
-            </a:r>
-            <a:r>
-              <a:rPr lang="en-US" altLang="ko-KR" sz="4000" dirty="0">
-                <a:solidFill>
-                  <a:srgbClr val="002060"/>
-                </a:solidFill>
-                <a:latin typeface="G마켓 산스 Bold" panose="02000000000000000000" pitchFamily="50" charset="-127"/>
-                <a:ea typeface="G마켓 산스 Bold" panose="02000000000000000000" pitchFamily="50" charset="-127"/>
-              </a:rPr>
-              <a:t>MZ</a:t>
-            </a:r>
-            <a:r>
-              <a:rPr lang="ko-KR" altLang="en-US" sz="4000" dirty="0">
-                <a:solidFill>
-                  <a:srgbClr val="002060"/>
-                </a:solidFill>
-                <a:latin typeface="G마켓 산스 Bold" panose="02000000000000000000" pitchFamily="50" charset="-127"/>
-                <a:ea typeface="G마켓 산스 Bold" panose="02000000000000000000" pitchFamily="50" charset="-127"/>
-              </a:rPr>
-              <a:t>세대의 통계</a:t>
-            </a:r>
-            <a:r>
-              <a:rPr lang="en-US" altLang="ko-KR" sz="4000" dirty="0">
-                <a:solidFill>
-                  <a:srgbClr val="002060"/>
-                </a:solidFill>
-                <a:latin typeface="G마켓 산스 Bold" panose="02000000000000000000" pitchFamily="50" charset="-127"/>
-                <a:ea typeface="G마켓 산스 Bold" panose="02000000000000000000" pitchFamily="50" charset="-127"/>
-              </a:rPr>
-              <a:t>”</a:t>
-            </a:r>
-          </a:p>
-        </p:txBody>
-      </p:sp>
-      <p:sp>
-        <p:nvSpPr>
-          <p:cNvPr id="33" name="TextBox 32"/>
-          <p:cNvSpPr txBox="1"/>
-          <p:nvPr/>
-        </p:nvSpPr>
-        <p:spPr>
-          <a:xfrm>
-            <a:off x="10134600" y="8267700"/>
-            <a:ext cx="6934200" cy="923330"/>
-          </a:xfrm>
-          <a:prstGeom prst="rect">
-            <a:avLst/>
-          </a:prstGeom>
-          <a:noFill/>
-        </p:spPr>
-        <p:txBody>
-          <a:bodyPr wrap="square" rtlCol="0">
-            <a:spAutoFit/>
-          </a:bodyPr>
-          <a:lstStyle/>
-          <a:p>
-            <a:pPr algn="ctr"/>
-            <a:r>
-              <a:rPr lang="ko-KR" altLang="en-US" sz="2700" dirty="0">
-                <a:solidFill>
-                  <a:srgbClr val="002060"/>
-                </a:solidFill>
-                <a:latin typeface="G마켓 산스 Bold" panose="02000000000000000000" pitchFamily="50" charset="-127"/>
-                <a:ea typeface="G마켓 산스 Bold" panose="02000000000000000000" pitchFamily="50" charset="-127"/>
-              </a:rPr>
-              <a:t>사용자와 유사한 조건의 사람들의</a:t>
-            </a:r>
-            <a:endParaRPr lang="en-US" altLang="ko-KR" sz="2700" dirty="0">
-              <a:solidFill>
-                <a:srgbClr val="002060"/>
-              </a:solidFill>
-              <a:latin typeface="G마켓 산스 Bold" panose="02000000000000000000" pitchFamily="50" charset="-127"/>
-              <a:ea typeface="G마켓 산스 Bold" panose="02000000000000000000" pitchFamily="50" charset="-127"/>
-            </a:endParaRPr>
-          </a:p>
-          <a:p>
-            <a:pPr algn="ctr"/>
-            <a:r>
-              <a:rPr lang="ko-KR" altLang="en-US" sz="2700" dirty="0">
-                <a:solidFill>
-                  <a:srgbClr val="002060"/>
-                </a:solidFill>
-                <a:latin typeface="G마켓 산스 Bold" panose="02000000000000000000" pitchFamily="50" charset="-127"/>
-                <a:ea typeface="G마켓 산스 Bold" panose="02000000000000000000" pitchFamily="50" charset="-127"/>
-              </a:rPr>
-              <a:t>다양한 삶의 모습을</a:t>
-            </a:r>
-            <a:r>
-              <a:rPr lang="en-US" altLang="ko-KR" sz="2700" dirty="0">
-                <a:solidFill>
-                  <a:srgbClr val="002060"/>
-                </a:solidFill>
-                <a:latin typeface="G마켓 산스 Bold" panose="02000000000000000000" pitchFamily="50" charset="-127"/>
-                <a:ea typeface="G마켓 산스 Bold" panose="02000000000000000000" pitchFamily="50" charset="-127"/>
-              </a:rPr>
-              <a:t> </a:t>
-            </a:r>
-            <a:r>
-              <a:rPr lang="ko-KR" altLang="en-US" sz="2700" dirty="0">
-                <a:solidFill>
-                  <a:srgbClr val="002060"/>
-                </a:solidFill>
-                <a:latin typeface="G마켓 산스 Bold" panose="02000000000000000000" pitchFamily="50" charset="-127"/>
-                <a:ea typeface="G마켓 산스 Bold" panose="02000000000000000000" pitchFamily="50" charset="-127"/>
-              </a:rPr>
-              <a:t>시각화하여 제공</a:t>
-            </a:r>
-            <a:endParaRPr lang="en-US" altLang="ko-KR" sz="2700" dirty="0">
-              <a:solidFill>
-                <a:srgbClr val="002060"/>
-              </a:solidFill>
-              <a:latin typeface="G마켓 산스 Bold" panose="02000000000000000000" pitchFamily="50" charset="-127"/>
-              <a:ea typeface="G마켓 산스 Bold" panose="02000000000000000000" pitchFamily="50" charset="-127"/>
-            </a:endParaRPr>
-          </a:p>
-        </p:txBody>
-      </p:sp>
-      <p:pic>
-        <p:nvPicPr>
-          <p:cNvPr id="5" name="그림 4">
-            <a:extLst>
-              <a:ext uri="{FF2B5EF4-FFF2-40B4-BE49-F238E27FC236}">
-                <a16:creationId xmlns:a16="http://schemas.microsoft.com/office/drawing/2014/main" id="{6B1F2F22-8A27-1FF8-256F-094CD6B485B1}"/>
-              </a:ext>
-            </a:extLst>
-          </p:cNvPr>
-          <p:cNvPicPr>
-            <a:picLocks noChangeAspect="1"/>
-          </p:cNvPicPr>
-          <p:nvPr/>
-        </p:nvPicPr>
-        <p:blipFill>
-          <a:blip r:embed="rId2"/>
-          <a:stretch>
-            <a:fillRect/>
-          </a:stretch>
-        </p:blipFill>
-        <p:spPr>
-          <a:xfrm>
-            <a:off x="543808" y="2781300"/>
-            <a:ext cx="9085560" cy="6354484"/>
-          </a:xfrm>
-          <a:prstGeom prst="rect">
-            <a:avLst/>
-          </a:prstGeom>
-          <a:ln>
-            <a:solidFill>
-              <a:schemeClr val="tx1"/>
-            </a:solidFill>
-          </a:ln>
-        </p:spPr>
-      </p:pic>
-    </p:spTree>
-    <p:extLst>
-      <p:ext uri="{BB962C8B-B14F-4D97-AF65-F5344CB8AC3E}">
-        <p14:creationId xmlns:p14="http://schemas.microsoft.com/office/powerpoint/2010/main" val="3451368840"/>
       </p:ext>
     </p:extLst>
   </p:cSld>

--- a/portfolio/프로젝트 기획서_ver1.1.pptx
+++ b/portfolio/프로젝트 기획서_ver1.1.pptx
@@ -220,7 +220,7 @@
           <a:p>
             <a:fld id="{46E21593-5DE6-437E-B2F1-08DBF74A4C5F}" type="datetimeFigureOut">
               <a:rPr lang="ko-KR" altLang="en-US" smtClean="0"/>
-              <a:t>2023-08-25</a:t>
+              <a:t>2023-09-02</a:t>
             </a:fld>
             <a:endParaRPr lang="ko-KR" altLang="en-US"/>
           </a:p>
@@ -834,7 +834,7 @@
           <a:p>
             <a:fld id="{F8166F1F-CE9B-4651-A6AA-CD717754106B}" type="datetimeFigureOut">
               <a:rPr lang="en-US" smtClean="0"/>
-              <a:t>8/25/2023</a:t>
+              <a:t>9/2/2023</a:t>
             </a:fld>
             <a:endParaRPr lang="en-US"/>
           </a:p>
@@ -997,7 +997,7 @@
           <a:p>
             <a:fld id="{A76116CE-C4A3-4A05-B2D7-7C2E9A889C0F}" type="datetimeFigureOut">
               <a:rPr lang="en-US" smtClean="0"/>
-              <a:t>8/25/2023</a:t>
+              <a:t>9/2/2023</a:t>
             </a:fld>
             <a:endParaRPr lang="en-US"/>
           </a:p>
@@ -1170,7 +1170,7 @@
           <a:p>
             <a:fld id="{A76116CE-C4A3-4A05-B2D7-7C2E9A889C0F}" type="datetimeFigureOut">
               <a:rPr lang="en-US" smtClean="0"/>
-              <a:t>8/25/2023</a:t>
+              <a:t>9/2/2023</a:t>
             </a:fld>
             <a:endParaRPr lang="en-US"/>
           </a:p>
@@ -1335,7 +1335,7 @@
           <a:p>
             <a:fld id="{A76116CE-C4A3-4A05-B2D7-7C2E9A889C0F}" type="datetimeFigureOut">
               <a:rPr lang="en-US" smtClean="0"/>
-              <a:t>8/25/2023</a:t>
+              <a:t>9/2/2023</a:t>
             </a:fld>
             <a:endParaRPr lang="en-US"/>
           </a:p>
@@ -1575,7 +1575,7 @@
           <a:p>
             <a:fld id="{A76116CE-C4A3-4A05-B2D7-7C2E9A889C0F}" type="datetimeFigureOut">
               <a:rPr lang="en-US" smtClean="0"/>
-              <a:t>8/25/2023</a:t>
+              <a:t>9/2/2023</a:t>
             </a:fld>
             <a:endParaRPr lang="en-US"/>
           </a:p>
@@ -1855,7 +1855,7 @@
           <a:p>
             <a:fld id="{A76116CE-C4A3-4A05-B2D7-7C2E9A889C0F}" type="datetimeFigureOut">
               <a:rPr lang="en-US" smtClean="0"/>
-              <a:t>8/25/2023</a:t>
+              <a:t>9/2/2023</a:t>
             </a:fld>
             <a:endParaRPr lang="en-US"/>
           </a:p>
@@ -2269,7 +2269,7 @@
           <a:p>
             <a:fld id="{A76116CE-C4A3-4A05-B2D7-7C2E9A889C0F}" type="datetimeFigureOut">
               <a:rPr lang="en-US" smtClean="0"/>
-              <a:t>8/25/2023</a:t>
+              <a:t>9/2/2023</a:t>
             </a:fld>
             <a:endParaRPr lang="en-US"/>
           </a:p>
@@ -2381,7 +2381,7 @@
           <a:p>
             <a:fld id="{A76116CE-C4A3-4A05-B2D7-7C2E9A889C0F}" type="datetimeFigureOut">
               <a:rPr lang="en-US" smtClean="0"/>
-              <a:t>8/25/2023</a:t>
+              <a:t>9/2/2023</a:t>
             </a:fld>
             <a:endParaRPr lang="en-US"/>
           </a:p>
@@ -2471,7 +2471,7 @@
           <a:p>
             <a:fld id="{A76116CE-C4A3-4A05-B2D7-7C2E9A889C0F}" type="datetimeFigureOut">
               <a:rPr lang="en-US" smtClean="0"/>
-              <a:t>8/25/2023</a:t>
+              <a:t>9/2/2023</a:t>
             </a:fld>
             <a:endParaRPr lang="en-US"/>
           </a:p>
@@ -2741,7 +2741,7 @@
           <a:p>
             <a:fld id="{A76116CE-C4A3-4A05-B2D7-7C2E9A889C0F}" type="datetimeFigureOut">
               <a:rPr lang="en-US" smtClean="0"/>
-              <a:t>8/25/2023</a:t>
+              <a:t>9/2/2023</a:t>
             </a:fld>
             <a:endParaRPr lang="en-US"/>
           </a:p>
@@ -2988,7 +2988,7 @@
           <a:p>
             <a:fld id="{A76116CE-C4A3-4A05-B2D7-7C2E9A889C0F}" type="datetimeFigureOut">
               <a:rPr lang="en-US" smtClean="0"/>
-              <a:t>8/25/2023</a:t>
+              <a:t>9/2/2023</a:t>
             </a:fld>
             <a:endParaRPr lang="en-US"/>
           </a:p>
@@ -3194,7 +3194,7 @@
           <a:p>
             <a:fld id="{F8166F1F-CE9B-4651-A6AA-CD717754106B}" type="datetimeFigureOut">
               <a:rPr lang="en-US" smtClean="0"/>
-              <a:t>8/25/2023</a:t>
+              <a:t>9/2/2023</a:t>
             </a:fld>
             <a:endParaRPr lang="en-US"/>
           </a:p>
@@ -4472,26 +4472,56 @@
           </a:p>
         </p:txBody>
       </p:sp>
+      <p:pic>
+        <p:nvPicPr>
+          <p:cNvPr id="3" name="그림 2"/>
+          <p:cNvPicPr>
+            <a:picLocks noChangeAspect="1"/>
+          </p:cNvPicPr>
+          <p:nvPr/>
+        </p:nvPicPr>
+        <p:blipFill>
+          <a:blip r:embed="rId2"/>
+          <a:stretch>
+            <a:fillRect/>
+          </a:stretch>
+        </p:blipFill>
+        <p:spPr>
+          <a:xfrm>
+            <a:off x="609600" y="2707855"/>
+            <a:ext cx="8837541" cy="6169445"/>
+          </a:xfrm>
+          <a:prstGeom prst="rect">
+            <a:avLst/>
+          </a:prstGeom>
+        </p:spPr>
+      </p:pic>
       <p:grpSp>
         <p:nvGrpSpPr>
-          <p:cNvPr id="2" name="그룹 1"/>
+          <p:cNvPr id="17" name="그룹 16">
+            <a:extLst>
+              <a:ext uri="{FF2B5EF4-FFF2-40B4-BE49-F238E27FC236}">
+                <a16:creationId xmlns:a16="http://schemas.microsoft.com/office/drawing/2014/main" id="{5DFB0F89-B05C-7AC6-B139-F3AF29CDF265}"/>
+              </a:ext>
+            </a:extLst>
+          </p:cNvPr>
           <p:cNvGrpSpPr/>
           <p:nvPr/>
         </p:nvGrpSpPr>
         <p:grpSpPr>
           <a:xfrm>
-            <a:off x="9857969" y="2169720"/>
-            <a:ext cx="7523450" cy="7021310"/>
-            <a:chOff x="9857969" y="2169720"/>
-            <a:chExt cx="7523450" cy="7021310"/>
+            <a:off x="10161367" y="2476500"/>
+            <a:ext cx="7523450" cy="6700428"/>
+            <a:chOff x="9857969" y="2871602"/>
+            <a:chExt cx="7523450" cy="6700428"/>
           </a:xfrm>
         </p:grpSpPr>
         <p:sp>
           <p:nvSpPr>
-            <p:cNvPr id="24" name="직사각형 23">
+            <p:cNvPr id="18" name="직사각형 17">
               <a:extLst>
                 <a:ext uri="{FF2B5EF4-FFF2-40B4-BE49-F238E27FC236}">
-                  <a16:creationId xmlns:a16="http://schemas.microsoft.com/office/drawing/2014/main" id="{4AA18350-BAAE-1C58-C0CC-36F7D0681531}"/>
+                  <a16:creationId xmlns:a16="http://schemas.microsoft.com/office/drawing/2014/main" id="{76F73B83-22FF-160F-D386-67162A25696F}"/>
                 </a:ext>
               </a:extLst>
             </p:cNvPr>
@@ -4500,8 +4530,8 @@
           </p:nvSpPr>
           <p:spPr>
             <a:xfrm>
-              <a:off x="11689022" y="2555172"/>
-              <a:ext cx="3931978" cy="4905197"/>
+              <a:off x="11689022" y="3329806"/>
+              <a:ext cx="3931978" cy="4583171"/>
             </a:xfrm>
             <a:prstGeom prst="rect">
               <a:avLst/>
@@ -4542,10 +4572,10 @@
         </p:sp>
         <p:sp>
           <p:nvSpPr>
-            <p:cNvPr id="27" name="TextBox 26">
+            <p:cNvPr id="19" name="TextBox 18">
               <a:extLst>
                 <a:ext uri="{FF2B5EF4-FFF2-40B4-BE49-F238E27FC236}">
-                  <a16:creationId xmlns:a16="http://schemas.microsoft.com/office/drawing/2014/main" id="{5ACF5703-A291-E8EE-4A12-AE63C46788B6}"/>
+                  <a16:creationId xmlns:a16="http://schemas.microsoft.com/office/drawing/2014/main" id="{D50ED8CC-C538-E47F-FD73-75AD1E857CE9}"/>
                 </a:ext>
               </a:extLst>
             </p:cNvPr>
@@ -4554,7 +4584,7 @@
           </p:nvSpPr>
           <p:spPr>
             <a:xfrm>
-              <a:off x="12357071" y="2365849"/>
+              <a:off x="12357071" y="3082153"/>
               <a:ext cx="2415981" cy="523220"/>
             </a:xfrm>
             <a:prstGeom prst="rect">
@@ -4586,10 +4616,10 @@
         </p:sp>
         <p:sp>
           <p:nvSpPr>
-            <p:cNvPr id="28" name="TextBox 27">
+            <p:cNvPr id="23" name="TextBox 22">
               <a:extLst>
                 <a:ext uri="{FF2B5EF4-FFF2-40B4-BE49-F238E27FC236}">
-                  <a16:creationId xmlns:a16="http://schemas.microsoft.com/office/drawing/2014/main" id="{CAB44407-EF61-A4FC-451A-6A19EEBE5E7C}"/>
+                  <a16:creationId xmlns:a16="http://schemas.microsoft.com/office/drawing/2014/main" id="{0851FF08-581C-E6C3-1B42-D488927E6962}"/>
                 </a:ext>
               </a:extLst>
             </p:cNvPr>
@@ -4598,8 +4628,8 @@
           </p:nvSpPr>
           <p:spPr>
             <a:xfrm>
-              <a:off x="11737726" y="2781300"/>
-              <a:ext cx="3654673" cy="2966197"/>
+              <a:off x="11737726" y="3578014"/>
+              <a:ext cx="3654673" cy="3416320"/>
             </a:xfrm>
             <a:prstGeom prst="rect">
               <a:avLst/>
@@ -4635,14 +4665,11 @@
                   <a:latin typeface="G마켓 산스 Medium" panose="02000000000000000000" pitchFamily="50" charset="-127"/>
                   <a:ea typeface="G마켓 산스 Medium" panose="02000000000000000000" pitchFamily="50" charset="-127"/>
                 </a:rPr>
-                <a:t>삶의 만족도</a:t>
+                <a:t>성별</a:t>
               </a:r>
               <a:endParaRPr lang="en-US" altLang="ko-KR" dirty="0">
                 <a:solidFill>
-                  <a:schemeClr val="tx1">
-                    <a:lumMod val="50000"/>
-                    <a:lumOff val="50000"/>
-                  </a:schemeClr>
+                  <a:srgbClr val="002060"/>
                 </a:solidFill>
                 <a:latin typeface="G마켓 산스 Medium" panose="02000000000000000000" pitchFamily="50" charset="-127"/>
                 <a:ea typeface="G마켓 산스 Medium" panose="02000000000000000000" pitchFamily="50" charset="-127"/>
@@ -4665,26 +4692,6 @@
                 <a:t>2) </a:t>
               </a:r>
               <a:r>
-                <a:rPr lang="ko-KR" altLang="en-US" dirty="0" err="1">
-                  <a:solidFill>
-                    <a:srgbClr val="002060"/>
-                  </a:solidFill>
-                  <a:latin typeface="G마켓 산스 Medium" panose="02000000000000000000" pitchFamily="50" charset="-127"/>
-                  <a:ea typeface="G마켓 산스 Medium" panose="02000000000000000000" pitchFamily="50" charset="-127"/>
-                </a:rPr>
-                <a:t>자차</a:t>
-              </a:r>
-              <a:r>
-                <a:rPr lang="en-US" altLang="ko-KR" dirty="0">
-                  <a:solidFill>
-                    <a:srgbClr val="002060"/>
-                  </a:solidFill>
-                  <a:latin typeface="G마켓 산스 Medium" panose="02000000000000000000" pitchFamily="50" charset="-127"/>
-                  <a:ea typeface="G마켓 산스 Medium" panose="02000000000000000000" pitchFamily="50" charset="-127"/>
-                </a:rPr>
-                <a:t>/</a:t>
-              </a:r>
-              <a:r>
                 <a:rPr lang="ko-KR" altLang="en-US" dirty="0">
                   <a:solidFill>
                     <a:srgbClr val="002060"/>
@@ -4692,34 +4699,11 @@
                   <a:latin typeface="G마켓 산스 Medium" panose="02000000000000000000" pitchFamily="50" charset="-127"/>
                   <a:ea typeface="G마켓 산스 Medium" panose="02000000000000000000" pitchFamily="50" charset="-127"/>
                 </a:rPr>
-                <a:t>자가</a:t>
-              </a:r>
-              <a:r>
-                <a:rPr lang="en-US" altLang="ko-KR" dirty="0">
-                  <a:solidFill>
-                    <a:srgbClr val="002060"/>
-                  </a:solidFill>
-                  <a:latin typeface="G마켓 산스 Medium" panose="02000000000000000000" pitchFamily="50" charset="-127"/>
-                  <a:ea typeface="G마켓 산스 Medium" panose="02000000000000000000" pitchFamily="50" charset="-127"/>
-                </a:rPr>
-                <a:t>/</a:t>
-              </a:r>
-              <a:r>
-                <a:rPr lang="ko-KR" altLang="en-US" dirty="0">
-                  <a:solidFill>
-                    <a:srgbClr val="002060"/>
-                  </a:solidFill>
-                  <a:latin typeface="G마켓 산스 Medium" panose="02000000000000000000" pitchFamily="50" charset="-127"/>
-                  <a:ea typeface="G마켓 산스 Medium" panose="02000000000000000000" pitchFamily="50" charset="-127"/>
-                </a:rPr>
-                <a:t>결혼 유무</a:t>
+                <a:t>연령</a:t>
               </a:r>
               <a:endParaRPr lang="en-US" altLang="ko-KR" dirty="0">
                 <a:solidFill>
-                  <a:schemeClr val="tx1">
-                    <a:lumMod val="50000"/>
-                    <a:lumOff val="50000"/>
-                  </a:schemeClr>
+                  <a:srgbClr val="002060"/>
                 </a:solidFill>
                 <a:latin typeface="G마켓 산스 Medium" panose="02000000000000000000" pitchFamily="50" charset="-127"/>
                 <a:ea typeface="G마켓 산스 Medium" panose="02000000000000000000" pitchFamily="50" charset="-127"/>
@@ -4749,18 +4733,15 @@
                   <a:latin typeface="G마켓 산스 Medium" panose="02000000000000000000" pitchFamily="50" charset="-127"/>
                   <a:ea typeface="G마켓 산스 Medium" panose="02000000000000000000" pitchFamily="50" charset="-127"/>
                 </a:rPr>
-                <a:t>평균 월급</a:t>
+                <a:t>학력</a:t>
               </a:r>
-              <a:r>
-                <a:rPr lang="en-US" altLang="ko-KR" dirty="0">
-                  <a:solidFill>
-                    <a:srgbClr val="002060"/>
-                  </a:solidFill>
-                  <a:latin typeface="G마켓 산스 Medium" panose="02000000000000000000" pitchFamily="50" charset="-127"/>
-                  <a:ea typeface="G마켓 산스 Medium" panose="02000000000000000000" pitchFamily="50" charset="-127"/>
-                </a:rPr>
-                <a:t> </a:t>
-              </a:r>
+              <a:endParaRPr lang="en-US" altLang="ko-KR" dirty="0">
+                <a:solidFill>
+                  <a:srgbClr val="002060"/>
+                </a:solidFill>
+                <a:latin typeface="G마켓 산스 Medium" panose="02000000000000000000" pitchFamily="50" charset="-127"/>
+                <a:ea typeface="G마켓 산스 Medium" panose="02000000000000000000" pitchFamily="50" charset="-127"/>
+              </a:endParaRPr>
             </a:p>
             <a:p>
               <a:pPr>
@@ -4786,7 +4767,44 @@
                   <a:latin typeface="G마켓 산스 Medium" panose="02000000000000000000" pitchFamily="50" charset="-127"/>
                   <a:ea typeface="G마켓 산스 Medium" panose="02000000000000000000" pitchFamily="50" charset="-127"/>
                 </a:rPr>
-                <a:t>평균 근로시간</a:t>
+                <a:t>혼인 여부</a:t>
+              </a:r>
+            </a:p>
+            <a:p>
+              <a:pPr>
+                <a:lnSpc>
+                  <a:spcPct val="150000"/>
+                </a:lnSpc>
+              </a:pPr>
+              <a:r>
+                <a:rPr lang="en-US" altLang="ko-KR" dirty="0">
+                  <a:solidFill>
+                    <a:srgbClr val="002060"/>
+                  </a:solidFill>
+                  <a:latin typeface="G마켓 산스 Medium" panose="02000000000000000000" pitchFamily="50" charset="-127"/>
+                  <a:ea typeface="G마켓 산스 Medium" panose="02000000000000000000" pitchFamily="50" charset="-127"/>
+                </a:rPr>
+                <a:t>5) </a:t>
+              </a:r>
+              <a:r>
+                <a:rPr lang="ko-KR" altLang="en-US" dirty="0" err="1">
+                  <a:solidFill>
+                    <a:srgbClr val="002060"/>
+                  </a:solidFill>
+                  <a:latin typeface="G마켓 산스 Medium" panose="02000000000000000000" pitchFamily="50" charset="-127"/>
+                  <a:ea typeface="G마켓 산스 Medium" panose="02000000000000000000" pitchFamily="50" charset="-127"/>
+                </a:rPr>
+                <a:t>자차</a:t>
+              </a:r>
+              <a:r>
+                <a:rPr lang="ko-KR" altLang="en-US" dirty="0">
+                  <a:solidFill>
+                    <a:srgbClr val="002060"/>
+                  </a:solidFill>
+                  <a:latin typeface="G마켓 산스 Medium" panose="02000000000000000000" pitchFamily="50" charset="-127"/>
+                  <a:ea typeface="G마켓 산스 Medium" panose="02000000000000000000" pitchFamily="50" charset="-127"/>
+                </a:rPr>
+                <a:t> 여부</a:t>
               </a:r>
               <a:endParaRPr lang="en-US" altLang="ko-KR" dirty="0">
                 <a:solidFill>
@@ -4810,7 +4828,7 @@
                   <a:latin typeface="G마켓 산스 Medium" panose="02000000000000000000" pitchFamily="50" charset="-127"/>
                   <a:ea typeface="G마켓 산스 Medium" panose="02000000000000000000" pitchFamily="50" charset="-127"/>
                 </a:rPr>
-                <a:t>5) </a:t>
+                <a:t>6) </a:t>
               </a:r>
               <a:r>
                 <a:rPr lang="ko-KR" altLang="en-US" dirty="0">
@@ -4820,7 +4838,7 @@
                   <a:latin typeface="G마켓 산스 Medium" panose="02000000000000000000" pitchFamily="50" charset="-127"/>
                   <a:ea typeface="G마켓 산스 Medium" panose="02000000000000000000" pitchFamily="50" charset="-127"/>
                 </a:rPr>
-                <a:t>가치관</a:t>
+                <a:t>자가 여부</a:t>
               </a:r>
               <a:endParaRPr lang="en-US" altLang="ko-KR" dirty="0">
                 <a:solidFill>
@@ -4865,10 +4883,10 @@
         </p:sp>
         <p:sp>
           <p:nvSpPr>
-            <p:cNvPr id="30" name="이등변 삼각형 29">
+            <p:cNvPr id="25" name="이등변 삼각형 24">
               <a:extLst>
                 <a:ext uri="{FF2B5EF4-FFF2-40B4-BE49-F238E27FC236}">
-                  <a16:creationId xmlns:a16="http://schemas.microsoft.com/office/drawing/2014/main" id="{0DBB5C95-073E-3960-723A-3589C32907DD}"/>
+                  <a16:creationId xmlns:a16="http://schemas.microsoft.com/office/drawing/2014/main" id="{0EF5BD9C-D330-25F7-B79E-5BF88C7A8A83}"/>
                 </a:ext>
               </a:extLst>
             </p:cNvPr>
@@ -4919,14 +4937,20 @@
         </p:sp>
         <p:sp>
           <p:nvSpPr>
-            <p:cNvPr id="32" name="직사각형 31"/>
+            <p:cNvPr id="26" name="직사각형 25">
+              <a:extLst>
+                <a:ext uri="{FF2B5EF4-FFF2-40B4-BE49-F238E27FC236}">
+                  <a16:creationId xmlns:a16="http://schemas.microsoft.com/office/drawing/2014/main" id="{38455B9D-8F2F-9702-7AEF-E51B5AF5FE3A}"/>
+                </a:ext>
+              </a:extLst>
+            </p:cNvPr>
             <p:cNvSpPr/>
             <p:nvPr/>
           </p:nvSpPr>
           <p:spPr>
             <a:xfrm>
-              <a:off x="12470857" y="2169720"/>
-              <a:ext cx="2188420" cy="307777"/>
+              <a:off x="12536494" y="2871602"/>
+              <a:ext cx="2015295" cy="307777"/>
             </a:xfrm>
             <a:prstGeom prst="rect">
               <a:avLst/>
@@ -4949,7 +4973,7 @@
                   <a:latin typeface="G마켓 산스 Medium" panose="02000000000000000000" pitchFamily="50" charset="-127"/>
                   <a:ea typeface="G마켓 산스 Medium" panose="02000000000000000000" pitchFamily="50" charset="-127"/>
                 </a:rPr>
-                <a:t>사용자와 유사한 사람들의</a:t>
+                <a:t>사용자가 선택한 조건의</a:t>
               </a:r>
               <a:endParaRPr lang="en-US" altLang="ko-KR" sz="1400" dirty="0">
                 <a:solidFill>
@@ -4965,10 +4989,10 @@
         </p:sp>
         <p:sp>
           <p:nvSpPr>
-            <p:cNvPr id="29" name="TextBox 28">
+            <p:cNvPr id="31" name="TextBox 30">
               <a:extLst>
                 <a:ext uri="{FF2B5EF4-FFF2-40B4-BE49-F238E27FC236}">
-                  <a16:creationId xmlns:a16="http://schemas.microsoft.com/office/drawing/2014/main" id="{2F35F647-9C72-DADD-2876-2296C29DAF00}"/>
+                  <a16:creationId xmlns:a16="http://schemas.microsoft.com/office/drawing/2014/main" id="{72189E4B-2139-646A-9B7D-FADFDDA70135}"/>
                 </a:ext>
               </a:extLst>
             </p:cNvPr>
@@ -4977,7 +5001,7 @@
           </p:nvSpPr>
           <p:spPr>
             <a:xfrm>
-              <a:off x="10144991" y="7581900"/>
+              <a:off x="10144991" y="7962900"/>
               <a:ext cx="6913418" cy="707886"/>
             </a:xfrm>
             <a:prstGeom prst="rect">
@@ -5010,7 +5034,7 @@
                   <a:latin typeface="G마켓 산스 Bold" panose="02000000000000000000" pitchFamily="50" charset="-127"/>
                   <a:ea typeface="G마켓 산스 Bold" panose="02000000000000000000" pitchFamily="50" charset="-127"/>
                 </a:rPr>
-                <a:t>유사 조건 </a:t>
+                <a:t>선택 조건 </a:t>
               </a:r>
               <a:r>
                 <a:rPr lang="en-US" altLang="ko-KR" sz="4000" dirty="0">
@@ -5047,13 +5071,19 @@
         </p:sp>
         <p:sp>
           <p:nvSpPr>
-            <p:cNvPr id="33" name="TextBox 32"/>
+            <p:cNvPr id="34" name="TextBox 33">
+              <a:extLst>
+                <a:ext uri="{FF2B5EF4-FFF2-40B4-BE49-F238E27FC236}">
+                  <a16:creationId xmlns:a16="http://schemas.microsoft.com/office/drawing/2014/main" id="{41A08794-6389-3563-97AF-9C53283FB1C7}"/>
+                </a:ext>
+              </a:extLst>
+            </p:cNvPr>
             <p:cNvSpPr txBox="1"/>
             <p:nvPr/>
           </p:nvSpPr>
           <p:spPr>
             <a:xfrm>
-              <a:off x="10134600" y="8267700"/>
+              <a:off x="10134600" y="8648700"/>
               <a:ext cx="6934200" cy="923330"/>
             </a:xfrm>
             <a:prstGeom prst="rect">
@@ -5129,30 +5159,6 @@
           </p:txBody>
         </p:sp>
       </p:grpSp>
-      <p:pic>
-        <p:nvPicPr>
-          <p:cNvPr id="3" name="그림 2"/>
-          <p:cNvPicPr>
-            <a:picLocks noChangeAspect="1"/>
-          </p:cNvPicPr>
-          <p:nvPr/>
-        </p:nvPicPr>
-        <p:blipFill>
-          <a:blip r:embed="rId2"/>
-          <a:stretch>
-            <a:fillRect/>
-          </a:stretch>
-        </p:blipFill>
-        <p:spPr>
-          <a:xfrm>
-            <a:off x="609600" y="2707855"/>
-            <a:ext cx="8837541" cy="6169445"/>
-          </a:xfrm>
-          <a:prstGeom prst="rect">
-            <a:avLst/>
-          </a:prstGeom>
-        </p:spPr>
-      </p:pic>
     </p:spTree>
     <p:extLst>
       <p:ext uri="{BB962C8B-B14F-4D97-AF65-F5344CB8AC3E}">
@@ -6185,13 +6191,6 @@
               </a:rPr>
               <a:t>베이비붐 세대 </a:t>
             </a:r>
-            <a:r>
-              <a:rPr lang="en-US" altLang="ko-KR" dirty="0">
-                <a:latin typeface="G마켓 산스 Bold" panose="02000000000000000000" pitchFamily="50" charset="-127"/>
-                <a:ea typeface="G마켓 산스 Bold" panose="02000000000000000000" pitchFamily="50" charset="-127"/>
-              </a:rPr>
-              <a:t/>
-            </a:r>
             <a:br>
               <a:rPr lang="en-US" altLang="ko-KR" dirty="0">
                 <a:latin typeface="G마켓 산스 Bold" panose="02000000000000000000" pitchFamily="50" charset="-127"/>
@@ -6428,13 +6427,6 @@
                 <a:ea typeface="G마켓 산스 Bold" panose="02000000000000000000" pitchFamily="50" charset="-127"/>
               </a:rPr>
               <a:t>세대 취미 추천 서비스</a:t>
-            </a:r>
-            <a:r>
-              <a:rPr lang="en-US" altLang="ko-KR" dirty="0">
-                <a:latin typeface="G마켓 산스 Bold" panose="02000000000000000000" pitchFamily="50" charset="-127"/>
-                <a:ea typeface="G마켓 산스 Bold" panose="02000000000000000000" pitchFamily="50" charset="-127"/>
-              </a:rPr>
-              <a:t/>
             </a:r>
             <a:br>
               <a:rPr lang="en-US" altLang="ko-KR" dirty="0">
@@ -9216,292 +9208,63 @@
           </a:p>
         </p:txBody>
       </p:sp>
-      <p:grpSp>
-        <p:nvGrpSpPr>
-          <p:cNvPr id="7192" name="그룹 7191">
+      <p:pic>
+        <p:nvPicPr>
+          <p:cNvPr id="2" name="그림 1">
             <a:extLst>
               <a:ext uri="{FF2B5EF4-FFF2-40B4-BE49-F238E27FC236}">
-                <a16:creationId xmlns:a16="http://schemas.microsoft.com/office/drawing/2014/main" id="{EE2D8FE8-8D9D-C7BA-C899-60C840952025}"/>
+                <a16:creationId xmlns:a16="http://schemas.microsoft.com/office/drawing/2014/main" id="{28E95813-26BB-A589-C391-B7D4B14E62A9}"/>
               </a:ext>
             </a:extLst>
           </p:cNvPr>
-          <p:cNvGrpSpPr/>
+          <p:cNvPicPr>
+            <a:picLocks noChangeAspect="1"/>
+          </p:cNvPicPr>
           <p:nvPr/>
-        </p:nvGrpSpPr>
-        <p:grpSpPr>
+        </p:nvPicPr>
+        <p:blipFill>
+          <a:blip r:embed="rId2"/>
+          <a:stretch>
+            <a:fillRect/>
+          </a:stretch>
+        </p:blipFill>
+        <p:spPr>
           <a:xfrm>
-            <a:off x="369142" y="2262695"/>
-            <a:ext cx="8432288" cy="2751787"/>
-            <a:chOff x="382409" y="2467913"/>
-            <a:chExt cx="8432288" cy="2751787"/>
+            <a:off x="954192" y="2857500"/>
+            <a:ext cx="6210300" cy="609600"/>
           </a:xfrm>
-        </p:grpSpPr>
-        <p:pic>
-          <p:nvPicPr>
-            <p:cNvPr id="5" name="그림 4"/>
-            <p:cNvPicPr>
-              <a:picLocks noChangeAspect="1"/>
-            </p:cNvPicPr>
-            <p:nvPr/>
-          </p:nvPicPr>
-          <p:blipFill>
-            <a:blip r:embed="rId2"/>
-            <a:stretch>
-              <a:fillRect/>
-            </a:stretch>
-          </p:blipFill>
-          <p:spPr>
-            <a:xfrm>
-              <a:off x="1404247" y="3932003"/>
-              <a:ext cx="7410450" cy="647700"/>
-            </a:xfrm>
-            <a:prstGeom prst="rect">
-              <a:avLst/>
-            </a:prstGeom>
-            <a:ln>
-              <a:solidFill>
-                <a:schemeClr val="bg1">
-                  <a:lumMod val="85000"/>
-                </a:schemeClr>
-              </a:solidFill>
-            </a:ln>
-          </p:spPr>
-          <p:style>
-            <a:lnRef idx="2">
-              <a:schemeClr val="dk1"/>
-            </a:lnRef>
-            <a:fillRef idx="1">
-              <a:schemeClr val="lt1"/>
-            </a:fillRef>
-            <a:effectRef idx="0">
-              <a:schemeClr val="dk1"/>
-            </a:effectRef>
-            <a:fontRef idx="minor">
-              <a:schemeClr val="dk1"/>
-            </a:fontRef>
-          </p:style>
-        </p:pic>
-        <p:pic>
-          <p:nvPicPr>
-            <p:cNvPr id="7" name="그림 6"/>
-            <p:cNvPicPr>
-              <a:picLocks noChangeAspect="1"/>
-            </p:cNvPicPr>
-            <p:nvPr/>
-          </p:nvPicPr>
-          <p:blipFill>
-            <a:blip r:embed="rId3"/>
-            <a:stretch>
-              <a:fillRect/>
-            </a:stretch>
-          </p:blipFill>
-          <p:spPr>
-            <a:xfrm>
-              <a:off x="382409" y="4495800"/>
-              <a:ext cx="6753225" cy="723900"/>
-            </a:xfrm>
-            <a:prstGeom prst="rect">
-              <a:avLst/>
-            </a:prstGeom>
-            <a:ln>
-              <a:solidFill>
-                <a:schemeClr val="bg1">
-                  <a:lumMod val="85000"/>
-                </a:schemeClr>
-              </a:solidFill>
-            </a:ln>
-          </p:spPr>
-          <p:style>
-            <a:lnRef idx="2">
-              <a:schemeClr val="dk1"/>
-            </a:lnRef>
-            <a:fillRef idx="1">
-              <a:schemeClr val="lt1"/>
-            </a:fillRef>
-            <a:effectRef idx="0">
-              <a:schemeClr val="dk1"/>
-            </a:effectRef>
-            <a:fontRef idx="minor">
-              <a:schemeClr val="dk1"/>
-            </a:fontRef>
-          </p:style>
-        </p:pic>
-        <p:pic>
-          <p:nvPicPr>
-            <p:cNvPr id="4" name="그림 3"/>
-            <p:cNvPicPr>
-              <a:picLocks noChangeAspect="1"/>
-            </p:cNvPicPr>
-            <p:nvPr/>
-          </p:nvPicPr>
-          <p:blipFill>
-            <a:blip r:embed="rId4"/>
-            <a:stretch>
-              <a:fillRect/>
-            </a:stretch>
-          </p:blipFill>
-          <p:spPr>
-            <a:xfrm>
-              <a:off x="1625621" y="2467913"/>
-              <a:ext cx="6798939" cy="1019175"/>
-            </a:xfrm>
-            <a:prstGeom prst="rect">
-              <a:avLst/>
-            </a:prstGeom>
-            <a:ln>
-              <a:solidFill>
-                <a:schemeClr val="bg1">
-                  <a:lumMod val="65000"/>
-                </a:schemeClr>
-              </a:solidFill>
-            </a:ln>
-          </p:spPr>
-        </p:pic>
-        <p:pic>
-          <p:nvPicPr>
-            <p:cNvPr id="13" name="그림 12"/>
-            <p:cNvPicPr>
-              <a:picLocks noChangeAspect="1"/>
-            </p:cNvPicPr>
-            <p:nvPr/>
-          </p:nvPicPr>
-          <p:blipFill>
-            <a:blip r:embed="rId5"/>
-            <a:stretch>
-              <a:fillRect/>
-            </a:stretch>
-          </p:blipFill>
-          <p:spPr>
-            <a:xfrm>
-              <a:off x="642098" y="3096186"/>
-              <a:ext cx="7045096" cy="626680"/>
-            </a:xfrm>
-            <a:prstGeom prst="rect">
-              <a:avLst/>
-            </a:prstGeom>
-            <a:ln>
-              <a:solidFill>
-                <a:schemeClr val="bg1">
-                  <a:lumMod val="85000"/>
-                </a:schemeClr>
-              </a:solidFill>
-            </a:ln>
-          </p:spPr>
-          <p:style>
-            <a:lnRef idx="2">
-              <a:schemeClr val="dk1"/>
-            </a:lnRef>
-            <a:fillRef idx="1">
-              <a:schemeClr val="lt1"/>
-            </a:fillRef>
-            <a:effectRef idx="0">
-              <a:schemeClr val="dk1"/>
-            </a:effectRef>
-            <a:fontRef idx="minor">
-              <a:schemeClr val="dk1"/>
-            </a:fontRef>
-          </p:style>
-        </p:pic>
-      </p:grpSp>
-      <p:grpSp>
-        <p:nvGrpSpPr>
-          <p:cNvPr id="7193" name="그룹 7192">
+          <a:prstGeom prst="rect">
+            <a:avLst/>
+          </a:prstGeom>
+          <a:ln>
+            <a:solidFill>
+              <a:schemeClr val="bg1">
+                <a:lumMod val="85000"/>
+              </a:schemeClr>
+            </a:solidFill>
+          </a:ln>
+        </p:spPr>
+        <p:style>
+          <a:lnRef idx="2">
+            <a:schemeClr val="dk1"/>
+          </a:lnRef>
+          <a:fillRef idx="1">
+            <a:schemeClr val="lt1"/>
+          </a:fillRef>
+          <a:effectRef idx="0">
+            <a:schemeClr val="dk1"/>
+          </a:effectRef>
+          <a:fontRef idx="minor">
+            <a:schemeClr val="dk1"/>
+          </a:fontRef>
+        </p:style>
+      </p:pic>
+      <p:sp>
+        <p:nvSpPr>
+          <p:cNvPr id="3" name="TextBox 2">
             <a:extLst>
               <a:ext uri="{FF2B5EF4-FFF2-40B4-BE49-F238E27FC236}">
-                <a16:creationId xmlns:a16="http://schemas.microsoft.com/office/drawing/2014/main" id="{0E0C7D88-9CD6-6062-19BA-ED1111524F8D}"/>
-              </a:ext>
-            </a:extLst>
-          </p:cNvPr>
-          <p:cNvGrpSpPr/>
-          <p:nvPr/>
-        </p:nvGrpSpPr>
-        <p:grpSpPr>
-          <a:xfrm>
-            <a:off x="11277907" y="6980432"/>
-            <a:ext cx="4205301" cy="1712071"/>
-            <a:chOff x="2687666" y="7157894"/>
-            <a:chExt cx="4205301" cy="1712071"/>
-          </a:xfrm>
-        </p:grpSpPr>
-        <p:pic>
-          <p:nvPicPr>
-            <p:cNvPr id="7194" name="그림 7193" descr="원, 스크린샷이(가) 표시된 사진&#10;&#10;자동 생성된 설명">
-              <a:extLst>
-                <a:ext uri="{FF2B5EF4-FFF2-40B4-BE49-F238E27FC236}">
-                  <a16:creationId xmlns:a16="http://schemas.microsoft.com/office/drawing/2014/main" id="{799C678E-0EC9-0DAE-839C-6167BD58A69D}"/>
-                </a:ext>
-              </a:extLst>
-            </p:cNvPr>
-            <p:cNvPicPr>
-              <a:picLocks noChangeAspect="1"/>
-            </p:cNvPicPr>
-            <p:nvPr/>
-          </p:nvPicPr>
-          <p:blipFill>
-            <a:blip r:embed="rId6" cstate="print">
-              <a:extLst>
-                <a:ext uri="{28A0092B-C50C-407E-A947-70E740481C1C}">
-                  <a14:useLocalDpi xmlns:a14="http://schemas.microsoft.com/office/drawing/2010/main" val="0"/>
-                </a:ext>
-              </a:extLst>
-            </a:blip>
-            <a:stretch>
-              <a:fillRect/>
-            </a:stretch>
-          </p:blipFill>
-          <p:spPr>
-            <a:xfrm>
-              <a:off x="5336539" y="7157894"/>
-              <a:ext cx="1556428" cy="1556428"/>
-            </a:xfrm>
-            <a:prstGeom prst="rect">
-              <a:avLst/>
-            </a:prstGeom>
-          </p:spPr>
-        </p:pic>
-        <p:pic>
-          <p:nvPicPr>
-            <p:cNvPr id="7195" name="그림 7194" descr="스크린샷, 라인, 폰트, 도표이(가) 표시된 사진&#10;&#10;자동 생성된 설명">
-              <a:extLst>
-                <a:ext uri="{FF2B5EF4-FFF2-40B4-BE49-F238E27FC236}">
-                  <a16:creationId xmlns:a16="http://schemas.microsoft.com/office/drawing/2014/main" id="{6C4293CC-E105-74A8-4570-C4BBAE4DCE2C}"/>
-                </a:ext>
-              </a:extLst>
-            </p:cNvPr>
-            <p:cNvPicPr>
-              <a:picLocks noChangeAspect="1"/>
-            </p:cNvPicPr>
-            <p:nvPr/>
-          </p:nvPicPr>
-          <p:blipFill>
-            <a:blip r:embed="rId7" cstate="print">
-              <a:extLst>
-                <a:ext uri="{28A0092B-C50C-407E-A947-70E740481C1C}">
-                  <a14:useLocalDpi xmlns:a14="http://schemas.microsoft.com/office/drawing/2010/main" val="0"/>
-                </a:ext>
-              </a:extLst>
-            </a:blip>
-            <a:stretch>
-              <a:fillRect/>
-            </a:stretch>
-          </p:blipFill>
-          <p:spPr>
-            <a:xfrm>
-              <a:off x="2687666" y="7157894"/>
-              <a:ext cx="1712071" cy="1712071"/>
-            </a:xfrm>
-            <a:prstGeom prst="rect">
-              <a:avLst/>
-            </a:prstGeom>
-          </p:spPr>
-        </p:pic>
-      </p:grpSp>
-      <p:sp>
-        <p:nvSpPr>
-          <p:cNvPr id="7220" name="TextBox 7219">
-            <a:extLst>
-              <a:ext uri="{FF2B5EF4-FFF2-40B4-BE49-F238E27FC236}">
-                <a16:creationId xmlns:a16="http://schemas.microsoft.com/office/drawing/2014/main" id="{CE05EB0B-1DDC-6D77-10CB-384B6BE761F7}"/>
+                <a16:creationId xmlns:a16="http://schemas.microsoft.com/office/drawing/2014/main" id="{752307C9-4813-456F-F026-0D83BB452960}"/>
               </a:ext>
             </a:extLst>
           </p:cNvPr>
@@ -9510,8 +9273,8 @@
         </p:nvSpPr>
         <p:spPr>
           <a:xfrm>
-            <a:off x="10353130" y="3935039"/>
-            <a:ext cx="6054863" cy="830997"/>
+            <a:off x="10687084" y="4106101"/>
+            <a:ext cx="5117105" cy="461665"/>
           </a:xfrm>
           <a:prstGeom prst="rect">
             <a:avLst/>
@@ -9539,8 +9302,28 @@
           <a:p>
             <a:pPr algn="ctr"/>
             <a:r>
-              <a:rPr lang="ko-KR" altLang="en-US" sz="2400" dirty="0"/>
-              <a:t>개인의 만족도</a:t>
+              <a:rPr lang="ko-KR" altLang="en-US" sz="2400" dirty="0">
+                <a:solidFill>
+                  <a:srgbClr val="C00000"/>
+                </a:solidFill>
+              </a:rPr>
+              <a:t>행복의 방법을 잊어버린 </a:t>
+            </a:r>
+            <a:r>
+              <a:rPr lang="en-US" altLang="ko-KR" sz="2400" dirty="0">
+                <a:solidFill>
+                  <a:srgbClr val="C00000"/>
+                </a:solidFill>
+              </a:rPr>
+              <a:t>MZ</a:t>
+            </a:r>
+            <a:r>
+              <a:rPr lang="ko-KR" altLang="en-US" sz="2400" dirty="0">
+                <a:solidFill>
+                  <a:srgbClr val="C00000"/>
+                </a:solidFill>
+              </a:rPr>
+              <a:t>세대</a:t>
             </a:r>
             <a:r>
               <a:rPr lang="ko-KR" altLang="en-US" sz="2400" dirty="0">
@@ -9551,34 +9334,7 @@
                   </a:schemeClr>
                 </a:solidFill>
               </a:rPr>
-              <a:t>를 </a:t>
-            </a:r>
-            <a:r>
-              <a:rPr lang="ko-KR" altLang="en-US" sz="2400" dirty="0"/>
-              <a:t>개별 환경</a:t>
-            </a:r>
-            <a:r>
-              <a:rPr lang="ko-KR" altLang="en-US" sz="2400" dirty="0">
-                <a:solidFill>
-                  <a:schemeClr val="tx1">
-                    <a:lumMod val="50000"/>
-                    <a:lumOff val="50000"/>
-                  </a:schemeClr>
-                </a:solidFill>
-              </a:rPr>
-              <a:t>에 맞춰 </a:t>
-            </a:r>
-            <a:r>
-              <a:rPr lang="ko-KR" altLang="en-US" sz="2400" dirty="0"/>
-              <a:t>비교</a:t>
-            </a:r>
-            <a:r>
-              <a:rPr lang="en-US" altLang="ko-KR" sz="2400" dirty="0"/>
-              <a:t>·</a:t>
-            </a:r>
-            <a:r>
-              <a:rPr lang="ko-KR" altLang="en-US" sz="2400" dirty="0"/>
-              <a:t>분석</a:t>
+              <a:t>에게</a:t>
             </a:r>
             <a:endParaRPr lang="en-US" altLang="ko-KR" sz="2400" dirty="0">
               <a:solidFill>
@@ -9589,302 +9345,14 @@
               </a:solidFill>
             </a:endParaRPr>
           </a:p>
-          <a:p>
-            <a:pPr algn="ctr"/>
-            <a:r>
-              <a:rPr lang="ko-KR" altLang="en-US" sz="2400" dirty="0"/>
-              <a:t>현 상황에서 행복에 중요한 요인 </a:t>
-            </a:r>
-            <a:r>
-              <a:rPr lang="ko-KR" altLang="en-US" sz="2400" dirty="0">
-                <a:solidFill>
-                  <a:schemeClr val="tx1">
-                    <a:lumMod val="50000"/>
-                    <a:lumOff val="50000"/>
-                  </a:schemeClr>
-                </a:solidFill>
-              </a:rPr>
-              <a:t>제시</a:t>
-            </a:r>
-            <a:endParaRPr lang="en-US" altLang="ko-KR" sz="2400" dirty="0">
-              <a:solidFill>
-                <a:schemeClr val="tx1">
-                  <a:lumMod val="50000"/>
-                  <a:lumOff val="50000"/>
-                </a:schemeClr>
-              </a:solidFill>
-            </a:endParaRPr>
-          </a:p>
-        </p:txBody>
-      </p:sp>
-      <p:sp>
-        <p:nvSpPr>
-          <p:cNvPr id="7221" name="TextBox 7220">
-            <a:extLst>
-              <a:ext uri="{FF2B5EF4-FFF2-40B4-BE49-F238E27FC236}">
-                <a16:creationId xmlns:a16="http://schemas.microsoft.com/office/drawing/2014/main" id="{9B35DCEE-DEE8-346E-2C85-00D857BE9055}"/>
-              </a:ext>
-            </a:extLst>
-          </p:cNvPr>
-          <p:cNvSpPr txBox="1"/>
-          <p:nvPr/>
-        </p:nvSpPr>
-        <p:spPr>
-          <a:xfrm>
-            <a:off x="9612725" y="5233232"/>
-            <a:ext cx="7535665" cy="1446550"/>
-          </a:xfrm>
-          <a:prstGeom prst="rect">
-            <a:avLst/>
-          </a:prstGeom>
-          <a:noFill/>
-        </p:spPr>
-        <p:txBody>
-          <a:bodyPr wrap="square">
-            <a:spAutoFit/>
-          </a:bodyPr>
-          <a:lstStyle/>
-          <a:p>
-            <a:pPr algn="ctr"/>
-            <a:r>
-              <a:rPr lang="ko-KR" altLang="en-US" sz="2400" dirty="0">
-                <a:solidFill>
-                  <a:schemeClr val="tx1">
-                    <a:lumMod val="50000"/>
-                    <a:lumOff val="50000"/>
-                  </a:schemeClr>
-                </a:solidFill>
-                <a:latin typeface="G마켓 산스 Medium" panose="02000000000000000000" pitchFamily="50" charset="-127"/>
-                <a:ea typeface="G마켓 산스 Medium" panose="02000000000000000000" pitchFamily="50" charset="-127"/>
-              </a:rPr>
-              <a:t>빅데이터 기반</a:t>
-            </a:r>
-            <a:endParaRPr lang="en-US" altLang="ko-KR" sz="2400" dirty="0">
-              <a:solidFill>
-                <a:schemeClr val="tx1">
-                  <a:lumMod val="50000"/>
-                  <a:lumOff val="50000"/>
-                </a:schemeClr>
-              </a:solidFill>
-              <a:latin typeface="G마켓 산스 Medium" panose="02000000000000000000" pitchFamily="50" charset="-127"/>
-              <a:ea typeface="G마켓 산스 Medium" panose="02000000000000000000" pitchFamily="50" charset="-127"/>
-            </a:endParaRPr>
-          </a:p>
-          <a:p>
-            <a:pPr algn="ctr"/>
-            <a:r>
-              <a:rPr lang="ko-KR" altLang="en-US" sz="3200" dirty="0">
-                <a:solidFill>
-                  <a:srgbClr val="002060"/>
-                </a:solidFill>
-                <a:latin typeface="G마켓 산스 Bold" panose="02000000000000000000" pitchFamily="50" charset="-127"/>
-                <a:ea typeface="G마켓 산스 Bold" panose="02000000000000000000" pitchFamily="50" charset="-127"/>
-              </a:rPr>
-              <a:t>개인환경 별 행복도 분석결과 제공</a:t>
-            </a:r>
-            <a:endParaRPr lang="en-US" altLang="ko-KR" sz="3200" dirty="0">
-              <a:solidFill>
-                <a:srgbClr val="002060"/>
-              </a:solidFill>
-              <a:latin typeface="G마켓 산스 Bold" panose="02000000000000000000" pitchFamily="50" charset="-127"/>
-              <a:ea typeface="G마켓 산스 Bold" panose="02000000000000000000" pitchFamily="50" charset="-127"/>
-            </a:endParaRPr>
-          </a:p>
-          <a:p>
-            <a:pPr algn="ctr"/>
-            <a:r>
-              <a:rPr lang="ko-KR" altLang="en-US" sz="3200" dirty="0">
-                <a:solidFill>
-                  <a:srgbClr val="002060"/>
-                </a:solidFill>
-                <a:latin typeface="G마켓 산스 Bold" panose="02000000000000000000" pitchFamily="50" charset="-127"/>
-                <a:ea typeface="G마켓 산스 Bold" panose="02000000000000000000" pitchFamily="50" charset="-127"/>
-              </a:rPr>
-              <a:t>행복을 위한 개선 사안 제공</a:t>
-            </a:r>
-            <a:endParaRPr lang="en-US" altLang="ko-KR" sz="3200" dirty="0">
-              <a:solidFill>
-                <a:srgbClr val="002060"/>
-              </a:solidFill>
-              <a:latin typeface="G마켓 산스 Bold" panose="02000000000000000000" pitchFamily="50" charset="-127"/>
-              <a:ea typeface="G마켓 산스 Bold" panose="02000000000000000000" pitchFamily="50" charset="-127"/>
-            </a:endParaRPr>
-          </a:p>
-        </p:txBody>
-      </p:sp>
-      <p:sp>
-        <p:nvSpPr>
-          <p:cNvPr id="7222" name="직사각형 7221">
-            <a:extLst>
-              <a:ext uri="{FF2B5EF4-FFF2-40B4-BE49-F238E27FC236}">
-                <a16:creationId xmlns:a16="http://schemas.microsoft.com/office/drawing/2014/main" id="{2F67D013-BE62-D9BA-F946-66D3021B638E}"/>
-              </a:ext>
-            </a:extLst>
-          </p:cNvPr>
-          <p:cNvSpPr/>
-          <p:nvPr/>
-        </p:nvSpPr>
-        <p:spPr>
-          <a:xfrm>
-            <a:off x="9387514" y="4902731"/>
-            <a:ext cx="7986086" cy="4507969"/>
-          </a:xfrm>
-          <a:prstGeom prst="rect">
-            <a:avLst/>
-          </a:prstGeom>
-          <a:noFill/>
-          <a:ln w="25400">
-            <a:solidFill>
-              <a:schemeClr val="bg1">
-                <a:lumMod val="75000"/>
-              </a:schemeClr>
-            </a:solidFill>
-            <a:prstDash val="dash"/>
-          </a:ln>
-        </p:spPr>
-        <p:style>
-          <a:lnRef idx="2">
-            <a:schemeClr val="accent1">
-              <a:shade val="50000"/>
-            </a:schemeClr>
-          </a:lnRef>
-          <a:fillRef idx="1">
-            <a:schemeClr val="accent1"/>
-          </a:fillRef>
-          <a:effectRef idx="0">
-            <a:schemeClr val="accent1"/>
-          </a:effectRef>
-          <a:fontRef idx="minor">
-            <a:schemeClr val="lt1"/>
-          </a:fontRef>
-        </p:style>
-        <p:txBody>
-          <a:bodyPr rtlCol="0" anchor="ctr"/>
-          <a:lstStyle/>
-          <a:p>
-            <a:pPr algn="ctr"/>
-            <a:endParaRPr lang="ko-KR" altLang="en-US"/>
-          </a:p>
-        </p:txBody>
-      </p:sp>
-      <p:sp>
-        <p:nvSpPr>
-          <p:cNvPr id="7223" name="TextBox 7222">
-            <a:extLst>
-              <a:ext uri="{FF2B5EF4-FFF2-40B4-BE49-F238E27FC236}">
-                <a16:creationId xmlns:a16="http://schemas.microsoft.com/office/drawing/2014/main" id="{60585198-DE5C-F684-10ED-7319B5D345BF}"/>
-              </a:ext>
-            </a:extLst>
-          </p:cNvPr>
-          <p:cNvSpPr txBox="1"/>
-          <p:nvPr/>
-        </p:nvSpPr>
-        <p:spPr>
-          <a:xfrm>
-            <a:off x="10523057" y="3129430"/>
-            <a:ext cx="5715001" cy="769441"/>
-          </a:xfrm>
-          <a:prstGeom prst="rect">
-            <a:avLst/>
-          </a:prstGeom>
-          <a:noFill/>
-        </p:spPr>
-        <p:txBody>
-          <a:bodyPr wrap="square">
-            <a:spAutoFit/>
-          </a:bodyPr>
-          <a:lstStyle/>
-          <a:p>
-            <a:pPr algn="ctr">
-              <a:lnSpc>
-                <a:spcPct val="150000"/>
-              </a:lnSpc>
-            </a:pPr>
-            <a:r>
-              <a:rPr lang="ko-KR" altLang="en-US" sz="3200" dirty="0">
-                <a:solidFill>
-                  <a:srgbClr val="002060"/>
-                </a:solidFill>
-                <a:latin typeface="G마켓 산스 Bold" panose="02000000000000000000" pitchFamily="50" charset="-127"/>
-                <a:ea typeface="G마켓 산스 Bold" panose="02000000000000000000" pitchFamily="50" charset="-127"/>
-              </a:rPr>
-              <a:t>어떻게 행복할 수 있을까</a:t>
-            </a:r>
-            <a:r>
-              <a:rPr lang="en-US" altLang="ko-KR" sz="3200" dirty="0">
-                <a:solidFill>
-                  <a:srgbClr val="002060"/>
-                </a:solidFill>
-                <a:latin typeface="G마켓 산스 Bold" panose="02000000000000000000" pitchFamily="50" charset="-127"/>
-                <a:ea typeface="G마켓 산스 Bold" panose="02000000000000000000" pitchFamily="50" charset="-127"/>
-              </a:rPr>
-              <a:t>?</a:t>
-            </a:r>
-          </a:p>
-        </p:txBody>
-      </p:sp>
-      <p:sp>
-        <p:nvSpPr>
-          <p:cNvPr id="7224" name="TextBox 7223">
-            <a:extLst>
-              <a:ext uri="{FF2B5EF4-FFF2-40B4-BE49-F238E27FC236}">
-                <a16:creationId xmlns:a16="http://schemas.microsoft.com/office/drawing/2014/main" id="{F0141B96-B906-7BAB-42A4-3C99769706CB}"/>
-              </a:ext>
-            </a:extLst>
-          </p:cNvPr>
-          <p:cNvSpPr txBox="1"/>
-          <p:nvPr/>
-        </p:nvSpPr>
-        <p:spPr>
-          <a:xfrm>
-            <a:off x="10523057" y="2610674"/>
-            <a:ext cx="5715001" cy="830997"/>
-          </a:xfrm>
-          <a:prstGeom prst="rect">
-            <a:avLst/>
-          </a:prstGeom>
-          <a:noFill/>
-        </p:spPr>
-        <p:txBody>
-          <a:bodyPr wrap="square">
-            <a:spAutoFit/>
-          </a:bodyPr>
-          <a:lstStyle/>
-          <a:p>
-            <a:pPr algn="ctr">
-              <a:lnSpc>
-                <a:spcPct val="150000"/>
-              </a:lnSpc>
-            </a:pPr>
-            <a:r>
-              <a:rPr lang="ko-KR" altLang="en-US" sz="3200" dirty="0">
-                <a:solidFill>
-                  <a:srgbClr val="002060"/>
-                </a:solidFill>
-                <a:latin typeface="G마켓 산스 Bold" panose="02000000000000000000" pitchFamily="50" charset="-127"/>
-                <a:ea typeface="G마켓 산스 Bold" panose="02000000000000000000" pitchFamily="50" charset="-127"/>
-              </a:rPr>
-              <a:t>나는 얼마나 행복할까</a:t>
-            </a:r>
-            <a:r>
-              <a:rPr lang="en-US" altLang="ko-KR" sz="3200" dirty="0">
-                <a:solidFill>
-                  <a:srgbClr val="002060"/>
-                </a:solidFill>
-                <a:latin typeface="G마켓 산스 Bold" panose="02000000000000000000" pitchFamily="50" charset="-127"/>
-                <a:ea typeface="G마켓 산스 Bold" panose="02000000000000000000" pitchFamily="50" charset="-127"/>
-              </a:rPr>
-              <a:t>?</a:t>
-            </a:r>
-          </a:p>
         </p:txBody>
       </p:sp>
       <p:grpSp>
         <p:nvGrpSpPr>
-          <p:cNvPr id="7225" name="그룹 7224">
+          <p:cNvPr id="6" name="그룹 5">
             <a:extLst>
               <a:ext uri="{FF2B5EF4-FFF2-40B4-BE49-F238E27FC236}">
-                <a16:creationId xmlns:a16="http://schemas.microsoft.com/office/drawing/2014/main" id="{C4B9CD4C-ED10-BAE1-9E7F-5B2E50DA6811}"/>
+                <a16:creationId xmlns:a16="http://schemas.microsoft.com/office/drawing/2014/main" id="{D6D9DE38-DFDC-D86E-E988-8591E09EFED1}"/>
               </a:ext>
             </a:extLst>
           </p:cNvPr>
@@ -9893,54 +9361,111 @@
         </p:nvGrpSpPr>
         <p:grpSpPr>
           <a:xfrm>
-            <a:off x="2970378" y="6269161"/>
-            <a:ext cx="3160420" cy="3814196"/>
-            <a:chOff x="519112" y="3162300"/>
-            <a:chExt cx="4953000" cy="5977596"/>
+            <a:off x="9252595" y="5055131"/>
+            <a:ext cx="7986086" cy="4507969"/>
+            <a:chOff x="9463714" y="4826531"/>
+            <a:chExt cx="7986086" cy="4507969"/>
           </a:xfrm>
         </p:grpSpPr>
-        <p:pic>
-          <p:nvPicPr>
-            <p:cNvPr id="7226" name="그림 7225" descr="클립아트, 그래픽, 만화 영화, 일러스트레이션이(가) 표시된 사진&#10;&#10;자동 생성된 설명">
+        <p:grpSp>
+          <p:nvGrpSpPr>
+            <p:cNvPr id="8" name="그룹 7">
               <a:extLst>
                 <a:ext uri="{FF2B5EF4-FFF2-40B4-BE49-F238E27FC236}">
-                  <a16:creationId xmlns:a16="http://schemas.microsoft.com/office/drawing/2014/main" id="{7315551D-0906-BC2C-1C67-764E1973A3C9}"/>
+                  <a16:creationId xmlns:a16="http://schemas.microsoft.com/office/drawing/2014/main" id="{70501B8F-3C65-455A-AFAD-B1ABCF753C89}"/>
                 </a:ext>
               </a:extLst>
             </p:cNvPr>
-            <p:cNvPicPr>
-              <a:picLocks noChangeAspect="1"/>
-            </p:cNvPicPr>
+            <p:cNvGrpSpPr/>
             <p:nvPr/>
-          </p:nvPicPr>
-          <p:blipFill>
-            <a:blip r:embed="rId8">
-              <a:extLst>
-                <a:ext uri="{28A0092B-C50C-407E-A947-70E740481C1C}">
-                  <a14:useLocalDpi xmlns:a14="http://schemas.microsoft.com/office/drawing/2010/main" val="0"/>
-                </a:ext>
-              </a:extLst>
-            </a:blip>
-            <a:stretch>
-              <a:fillRect/>
-            </a:stretch>
-          </p:blipFill>
-          <p:spPr>
+          </p:nvGrpSpPr>
+          <p:grpSpPr>
             <a:xfrm>
-              <a:off x="685800" y="3162300"/>
-              <a:ext cx="4619625" cy="4886325"/>
+              <a:off x="11354107" y="6904232"/>
+              <a:ext cx="4205301" cy="1712071"/>
+              <a:chOff x="2687666" y="7157894"/>
+              <a:chExt cx="4205301" cy="1712071"/>
             </a:xfrm>
-            <a:prstGeom prst="rect">
-              <a:avLst/>
-            </a:prstGeom>
-          </p:spPr>
-        </p:pic>
+          </p:grpSpPr>
+          <p:pic>
+            <p:nvPicPr>
+              <p:cNvPr id="11" name="그림 10" descr="원, 스크린샷이(가) 표시된 사진&#10;&#10;자동 생성된 설명">
+                <a:extLst>
+                  <a:ext uri="{FF2B5EF4-FFF2-40B4-BE49-F238E27FC236}">
+                    <a16:creationId xmlns:a16="http://schemas.microsoft.com/office/drawing/2014/main" id="{BB9FF028-D364-3989-B077-9C9B9248D216}"/>
+                  </a:ext>
+                </a:extLst>
+              </p:cNvPr>
+              <p:cNvPicPr>
+                <a:picLocks noChangeAspect="1"/>
+              </p:cNvPicPr>
+              <p:nvPr/>
+            </p:nvPicPr>
+            <p:blipFill>
+              <a:blip r:embed="rId3" cstate="print">
+                <a:extLst>
+                  <a:ext uri="{28A0092B-C50C-407E-A947-70E740481C1C}">
+                    <a14:useLocalDpi xmlns:a14="http://schemas.microsoft.com/office/drawing/2010/main" val="0"/>
+                  </a:ext>
+                </a:extLst>
+              </a:blip>
+              <a:stretch>
+                <a:fillRect/>
+              </a:stretch>
+            </p:blipFill>
+            <p:spPr>
+              <a:xfrm>
+                <a:off x="5336539" y="7157894"/>
+                <a:ext cx="1556428" cy="1556428"/>
+              </a:xfrm>
+              <a:prstGeom prst="rect">
+                <a:avLst/>
+              </a:prstGeom>
+            </p:spPr>
+          </p:pic>
+          <p:pic>
+            <p:nvPicPr>
+              <p:cNvPr id="12" name="그림 11" descr="스크린샷, 라인, 폰트, 도표이(가) 표시된 사진&#10;&#10;자동 생성된 설명">
+                <a:extLst>
+                  <a:ext uri="{FF2B5EF4-FFF2-40B4-BE49-F238E27FC236}">
+                    <a16:creationId xmlns:a16="http://schemas.microsoft.com/office/drawing/2014/main" id="{6928AB58-6443-657D-AEA3-1DF9B896EB96}"/>
+                  </a:ext>
+                </a:extLst>
+              </p:cNvPr>
+              <p:cNvPicPr>
+                <a:picLocks noChangeAspect="1"/>
+              </p:cNvPicPr>
+              <p:nvPr/>
+            </p:nvPicPr>
+            <p:blipFill>
+              <a:blip r:embed="rId4" cstate="print">
+                <a:extLst>
+                  <a:ext uri="{28A0092B-C50C-407E-A947-70E740481C1C}">
+                    <a14:useLocalDpi xmlns:a14="http://schemas.microsoft.com/office/drawing/2010/main" val="0"/>
+                  </a:ext>
+                </a:extLst>
+              </a:blip>
+              <a:stretch>
+                <a:fillRect/>
+              </a:stretch>
+            </p:blipFill>
+            <p:spPr>
+              <a:xfrm>
+                <a:off x="2687666" y="7157894"/>
+                <a:ext cx="1712071" cy="1712071"/>
+              </a:xfrm>
+              <a:prstGeom prst="rect">
+                <a:avLst/>
+              </a:prstGeom>
+            </p:spPr>
+          </p:pic>
+        </p:grpSp>
         <p:sp>
           <p:nvSpPr>
-            <p:cNvPr id="7227" name="TextBox 7226">
+            <p:cNvPr id="9" name="TextBox 8">
               <a:extLst>
                 <a:ext uri="{FF2B5EF4-FFF2-40B4-BE49-F238E27FC236}">
-                  <a16:creationId xmlns:a16="http://schemas.microsoft.com/office/drawing/2014/main" id="{4DAD4B31-44D9-0BBD-EE43-DCBF0794113B}"/>
+                  <a16:creationId xmlns:a16="http://schemas.microsoft.com/office/drawing/2014/main" id="{CA13FB4C-8458-5114-788E-66E31A3BA5ED}"/>
                 </a:ext>
               </a:extLst>
             </p:cNvPr>
@@ -9949,8 +9474,8 @@
           </p:nvSpPr>
           <p:spPr>
             <a:xfrm>
-              <a:off x="519112" y="8126968"/>
-              <a:ext cx="4953000" cy="1012928"/>
+              <a:off x="9688925" y="5157032"/>
+              <a:ext cx="7535665" cy="1446550"/>
             </a:xfrm>
             <a:prstGeom prst="rect">
               <a:avLst/>
@@ -9965,179 +9490,87 @@
             <a:p>
               <a:pPr algn="ctr"/>
               <a:r>
-                <a:rPr lang="ko-KR" altLang="en-US" dirty="0">
-                  <a:latin typeface="G마켓 산스 Light" panose="02000000000000000000" pitchFamily="50" charset="-127"/>
-                  <a:ea typeface="G마켓 산스 Light" panose="02000000000000000000" pitchFamily="50" charset="-127"/>
+                <a:rPr lang="ko-KR" altLang="en-US" sz="2400" dirty="0">
+                  <a:solidFill>
+                    <a:schemeClr val="tx1">
+                      <a:lumMod val="50000"/>
+                      <a:lumOff val="50000"/>
+                    </a:schemeClr>
+                  </a:solidFill>
+                  <a:latin typeface="G마켓 산스 Medium" panose="02000000000000000000" pitchFamily="50" charset="-127"/>
+                  <a:ea typeface="G마켓 산스 Medium" panose="02000000000000000000" pitchFamily="50" charset="-127"/>
                 </a:rPr>
-                <a:t>나의 만족도는</a:t>
+                <a:t>빅데이터 기반</a:t>
               </a:r>
-              <a:r>
-                <a:rPr lang="en-US" altLang="ko-KR" dirty="0">
-                  <a:latin typeface="G마켓 산스 Light" panose="02000000000000000000" pitchFamily="50" charset="-127"/>
-                  <a:ea typeface="G마켓 산스 Light" panose="02000000000000000000" pitchFamily="50" charset="-127"/>
-                </a:rPr>
-                <a:t>?</a:t>
-              </a:r>
+              <a:endParaRPr lang="en-US" altLang="ko-KR" sz="2400" dirty="0">
+                <a:solidFill>
+                  <a:schemeClr val="tx1">
+                    <a:lumMod val="50000"/>
+                    <a:lumOff val="50000"/>
+                  </a:schemeClr>
+                </a:solidFill>
+                <a:latin typeface="G마켓 산스 Medium" panose="02000000000000000000" pitchFamily="50" charset="-127"/>
+                <a:ea typeface="G마켓 산스 Medium" panose="02000000000000000000" pitchFamily="50" charset="-127"/>
+              </a:endParaRPr>
             </a:p>
             <a:p>
               <a:pPr algn="ctr"/>
               <a:r>
-                <a:rPr lang="ko-KR" altLang="en-US" dirty="0">
-                  <a:latin typeface="G마켓 산스 Light" panose="02000000000000000000" pitchFamily="50" charset="-127"/>
-                  <a:ea typeface="G마켓 산스 Light" panose="02000000000000000000" pitchFamily="50" charset="-127"/>
+                <a:rPr lang="ko-KR" altLang="en-US" sz="3200" dirty="0">
+                  <a:solidFill>
+                    <a:srgbClr val="002060"/>
+                  </a:solidFill>
+                  <a:latin typeface="G마켓 산스 Bold" panose="02000000000000000000" pitchFamily="50" charset="-127"/>
+                  <a:ea typeface="G마켓 산스 Bold" panose="02000000000000000000" pitchFamily="50" charset="-127"/>
                 </a:rPr>
-                <a:t>내가 행복해질 수 있는 방법은</a:t>
+                <a:t>개인환경 별 만족도 분석결과 제공</a:t>
+              </a:r>
+              <a:endParaRPr lang="en-US" altLang="ko-KR" sz="3200" dirty="0">
+                <a:solidFill>
+                  <a:srgbClr val="002060"/>
+                </a:solidFill>
+                <a:latin typeface="G마켓 산스 Bold" panose="02000000000000000000" pitchFamily="50" charset="-127"/>
+                <a:ea typeface="G마켓 산스 Bold" panose="02000000000000000000" pitchFamily="50" charset="-127"/>
+              </a:endParaRPr>
+            </a:p>
+            <a:p>
+              <a:pPr algn="ctr"/>
+              <a:r>
+                <a:rPr lang="ko-KR" altLang="en-US" sz="3200" dirty="0">
+                  <a:solidFill>
+                    <a:srgbClr val="C00000"/>
+                  </a:solidFill>
+                  <a:latin typeface="G마켓 산스 Bold" panose="02000000000000000000" pitchFamily="50" charset="-127"/>
+                  <a:ea typeface="G마켓 산스 Bold" panose="02000000000000000000" pitchFamily="50" charset="-127"/>
+                </a:rPr>
+                <a:t>행복을 위한 개선 사안 </a:t>
               </a:r>
               <a:r>
-                <a:rPr lang="en-US" altLang="ko-KR" dirty="0">
-                  <a:latin typeface="G마켓 산스 Light" panose="02000000000000000000" pitchFamily="50" charset="-127"/>
-                  <a:ea typeface="G마켓 산스 Light" panose="02000000000000000000" pitchFamily="50" charset="-127"/>
+                <a:rPr lang="ko-KR" altLang="en-US" sz="3200" dirty="0">
+                  <a:solidFill>
+                    <a:srgbClr val="002060"/>
+                  </a:solidFill>
+                  <a:latin typeface="G마켓 산스 Bold" panose="02000000000000000000" pitchFamily="50" charset="-127"/>
+                  <a:ea typeface="G마켓 산스 Bold" panose="02000000000000000000" pitchFamily="50" charset="-127"/>
                 </a:rPr>
-                <a:t>?</a:t>
+                <a:t>제공</a:t>
               </a:r>
-              <a:endParaRPr lang="ko-KR" altLang="en-US" dirty="0">
-                <a:latin typeface="G마켓 산스 Light" panose="02000000000000000000" pitchFamily="50" charset="-127"/>
-                <a:ea typeface="G마켓 산스 Light" panose="02000000000000000000" pitchFamily="50" charset="-127"/>
+              <a:endParaRPr lang="en-US" altLang="ko-KR" sz="3200" dirty="0">
+                <a:solidFill>
+                  <a:srgbClr val="002060"/>
+                </a:solidFill>
+                <a:latin typeface="G마켓 산스 Bold" panose="02000000000000000000" pitchFamily="50" charset="-127"/>
+                <a:ea typeface="G마켓 산스 Bold" panose="02000000000000000000" pitchFamily="50" charset="-127"/>
               </a:endParaRPr>
             </a:p>
           </p:txBody>
         </p:sp>
-      </p:grpSp>
-      <p:sp>
-        <p:nvSpPr>
-          <p:cNvPr id="7228" name="TextBox 7227">
-            <a:extLst>
-              <a:ext uri="{FF2B5EF4-FFF2-40B4-BE49-F238E27FC236}">
-                <a16:creationId xmlns:a16="http://schemas.microsoft.com/office/drawing/2014/main" id="{9B4CAD98-086F-1D6B-A45D-A00F9D980C44}"/>
-              </a:ext>
-            </a:extLst>
-          </p:cNvPr>
-          <p:cNvSpPr txBox="1"/>
-          <p:nvPr/>
-        </p:nvSpPr>
-        <p:spPr>
-          <a:xfrm>
-            <a:off x="1367468" y="7049941"/>
-            <a:ext cx="1958061" cy="1200329"/>
-          </a:xfrm>
-          <a:prstGeom prst="rect">
-            <a:avLst/>
-          </a:prstGeom>
-          <a:noFill/>
-        </p:spPr>
-        <p:txBody>
-          <a:bodyPr wrap="square">
-            <a:spAutoFit/>
-          </a:bodyPr>
-          <a:lstStyle/>
-          <a:p>
-            <a:r>
-              <a:rPr lang="en-US" altLang="ko-KR" dirty="0">
-                <a:latin typeface="G마켓 산스 Light" panose="02000000000000000000" pitchFamily="50" charset="-127"/>
-                <a:ea typeface="G마켓 산스 Light" panose="02000000000000000000" pitchFamily="50" charset="-127"/>
-              </a:rPr>
-              <a:t>#25</a:t>
-            </a:r>
-            <a:r>
-              <a:rPr lang="ko-KR" altLang="en-US" dirty="0">
-                <a:latin typeface="G마켓 산스 Light" panose="02000000000000000000" pitchFamily="50" charset="-127"/>
-                <a:ea typeface="G마켓 산스 Light" panose="02000000000000000000" pitchFamily="50" charset="-127"/>
-              </a:rPr>
-              <a:t>살</a:t>
-            </a:r>
-            <a:endParaRPr lang="en-US" altLang="ko-KR" dirty="0">
-              <a:latin typeface="G마켓 산스 Light" panose="02000000000000000000" pitchFamily="50" charset="-127"/>
-              <a:ea typeface="G마켓 산스 Light" panose="02000000000000000000" pitchFamily="50" charset="-127"/>
-            </a:endParaRPr>
-          </a:p>
-          <a:p>
-            <a:r>
-              <a:rPr lang="en-US" altLang="ko-KR" dirty="0">
-                <a:latin typeface="G마켓 산스 Light" panose="02000000000000000000" pitchFamily="50" charset="-127"/>
-                <a:ea typeface="G마켓 산스 Light" panose="02000000000000000000" pitchFamily="50" charset="-127"/>
-              </a:rPr>
-              <a:t>#</a:t>
-            </a:r>
-            <a:r>
-              <a:rPr lang="ko-KR" altLang="en-US" dirty="0">
-                <a:latin typeface="G마켓 산스 Light" panose="02000000000000000000" pitchFamily="50" charset="-127"/>
-                <a:ea typeface="G마켓 산스 Light" panose="02000000000000000000" pitchFamily="50" charset="-127"/>
-              </a:rPr>
-              <a:t>남자</a:t>
-            </a:r>
-            <a:endParaRPr lang="en-US" altLang="ko-KR" dirty="0">
-              <a:latin typeface="G마켓 산스 Light" panose="02000000000000000000" pitchFamily="50" charset="-127"/>
-              <a:ea typeface="G마켓 산스 Light" panose="02000000000000000000" pitchFamily="50" charset="-127"/>
-            </a:endParaRPr>
-          </a:p>
-          <a:p>
-            <a:r>
-              <a:rPr lang="en-US" altLang="ko-KR" dirty="0">
-                <a:latin typeface="G마켓 산스 Light" panose="02000000000000000000" pitchFamily="50" charset="-127"/>
-                <a:ea typeface="G마켓 산스 Light" panose="02000000000000000000" pitchFamily="50" charset="-127"/>
-              </a:rPr>
-              <a:t>#</a:t>
-            </a:r>
-            <a:r>
-              <a:rPr lang="ko-KR" altLang="en-US" dirty="0">
-                <a:latin typeface="G마켓 산스 Light" panose="02000000000000000000" pitchFamily="50" charset="-127"/>
-                <a:ea typeface="G마켓 산스 Light" panose="02000000000000000000" pitchFamily="50" charset="-127"/>
-              </a:rPr>
-              <a:t>대학교졸업</a:t>
-            </a:r>
-            <a:endParaRPr lang="en-US" altLang="ko-KR" dirty="0">
-              <a:latin typeface="G마켓 산스 Light" panose="02000000000000000000" pitchFamily="50" charset="-127"/>
-              <a:ea typeface="G마켓 산스 Light" panose="02000000000000000000" pitchFamily="50" charset="-127"/>
-            </a:endParaRPr>
-          </a:p>
-          <a:p>
-            <a:r>
-              <a:rPr lang="en-US" altLang="ko-KR" dirty="0">
-                <a:latin typeface="G마켓 산스 Light" panose="02000000000000000000" pitchFamily="50" charset="-127"/>
-                <a:ea typeface="G마켓 산스 Light" panose="02000000000000000000" pitchFamily="50" charset="-127"/>
-              </a:rPr>
-              <a:t>#1</a:t>
-            </a:r>
-            <a:r>
-              <a:rPr lang="ko-KR" altLang="en-US" dirty="0" err="1">
-                <a:latin typeface="G마켓 산스 Light" panose="02000000000000000000" pitchFamily="50" charset="-127"/>
-                <a:ea typeface="G마켓 산스 Light" panose="02000000000000000000" pitchFamily="50" charset="-127"/>
-              </a:rPr>
-              <a:t>인가구</a:t>
-            </a:r>
-            <a:endParaRPr lang="en-US" altLang="ko-KR" dirty="0">
-              <a:latin typeface="G마켓 산스 Light" panose="02000000000000000000" pitchFamily="50" charset="-127"/>
-              <a:ea typeface="G마켓 산스 Light" panose="02000000000000000000" pitchFamily="50" charset="-127"/>
-            </a:endParaRPr>
-          </a:p>
-        </p:txBody>
-      </p:sp>
-      <p:grpSp>
-        <p:nvGrpSpPr>
-          <p:cNvPr id="7229" name="그룹 7228">
-            <a:extLst>
-              <a:ext uri="{FF2B5EF4-FFF2-40B4-BE49-F238E27FC236}">
-                <a16:creationId xmlns:a16="http://schemas.microsoft.com/office/drawing/2014/main" id="{4B7353B8-86B1-73C4-A79B-8ABB88F940D3}"/>
-              </a:ext>
-            </a:extLst>
-          </p:cNvPr>
-          <p:cNvGrpSpPr/>
-          <p:nvPr/>
-        </p:nvGrpSpPr>
-        <p:grpSpPr>
-          <a:xfrm>
-            <a:off x="834828" y="6546553"/>
-            <a:ext cx="2303955" cy="400110"/>
-            <a:chOff x="9832873" y="4195986"/>
-            <a:chExt cx="1788498" cy="400110"/>
-          </a:xfrm>
-        </p:grpSpPr>
         <p:sp>
           <p:nvSpPr>
-            <p:cNvPr id="7230" name="직사각형 7229">
+            <p:cNvPr id="10" name="직사각형 9">
               <a:extLst>
                 <a:ext uri="{FF2B5EF4-FFF2-40B4-BE49-F238E27FC236}">
-                  <a16:creationId xmlns:a16="http://schemas.microsoft.com/office/drawing/2014/main" id="{F0ABF18D-4B3E-5AA1-7862-FE37ECE0A3C4}"/>
+                  <a16:creationId xmlns:a16="http://schemas.microsoft.com/office/drawing/2014/main" id="{57A7457A-2E1E-5374-32F1-FA939B6D635A}"/>
                 </a:ext>
               </a:extLst>
             </p:cNvPr>
@@ -10146,19 +9579,20 @@
           </p:nvSpPr>
           <p:spPr>
             <a:xfrm>
-              <a:off x="9880705" y="4432990"/>
-              <a:ext cx="1385327" cy="113348"/>
+              <a:off x="9463714" y="4826531"/>
+              <a:ext cx="7986086" cy="4507969"/>
             </a:xfrm>
             <a:prstGeom prst="rect">
               <a:avLst/>
             </a:prstGeom>
-            <a:solidFill>
-              <a:schemeClr val="bg1">
-                <a:lumMod val="75000"/>
-              </a:schemeClr>
-            </a:solidFill>
-            <a:ln>
-              <a:noFill/>
+            <a:noFill/>
+            <a:ln w="25400">
+              <a:solidFill>
+                <a:schemeClr val="bg1">
+                  <a:lumMod val="75000"/>
+                </a:schemeClr>
+              </a:solidFill>
+              <a:prstDash val="dash"/>
             </a:ln>
           </p:spPr>
           <p:style>
@@ -10182,68 +9616,153 @@
             <a:lstStyle/>
             <a:p>
               <a:pPr algn="ctr"/>
-              <a:endParaRPr lang="ko-KR" altLang="en-US" sz="1400"/>
-            </a:p>
-          </p:txBody>
-        </p:sp>
-        <p:sp>
-          <p:nvSpPr>
-            <p:cNvPr id="7231" name="TextBox 7230">
-              <a:extLst>
-                <a:ext uri="{FF2B5EF4-FFF2-40B4-BE49-F238E27FC236}">
-                  <a16:creationId xmlns:a16="http://schemas.microsoft.com/office/drawing/2014/main" id="{D0996246-92DA-9C4B-7ABD-BB80BBB64328}"/>
-                </a:ext>
-              </a:extLst>
-            </p:cNvPr>
-            <p:cNvSpPr txBox="1"/>
-            <p:nvPr/>
-          </p:nvSpPr>
-          <p:spPr>
-            <a:xfrm>
-              <a:off x="9832873" y="4195986"/>
-              <a:ext cx="1788498" cy="400110"/>
-            </a:xfrm>
-            <a:prstGeom prst="rect">
-              <a:avLst/>
-            </a:prstGeom>
-            <a:noFill/>
-          </p:spPr>
-          <p:txBody>
-            <a:bodyPr wrap="square" rtlCol="0">
-              <a:spAutoFit/>
-            </a:bodyPr>
-            <a:lstStyle/>
-            <a:p>
-              <a:r>
-                <a:rPr lang="ko-KR" altLang="en-US" sz="2000" dirty="0">
-                  <a:solidFill>
-                    <a:srgbClr val="002060"/>
-                  </a:solidFill>
-                  <a:latin typeface="G마켓 산스 Medium" panose="02000000000000000000" pitchFamily="50" charset="-127"/>
-                  <a:ea typeface="G마켓 산스 Medium" panose="02000000000000000000" pitchFamily="50" charset="-127"/>
-                </a:rPr>
-                <a:t>부모님과 살까</a:t>
-              </a:r>
-              <a:r>
-                <a:rPr lang="en-US" altLang="ko-KR" sz="2000" dirty="0">
-                  <a:solidFill>
-                    <a:srgbClr val="002060"/>
-                  </a:solidFill>
-                  <a:latin typeface="G마켓 산스 Medium" panose="02000000000000000000" pitchFamily="50" charset="-127"/>
-                  <a:ea typeface="G마켓 산스 Medium" panose="02000000000000000000" pitchFamily="50" charset="-127"/>
-                </a:rPr>
-                <a:t>?</a:t>
-              </a:r>
+              <a:endParaRPr lang="ko-KR" altLang="en-US"/>
             </a:p>
           </p:txBody>
         </p:sp>
       </p:grpSp>
+      <p:sp>
+        <p:nvSpPr>
+          <p:cNvPr id="14" name="TextBox 13">
+            <a:extLst>
+              <a:ext uri="{FF2B5EF4-FFF2-40B4-BE49-F238E27FC236}">
+                <a16:creationId xmlns:a16="http://schemas.microsoft.com/office/drawing/2014/main" id="{7374507F-6059-62F7-58DD-7BEC384E440C}"/>
+              </a:ext>
+            </a:extLst>
+          </p:cNvPr>
+          <p:cNvSpPr txBox="1"/>
+          <p:nvPr/>
+        </p:nvSpPr>
+        <p:spPr>
+          <a:xfrm>
+            <a:off x="10388137" y="2196970"/>
+            <a:ext cx="5715001" cy="1508105"/>
+          </a:xfrm>
+          <a:prstGeom prst="rect">
+            <a:avLst/>
+          </a:prstGeom>
+          <a:noFill/>
+        </p:spPr>
+        <p:txBody>
+          <a:bodyPr wrap="square">
+            <a:spAutoFit/>
+          </a:bodyPr>
+          <a:lstStyle/>
+          <a:p>
+            <a:pPr algn="ctr">
+              <a:lnSpc>
+                <a:spcPct val="150000"/>
+              </a:lnSpc>
+            </a:pPr>
+            <a:r>
+              <a:rPr lang="ko-KR" altLang="en-US" sz="3200" dirty="0">
+                <a:solidFill>
+                  <a:srgbClr val="002060"/>
+                </a:solidFill>
+                <a:latin typeface="G마켓 산스 Bold" panose="02000000000000000000" pitchFamily="50" charset="-127"/>
+                <a:ea typeface="G마켓 산스 Bold" panose="02000000000000000000" pitchFamily="50" charset="-127"/>
+              </a:rPr>
+              <a:t>나는 얼마나 행복할까</a:t>
+            </a:r>
+            <a:r>
+              <a:rPr lang="en-US" altLang="ko-KR" sz="3200" dirty="0">
+                <a:solidFill>
+                  <a:srgbClr val="002060"/>
+                </a:solidFill>
+                <a:latin typeface="G마켓 산스 Bold" panose="02000000000000000000" pitchFamily="50" charset="-127"/>
+                <a:ea typeface="G마켓 산스 Bold" panose="02000000000000000000" pitchFamily="50" charset="-127"/>
+              </a:rPr>
+              <a:t>?</a:t>
+            </a:r>
+            <a:br>
+              <a:rPr lang="en-US" altLang="ko-KR" sz="3200" dirty="0">
+                <a:solidFill>
+                  <a:srgbClr val="002060"/>
+                </a:solidFill>
+                <a:latin typeface="G마켓 산스 Bold" panose="02000000000000000000" pitchFamily="50" charset="-127"/>
+                <a:ea typeface="G마켓 산스 Bold" panose="02000000000000000000" pitchFamily="50" charset="-127"/>
+              </a:rPr>
+            </a:br>
+            <a:r>
+              <a:rPr lang="ko-KR" altLang="en-US" sz="3200" dirty="0">
+                <a:solidFill>
+                  <a:srgbClr val="002060"/>
+                </a:solidFill>
+                <a:latin typeface="G마켓 산스 Bold" panose="02000000000000000000" pitchFamily="50" charset="-127"/>
+                <a:ea typeface="G마켓 산스 Bold" panose="02000000000000000000" pitchFamily="50" charset="-127"/>
+              </a:rPr>
+              <a:t>어떻게 행복할 수 있을까</a:t>
+            </a:r>
+            <a:r>
+              <a:rPr lang="en-US" altLang="ko-KR" sz="3200" dirty="0">
+                <a:solidFill>
+                  <a:srgbClr val="002060"/>
+                </a:solidFill>
+                <a:latin typeface="G마켓 산스 Bold" panose="02000000000000000000" pitchFamily="50" charset="-127"/>
+                <a:ea typeface="G마켓 산스 Bold" panose="02000000000000000000" pitchFamily="50" charset="-127"/>
+              </a:rPr>
+              <a:t>?</a:t>
+            </a:r>
+          </a:p>
+        </p:txBody>
+      </p:sp>
+      <p:pic>
+        <p:nvPicPr>
+          <p:cNvPr id="15" name="그림 14">
+            <a:extLst>
+              <a:ext uri="{FF2B5EF4-FFF2-40B4-BE49-F238E27FC236}">
+                <a16:creationId xmlns:a16="http://schemas.microsoft.com/office/drawing/2014/main" id="{9F3A241E-559D-3D9A-0AAB-1E2DE939B248}"/>
+              </a:ext>
+            </a:extLst>
+          </p:cNvPr>
+          <p:cNvPicPr>
+            <a:picLocks noChangeAspect="1"/>
+          </p:cNvPicPr>
+          <p:nvPr/>
+        </p:nvPicPr>
+        <p:blipFill>
+          <a:blip r:embed="rId5"/>
+          <a:stretch>
+            <a:fillRect/>
+          </a:stretch>
+        </p:blipFill>
+        <p:spPr>
+          <a:xfrm>
+            <a:off x="1704975" y="3370169"/>
+            <a:ext cx="6753225" cy="723900"/>
+          </a:xfrm>
+          <a:prstGeom prst="rect">
+            <a:avLst/>
+          </a:prstGeom>
+          <a:ln>
+            <a:solidFill>
+              <a:schemeClr val="bg1">
+                <a:lumMod val="85000"/>
+              </a:schemeClr>
+            </a:solidFill>
+          </a:ln>
+        </p:spPr>
+        <p:style>
+          <a:lnRef idx="2">
+            <a:schemeClr val="dk1"/>
+          </a:lnRef>
+          <a:fillRef idx="1">
+            <a:schemeClr val="lt1"/>
+          </a:fillRef>
+          <a:effectRef idx="0">
+            <a:schemeClr val="dk1"/>
+          </a:effectRef>
+          <a:fontRef idx="minor">
+            <a:schemeClr val="dk1"/>
+          </a:fontRef>
+        </p:style>
+      </p:pic>
       <p:grpSp>
         <p:nvGrpSpPr>
-          <p:cNvPr id="7232" name="그룹 7231">
+          <p:cNvPr id="16" name="그룹 15">
             <a:extLst>
               <a:ext uri="{FF2B5EF4-FFF2-40B4-BE49-F238E27FC236}">
-                <a16:creationId xmlns:a16="http://schemas.microsoft.com/office/drawing/2014/main" id="{726C9D72-896A-D8BE-A769-67187F13D762}"/>
+                <a16:creationId xmlns:a16="http://schemas.microsoft.com/office/drawing/2014/main" id="{D765536F-F107-1746-73A9-FA2876DB58F8}"/>
               </a:ext>
             </a:extLst>
           </p:cNvPr>
@@ -10252,725 +9771,1151 @@
         </p:nvGrpSpPr>
         <p:grpSpPr>
           <a:xfrm>
-            <a:off x="1354455" y="5841952"/>
-            <a:ext cx="1899879" cy="400110"/>
-            <a:chOff x="9545895" y="3236812"/>
-            <a:chExt cx="1869081" cy="400110"/>
+            <a:off x="1092552" y="5170116"/>
+            <a:ext cx="7552842" cy="4341650"/>
+            <a:chOff x="1210158" y="4709890"/>
+            <a:chExt cx="7171842" cy="3847968"/>
           </a:xfrm>
         </p:grpSpPr>
-        <p:sp>
-          <p:nvSpPr>
-            <p:cNvPr id="7233" name="직사각형 7232">
+        <p:grpSp>
+          <p:nvGrpSpPr>
+            <p:cNvPr id="17" name="그룹 16">
               <a:extLst>
                 <a:ext uri="{FF2B5EF4-FFF2-40B4-BE49-F238E27FC236}">
-                  <a16:creationId xmlns:a16="http://schemas.microsoft.com/office/drawing/2014/main" id="{BBB86006-009B-38D7-5967-B98530473236}"/>
+                  <a16:creationId xmlns:a16="http://schemas.microsoft.com/office/drawing/2014/main" id="{89153B52-3187-82CC-B2F9-0844BEE7394B}"/>
                 </a:ext>
               </a:extLst>
             </p:cNvPr>
-            <p:cNvSpPr/>
+            <p:cNvGrpSpPr/>
             <p:nvPr/>
-          </p:nvSpPr>
-          <p:spPr>
+          </p:nvGrpSpPr>
+          <p:grpSpPr>
             <a:xfrm>
-              <a:off x="9601201" y="3467100"/>
-              <a:ext cx="1700097" cy="128998"/>
+              <a:off x="6030985" y="7895724"/>
+              <a:ext cx="2351015" cy="354614"/>
+              <a:chOff x="12593547" y="3113613"/>
+              <a:chExt cx="2227665" cy="354614"/>
             </a:xfrm>
-            <a:prstGeom prst="rect">
-              <a:avLst/>
-            </a:prstGeom>
-            <a:solidFill>
-              <a:schemeClr val="bg1">
-                <a:lumMod val="75000"/>
-              </a:schemeClr>
-            </a:solidFill>
-            <a:ln>
+          </p:grpSpPr>
+          <p:sp>
+            <p:nvSpPr>
+              <p:cNvPr id="44" name="직사각형 43">
+                <a:extLst>
+                  <a:ext uri="{FF2B5EF4-FFF2-40B4-BE49-F238E27FC236}">
+                    <a16:creationId xmlns:a16="http://schemas.microsoft.com/office/drawing/2014/main" id="{33C7F4AF-CEAC-A8DB-8190-29E1929D2DF5}"/>
+                  </a:ext>
+                </a:extLst>
+              </p:cNvPr>
+              <p:cNvSpPr/>
+              <p:nvPr/>
+            </p:nvSpPr>
+            <p:spPr>
+              <a:xfrm>
+                <a:off x="12593547" y="3354101"/>
+                <a:ext cx="2227665" cy="102962"/>
+              </a:xfrm>
+              <a:prstGeom prst="rect">
+                <a:avLst/>
+              </a:prstGeom>
+              <a:solidFill>
+                <a:schemeClr val="bg1">
+                  <a:lumMod val="75000"/>
+                </a:schemeClr>
+              </a:solidFill>
+              <a:ln>
+                <a:noFill/>
+              </a:ln>
+            </p:spPr>
+            <p:style>
+              <a:lnRef idx="2">
+                <a:schemeClr val="accent1">
+                  <a:shade val="50000"/>
+                </a:schemeClr>
+              </a:lnRef>
+              <a:fillRef idx="1">
+                <a:schemeClr val="accent1"/>
+              </a:fillRef>
+              <a:effectRef idx="0">
+                <a:schemeClr val="accent1"/>
+              </a:effectRef>
+              <a:fontRef idx="minor">
+                <a:schemeClr val="lt1"/>
+              </a:fontRef>
+            </p:style>
+            <p:txBody>
+              <a:bodyPr rtlCol="0" anchor="ctr"/>
+              <a:lstStyle/>
+              <a:p>
+                <a:pPr algn="ctr"/>
+                <a:endParaRPr lang="ko-KR" altLang="en-US" sz="1400">
+                  <a:solidFill>
+                    <a:srgbClr val="002060"/>
+                  </a:solidFill>
+                </a:endParaRPr>
+              </a:p>
+            </p:txBody>
+          </p:sp>
+          <p:sp>
+            <p:nvSpPr>
+              <p:cNvPr id="45" name="TextBox 44">
+                <a:extLst>
+                  <a:ext uri="{FF2B5EF4-FFF2-40B4-BE49-F238E27FC236}">
+                    <a16:creationId xmlns:a16="http://schemas.microsoft.com/office/drawing/2014/main" id="{D64349EE-04BF-0503-59C9-2ED7F7AD6235}"/>
+                  </a:ext>
+                </a:extLst>
+              </p:cNvPr>
+              <p:cNvSpPr txBox="1"/>
+              <p:nvPr/>
+            </p:nvSpPr>
+            <p:spPr>
+              <a:xfrm>
+                <a:off x="12667321" y="3113613"/>
+                <a:ext cx="2073047" cy="354614"/>
+              </a:xfrm>
+              <a:prstGeom prst="rect">
+                <a:avLst/>
+              </a:prstGeom>
               <a:noFill/>
-            </a:ln>
-          </p:spPr>
-          <p:style>
-            <a:lnRef idx="2">
-              <a:schemeClr val="accent1">
-                <a:shade val="50000"/>
-              </a:schemeClr>
-            </a:lnRef>
-            <a:fillRef idx="1">
-              <a:schemeClr val="accent1"/>
-            </a:fillRef>
-            <a:effectRef idx="0">
-              <a:schemeClr val="accent1"/>
-            </a:effectRef>
-            <a:fontRef idx="minor">
-              <a:schemeClr val="lt1"/>
-            </a:fontRef>
-          </p:style>
-          <p:txBody>
-            <a:bodyPr rtlCol="0" anchor="ctr"/>
-            <a:lstStyle/>
-            <a:p>
-              <a:pPr algn="ctr"/>
-              <a:endParaRPr lang="ko-KR" altLang="en-US" sz="1400"/>
-            </a:p>
-          </p:txBody>
-        </p:sp>
-        <p:sp>
-          <p:nvSpPr>
-            <p:cNvPr id="7234" name="TextBox 7233">
+            </p:spPr>
+            <p:txBody>
+              <a:bodyPr wrap="square" rtlCol="0">
+                <a:spAutoFit/>
+              </a:bodyPr>
+              <a:lstStyle>
+                <a:defPPr>
+                  <a:defRPr lang="en-US"/>
+                </a:defPPr>
+                <a:lvl1pPr>
+                  <a:defRPr sz="2000">
+                    <a:solidFill>
+                      <a:srgbClr val="002060"/>
+                    </a:solidFill>
+                    <a:latin typeface="G마켓 산스 Medium" panose="02000000000000000000" pitchFamily="50" charset="-127"/>
+                    <a:ea typeface="G마켓 산스 Medium" panose="02000000000000000000" pitchFamily="50" charset="-127"/>
+                  </a:defRPr>
+                </a:lvl1pPr>
+              </a:lstStyle>
+              <a:p>
+                <a:r>
+                  <a:rPr lang="ko-KR" altLang="en-US" dirty="0"/>
+                  <a:t>결혼을 해야할까</a:t>
+                </a:r>
+                <a:r>
+                  <a:rPr lang="en-US" altLang="ko-KR" dirty="0"/>
+                  <a:t>?</a:t>
+                </a:r>
+                <a:endParaRPr lang="ko-KR" altLang="en-US" dirty="0"/>
+              </a:p>
+            </p:txBody>
+          </p:sp>
+        </p:grpSp>
+        <p:grpSp>
+          <p:nvGrpSpPr>
+            <p:cNvPr id="18" name="그룹 17">
               <a:extLst>
                 <a:ext uri="{FF2B5EF4-FFF2-40B4-BE49-F238E27FC236}">
-                  <a16:creationId xmlns:a16="http://schemas.microsoft.com/office/drawing/2014/main" id="{BE87B76A-E7A9-25A2-BAA6-EADFA78CD9AC}"/>
+                  <a16:creationId xmlns:a16="http://schemas.microsoft.com/office/drawing/2014/main" id="{58366FA4-3A12-16FD-1A04-F0C261F995D8}"/>
                 </a:ext>
               </a:extLst>
             </p:cNvPr>
-            <p:cNvSpPr txBox="1"/>
+            <p:cNvGrpSpPr/>
             <p:nvPr/>
-          </p:nvSpPr>
-          <p:spPr>
+          </p:nvGrpSpPr>
+          <p:grpSpPr>
             <a:xfrm>
-              <a:off x="9545895" y="3236812"/>
-              <a:ext cx="1869081" cy="400110"/>
+              <a:off x="1210158" y="4709890"/>
+              <a:ext cx="6268263" cy="3847968"/>
+              <a:chOff x="1210158" y="4709890"/>
+              <a:chExt cx="6268263" cy="3847968"/>
             </a:xfrm>
-            <a:prstGeom prst="rect">
-              <a:avLst/>
-            </a:prstGeom>
-            <a:noFill/>
-          </p:spPr>
-          <p:txBody>
-            <a:bodyPr wrap="none" rtlCol="0">
-              <a:spAutoFit/>
-            </a:bodyPr>
-            <a:lstStyle>
-              <a:defPPr>
-                <a:defRPr lang="en-US"/>
-              </a:defPPr>
-              <a:lvl1pPr>
-                <a:defRPr sz="2000">
-                  <a:solidFill>
-                    <a:srgbClr val="002060"/>
-                  </a:solidFill>
-                  <a:latin typeface="G마켓 산스 Medium" panose="02000000000000000000" pitchFamily="50" charset="-127"/>
-                  <a:ea typeface="G마켓 산스 Medium" panose="02000000000000000000" pitchFamily="50" charset="-127"/>
-                </a:defRPr>
-              </a:lvl1pPr>
-            </a:lstStyle>
-            <a:p>
-              <a:r>
-                <a:rPr lang="ko-KR" altLang="en-US" dirty="0"/>
-                <a:t>차가 필요할까</a:t>
-              </a:r>
-              <a:r>
-                <a:rPr lang="en-US" altLang="ko-KR" dirty="0"/>
-                <a:t>?</a:t>
-              </a:r>
-              <a:endParaRPr lang="ko-KR" altLang="en-US" dirty="0"/>
-            </a:p>
-          </p:txBody>
-        </p:sp>
-      </p:grpSp>
-      <p:grpSp>
-        <p:nvGrpSpPr>
-          <p:cNvPr id="7235" name="그룹 7234">
-            <a:extLst>
-              <a:ext uri="{FF2B5EF4-FFF2-40B4-BE49-F238E27FC236}">
-                <a16:creationId xmlns:a16="http://schemas.microsoft.com/office/drawing/2014/main" id="{FDE22AA4-F405-5787-8BC3-59B389C48952}"/>
-              </a:ext>
-            </a:extLst>
-          </p:cNvPr>
-          <p:cNvGrpSpPr/>
-          <p:nvPr/>
-        </p:nvGrpSpPr>
-        <p:grpSpPr>
-          <a:xfrm>
-            <a:off x="6562329" y="8704579"/>
-            <a:ext cx="1653017" cy="400110"/>
-            <a:chOff x="12341163" y="2787662"/>
-            <a:chExt cx="1653017" cy="400110"/>
-          </a:xfrm>
-        </p:grpSpPr>
-        <p:sp>
-          <p:nvSpPr>
-            <p:cNvPr id="7236" name="직사각형 7235">
+          </p:grpSpPr>
+          <p:pic>
+            <p:nvPicPr>
+              <p:cNvPr id="19" name="Picture 2" descr="실루엣 남성 좌절 - Pixabay의 무료 벡터 그래픽 - Pixabay">
+                <a:extLst>
+                  <a:ext uri="{FF2B5EF4-FFF2-40B4-BE49-F238E27FC236}">
+                    <a16:creationId xmlns:a16="http://schemas.microsoft.com/office/drawing/2014/main" id="{81A3FB56-DACF-5DE3-88A0-71F4AFDF19F6}"/>
+                  </a:ext>
+                </a:extLst>
+              </p:cNvPr>
+              <p:cNvPicPr>
+                <a:picLocks noChangeAspect="1" noChangeArrowheads="1"/>
+              </p:cNvPicPr>
+              <p:nvPr/>
+            </p:nvPicPr>
+            <p:blipFill>
+              <a:blip r:embed="rId6" cstate="print">
+                <a:extLst>
+                  <a:ext uri="{28A0092B-C50C-407E-A947-70E740481C1C}">
+                    <a14:useLocalDpi xmlns:a14="http://schemas.microsoft.com/office/drawing/2010/main" val="0"/>
+                  </a:ext>
+                </a:extLst>
+              </a:blip>
+              <a:srcRect/>
+              <a:stretch>
+                <a:fillRect/>
+              </a:stretch>
+            </p:blipFill>
+            <p:spPr bwMode="auto">
+              <a:xfrm>
+                <a:off x="2855239" y="5169672"/>
+                <a:ext cx="3425825" cy="2994921"/>
+              </a:xfrm>
+              <a:prstGeom prst="rect">
+                <a:avLst/>
+              </a:prstGeom>
+              <a:noFill/>
               <a:extLst>
-                <a:ext uri="{FF2B5EF4-FFF2-40B4-BE49-F238E27FC236}">
-                  <a16:creationId xmlns:a16="http://schemas.microsoft.com/office/drawing/2014/main" id="{80CC5642-D25E-C4C8-1047-6C56193CA0A3}"/>
+                <a:ext uri="{909E8E84-426E-40DD-AFC4-6F175D3DCCD1}">
+                  <a14:hiddenFill xmlns:a14="http://schemas.microsoft.com/office/drawing/2010/main">
+                    <a:solidFill>
+                      <a:srgbClr val="FFFFFF"/>
+                    </a:solidFill>
+                  </a14:hiddenFill>
                 </a:ext>
               </a:extLst>
-            </p:cNvPr>
-            <p:cNvSpPr/>
-            <p:nvPr/>
-          </p:nvSpPr>
-          <p:spPr>
-            <a:xfrm>
-              <a:off x="12419023" y="2999710"/>
-              <a:ext cx="1449377" cy="143540"/>
-            </a:xfrm>
-            <a:prstGeom prst="rect">
-              <a:avLst/>
-            </a:prstGeom>
-            <a:solidFill>
-              <a:schemeClr val="bg1">
-                <a:lumMod val="75000"/>
-              </a:schemeClr>
-            </a:solidFill>
-            <a:ln>
-              <a:noFill/>
-            </a:ln>
-          </p:spPr>
-          <p:style>
-            <a:lnRef idx="2">
-              <a:schemeClr val="accent1">
-                <a:shade val="50000"/>
-              </a:schemeClr>
-            </a:lnRef>
-            <a:fillRef idx="1">
-              <a:schemeClr val="accent1"/>
-            </a:fillRef>
-            <a:effectRef idx="0">
-              <a:schemeClr val="accent1"/>
-            </a:effectRef>
-            <a:fontRef idx="minor">
-              <a:schemeClr val="lt1"/>
-            </a:fontRef>
-          </p:style>
-          <p:txBody>
-            <a:bodyPr rtlCol="0" anchor="ctr"/>
-            <a:lstStyle/>
-            <a:p>
-              <a:pPr algn="ctr"/>
-              <a:endParaRPr lang="ko-KR" altLang="en-US" sz="1400"/>
-            </a:p>
-          </p:txBody>
-        </p:sp>
-        <p:sp>
-          <p:nvSpPr>
-            <p:cNvPr id="7237" name="TextBox 7236">
-              <a:extLst>
-                <a:ext uri="{FF2B5EF4-FFF2-40B4-BE49-F238E27FC236}">
-                  <a16:creationId xmlns:a16="http://schemas.microsoft.com/office/drawing/2014/main" id="{E46FB0B9-AA37-EFFE-E15C-040D574EECE4}"/>
-                </a:ext>
-              </a:extLst>
-            </p:cNvPr>
-            <p:cNvSpPr txBox="1"/>
-            <p:nvPr/>
-          </p:nvSpPr>
-          <p:spPr>
-            <a:xfrm>
-              <a:off x="12341163" y="2787662"/>
-              <a:ext cx="1653017" cy="400110"/>
-            </a:xfrm>
-            <a:prstGeom prst="rect">
-              <a:avLst/>
-            </a:prstGeom>
-            <a:noFill/>
-          </p:spPr>
-          <p:txBody>
-            <a:bodyPr wrap="none" rtlCol="0">
-              <a:spAutoFit/>
-            </a:bodyPr>
-            <a:lstStyle>
-              <a:defPPr>
-                <a:defRPr lang="en-US"/>
-              </a:defPPr>
-              <a:lvl1pPr>
-                <a:defRPr sz="2000">
-                  <a:solidFill>
-                    <a:srgbClr val="002060"/>
-                  </a:solidFill>
-                  <a:latin typeface="G마켓 산스 Medium" panose="02000000000000000000" pitchFamily="50" charset="-127"/>
-                  <a:ea typeface="G마켓 산스 Medium" panose="02000000000000000000" pitchFamily="50" charset="-127"/>
-                </a:defRPr>
-              </a:lvl1pPr>
-            </a:lstStyle>
-            <a:p>
-              <a:r>
-                <a:rPr lang="ko-KR" altLang="en-US" dirty="0"/>
-                <a:t>월평균 임금</a:t>
-              </a:r>
-              <a:r>
-                <a:rPr lang="en-US" altLang="ko-KR" dirty="0"/>
-                <a:t>?</a:t>
-              </a:r>
-              <a:endParaRPr lang="ko-KR" altLang="en-US" dirty="0"/>
-            </a:p>
-          </p:txBody>
-        </p:sp>
-      </p:grpSp>
-      <p:sp>
-        <p:nvSpPr>
-          <p:cNvPr id="7239" name="직사각형 7238">
-            <a:extLst>
-              <a:ext uri="{FF2B5EF4-FFF2-40B4-BE49-F238E27FC236}">
-                <a16:creationId xmlns:a16="http://schemas.microsoft.com/office/drawing/2014/main" id="{6ADE0131-EB9D-E40F-AAC2-1C6E0342130E}"/>
-              </a:ext>
-            </a:extLst>
-          </p:cNvPr>
-          <p:cNvSpPr/>
-          <p:nvPr/>
-        </p:nvSpPr>
-        <p:spPr>
-          <a:xfrm>
-            <a:off x="4953000" y="5940021"/>
-            <a:ext cx="1429836" cy="155048"/>
-          </a:xfrm>
-          <a:prstGeom prst="rect">
-            <a:avLst/>
-          </a:prstGeom>
-          <a:solidFill>
-            <a:schemeClr val="bg1">
-              <a:lumMod val="75000"/>
-            </a:schemeClr>
-          </a:solidFill>
-          <a:ln>
-            <a:noFill/>
-          </a:ln>
-        </p:spPr>
-        <p:style>
-          <a:lnRef idx="2">
-            <a:schemeClr val="accent1">
-              <a:shade val="50000"/>
-            </a:schemeClr>
-          </a:lnRef>
-          <a:fillRef idx="1">
-            <a:schemeClr val="accent1"/>
-          </a:fillRef>
-          <a:effectRef idx="0">
-            <a:schemeClr val="accent1"/>
-          </a:effectRef>
-          <a:fontRef idx="minor">
-            <a:schemeClr val="lt1"/>
-          </a:fontRef>
-        </p:style>
-        <p:txBody>
-          <a:bodyPr rtlCol="0" anchor="ctr"/>
-          <a:lstStyle/>
-          <a:p>
-            <a:pPr algn="ctr"/>
-            <a:endParaRPr lang="ko-KR" altLang="en-US" sz="1400"/>
-          </a:p>
-        </p:txBody>
-      </p:sp>
-      <p:sp>
-        <p:nvSpPr>
-          <p:cNvPr id="7240" name="TextBox 7239">
-            <a:extLst>
-              <a:ext uri="{FF2B5EF4-FFF2-40B4-BE49-F238E27FC236}">
-                <a16:creationId xmlns:a16="http://schemas.microsoft.com/office/drawing/2014/main" id="{5E3592E2-93AE-365C-F9B9-26B7E84DC7EA}"/>
-              </a:ext>
-            </a:extLst>
-          </p:cNvPr>
-          <p:cNvSpPr txBox="1"/>
-          <p:nvPr/>
-        </p:nvSpPr>
-        <p:spPr>
-          <a:xfrm>
-            <a:off x="4885770" y="5751943"/>
-            <a:ext cx="1653017" cy="400110"/>
-          </a:xfrm>
-          <a:prstGeom prst="rect">
-            <a:avLst/>
-          </a:prstGeom>
-          <a:noFill/>
-        </p:spPr>
-        <p:txBody>
-          <a:bodyPr wrap="square" rtlCol="0">
-            <a:spAutoFit/>
-          </a:bodyPr>
-          <a:lstStyle>
-            <a:defPPr>
-              <a:defRPr lang="en-US"/>
-            </a:defPPr>
-            <a:lvl1pPr>
-              <a:defRPr sz="2000">
-                <a:solidFill>
-                  <a:srgbClr val="002060"/>
-                </a:solidFill>
-                <a:latin typeface="G마켓 산스 Medium" panose="02000000000000000000" pitchFamily="50" charset="-127"/>
-                <a:ea typeface="G마켓 산스 Medium" panose="02000000000000000000" pitchFamily="50" charset="-127"/>
-              </a:defRPr>
-            </a:lvl1pPr>
-          </a:lstStyle>
-          <a:p>
-            <a:r>
-              <a:rPr lang="ko-KR" altLang="en-US" dirty="0"/>
-              <a:t>어떤 가치관</a:t>
-            </a:r>
-            <a:r>
-              <a:rPr lang="en-US" altLang="ko-KR" dirty="0"/>
-              <a:t>?</a:t>
-            </a:r>
-            <a:endParaRPr lang="ko-KR" altLang="en-US" dirty="0"/>
-          </a:p>
-        </p:txBody>
-      </p:sp>
-      <p:sp>
-        <p:nvSpPr>
-          <p:cNvPr id="7241" name="직사각형 7240">
-            <a:extLst>
-              <a:ext uri="{FF2B5EF4-FFF2-40B4-BE49-F238E27FC236}">
-                <a16:creationId xmlns:a16="http://schemas.microsoft.com/office/drawing/2014/main" id="{E88A0180-27AC-2086-F353-682E899E87F7}"/>
-              </a:ext>
-            </a:extLst>
-          </p:cNvPr>
-          <p:cNvSpPr/>
-          <p:nvPr/>
-        </p:nvSpPr>
-        <p:spPr>
-          <a:xfrm>
-            <a:off x="6135201" y="6650922"/>
-            <a:ext cx="1316793" cy="98872"/>
-          </a:xfrm>
-          <a:prstGeom prst="rect">
-            <a:avLst/>
-          </a:prstGeom>
-          <a:solidFill>
-            <a:schemeClr val="bg1">
-              <a:lumMod val="75000"/>
-            </a:schemeClr>
-          </a:solidFill>
-          <a:ln>
-            <a:noFill/>
-          </a:ln>
-        </p:spPr>
-        <p:style>
-          <a:lnRef idx="2">
-            <a:schemeClr val="accent1">
-              <a:shade val="50000"/>
-            </a:schemeClr>
-          </a:lnRef>
-          <a:fillRef idx="1">
-            <a:schemeClr val="accent1"/>
-          </a:fillRef>
-          <a:effectRef idx="0">
-            <a:schemeClr val="accent1"/>
-          </a:effectRef>
-          <a:fontRef idx="minor">
-            <a:schemeClr val="lt1"/>
-          </a:fontRef>
-        </p:style>
-        <p:txBody>
-          <a:bodyPr rtlCol="0" anchor="ctr"/>
-          <a:lstStyle/>
-          <a:p>
-            <a:pPr algn="ctr"/>
-            <a:endParaRPr lang="ko-KR" altLang="en-US" sz="1400"/>
-          </a:p>
-        </p:txBody>
-      </p:sp>
-      <p:sp>
-        <p:nvSpPr>
-          <p:cNvPr id="7242" name="TextBox 7241">
-            <a:extLst>
-              <a:ext uri="{FF2B5EF4-FFF2-40B4-BE49-F238E27FC236}">
-                <a16:creationId xmlns:a16="http://schemas.microsoft.com/office/drawing/2014/main" id="{22C74A88-FE44-C9EC-2C9F-B0F916EB50C3}"/>
-              </a:ext>
-            </a:extLst>
-          </p:cNvPr>
-          <p:cNvSpPr txBox="1"/>
-          <p:nvPr/>
-        </p:nvSpPr>
-        <p:spPr>
-          <a:xfrm>
-            <a:off x="6130798" y="6456881"/>
-            <a:ext cx="1321196" cy="400110"/>
-          </a:xfrm>
-          <a:prstGeom prst="rect">
-            <a:avLst/>
-          </a:prstGeom>
-          <a:noFill/>
-        </p:spPr>
-        <p:txBody>
-          <a:bodyPr wrap="none" rtlCol="0">
-            <a:spAutoFit/>
-          </a:bodyPr>
-          <a:lstStyle>
-            <a:defPPr>
-              <a:defRPr lang="en-US"/>
-            </a:defPPr>
-            <a:lvl1pPr>
-              <a:defRPr sz="2000">
-                <a:solidFill>
-                  <a:srgbClr val="002060"/>
-                </a:solidFill>
-                <a:latin typeface="G마켓 산스 Medium" panose="02000000000000000000" pitchFamily="50" charset="-127"/>
-                <a:ea typeface="G마켓 산스 Medium" panose="02000000000000000000" pitchFamily="50" charset="-127"/>
-              </a:defRPr>
-            </a:lvl1pPr>
-          </a:lstStyle>
-          <a:p>
-            <a:r>
-              <a:rPr lang="ko-KR" altLang="en-US" dirty="0"/>
-              <a:t>일</a:t>
-            </a:r>
-            <a:r>
-              <a:rPr lang="en-US" altLang="ko-KR" dirty="0"/>
-              <a:t>? </a:t>
-            </a:r>
-            <a:r>
-              <a:rPr lang="ko-KR" altLang="en-US" dirty="0"/>
-              <a:t>여가</a:t>
-            </a:r>
-            <a:r>
-              <a:rPr lang="en-US" altLang="ko-KR" dirty="0"/>
-              <a:t>?</a:t>
-            </a:r>
-            <a:endParaRPr lang="ko-KR" altLang="en-US" dirty="0"/>
-          </a:p>
-        </p:txBody>
-      </p:sp>
-      <p:grpSp>
-        <p:nvGrpSpPr>
-          <p:cNvPr id="7243" name="그룹 7242">
-            <a:extLst>
-              <a:ext uri="{FF2B5EF4-FFF2-40B4-BE49-F238E27FC236}">
-                <a16:creationId xmlns:a16="http://schemas.microsoft.com/office/drawing/2014/main" id="{91F192F4-B90C-F1A2-4D64-74A94946254F}"/>
-              </a:ext>
-            </a:extLst>
-          </p:cNvPr>
-          <p:cNvGrpSpPr/>
-          <p:nvPr/>
-        </p:nvGrpSpPr>
-        <p:grpSpPr>
-          <a:xfrm>
-            <a:off x="1024899" y="8704579"/>
-            <a:ext cx="1266568" cy="400110"/>
-            <a:chOff x="14600471" y="6262507"/>
-            <a:chExt cx="2824427" cy="400110"/>
-          </a:xfrm>
-        </p:grpSpPr>
-        <p:sp>
-          <p:nvSpPr>
-            <p:cNvPr id="7244" name="직사각형 7243">
-              <a:extLst>
-                <a:ext uri="{FF2B5EF4-FFF2-40B4-BE49-F238E27FC236}">
-                  <a16:creationId xmlns:a16="http://schemas.microsoft.com/office/drawing/2014/main" id="{A7367FF2-735D-AD50-5F92-D11C01600669}"/>
-                </a:ext>
-              </a:extLst>
-            </p:cNvPr>
-            <p:cNvSpPr/>
-            <p:nvPr/>
-          </p:nvSpPr>
-          <p:spPr>
-            <a:xfrm>
-              <a:off x="14600471" y="6452456"/>
-              <a:ext cx="2824427" cy="157894"/>
-            </a:xfrm>
-            <a:prstGeom prst="rect">
-              <a:avLst/>
-            </a:prstGeom>
-            <a:solidFill>
-              <a:schemeClr val="bg1">
-                <a:lumMod val="75000"/>
-              </a:schemeClr>
-            </a:solidFill>
-            <a:ln>
-              <a:noFill/>
-            </a:ln>
-          </p:spPr>
-          <p:style>
-            <a:lnRef idx="2">
-              <a:schemeClr val="accent1">
-                <a:shade val="50000"/>
-              </a:schemeClr>
-            </a:lnRef>
-            <a:fillRef idx="1">
-              <a:schemeClr val="accent1"/>
-            </a:fillRef>
-            <a:effectRef idx="0">
-              <a:schemeClr val="accent1"/>
-            </a:effectRef>
-            <a:fontRef idx="minor">
-              <a:schemeClr val="lt1"/>
-            </a:fontRef>
-          </p:style>
-          <p:txBody>
-            <a:bodyPr rtlCol="0" anchor="ctr"/>
-            <a:lstStyle/>
-            <a:p>
-              <a:pPr algn="ctr"/>
-              <a:endParaRPr lang="ko-KR" altLang="en-US" sz="1400"/>
-            </a:p>
-          </p:txBody>
-        </p:sp>
-        <p:sp>
-          <p:nvSpPr>
-            <p:cNvPr id="7245" name="TextBox 7244">
-              <a:extLst>
-                <a:ext uri="{FF2B5EF4-FFF2-40B4-BE49-F238E27FC236}">
-                  <a16:creationId xmlns:a16="http://schemas.microsoft.com/office/drawing/2014/main" id="{329D986E-34E8-F373-3F58-E27FA7ED9F7A}"/>
-                </a:ext>
-              </a:extLst>
-            </p:cNvPr>
-            <p:cNvSpPr txBox="1"/>
-            <p:nvPr/>
-          </p:nvSpPr>
-          <p:spPr>
-            <a:xfrm>
-              <a:off x="14651997" y="6262507"/>
-              <a:ext cx="1334019" cy="400110"/>
-            </a:xfrm>
-            <a:prstGeom prst="rect">
-              <a:avLst/>
-            </a:prstGeom>
-            <a:noFill/>
-          </p:spPr>
-          <p:txBody>
-            <a:bodyPr wrap="none" rtlCol="0">
-              <a:spAutoFit/>
-            </a:bodyPr>
-            <a:lstStyle>
-              <a:defPPr>
-                <a:defRPr lang="en-US"/>
-              </a:defPPr>
-              <a:lvl1pPr>
-                <a:defRPr sz="2000">
-                  <a:solidFill>
-                    <a:srgbClr val="002060"/>
-                  </a:solidFill>
-                  <a:latin typeface="G마켓 산스 Medium" panose="02000000000000000000" pitchFamily="50" charset="-127"/>
-                  <a:ea typeface="G마켓 산스 Medium" panose="02000000000000000000" pitchFamily="50" charset="-127"/>
-                </a:defRPr>
-              </a:lvl1pPr>
-            </a:lstStyle>
-            <a:p>
-              <a:r>
-                <a:rPr lang="ko-KR" altLang="en-US" dirty="0"/>
-                <a:t>주거환경</a:t>
-              </a:r>
-              <a:r>
-                <a:rPr lang="en-US" altLang="ko-KR" dirty="0"/>
-                <a:t>?</a:t>
-              </a:r>
-              <a:endParaRPr lang="ko-KR" altLang="en-US" dirty="0"/>
-            </a:p>
-          </p:txBody>
-        </p:sp>
-      </p:grpSp>
-      <p:grpSp>
-        <p:nvGrpSpPr>
-          <p:cNvPr id="7246" name="그룹 7245">
-            <a:extLst>
-              <a:ext uri="{FF2B5EF4-FFF2-40B4-BE49-F238E27FC236}">
-                <a16:creationId xmlns:a16="http://schemas.microsoft.com/office/drawing/2014/main" id="{89876707-4CD5-738C-2C32-58B12B673BA1}"/>
-              </a:ext>
-            </a:extLst>
-          </p:cNvPr>
-          <p:cNvGrpSpPr/>
-          <p:nvPr/>
-        </p:nvGrpSpPr>
-        <p:grpSpPr>
-          <a:xfrm>
-            <a:off x="6294230" y="7606630"/>
-            <a:ext cx="1334020" cy="400110"/>
-            <a:chOff x="15219242" y="5145664"/>
-            <a:chExt cx="1334020" cy="400110"/>
-          </a:xfrm>
-        </p:grpSpPr>
-        <p:sp>
-          <p:nvSpPr>
-            <p:cNvPr id="7247" name="직사각형 7246">
-              <a:extLst>
-                <a:ext uri="{FF2B5EF4-FFF2-40B4-BE49-F238E27FC236}">
-                  <a16:creationId xmlns:a16="http://schemas.microsoft.com/office/drawing/2014/main" id="{B0A033F6-B5B4-F44B-36D7-F458B380B3C8}"/>
-                </a:ext>
-              </a:extLst>
-            </p:cNvPr>
-            <p:cNvSpPr/>
-            <p:nvPr/>
-          </p:nvSpPr>
-          <p:spPr>
-            <a:xfrm>
-              <a:off x="15315815" y="5372100"/>
-              <a:ext cx="1088938" cy="157894"/>
-            </a:xfrm>
-            <a:prstGeom prst="rect">
-              <a:avLst/>
-            </a:prstGeom>
-            <a:solidFill>
-              <a:schemeClr val="bg1">
-                <a:lumMod val="75000"/>
-              </a:schemeClr>
-            </a:solidFill>
-            <a:ln>
-              <a:noFill/>
-            </a:ln>
-          </p:spPr>
-          <p:style>
-            <a:lnRef idx="2">
-              <a:schemeClr val="accent1">
-                <a:shade val="50000"/>
-              </a:schemeClr>
-            </a:lnRef>
-            <a:fillRef idx="1">
-              <a:schemeClr val="accent1"/>
-            </a:fillRef>
-            <a:effectRef idx="0">
-              <a:schemeClr val="accent1"/>
-            </a:effectRef>
-            <a:fontRef idx="minor">
-              <a:schemeClr val="lt1"/>
-            </a:fontRef>
-          </p:style>
-          <p:txBody>
-            <a:bodyPr rtlCol="0" anchor="ctr"/>
-            <a:lstStyle/>
-            <a:p>
-              <a:pPr algn="ctr"/>
-              <a:endParaRPr lang="ko-KR" altLang="en-US" sz="1400"/>
-            </a:p>
-          </p:txBody>
-        </p:sp>
-        <p:sp>
-          <p:nvSpPr>
-            <p:cNvPr id="7248" name="TextBox 7247">
-              <a:extLst>
-                <a:ext uri="{FF2B5EF4-FFF2-40B4-BE49-F238E27FC236}">
-                  <a16:creationId xmlns:a16="http://schemas.microsoft.com/office/drawing/2014/main" id="{CAD010D9-7BA2-A711-9E3D-43E795F8F02E}"/>
-                </a:ext>
-              </a:extLst>
-            </p:cNvPr>
-            <p:cNvSpPr txBox="1"/>
-            <p:nvPr/>
-          </p:nvSpPr>
-          <p:spPr>
-            <a:xfrm>
-              <a:off x="15219242" y="5145664"/>
-              <a:ext cx="1334020" cy="400110"/>
-            </a:xfrm>
-            <a:prstGeom prst="rect">
-              <a:avLst/>
-            </a:prstGeom>
-            <a:noFill/>
-          </p:spPr>
-          <p:txBody>
-            <a:bodyPr wrap="none" rtlCol="0">
-              <a:spAutoFit/>
-            </a:bodyPr>
-            <a:lstStyle>
-              <a:defPPr>
-                <a:defRPr lang="en-US"/>
-              </a:defPPr>
-              <a:lvl1pPr>
-                <a:defRPr sz="2000">
-                  <a:solidFill>
-                    <a:srgbClr val="002060"/>
-                  </a:solidFill>
-                  <a:latin typeface="G마켓 산스 Medium" panose="02000000000000000000" pitchFamily="50" charset="-127"/>
-                  <a:ea typeface="G마켓 산스 Medium" panose="02000000000000000000" pitchFamily="50" charset="-127"/>
-                </a:defRPr>
-              </a:lvl1pPr>
-            </a:lstStyle>
-            <a:p>
-              <a:r>
-                <a:rPr lang="ko-KR" altLang="en-US" dirty="0"/>
-                <a:t>혼인여부</a:t>
-              </a:r>
-              <a:r>
-                <a:rPr lang="en-US" altLang="ko-KR" dirty="0"/>
-                <a:t>?</a:t>
-              </a:r>
-              <a:endParaRPr lang="ko-KR" altLang="en-US" dirty="0"/>
-            </a:p>
-          </p:txBody>
-        </p:sp>
+            </p:spPr>
+          </p:pic>
+          <p:grpSp>
+            <p:nvGrpSpPr>
+              <p:cNvPr id="20" name="그룹 19">
+                <a:extLst>
+                  <a:ext uri="{FF2B5EF4-FFF2-40B4-BE49-F238E27FC236}">
+                    <a16:creationId xmlns:a16="http://schemas.microsoft.com/office/drawing/2014/main" id="{82D74AF8-1683-C3D2-1FE7-B90C42BFE97E}"/>
+                  </a:ext>
+                </a:extLst>
+              </p:cNvPr>
+              <p:cNvGrpSpPr/>
+              <p:nvPr/>
+            </p:nvGrpSpPr>
+            <p:grpSpPr>
+              <a:xfrm>
+                <a:off x="4798657" y="5729093"/>
+                <a:ext cx="2679764" cy="354614"/>
+                <a:chOff x="9880705" y="4222655"/>
+                <a:chExt cx="1851835" cy="354614"/>
+              </a:xfrm>
+            </p:grpSpPr>
+            <p:sp>
+              <p:nvSpPr>
+                <p:cNvPr id="42" name="직사각형 41">
+                  <a:extLst>
+                    <a:ext uri="{FF2B5EF4-FFF2-40B4-BE49-F238E27FC236}">
+                      <a16:creationId xmlns:a16="http://schemas.microsoft.com/office/drawing/2014/main" id="{F9D035C7-C7D8-5359-5777-98C604053BEA}"/>
+                    </a:ext>
+                  </a:extLst>
+                </p:cNvPr>
+                <p:cNvSpPr/>
+                <p:nvPr/>
+              </p:nvSpPr>
+              <p:spPr>
+                <a:xfrm>
+                  <a:off x="9880705" y="4432990"/>
+                  <a:ext cx="1385327" cy="113348"/>
+                </a:xfrm>
+                <a:prstGeom prst="rect">
+                  <a:avLst/>
+                </a:prstGeom>
+                <a:solidFill>
+                  <a:schemeClr val="bg1">
+                    <a:lumMod val="75000"/>
+                  </a:schemeClr>
+                </a:solidFill>
+                <a:ln>
+                  <a:noFill/>
+                </a:ln>
+              </p:spPr>
+              <p:style>
+                <a:lnRef idx="2">
+                  <a:schemeClr val="accent1">
+                    <a:shade val="50000"/>
+                  </a:schemeClr>
+                </a:lnRef>
+                <a:fillRef idx="1">
+                  <a:schemeClr val="accent1"/>
+                </a:fillRef>
+                <a:effectRef idx="0">
+                  <a:schemeClr val="accent1"/>
+                </a:effectRef>
+                <a:fontRef idx="minor">
+                  <a:schemeClr val="lt1"/>
+                </a:fontRef>
+              </p:style>
+              <p:txBody>
+                <a:bodyPr rtlCol="0" anchor="ctr"/>
+                <a:lstStyle/>
+                <a:p>
+                  <a:pPr algn="ctr"/>
+                  <a:endParaRPr lang="ko-KR" altLang="en-US" sz="1400">
+                    <a:solidFill>
+                      <a:srgbClr val="002060"/>
+                    </a:solidFill>
+                  </a:endParaRPr>
+                </a:p>
+              </p:txBody>
+            </p:sp>
+            <p:sp>
+              <p:nvSpPr>
+                <p:cNvPr id="43" name="TextBox 42">
+                  <a:extLst>
+                    <a:ext uri="{FF2B5EF4-FFF2-40B4-BE49-F238E27FC236}">
+                      <a16:creationId xmlns:a16="http://schemas.microsoft.com/office/drawing/2014/main" id="{E80CEAF4-D4ED-C952-46D1-82ABD1111495}"/>
+                    </a:ext>
+                  </a:extLst>
+                </p:cNvPr>
+                <p:cNvSpPr txBox="1"/>
+                <p:nvPr/>
+              </p:nvSpPr>
+              <p:spPr>
+                <a:xfrm>
+                  <a:off x="9944042" y="4222655"/>
+                  <a:ext cx="1788498" cy="354614"/>
+                </a:xfrm>
+                <a:prstGeom prst="rect">
+                  <a:avLst/>
+                </a:prstGeom>
+                <a:noFill/>
+              </p:spPr>
+              <p:txBody>
+                <a:bodyPr wrap="square" rtlCol="0">
+                  <a:spAutoFit/>
+                </a:bodyPr>
+                <a:lstStyle/>
+                <a:p>
+                  <a:r>
+                    <a:rPr lang="ko-KR" altLang="en-US" sz="2000" dirty="0">
+                      <a:solidFill>
+                        <a:srgbClr val="002060"/>
+                      </a:solidFill>
+                      <a:latin typeface="G마켓 산스 Medium" panose="02000000000000000000" pitchFamily="50" charset="-127"/>
+                      <a:ea typeface="G마켓 산스 Medium" panose="02000000000000000000" pitchFamily="50" charset="-127"/>
+                    </a:rPr>
+                    <a:t>부모님과 살까</a:t>
+                  </a:r>
+                  <a:r>
+                    <a:rPr lang="en-US" altLang="ko-KR" sz="2000" dirty="0">
+                      <a:solidFill>
+                        <a:srgbClr val="002060"/>
+                      </a:solidFill>
+                      <a:latin typeface="G마켓 산스 Medium" panose="02000000000000000000" pitchFamily="50" charset="-127"/>
+                      <a:ea typeface="G마켓 산스 Medium" panose="02000000000000000000" pitchFamily="50" charset="-127"/>
+                    </a:rPr>
+                    <a:t>?</a:t>
+                  </a:r>
+                </a:p>
+              </p:txBody>
+            </p:sp>
+          </p:grpSp>
+          <p:grpSp>
+            <p:nvGrpSpPr>
+              <p:cNvPr id="21" name="그룹 20">
+                <a:extLst>
+                  <a:ext uri="{FF2B5EF4-FFF2-40B4-BE49-F238E27FC236}">
+                    <a16:creationId xmlns:a16="http://schemas.microsoft.com/office/drawing/2014/main" id="{7758E325-017E-82C7-701B-B85A97DA5312}"/>
+                  </a:ext>
+                </a:extLst>
+              </p:cNvPr>
+              <p:cNvGrpSpPr/>
+              <p:nvPr/>
+            </p:nvGrpSpPr>
+            <p:grpSpPr>
+              <a:xfrm>
+                <a:off x="1657070" y="5277672"/>
+                <a:ext cx="1902032" cy="354614"/>
+                <a:chOff x="9609457" y="3248619"/>
+                <a:chExt cx="1681109" cy="354614"/>
+              </a:xfrm>
+            </p:grpSpPr>
+            <p:sp>
+              <p:nvSpPr>
+                <p:cNvPr id="40" name="직사각형 39">
+                  <a:extLst>
+                    <a:ext uri="{FF2B5EF4-FFF2-40B4-BE49-F238E27FC236}">
+                      <a16:creationId xmlns:a16="http://schemas.microsoft.com/office/drawing/2014/main" id="{A7633755-824B-3E77-1729-F3388A266D2E}"/>
+                    </a:ext>
+                  </a:extLst>
+                </p:cNvPr>
+                <p:cNvSpPr/>
+                <p:nvPr/>
+              </p:nvSpPr>
+              <p:spPr>
+                <a:xfrm>
+                  <a:off x="9609457" y="3478280"/>
+                  <a:ext cx="1681109" cy="110991"/>
+                </a:xfrm>
+                <a:prstGeom prst="rect">
+                  <a:avLst/>
+                </a:prstGeom>
+                <a:solidFill>
+                  <a:schemeClr val="bg1">
+                    <a:lumMod val="75000"/>
+                  </a:schemeClr>
+                </a:solidFill>
+                <a:ln>
+                  <a:noFill/>
+                </a:ln>
+              </p:spPr>
+              <p:style>
+                <a:lnRef idx="2">
+                  <a:schemeClr val="accent1">
+                    <a:shade val="50000"/>
+                  </a:schemeClr>
+                </a:lnRef>
+                <a:fillRef idx="1">
+                  <a:schemeClr val="accent1"/>
+                </a:fillRef>
+                <a:effectRef idx="0">
+                  <a:schemeClr val="accent1"/>
+                </a:effectRef>
+                <a:fontRef idx="minor">
+                  <a:schemeClr val="lt1"/>
+                </a:fontRef>
+              </p:style>
+              <p:txBody>
+                <a:bodyPr rtlCol="0" anchor="ctr"/>
+                <a:lstStyle/>
+                <a:p>
+                  <a:pPr algn="ctr"/>
+                  <a:endParaRPr lang="ko-KR" altLang="en-US" sz="1400">
+                    <a:solidFill>
+                      <a:srgbClr val="002060"/>
+                    </a:solidFill>
+                  </a:endParaRPr>
+                </a:p>
+              </p:txBody>
+            </p:sp>
+            <p:sp>
+              <p:nvSpPr>
+                <p:cNvPr id="41" name="TextBox 40">
+                  <a:extLst>
+                    <a:ext uri="{FF2B5EF4-FFF2-40B4-BE49-F238E27FC236}">
+                      <a16:creationId xmlns:a16="http://schemas.microsoft.com/office/drawing/2014/main" id="{9A9F5C01-7CF2-F148-5B90-12F66C602CA9}"/>
+                    </a:ext>
+                  </a:extLst>
+                </p:cNvPr>
+                <p:cNvSpPr txBox="1"/>
+                <p:nvPr/>
+              </p:nvSpPr>
+              <p:spPr>
+                <a:xfrm>
+                  <a:off x="9631757" y="3248619"/>
+                  <a:ext cx="1580691" cy="354614"/>
+                </a:xfrm>
+                <a:prstGeom prst="rect">
+                  <a:avLst/>
+                </a:prstGeom>
+                <a:noFill/>
+              </p:spPr>
+              <p:txBody>
+                <a:bodyPr wrap="square" rtlCol="0">
+                  <a:spAutoFit/>
+                </a:bodyPr>
+                <a:lstStyle>
+                  <a:defPPr>
+                    <a:defRPr lang="en-US"/>
+                  </a:defPPr>
+                  <a:lvl1pPr>
+                    <a:defRPr sz="2000">
+                      <a:solidFill>
+                        <a:srgbClr val="002060"/>
+                      </a:solidFill>
+                      <a:latin typeface="G마켓 산스 Medium" panose="02000000000000000000" pitchFamily="50" charset="-127"/>
+                      <a:ea typeface="G마켓 산스 Medium" panose="02000000000000000000" pitchFamily="50" charset="-127"/>
+                    </a:defRPr>
+                  </a:lvl1pPr>
+                </a:lstStyle>
+                <a:p>
+                  <a:r>
+                    <a:rPr lang="ko-KR" altLang="en-US" dirty="0"/>
+                    <a:t>차가 필요할까</a:t>
+                  </a:r>
+                  <a:r>
+                    <a:rPr lang="en-US" altLang="ko-KR" dirty="0"/>
+                    <a:t>?</a:t>
+                  </a:r>
+                  <a:endParaRPr lang="ko-KR" altLang="en-US" dirty="0"/>
+                </a:p>
+              </p:txBody>
+            </p:sp>
+          </p:grpSp>
+          <p:grpSp>
+            <p:nvGrpSpPr>
+              <p:cNvPr id="22" name="그룹 21">
+                <a:extLst>
+                  <a:ext uri="{FF2B5EF4-FFF2-40B4-BE49-F238E27FC236}">
+                    <a16:creationId xmlns:a16="http://schemas.microsoft.com/office/drawing/2014/main" id="{6F467534-693C-1AD6-8C66-A476B7C8C00E}"/>
+                  </a:ext>
+                </a:extLst>
+              </p:cNvPr>
+              <p:cNvGrpSpPr/>
+              <p:nvPr/>
+            </p:nvGrpSpPr>
+            <p:grpSpPr>
+              <a:xfrm>
+                <a:off x="5783612" y="6791796"/>
+                <a:ext cx="1399156" cy="354614"/>
+                <a:chOff x="7363845" y="8038473"/>
+                <a:chExt cx="1399156" cy="354614"/>
+              </a:xfrm>
+            </p:grpSpPr>
+            <p:sp>
+              <p:nvSpPr>
+                <p:cNvPr id="38" name="직사각형 37">
+                  <a:extLst>
+                    <a:ext uri="{FF2B5EF4-FFF2-40B4-BE49-F238E27FC236}">
+                      <a16:creationId xmlns:a16="http://schemas.microsoft.com/office/drawing/2014/main" id="{7903E594-9277-FDF5-B9E9-D9CD2D0ACFB1}"/>
+                    </a:ext>
+                  </a:extLst>
+                </p:cNvPr>
+                <p:cNvSpPr/>
+                <p:nvPr/>
+              </p:nvSpPr>
+              <p:spPr>
+                <a:xfrm>
+                  <a:off x="7363845" y="8277179"/>
+                  <a:ext cx="1399156" cy="101486"/>
+                </a:xfrm>
+                <a:prstGeom prst="rect">
+                  <a:avLst/>
+                </a:prstGeom>
+                <a:solidFill>
+                  <a:schemeClr val="bg1">
+                    <a:lumMod val="75000"/>
+                  </a:schemeClr>
+                </a:solidFill>
+                <a:ln>
+                  <a:noFill/>
+                </a:ln>
+              </p:spPr>
+              <p:style>
+                <a:lnRef idx="2">
+                  <a:schemeClr val="accent1">
+                    <a:shade val="50000"/>
+                  </a:schemeClr>
+                </a:lnRef>
+                <a:fillRef idx="1">
+                  <a:schemeClr val="accent1"/>
+                </a:fillRef>
+                <a:effectRef idx="0">
+                  <a:schemeClr val="accent1"/>
+                </a:effectRef>
+                <a:fontRef idx="minor">
+                  <a:schemeClr val="lt1"/>
+                </a:fontRef>
+              </p:style>
+              <p:txBody>
+                <a:bodyPr rtlCol="0" anchor="ctr"/>
+                <a:lstStyle/>
+                <a:p>
+                  <a:pPr algn="ctr"/>
+                  <a:endParaRPr lang="ko-KR" altLang="en-US" sz="1400">
+                    <a:solidFill>
+                      <a:srgbClr val="002060"/>
+                    </a:solidFill>
+                  </a:endParaRPr>
+                </a:p>
+              </p:txBody>
+            </p:sp>
+            <p:sp>
+              <p:nvSpPr>
+                <p:cNvPr id="39" name="TextBox 38">
+                  <a:extLst>
+                    <a:ext uri="{FF2B5EF4-FFF2-40B4-BE49-F238E27FC236}">
+                      <a16:creationId xmlns:a16="http://schemas.microsoft.com/office/drawing/2014/main" id="{563C3220-2708-E2C9-85BE-5BF5AB9CCAD4}"/>
+                    </a:ext>
+                  </a:extLst>
+                </p:cNvPr>
+                <p:cNvSpPr txBox="1"/>
+                <p:nvPr/>
+              </p:nvSpPr>
+              <p:spPr>
+                <a:xfrm>
+                  <a:off x="7407003" y="8038473"/>
+                  <a:ext cx="1153941" cy="354614"/>
+                </a:xfrm>
+                <a:prstGeom prst="rect">
+                  <a:avLst/>
+                </a:prstGeom>
+                <a:noFill/>
+              </p:spPr>
+              <p:txBody>
+                <a:bodyPr wrap="square" rtlCol="0">
+                  <a:spAutoFit/>
+                </a:bodyPr>
+                <a:lstStyle>
+                  <a:defPPr>
+                    <a:defRPr lang="en-US"/>
+                  </a:defPPr>
+                  <a:lvl1pPr>
+                    <a:defRPr sz="2000">
+                      <a:solidFill>
+                        <a:srgbClr val="002060"/>
+                      </a:solidFill>
+                      <a:latin typeface="G마켓 산스 Medium" panose="02000000000000000000" pitchFamily="50" charset="-127"/>
+                      <a:ea typeface="G마켓 산스 Medium" panose="02000000000000000000" pitchFamily="50" charset="-127"/>
+                    </a:defRPr>
+                  </a:lvl1pPr>
+                </a:lstStyle>
+                <a:p>
+                  <a:r>
+                    <a:rPr lang="ko-KR" altLang="en-US" dirty="0"/>
+                    <a:t>일</a:t>
+                  </a:r>
+                  <a:r>
+                    <a:rPr lang="en-US" altLang="ko-KR" dirty="0"/>
+                    <a:t>? </a:t>
+                  </a:r>
+                  <a:r>
+                    <a:rPr lang="ko-KR" altLang="en-US" dirty="0"/>
+                    <a:t>여가</a:t>
+                  </a:r>
+                  <a:r>
+                    <a:rPr lang="en-US" altLang="ko-KR" dirty="0"/>
+                    <a:t>?</a:t>
+                  </a:r>
+                  <a:endParaRPr lang="ko-KR" altLang="en-US" dirty="0"/>
+                </a:p>
+              </p:txBody>
+            </p:sp>
+          </p:grpSp>
+          <p:grpSp>
+            <p:nvGrpSpPr>
+              <p:cNvPr id="23" name="그룹 22">
+                <a:extLst>
+                  <a:ext uri="{FF2B5EF4-FFF2-40B4-BE49-F238E27FC236}">
+                    <a16:creationId xmlns:a16="http://schemas.microsoft.com/office/drawing/2014/main" id="{F9EA9884-089F-F75B-BC75-CD2D20D6700C}"/>
+                  </a:ext>
+                </a:extLst>
+              </p:cNvPr>
+              <p:cNvGrpSpPr/>
+              <p:nvPr/>
+            </p:nvGrpSpPr>
+            <p:grpSpPr>
+              <a:xfrm>
+                <a:off x="1210158" y="7387289"/>
+                <a:ext cx="1486684" cy="354614"/>
+                <a:chOff x="14794288" y="6274404"/>
+                <a:chExt cx="3315282" cy="354614"/>
+              </a:xfrm>
+            </p:grpSpPr>
+            <p:sp>
+              <p:nvSpPr>
+                <p:cNvPr id="36" name="직사각형 35">
+                  <a:extLst>
+                    <a:ext uri="{FF2B5EF4-FFF2-40B4-BE49-F238E27FC236}">
+                      <a16:creationId xmlns:a16="http://schemas.microsoft.com/office/drawing/2014/main" id="{0BDC824B-9AFD-19EC-EA03-312B5DF1943A}"/>
+                    </a:ext>
+                  </a:extLst>
+                </p:cNvPr>
+                <p:cNvSpPr/>
+                <p:nvPr/>
+              </p:nvSpPr>
+              <p:spPr>
+                <a:xfrm>
+                  <a:off x="14794288" y="6524534"/>
+                  <a:ext cx="3315282" cy="85815"/>
+                </a:xfrm>
+                <a:prstGeom prst="rect">
+                  <a:avLst/>
+                </a:prstGeom>
+                <a:solidFill>
+                  <a:schemeClr val="bg1">
+                    <a:lumMod val="75000"/>
+                  </a:schemeClr>
+                </a:solidFill>
+                <a:ln>
+                  <a:noFill/>
+                </a:ln>
+              </p:spPr>
+              <p:style>
+                <a:lnRef idx="2">
+                  <a:schemeClr val="accent1">
+                    <a:shade val="50000"/>
+                  </a:schemeClr>
+                </a:lnRef>
+                <a:fillRef idx="1">
+                  <a:schemeClr val="accent1"/>
+                </a:fillRef>
+                <a:effectRef idx="0">
+                  <a:schemeClr val="accent1"/>
+                </a:effectRef>
+                <a:fontRef idx="minor">
+                  <a:schemeClr val="lt1"/>
+                </a:fontRef>
+              </p:style>
+              <p:txBody>
+                <a:bodyPr rtlCol="0" anchor="ctr"/>
+                <a:lstStyle/>
+                <a:p>
+                  <a:pPr algn="ctr"/>
+                  <a:endParaRPr lang="ko-KR" altLang="en-US" sz="1400">
+                    <a:solidFill>
+                      <a:srgbClr val="002060"/>
+                    </a:solidFill>
+                  </a:endParaRPr>
+                </a:p>
+              </p:txBody>
+            </p:sp>
+            <p:sp>
+              <p:nvSpPr>
+                <p:cNvPr id="37" name="TextBox 36">
+                  <a:extLst>
+                    <a:ext uri="{FF2B5EF4-FFF2-40B4-BE49-F238E27FC236}">
+                      <a16:creationId xmlns:a16="http://schemas.microsoft.com/office/drawing/2014/main" id="{D073A0B0-40DE-7A79-CA6F-74AF25F03F89}"/>
+                    </a:ext>
+                  </a:extLst>
+                </p:cNvPr>
+                <p:cNvSpPr txBox="1"/>
+                <p:nvPr/>
+              </p:nvSpPr>
+              <p:spPr>
+                <a:xfrm>
+                  <a:off x="14794288" y="6274404"/>
+                  <a:ext cx="3130270" cy="354614"/>
+                </a:xfrm>
+                <a:prstGeom prst="rect">
+                  <a:avLst/>
+                </a:prstGeom>
+                <a:noFill/>
+              </p:spPr>
+              <p:txBody>
+                <a:bodyPr wrap="none" rtlCol="0">
+                  <a:spAutoFit/>
+                </a:bodyPr>
+                <a:lstStyle>
+                  <a:defPPr>
+                    <a:defRPr lang="en-US"/>
+                  </a:defPPr>
+                  <a:lvl1pPr>
+                    <a:defRPr sz="2000">
+                      <a:solidFill>
+                        <a:srgbClr val="002060"/>
+                      </a:solidFill>
+                      <a:latin typeface="G마켓 산스 Medium" panose="02000000000000000000" pitchFamily="50" charset="-127"/>
+                      <a:ea typeface="G마켓 산스 Medium" panose="02000000000000000000" pitchFamily="50" charset="-127"/>
+                    </a:defRPr>
+                  </a:lvl1pPr>
+                </a:lstStyle>
+                <a:p>
+                  <a:r>
+                    <a:rPr lang="ko-KR" altLang="en-US" dirty="0"/>
+                    <a:t>내 집 마련</a:t>
+                  </a:r>
+                  <a:r>
+                    <a:rPr lang="en-US" altLang="ko-KR" dirty="0"/>
+                    <a:t>?</a:t>
+                  </a:r>
+                  <a:endParaRPr lang="ko-KR" altLang="en-US" dirty="0"/>
+                </a:p>
+              </p:txBody>
+            </p:sp>
+          </p:grpSp>
+          <p:grpSp>
+            <p:nvGrpSpPr>
+              <p:cNvPr id="24" name="그룹 23">
+                <a:extLst>
+                  <a:ext uri="{FF2B5EF4-FFF2-40B4-BE49-F238E27FC236}">
+                    <a16:creationId xmlns:a16="http://schemas.microsoft.com/office/drawing/2014/main" id="{D5FF7A6C-66E9-3596-A0D8-A665D12F4B75}"/>
+                  </a:ext>
+                </a:extLst>
+              </p:cNvPr>
+              <p:cNvGrpSpPr/>
+              <p:nvPr/>
+            </p:nvGrpSpPr>
+            <p:grpSpPr>
+              <a:xfrm>
+                <a:off x="1343827" y="6301937"/>
+                <a:ext cx="1620215" cy="354614"/>
+                <a:chOff x="7363845" y="8038473"/>
+                <a:chExt cx="1297845" cy="354614"/>
+              </a:xfrm>
+            </p:grpSpPr>
+            <p:sp>
+              <p:nvSpPr>
+                <p:cNvPr id="34" name="직사각형 33">
+                  <a:extLst>
+                    <a:ext uri="{FF2B5EF4-FFF2-40B4-BE49-F238E27FC236}">
+                      <a16:creationId xmlns:a16="http://schemas.microsoft.com/office/drawing/2014/main" id="{A1E3AD52-85F9-F1E5-8992-09E0E9A999C5}"/>
+                    </a:ext>
+                  </a:extLst>
+                </p:cNvPr>
+                <p:cNvSpPr/>
+                <p:nvPr/>
+              </p:nvSpPr>
+              <p:spPr>
+                <a:xfrm>
+                  <a:off x="7363845" y="8277179"/>
+                  <a:ext cx="1297845" cy="89716"/>
+                </a:xfrm>
+                <a:prstGeom prst="rect">
+                  <a:avLst/>
+                </a:prstGeom>
+                <a:solidFill>
+                  <a:schemeClr val="bg1">
+                    <a:lumMod val="75000"/>
+                  </a:schemeClr>
+                </a:solidFill>
+                <a:ln>
+                  <a:noFill/>
+                </a:ln>
+              </p:spPr>
+              <p:style>
+                <a:lnRef idx="2">
+                  <a:schemeClr val="accent1">
+                    <a:shade val="50000"/>
+                  </a:schemeClr>
+                </a:lnRef>
+                <a:fillRef idx="1">
+                  <a:schemeClr val="accent1"/>
+                </a:fillRef>
+                <a:effectRef idx="0">
+                  <a:schemeClr val="accent1"/>
+                </a:effectRef>
+                <a:fontRef idx="minor">
+                  <a:schemeClr val="lt1"/>
+                </a:fontRef>
+              </p:style>
+              <p:txBody>
+                <a:bodyPr rtlCol="0" anchor="ctr"/>
+                <a:lstStyle/>
+                <a:p>
+                  <a:pPr algn="ctr"/>
+                  <a:endParaRPr lang="ko-KR" altLang="en-US" sz="1400">
+                    <a:solidFill>
+                      <a:srgbClr val="002060"/>
+                    </a:solidFill>
+                  </a:endParaRPr>
+                </a:p>
+              </p:txBody>
+            </p:sp>
+            <p:sp>
+              <p:nvSpPr>
+                <p:cNvPr id="35" name="TextBox 34">
+                  <a:extLst>
+                    <a:ext uri="{FF2B5EF4-FFF2-40B4-BE49-F238E27FC236}">
+                      <a16:creationId xmlns:a16="http://schemas.microsoft.com/office/drawing/2014/main" id="{D15D3726-C236-B74F-00FF-A90E18E89757}"/>
+                    </a:ext>
+                  </a:extLst>
+                </p:cNvPr>
+                <p:cNvSpPr txBox="1"/>
+                <p:nvPr/>
+              </p:nvSpPr>
+              <p:spPr>
+                <a:xfrm>
+                  <a:off x="7407003" y="8038473"/>
+                  <a:ext cx="1153941" cy="354614"/>
+                </a:xfrm>
+                <a:prstGeom prst="rect">
+                  <a:avLst/>
+                </a:prstGeom>
+                <a:noFill/>
+              </p:spPr>
+              <p:txBody>
+                <a:bodyPr wrap="square" rtlCol="0">
+                  <a:spAutoFit/>
+                </a:bodyPr>
+                <a:lstStyle>
+                  <a:defPPr>
+                    <a:defRPr lang="en-US"/>
+                  </a:defPPr>
+                  <a:lvl1pPr>
+                    <a:defRPr sz="2000">
+                      <a:solidFill>
+                        <a:srgbClr val="002060"/>
+                      </a:solidFill>
+                      <a:latin typeface="G마켓 산스 Medium" panose="02000000000000000000" pitchFamily="50" charset="-127"/>
+                      <a:ea typeface="G마켓 산스 Medium" panose="02000000000000000000" pitchFamily="50" charset="-127"/>
+                    </a:defRPr>
+                  </a:lvl1pPr>
+                </a:lstStyle>
+                <a:p>
+                  <a:r>
+                    <a:rPr lang="ko-KR" altLang="en-US" dirty="0"/>
+                    <a:t>개인</a:t>
+                  </a:r>
+                  <a:r>
+                    <a:rPr lang="en-US" altLang="ko-KR" dirty="0"/>
+                    <a:t>? </a:t>
+                  </a:r>
+                  <a:r>
+                    <a:rPr lang="ko-KR" altLang="en-US" dirty="0"/>
+                    <a:t>집단</a:t>
+                  </a:r>
+                  <a:r>
+                    <a:rPr lang="en-US" altLang="ko-KR" dirty="0"/>
+                    <a:t>?</a:t>
+                  </a:r>
+                  <a:endParaRPr lang="ko-KR" altLang="en-US" dirty="0"/>
+                </a:p>
+              </p:txBody>
+            </p:sp>
+          </p:grpSp>
+          <p:grpSp>
+            <p:nvGrpSpPr>
+              <p:cNvPr id="25" name="그룹 24">
+                <a:extLst>
+                  <a:ext uri="{FF2B5EF4-FFF2-40B4-BE49-F238E27FC236}">
+                    <a16:creationId xmlns:a16="http://schemas.microsoft.com/office/drawing/2014/main" id="{C260C7A9-D76C-5230-652D-4879E49D2FC4}"/>
+                  </a:ext>
+                </a:extLst>
+              </p:cNvPr>
+              <p:cNvGrpSpPr/>
+              <p:nvPr/>
+            </p:nvGrpSpPr>
+            <p:grpSpPr>
+              <a:xfrm>
+                <a:off x="4228524" y="4709890"/>
+                <a:ext cx="2695913" cy="354614"/>
+                <a:chOff x="9880705" y="4209735"/>
+                <a:chExt cx="1862995" cy="354614"/>
+              </a:xfrm>
+            </p:grpSpPr>
+            <p:sp>
+              <p:nvSpPr>
+                <p:cNvPr id="32" name="직사각형 31">
+                  <a:extLst>
+                    <a:ext uri="{FF2B5EF4-FFF2-40B4-BE49-F238E27FC236}">
+                      <a16:creationId xmlns:a16="http://schemas.microsoft.com/office/drawing/2014/main" id="{98663760-7645-9468-EE26-A9AC8F72E529}"/>
+                    </a:ext>
+                  </a:extLst>
+                </p:cNvPr>
+                <p:cNvSpPr/>
+                <p:nvPr/>
+              </p:nvSpPr>
+              <p:spPr>
+                <a:xfrm>
+                  <a:off x="9880705" y="4432990"/>
+                  <a:ext cx="1588672" cy="86813"/>
+                </a:xfrm>
+                <a:prstGeom prst="rect">
+                  <a:avLst/>
+                </a:prstGeom>
+                <a:solidFill>
+                  <a:schemeClr val="bg1">
+                    <a:lumMod val="75000"/>
+                  </a:schemeClr>
+                </a:solidFill>
+                <a:ln>
+                  <a:noFill/>
+                </a:ln>
+              </p:spPr>
+              <p:style>
+                <a:lnRef idx="2">
+                  <a:schemeClr val="accent1">
+                    <a:shade val="50000"/>
+                  </a:schemeClr>
+                </a:lnRef>
+                <a:fillRef idx="1">
+                  <a:schemeClr val="accent1"/>
+                </a:fillRef>
+                <a:effectRef idx="0">
+                  <a:schemeClr val="accent1"/>
+                </a:effectRef>
+                <a:fontRef idx="minor">
+                  <a:schemeClr val="lt1"/>
+                </a:fontRef>
+              </p:style>
+              <p:txBody>
+                <a:bodyPr rtlCol="0" anchor="ctr"/>
+                <a:lstStyle/>
+                <a:p>
+                  <a:pPr algn="ctr"/>
+                  <a:endParaRPr lang="ko-KR" altLang="en-US" sz="1400">
+                    <a:solidFill>
+                      <a:srgbClr val="002060"/>
+                    </a:solidFill>
+                  </a:endParaRPr>
+                </a:p>
+              </p:txBody>
+            </p:sp>
+            <p:sp>
+              <p:nvSpPr>
+                <p:cNvPr id="33" name="TextBox 32">
+                  <a:extLst>
+                    <a:ext uri="{FF2B5EF4-FFF2-40B4-BE49-F238E27FC236}">
+                      <a16:creationId xmlns:a16="http://schemas.microsoft.com/office/drawing/2014/main" id="{E04D4403-89E7-5589-A1F2-DAF7AE658970}"/>
+                    </a:ext>
+                  </a:extLst>
+                </p:cNvPr>
+                <p:cNvSpPr txBox="1"/>
+                <p:nvPr/>
+              </p:nvSpPr>
+              <p:spPr>
+                <a:xfrm>
+                  <a:off x="9955202" y="4209735"/>
+                  <a:ext cx="1788498" cy="354614"/>
+                </a:xfrm>
+                <a:prstGeom prst="rect">
+                  <a:avLst/>
+                </a:prstGeom>
+                <a:noFill/>
+              </p:spPr>
+              <p:txBody>
+                <a:bodyPr wrap="square" rtlCol="0">
+                  <a:spAutoFit/>
+                </a:bodyPr>
+                <a:lstStyle/>
+                <a:p>
+                  <a:r>
+                    <a:rPr lang="ko-KR" altLang="en-US" sz="2000" dirty="0">
+                      <a:solidFill>
+                        <a:srgbClr val="C00000"/>
+                      </a:solidFill>
+                      <a:latin typeface="G마켓 산스 Medium" panose="02000000000000000000" pitchFamily="50" charset="-127"/>
+                      <a:ea typeface="G마켓 산스 Medium" panose="02000000000000000000" pitchFamily="50" charset="-127"/>
+                    </a:rPr>
+                    <a:t>행복할 수 있을까</a:t>
+                  </a:r>
+                  <a:r>
+                    <a:rPr lang="en-US" altLang="ko-KR" sz="2000" dirty="0">
+                      <a:solidFill>
+                        <a:srgbClr val="C00000"/>
+                      </a:solidFill>
+                      <a:latin typeface="G마켓 산스 Medium" panose="02000000000000000000" pitchFamily="50" charset="-127"/>
+                      <a:ea typeface="G마켓 산스 Medium" panose="02000000000000000000" pitchFamily="50" charset="-127"/>
+                    </a:rPr>
+                    <a:t>?</a:t>
+                  </a:r>
+                </a:p>
+              </p:txBody>
+            </p:sp>
+          </p:grpSp>
+          <p:grpSp>
+            <p:nvGrpSpPr>
+              <p:cNvPr id="29" name="그룹 28">
+                <a:extLst>
+                  <a:ext uri="{FF2B5EF4-FFF2-40B4-BE49-F238E27FC236}">
+                    <a16:creationId xmlns:a16="http://schemas.microsoft.com/office/drawing/2014/main" id="{D40E2F18-7AD1-3806-F4D1-EBE0BC20A1B9}"/>
+                  </a:ext>
+                </a:extLst>
+              </p:cNvPr>
+              <p:cNvGrpSpPr/>
+              <p:nvPr/>
+            </p:nvGrpSpPr>
+            <p:grpSpPr>
+              <a:xfrm>
+                <a:off x="2516356" y="8203244"/>
+                <a:ext cx="1718463" cy="354614"/>
+                <a:chOff x="14794286" y="6274404"/>
+                <a:chExt cx="3832146" cy="354614"/>
+              </a:xfrm>
+            </p:grpSpPr>
+            <p:sp>
+              <p:nvSpPr>
+                <p:cNvPr id="30" name="직사각형 29">
+                  <a:extLst>
+                    <a:ext uri="{FF2B5EF4-FFF2-40B4-BE49-F238E27FC236}">
+                      <a16:creationId xmlns:a16="http://schemas.microsoft.com/office/drawing/2014/main" id="{EE4C75C0-D916-610E-A12D-EE3665E551CA}"/>
+                    </a:ext>
+                  </a:extLst>
+                </p:cNvPr>
+                <p:cNvSpPr/>
+                <p:nvPr/>
+              </p:nvSpPr>
+              <p:spPr>
+                <a:xfrm>
+                  <a:off x="14794286" y="6524534"/>
+                  <a:ext cx="3832146" cy="97387"/>
+                </a:xfrm>
+                <a:prstGeom prst="rect">
+                  <a:avLst/>
+                </a:prstGeom>
+                <a:solidFill>
+                  <a:schemeClr val="bg1">
+                    <a:lumMod val="75000"/>
+                  </a:schemeClr>
+                </a:solidFill>
+                <a:ln>
+                  <a:noFill/>
+                </a:ln>
+              </p:spPr>
+              <p:style>
+                <a:lnRef idx="2">
+                  <a:schemeClr val="accent1">
+                    <a:shade val="50000"/>
+                  </a:schemeClr>
+                </a:lnRef>
+                <a:fillRef idx="1">
+                  <a:schemeClr val="accent1"/>
+                </a:fillRef>
+                <a:effectRef idx="0">
+                  <a:schemeClr val="accent1"/>
+                </a:effectRef>
+                <a:fontRef idx="minor">
+                  <a:schemeClr val="lt1"/>
+                </a:fontRef>
+              </p:style>
+              <p:txBody>
+                <a:bodyPr rtlCol="0" anchor="ctr"/>
+                <a:lstStyle/>
+                <a:p>
+                  <a:pPr algn="ctr"/>
+                  <a:endParaRPr lang="ko-KR" altLang="en-US" sz="1400">
+                    <a:solidFill>
+                      <a:srgbClr val="002060"/>
+                    </a:solidFill>
+                  </a:endParaRPr>
+                </a:p>
+              </p:txBody>
+            </p:sp>
+            <p:sp>
+              <p:nvSpPr>
+                <p:cNvPr id="31" name="TextBox 30">
+                  <a:extLst>
+                    <a:ext uri="{FF2B5EF4-FFF2-40B4-BE49-F238E27FC236}">
+                      <a16:creationId xmlns:a16="http://schemas.microsoft.com/office/drawing/2014/main" id="{E99D2EEE-B458-823A-3831-72555DCDC94C}"/>
+                    </a:ext>
+                  </a:extLst>
+                </p:cNvPr>
+                <p:cNvSpPr txBox="1"/>
+                <p:nvPr/>
+              </p:nvSpPr>
+              <p:spPr>
+                <a:xfrm>
+                  <a:off x="14907356" y="6274404"/>
+                  <a:ext cx="3652999" cy="354614"/>
+                </a:xfrm>
+                <a:prstGeom prst="rect">
+                  <a:avLst/>
+                </a:prstGeom>
+                <a:noFill/>
+              </p:spPr>
+              <p:txBody>
+                <a:bodyPr wrap="none" rtlCol="0">
+                  <a:spAutoFit/>
+                </a:bodyPr>
+                <a:lstStyle>
+                  <a:defPPr>
+                    <a:defRPr lang="en-US"/>
+                  </a:defPPr>
+                  <a:lvl1pPr>
+                    <a:defRPr sz="2000">
+                      <a:solidFill>
+                        <a:srgbClr val="002060"/>
+                      </a:solidFill>
+                      <a:latin typeface="G마켓 산스 Medium" panose="02000000000000000000" pitchFamily="50" charset="-127"/>
+                      <a:ea typeface="G마켓 산스 Medium" panose="02000000000000000000" pitchFamily="50" charset="-127"/>
+                    </a:defRPr>
+                  </a:lvl1pPr>
+                </a:lstStyle>
+                <a:p>
+                  <a:r>
+                    <a:rPr lang="ko-KR" altLang="en-US" dirty="0"/>
+                    <a:t>운동을 할까</a:t>
+                  </a:r>
+                  <a:r>
+                    <a:rPr lang="en-US" altLang="ko-KR" dirty="0"/>
+                    <a:t>?</a:t>
+                  </a:r>
+                  <a:r>
+                    <a:rPr lang="ko-KR" altLang="en-US" dirty="0"/>
+                    <a:t> </a:t>
+                  </a:r>
+                </a:p>
+              </p:txBody>
+            </p:sp>
+          </p:grpSp>
+        </p:grpSp>
       </p:grpSp>
     </p:spTree>
     <p:extLst>
@@ -11232,7 +11177,17 @@
                 <a:latin typeface="G마켓 산스 Medium" panose="02000000000000000000" pitchFamily="50" charset="-127"/>
                 <a:ea typeface="G마켓 산스 Medium" panose="02000000000000000000" pitchFamily="50" charset="-127"/>
               </a:rPr>
-              <a:t>나의 만족도 알아보기</a:t>
+              <a:t>나의 </a:t>
+            </a:r>
+            <a:r>
+              <a:rPr lang="ko-KR" altLang="en-US" sz="3200">
+                <a:solidFill>
+                  <a:srgbClr val="002060"/>
+                </a:solidFill>
+                <a:latin typeface="G마켓 산스 Medium" panose="02000000000000000000" pitchFamily="50" charset="-127"/>
+                <a:ea typeface="G마켓 산스 Medium" panose="02000000000000000000" pitchFamily="50" charset="-127"/>
+              </a:rPr>
+              <a:t>만족도 분석하기</a:t>
             </a:r>
             <a:endParaRPr lang="en-US" altLang="ko-KR" sz="3200" dirty="0">
               <a:solidFill>
@@ -11971,7 +11926,7 @@
           <a:lstStyle/>
           <a:p>
             <a:r>
-              <a:rPr lang="en-US" altLang="ko-KR" sz="3200" dirty="0">
+              <a:rPr lang="en-US" altLang="ko-KR" sz="3200">
                 <a:solidFill>
                   <a:srgbClr val="002060"/>
                 </a:solidFill>
@@ -11981,14 +11936,14 @@
               <a:t>MZ</a:t>
             </a:r>
             <a:r>
-              <a:rPr lang="ko-KR" altLang="en-US" sz="3200" dirty="0">
+              <a:rPr lang="ko-KR" altLang="en-US" sz="3200">
                 <a:solidFill>
                   <a:srgbClr val="002060"/>
                 </a:solidFill>
                 <a:latin typeface="G마켓 산스 Medium" panose="02000000000000000000" pitchFamily="50" charset="-127"/>
                 <a:ea typeface="G마켓 산스 Medium" panose="02000000000000000000" pitchFamily="50" charset="-127"/>
               </a:rPr>
-              <a:t> 비교 분석</a:t>
+              <a:t> 통계 보기</a:t>
             </a:r>
             <a:endParaRPr lang="en-US" altLang="ko-KR" sz="3200" dirty="0">
               <a:solidFill>
@@ -12335,13 +12290,13 @@
               </a:lnSpc>
             </a:pPr>
             <a:r>
-              <a:rPr lang="ko-KR" altLang="en-US" sz="4200" dirty="0">
+              <a:rPr lang="ko-KR" altLang="en-US" sz="4200">
                 <a:latin typeface="G마켓 산스 Bold" panose="02000000000000000000" pitchFamily="50" charset="-127"/>
                 <a:ea typeface="G마켓 산스 Bold" panose="02000000000000000000" pitchFamily="50" charset="-127"/>
               </a:rPr>
-              <a:t>사용자가 선택한 요인에 따른 정보를</a:t>
-            </a:r>
-            <a:endParaRPr lang="en-US" altLang="ko-KR" sz="4200" dirty="0">
+              <a:t>분석한 데이터에 따라</a:t>
+            </a:r>
+            <a:endParaRPr lang="en-US" altLang="ko-KR" sz="4200">
               <a:latin typeface="G마켓 산스 Bold" panose="02000000000000000000" pitchFamily="50" charset="-127"/>
               <a:ea typeface="G마켓 산스 Bold" panose="02000000000000000000" pitchFamily="50" charset="-127"/>
             </a:endParaRPr>
@@ -12353,11 +12308,11 @@
               </a:lnSpc>
             </a:pPr>
             <a:r>
-              <a:rPr lang="ko-KR" altLang="en-US" sz="4200" dirty="0">
+              <a:rPr lang="ko-KR" altLang="en-US" sz="4200">
                 <a:latin typeface="G마켓 산스 Bold" panose="02000000000000000000" pitchFamily="50" charset="-127"/>
                 <a:ea typeface="G마켓 산스 Bold" panose="02000000000000000000" pitchFamily="50" charset="-127"/>
               </a:rPr>
-              <a:t>그래프로 제공</a:t>
+              <a:t>만족도를 높이기 위한 개선 사항 추천</a:t>
             </a:r>
             <a:endParaRPr lang="en-US" altLang="ko-KR" sz="4200" dirty="0">
               <a:latin typeface="G마켓 산스 Bold" panose="02000000000000000000" pitchFamily="50" charset="-127"/>
@@ -12386,6 +12341,60 @@
             <a:chExt cx="8305799" cy="2274200"/>
           </a:xfrm>
         </p:grpSpPr>
+        <p:sp>
+          <p:nvSpPr>
+            <p:cNvPr id="164" name="직사각형 163">
+              <a:extLst>
+                <a:ext uri="{FF2B5EF4-FFF2-40B4-BE49-F238E27FC236}">
+                  <a16:creationId xmlns:a16="http://schemas.microsoft.com/office/drawing/2014/main" id="{C4EC0D7A-D2C4-4DCD-B927-65F416D80D1E}"/>
+                </a:ext>
+              </a:extLst>
+            </p:cNvPr>
+            <p:cNvSpPr/>
+            <p:nvPr/>
+          </p:nvSpPr>
+          <p:spPr>
+            <a:xfrm>
+              <a:off x="10377429" y="4655986"/>
+              <a:ext cx="838201" cy="264580"/>
+            </a:xfrm>
+            <a:prstGeom prst="rect">
+              <a:avLst/>
+            </a:prstGeom>
+            <a:solidFill>
+              <a:schemeClr val="bg1">
+                <a:lumMod val="75000"/>
+              </a:schemeClr>
+            </a:solidFill>
+            <a:ln>
+              <a:noFill/>
+            </a:ln>
+          </p:spPr>
+          <p:style>
+            <a:lnRef idx="2">
+              <a:schemeClr val="accent1">
+                <a:shade val="50000"/>
+              </a:schemeClr>
+            </a:lnRef>
+            <a:fillRef idx="1">
+              <a:schemeClr val="accent1"/>
+            </a:fillRef>
+            <a:effectRef idx="0">
+              <a:schemeClr val="accent1"/>
+            </a:effectRef>
+            <a:fontRef idx="minor">
+              <a:schemeClr val="lt1"/>
+            </a:fontRef>
+          </p:style>
+          <p:txBody>
+            <a:bodyPr rtlCol="0" anchor="ctr"/>
+            <a:lstStyle/>
+            <a:p>
+              <a:pPr algn="ctr"/>
+              <a:endParaRPr lang="ko-KR" altLang="en-US" sz="1400"/>
+            </a:p>
+          </p:txBody>
+        </p:sp>
         <p:sp>
           <p:nvSpPr>
             <p:cNvPr id="166" name="이등변 삼각형 165">
@@ -12476,7 +12485,7 @@
                 </a:lnSpc>
               </a:pPr>
               <a:r>
-                <a:rPr lang="ko-KR" altLang="en-US" sz="2200" dirty="0" smtClean="0">
+                <a:rPr lang="ko-KR" altLang="en-US" sz="2200">
                   <a:solidFill>
                     <a:schemeClr val="tx1">
                       <a:lumMod val="50000"/>
@@ -12486,7 +12495,7 @@
                   <a:latin typeface="G마켓 산스 Medium" panose="02000000000000000000" pitchFamily="50" charset="-127"/>
                   <a:ea typeface="G마켓 산스 Medium" panose="02000000000000000000" pitchFamily="50" charset="-127"/>
                 </a:rPr>
-                <a:t>나의 만족도 알아보기</a:t>
+                <a:t>나의 만족도 분석하기</a:t>
               </a:r>
               <a:endParaRPr lang="en-US" altLang="ko-KR" sz="2200" dirty="0">
                 <a:solidFill>
@@ -12501,61 +12510,160 @@
             </a:p>
           </p:txBody>
         </p:sp>
-        <p:sp>
-          <p:nvSpPr>
-            <p:cNvPr id="164" name="직사각형 163">
-              <a:extLst>
-                <a:ext uri="{FF2B5EF4-FFF2-40B4-BE49-F238E27FC236}">
-                  <a16:creationId xmlns:a16="http://schemas.microsoft.com/office/drawing/2014/main" id="{C4EC0D7A-D2C4-4DCD-B927-65F416D80D1E}"/>
-                </a:ext>
-              </a:extLst>
-            </p:cNvPr>
-            <p:cNvSpPr/>
-            <p:nvPr/>
-          </p:nvSpPr>
-          <p:spPr>
-            <a:xfrm>
-              <a:off x="10148830" y="4655986"/>
-              <a:ext cx="1243654" cy="180480"/>
-            </a:xfrm>
-            <a:prstGeom prst="rect">
-              <a:avLst/>
-            </a:prstGeom>
-            <a:solidFill>
-              <a:schemeClr val="bg1">
-                <a:lumMod val="75000"/>
-              </a:schemeClr>
-            </a:solidFill>
-            <a:ln>
-              <a:noFill/>
-            </a:ln>
-          </p:spPr>
-          <p:style>
-            <a:lnRef idx="2">
-              <a:schemeClr val="accent1">
-                <a:shade val="50000"/>
-              </a:schemeClr>
-            </a:lnRef>
-            <a:fillRef idx="1">
-              <a:schemeClr val="accent1"/>
-            </a:fillRef>
-            <a:effectRef idx="0">
-              <a:schemeClr val="accent1"/>
-            </a:effectRef>
-            <a:fontRef idx="minor">
-              <a:schemeClr val="lt1"/>
-            </a:fontRef>
-          </p:style>
-          <p:txBody>
-            <a:bodyPr rtlCol="0" anchor="ctr"/>
-            <a:lstStyle/>
-            <a:p>
-              <a:pPr algn="ctr"/>
-              <a:endParaRPr lang="ko-KR" altLang="en-US" sz="1400"/>
-            </a:p>
-          </p:txBody>
-        </p:sp>
       </p:grpSp>
+      <p:sp>
+        <p:nvSpPr>
+          <p:cNvPr id="12" name="TextBox 11">
+            <a:extLst>
+              <a:ext uri="{FF2B5EF4-FFF2-40B4-BE49-F238E27FC236}">
+                <a16:creationId xmlns:a16="http://schemas.microsoft.com/office/drawing/2014/main" id="{1E909F02-5BAC-46DA-A388-A77A550B42D5}"/>
+              </a:ext>
+            </a:extLst>
+          </p:cNvPr>
+          <p:cNvSpPr txBox="1"/>
+          <p:nvPr/>
+        </p:nvSpPr>
+        <p:spPr>
+          <a:xfrm>
+            <a:off x="4081160" y="698837"/>
+            <a:ext cx="1312438" cy="1015663"/>
+          </a:xfrm>
+          <a:prstGeom prst="rect">
+            <a:avLst/>
+          </a:prstGeom>
+          <a:noFill/>
+        </p:spPr>
+        <p:txBody>
+          <a:bodyPr wrap="square" rtlCol="0">
+            <a:spAutoFit/>
+          </a:bodyPr>
+          <a:lstStyle/>
+          <a:p>
+            <a:r>
+              <a:rPr lang="en-US" altLang="ko-KR" sz="6000" dirty="0">
+                <a:solidFill>
+                  <a:srgbClr val="7FB1D3">
+                    <a:alpha val="80000"/>
+                  </a:srgbClr>
+                </a:solidFill>
+                <a:effectLst>
+                  <a:outerShdw blurRad="50800" dist="38100" dir="5400000" algn="t" rotWithShape="0">
+                    <a:prstClr val="black">
+                      <a:alpha val="26000"/>
+                    </a:prstClr>
+                  </a:outerShdw>
+                </a:effectLst>
+                <a:latin typeface="G마켓 산스 Bold" panose="02000000000000000000" pitchFamily="50" charset="-127"/>
+                <a:ea typeface="G마켓 산스 Bold" panose="02000000000000000000" pitchFamily="50" charset="-127"/>
+              </a:rPr>
+              <a:t>01</a:t>
+            </a:r>
+            <a:endParaRPr lang="ko-KR" altLang="en-US" sz="6000" dirty="0">
+              <a:solidFill>
+                <a:srgbClr val="7FB1D3">
+                  <a:alpha val="80000"/>
+                </a:srgbClr>
+              </a:solidFill>
+              <a:effectLst>
+                <a:outerShdw blurRad="50800" dist="38100" dir="5400000" algn="t" rotWithShape="0">
+                  <a:prstClr val="black">
+                    <a:alpha val="26000"/>
+                  </a:prstClr>
+                </a:outerShdw>
+              </a:effectLst>
+              <a:latin typeface="G마켓 산스 Bold" panose="02000000000000000000" pitchFamily="50" charset="-127"/>
+              <a:ea typeface="G마켓 산스 Bold" panose="02000000000000000000" pitchFamily="50" charset="-127"/>
+            </a:endParaRPr>
+          </a:p>
+        </p:txBody>
+      </p:sp>
+      <p:sp>
+        <p:nvSpPr>
+          <p:cNvPr id="13" name="Object 30">
+            <a:extLst>
+              <a:ext uri="{FF2B5EF4-FFF2-40B4-BE49-F238E27FC236}">
+                <a16:creationId xmlns:a16="http://schemas.microsoft.com/office/drawing/2014/main" id="{CBE6738D-6A3F-4883-8BA2-FB1BD2C83A12}"/>
+              </a:ext>
+            </a:extLst>
+          </p:cNvPr>
+          <p:cNvSpPr txBox="1"/>
+          <p:nvPr/>
+        </p:nvSpPr>
+        <p:spPr>
+          <a:xfrm>
+            <a:off x="5354186" y="726698"/>
+            <a:ext cx="8265508" cy="892552"/>
+          </a:xfrm>
+          <a:prstGeom prst="rect">
+            <a:avLst/>
+          </a:prstGeom>
+          <a:noFill/>
+        </p:spPr>
+        <p:txBody>
+          <a:bodyPr wrap="square" rtlCol="0" anchor="b" anchorCtr="0">
+            <a:spAutoFit/>
+          </a:bodyPr>
+          <a:lstStyle/>
+          <a:p>
+            <a:r>
+              <a:rPr lang="ko-KR" altLang="en-US" sz="3200" dirty="0">
+                <a:solidFill>
+                  <a:srgbClr val="002060"/>
+                </a:solidFill>
+                <a:latin typeface="G마켓 산스 Medium" panose="02000000000000000000" pitchFamily="50" charset="-127"/>
+                <a:ea typeface="G마켓 산스 Medium" panose="02000000000000000000" pitchFamily="50" charset="-127"/>
+              </a:rPr>
+              <a:t>나의 만족도 알아보기</a:t>
+            </a:r>
+            <a:endParaRPr lang="en-US" altLang="ko-KR" sz="3200" dirty="0">
+              <a:solidFill>
+                <a:srgbClr val="002060"/>
+              </a:solidFill>
+              <a:latin typeface="G마켓 산스 Medium" panose="02000000000000000000" pitchFamily="50" charset="-127"/>
+              <a:ea typeface="G마켓 산스 Medium" panose="02000000000000000000" pitchFamily="50" charset="-127"/>
+            </a:endParaRPr>
+          </a:p>
+          <a:p>
+            <a:r>
+              <a:rPr lang="ko-KR" altLang="en-US" sz="2000" dirty="0">
+                <a:solidFill>
+                  <a:srgbClr val="002060"/>
+                </a:solidFill>
+                <a:latin typeface="G마켓 산스 Medium" panose="02000000000000000000" pitchFamily="50" charset="-127"/>
+                <a:ea typeface="G마켓 산스 Medium" panose="02000000000000000000" pitchFamily="50" charset="-127"/>
+              </a:rPr>
+              <a:t>개인의 상황에 따른 만족도를 비교</a:t>
+            </a:r>
+            <a:r>
+              <a:rPr lang="en-US" altLang="ko-KR" sz="2000" dirty="0">
+                <a:solidFill>
+                  <a:srgbClr val="002060"/>
+                </a:solidFill>
+                <a:latin typeface="G마켓 산스 Medium" panose="02000000000000000000" pitchFamily="50" charset="-127"/>
+                <a:ea typeface="G마켓 산스 Medium" panose="02000000000000000000" pitchFamily="50" charset="-127"/>
+              </a:rPr>
+              <a:t>, </a:t>
+            </a:r>
+            <a:r>
+              <a:rPr lang="ko-KR" altLang="en-US" sz="2000" dirty="0">
+                <a:solidFill>
+                  <a:srgbClr val="002060"/>
+                </a:solidFill>
+                <a:latin typeface="G마켓 산스 Medium" panose="02000000000000000000" pitchFamily="50" charset="-127"/>
+                <a:ea typeface="G마켓 산스 Medium" panose="02000000000000000000" pitchFamily="50" charset="-127"/>
+              </a:rPr>
+              <a:t>분석</a:t>
+            </a:r>
+            <a:endParaRPr lang="en-US" altLang="ko-KR" sz="2000" dirty="0">
+              <a:solidFill>
+                <a:srgbClr val="002060"/>
+              </a:solidFill>
+              <a:latin typeface="G마켓 산스 Medium" panose="02000000000000000000" pitchFamily="50" charset="-127"/>
+              <a:ea typeface="G마켓 산스 Medium" panose="02000000000000000000" pitchFamily="50" charset="-127"/>
+            </a:endParaRPr>
+          </a:p>
+        </p:txBody>
+      </p:sp>
       <p:sp>
         <p:nvSpPr>
           <p:cNvPr id="16" name="TextBox 15">
@@ -12603,11 +12711,18 @@
               </a:lnSpc>
             </a:pPr>
             <a:r>
+              <a:rPr lang="ko-KR" altLang="en-US" sz="3200">
+                <a:latin typeface="G마켓 산스 Bold" panose="02000000000000000000" pitchFamily="50" charset="-127"/>
+                <a:ea typeface="G마켓 산스 Bold" panose="02000000000000000000" pitchFamily="50" charset="-127"/>
+              </a:rPr>
+              <a:t>사용자 </a:t>
+            </a:r>
+            <a:r>
               <a:rPr lang="ko-KR" altLang="en-US" sz="3200" dirty="0">
                 <a:latin typeface="G마켓 산스 Bold" panose="02000000000000000000" pitchFamily="50" charset="-127"/>
                 <a:ea typeface="G마켓 산스 Bold" panose="02000000000000000000" pitchFamily="50" charset="-127"/>
               </a:rPr>
-              <a:t>분석한 데이터</a:t>
+              <a:t>데이터</a:t>
             </a:r>
             <a:r>
               <a:rPr lang="ko-KR" altLang="en-US" sz="3200" dirty="0">
@@ -12626,10 +12741,17 @@
                 <a:latin typeface="G마켓 산스 Bold" panose="02000000000000000000" pitchFamily="50" charset="-127"/>
                 <a:ea typeface="G마켓 산스 Bold" panose="02000000000000000000" pitchFamily="50" charset="-127"/>
               </a:rPr>
-              <a:t>요인 별</a:t>
-            </a:r>
-            <a:r>
-              <a:rPr lang="ko-KR" altLang="en-US" sz="3200" dirty="0">
+              <a:t>요인 </a:t>
+            </a:r>
+            <a:r>
+              <a:rPr lang="ko-KR" altLang="en-US" sz="3200">
+                <a:latin typeface="G마켓 산스 Bold" panose="02000000000000000000" pitchFamily="50" charset="-127"/>
+                <a:ea typeface="G마켓 산스 Bold" panose="02000000000000000000" pitchFamily="50" charset="-127"/>
+              </a:rPr>
+              <a:t>별</a:t>
+            </a:r>
+            <a:r>
+              <a:rPr lang="ko-KR" altLang="en-US" sz="3200">
                 <a:solidFill>
                   <a:schemeClr val="bg1">
                     <a:lumMod val="50000"/>
@@ -12641,168 +12763,15 @@
               <a:t>로</a:t>
             </a:r>
             <a:r>
-              <a:rPr lang="ko-KR" altLang="en-US" sz="3200" dirty="0">
+              <a:rPr lang="ko-KR" altLang="en-US" sz="3200">
                 <a:latin typeface="G마켓 산스 Bold" panose="02000000000000000000" pitchFamily="50" charset="-127"/>
                 <a:ea typeface="G마켓 산스 Bold" panose="02000000000000000000" pitchFamily="50" charset="-127"/>
               </a:rPr>
-              <a:t> 시각화</a:t>
+              <a:t> 분석</a:t>
             </a:r>
             <a:endParaRPr lang="en-US" altLang="ko-KR" sz="3200" dirty="0">
               <a:latin typeface="G마켓 산스 Bold" panose="02000000000000000000" pitchFamily="50" charset="-127"/>
               <a:ea typeface="G마켓 산스 Bold" panose="02000000000000000000" pitchFamily="50" charset="-127"/>
-            </a:endParaRPr>
-          </a:p>
-        </p:txBody>
-      </p:sp>
-      <p:sp>
-        <p:nvSpPr>
-          <p:cNvPr id="12" name="TextBox 11">
-            <a:extLst>
-              <a:ext uri="{FF2B5EF4-FFF2-40B4-BE49-F238E27FC236}">
-                <a16:creationId xmlns:a16="http://schemas.microsoft.com/office/drawing/2014/main" id="{1E909F02-5BAC-46DA-A388-A77A550B42D5}"/>
-              </a:ext>
-            </a:extLst>
-          </p:cNvPr>
-          <p:cNvSpPr txBox="1"/>
-          <p:nvPr/>
-        </p:nvSpPr>
-        <p:spPr>
-          <a:xfrm>
-            <a:off x="4081160" y="698837"/>
-            <a:ext cx="1312438" cy="1015663"/>
-          </a:xfrm>
-          <a:prstGeom prst="rect">
-            <a:avLst/>
-          </a:prstGeom>
-          <a:noFill/>
-        </p:spPr>
-        <p:txBody>
-          <a:bodyPr wrap="square" rtlCol="0">
-            <a:spAutoFit/>
-          </a:bodyPr>
-          <a:lstStyle/>
-          <a:p>
-            <a:r>
-              <a:rPr lang="en-US" altLang="ko-KR" sz="6000" dirty="0">
-                <a:solidFill>
-                  <a:srgbClr val="7FB1D3">
-                    <a:alpha val="80000"/>
-                  </a:srgbClr>
-                </a:solidFill>
-                <a:effectLst>
-                  <a:outerShdw blurRad="50800" dist="38100" dir="5400000" algn="t" rotWithShape="0">
-                    <a:prstClr val="black">
-                      <a:alpha val="26000"/>
-                    </a:prstClr>
-                  </a:outerShdw>
-                </a:effectLst>
-                <a:latin typeface="G마켓 산스 Bold" panose="02000000000000000000" pitchFamily="50" charset="-127"/>
-                <a:ea typeface="G마켓 산스 Bold" panose="02000000000000000000" pitchFamily="50" charset="-127"/>
-              </a:rPr>
-              <a:t>01</a:t>
-            </a:r>
-            <a:endParaRPr lang="ko-KR" altLang="en-US" sz="6000" dirty="0">
-              <a:solidFill>
-                <a:srgbClr val="7FB1D3">
-                  <a:alpha val="80000"/>
-                </a:srgbClr>
-              </a:solidFill>
-              <a:effectLst>
-                <a:outerShdw blurRad="50800" dist="38100" dir="5400000" algn="t" rotWithShape="0">
-                  <a:prstClr val="black">
-                    <a:alpha val="26000"/>
-                  </a:prstClr>
-                </a:outerShdw>
-              </a:effectLst>
-              <a:latin typeface="G마켓 산스 Bold" panose="02000000000000000000" pitchFamily="50" charset="-127"/>
-              <a:ea typeface="G마켓 산스 Bold" panose="02000000000000000000" pitchFamily="50" charset="-127"/>
-            </a:endParaRPr>
-          </a:p>
-        </p:txBody>
-      </p:sp>
-      <p:sp>
-        <p:nvSpPr>
-          <p:cNvPr id="13" name="Object 30">
-            <a:extLst>
-              <a:ext uri="{FF2B5EF4-FFF2-40B4-BE49-F238E27FC236}">
-                <a16:creationId xmlns:a16="http://schemas.microsoft.com/office/drawing/2014/main" id="{CBE6738D-6A3F-4883-8BA2-FB1BD2C83A12}"/>
-              </a:ext>
-            </a:extLst>
-          </p:cNvPr>
-          <p:cNvSpPr txBox="1"/>
-          <p:nvPr/>
-        </p:nvSpPr>
-        <p:spPr>
-          <a:xfrm>
-            <a:off x="5354186" y="726698"/>
-            <a:ext cx="8265508" cy="892552"/>
-          </a:xfrm>
-          <a:prstGeom prst="rect">
-            <a:avLst/>
-          </a:prstGeom>
-          <a:noFill/>
-        </p:spPr>
-        <p:txBody>
-          <a:bodyPr wrap="square" rtlCol="0" anchor="b" anchorCtr="0">
-            <a:spAutoFit/>
-          </a:bodyPr>
-          <a:lstStyle/>
-          <a:p>
-            <a:r>
-              <a:rPr lang="ko-KR" altLang="en-US" sz="3200" dirty="0">
-                <a:solidFill>
-                  <a:srgbClr val="002060"/>
-                </a:solidFill>
-                <a:latin typeface="G마켓 산스 Medium" panose="02000000000000000000" pitchFamily="50" charset="-127"/>
-                <a:ea typeface="G마켓 산스 Medium" panose="02000000000000000000" pitchFamily="50" charset="-127"/>
-              </a:rPr>
-              <a:t>나의 만족도 알아보기</a:t>
-            </a:r>
-            <a:endParaRPr lang="en-US" altLang="ko-KR" sz="3200" dirty="0">
-              <a:solidFill>
-                <a:srgbClr val="002060"/>
-              </a:solidFill>
-              <a:latin typeface="G마켓 산스 Medium" panose="02000000000000000000" pitchFamily="50" charset="-127"/>
-              <a:ea typeface="G마켓 산스 Medium" panose="02000000000000000000" pitchFamily="50" charset="-127"/>
-            </a:endParaRPr>
-          </a:p>
-          <a:p>
-            <a:r>
-              <a:rPr lang="ko-KR" altLang="en-US" sz="2000" dirty="0">
-                <a:solidFill>
-                  <a:srgbClr val="002060"/>
-                </a:solidFill>
-                <a:latin typeface="G마켓 산스 Medium" panose="02000000000000000000" pitchFamily="50" charset="-127"/>
-                <a:ea typeface="G마켓 산스 Medium" panose="02000000000000000000" pitchFamily="50" charset="-127"/>
-              </a:rPr>
-              <a:t>개인의 상황에 따른 만족도를 비교</a:t>
-            </a:r>
-            <a:r>
-              <a:rPr lang="en-US" altLang="ko-KR" sz="2000" dirty="0">
-                <a:solidFill>
-                  <a:srgbClr val="002060"/>
-                </a:solidFill>
-                <a:latin typeface="G마켓 산스 Medium" panose="02000000000000000000" pitchFamily="50" charset="-127"/>
-                <a:ea typeface="G마켓 산스 Medium" panose="02000000000000000000" pitchFamily="50" charset="-127"/>
-              </a:rPr>
-              <a:t>, </a:t>
-            </a:r>
-            <a:r>
-              <a:rPr lang="ko-KR" altLang="en-US" sz="2000" dirty="0">
-                <a:solidFill>
-                  <a:srgbClr val="002060"/>
-                </a:solidFill>
-                <a:latin typeface="G마켓 산스 Medium" panose="02000000000000000000" pitchFamily="50" charset="-127"/>
-                <a:ea typeface="G마켓 산스 Medium" panose="02000000000000000000" pitchFamily="50" charset="-127"/>
-              </a:rPr>
-              <a:t>분석</a:t>
-            </a:r>
-            <a:endParaRPr lang="en-US" altLang="ko-KR" sz="2000" dirty="0">
-              <a:solidFill>
-                <a:srgbClr val="002060"/>
-              </a:solidFill>
-              <a:latin typeface="G마켓 산스 Medium" panose="02000000000000000000" pitchFamily="50" charset="-127"/>
-              <a:ea typeface="G마켓 산스 Medium" panose="02000000000000000000" pitchFamily="50" charset="-127"/>
             </a:endParaRPr>
           </a:p>
         </p:txBody>
@@ -12917,912 +12886,6 @@
       </p:cxnSp>
       <p:sp>
         <p:nvSpPr>
-          <p:cNvPr id="58" name="직사각형 57">
-            <a:extLst>
-              <a:ext uri="{FF2B5EF4-FFF2-40B4-BE49-F238E27FC236}">
-                <a16:creationId xmlns:a16="http://schemas.microsoft.com/office/drawing/2014/main" id="{7A18BB36-6312-271E-240E-1B79BD8E9244}"/>
-              </a:ext>
-            </a:extLst>
-          </p:cNvPr>
-          <p:cNvSpPr/>
-          <p:nvPr/>
-        </p:nvSpPr>
-        <p:spPr>
-          <a:xfrm>
-            <a:off x="9952342" y="2555172"/>
-            <a:ext cx="3200934" cy="4905197"/>
-          </a:xfrm>
-          <a:prstGeom prst="rect">
-            <a:avLst/>
-          </a:prstGeom>
-          <a:noFill/>
-          <a:ln>
-            <a:solidFill>
-              <a:schemeClr val="accent1">
-                <a:shade val="50000"/>
-              </a:schemeClr>
-            </a:solidFill>
-          </a:ln>
-        </p:spPr>
-        <p:style>
-          <a:lnRef idx="2">
-            <a:schemeClr val="accent1">
-              <a:shade val="50000"/>
-            </a:schemeClr>
-          </a:lnRef>
-          <a:fillRef idx="1">
-            <a:schemeClr val="accent1"/>
-          </a:fillRef>
-          <a:effectRef idx="0">
-            <a:schemeClr val="accent1"/>
-          </a:effectRef>
-          <a:fontRef idx="minor">
-            <a:schemeClr val="lt1"/>
-          </a:fontRef>
-        </p:style>
-        <p:txBody>
-          <a:bodyPr rtlCol="0" anchor="ctr"/>
-          <a:lstStyle/>
-          <a:p>
-            <a:pPr algn="ctr"/>
-            <a:endParaRPr lang="ko-KR" altLang="en-US"/>
-          </a:p>
-        </p:txBody>
-      </p:sp>
-      <p:sp>
-        <p:nvSpPr>
-          <p:cNvPr id="59" name="직사각형 58">
-            <a:extLst>
-              <a:ext uri="{FF2B5EF4-FFF2-40B4-BE49-F238E27FC236}">
-                <a16:creationId xmlns:a16="http://schemas.microsoft.com/office/drawing/2014/main" id="{4AA18350-BAAE-1C58-C0CC-36F7D0681531}"/>
-              </a:ext>
-            </a:extLst>
-          </p:cNvPr>
-          <p:cNvSpPr/>
-          <p:nvPr/>
-        </p:nvSpPr>
-        <p:spPr>
-          <a:xfrm>
-            <a:off x="13524239" y="2555172"/>
-            <a:ext cx="3931978" cy="4905197"/>
-          </a:xfrm>
-          <a:prstGeom prst="rect">
-            <a:avLst/>
-          </a:prstGeom>
-          <a:noFill/>
-          <a:ln>
-            <a:solidFill>
-              <a:schemeClr val="accent1">
-                <a:shade val="50000"/>
-              </a:schemeClr>
-            </a:solidFill>
-          </a:ln>
-        </p:spPr>
-        <p:style>
-          <a:lnRef idx="2">
-            <a:schemeClr val="accent1">
-              <a:shade val="50000"/>
-            </a:schemeClr>
-          </a:lnRef>
-          <a:fillRef idx="1">
-            <a:schemeClr val="accent1"/>
-          </a:fillRef>
-          <a:effectRef idx="0">
-            <a:schemeClr val="accent1"/>
-          </a:effectRef>
-          <a:fontRef idx="minor">
-            <a:schemeClr val="lt1"/>
-          </a:fontRef>
-        </p:style>
-        <p:txBody>
-          <a:bodyPr rtlCol="0" anchor="ctr"/>
-          <a:lstStyle/>
-          <a:p>
-            <a:pPr algn="ctr"/>
-            <a:endParaRPr lang="ko-KR" altLang="en-US"/>
-          </a:p>
-        </p:txBody>
-      </p:sp>
-      <p:sp>
-        <p:nvSpPr>
-          <p:cNvPr id="63" name="TextBox 62">
-            <a:extLst>
-              <a:ext uri="{FF2B5EF4-FFF2-40B4-BE49-F238E27FC236}">
-                <a16:creationId xmlns:a16="http://schemas.microsoft.com/office/drawing/2014/main" id="{47EC1A70-0287-ACDB-501D-EA00F3D43C91}"/>
-              </a:ext>
-            </a:extLst>
-          </p:cNvPr>
-          <p:cNvSpPr txBox="1"/>
-          <p:nvPr/>
-        </p:nvSpPr>
-        <p:spPr>
-          <a:xfrm>
-            <a:off x="10344818" y="2365849"/>
-            <a:ext cx="2415981" cy="523220"/>
-          </a:xfrm>
-          <a:prstGeom prst="rect">
-            <a:avLst/>
-          </a:prstGeom>
-          <a:solidFill>
-            <a:schemeClr val="bg1"/>
-          </a:solidFill>
-        </p:spPr>
-        <p:txBody>
-          <a:bodyPr wrap="square">
-            <a:spAutoFit/>
-          </a:bodyPr>
-          <a:lstStyle/>
-          <a:p>
-            <a:pPr algn="ctr"/>
-            <a:r>
-              <a:rPr lang="ko-KR" altLang="en-US" sz="2800" dirty="0">
-                <a:solidFill>
-                  <a:srgbClr val="002060"/>
-                </a:solidFill>
-                <a:latin typeface="G마켓 산스 Bold" panose="02000000000000000000" pitchFamily="50" charset="-127"/>
-                <a:ea typeface="G마켓 산스 Bold" panose="02000000000000000000" pitchFamily="50" charset="-127"/>
-              </a:rPr>
-              <a:t>개인별 환경 </a:t>
-            </a:r>
-          </a:p>
-        </p:txBody>
-      </p:sp>
-      <p:sp>
-        <p:nvSpPr>
-          <p:cNvPr id="65" name="TextBox 64">
-            <a:extLst>
-              <a:ext uri="{FF2B5EF4-FFF2-40B4-BE49-F238E27FC236}">
-                <a16:creationId xmlns:a16="http://schemas.microsoft.com/office/drawing/2014/main" id="{5EBB711D-57E6-DB6C-F4C7-82AD98360413}"/>
-              </a:ext>
-            </a:extLst>
-          </p:cNvPr>
-          <p:cNvSpPr txBox="1"/>
-          <p:nvPr/>
-        </p:nvSpPr>
-        <p:spPr>
-          <a:xfrm>
-            <a:off x="10120207" y="2781300"/>
-            <a:ext cx="2196970" cy="2550698"/>
-          </a:xfrm>
-          <a:prstGeom prst="rect">
-            <a:avLst/>
-          </a:prstGeom>
-          <a:noFill/>
-        </p:spPr>
-        <p:txBody>
-          <a:bodyPr wrap="square">
-            <a:spAutoFit/>
-          </a:bodyPr>
-          <a:lstStyle/>
-          <a:p>
-            <a:pPr>
-              <a:lnSpc>
-                <a:spcPct val="150000"/>
-              </a:lnSpc>
-            </a:pPr>
-            <a:r>
-              <a:rPr lang="en-US" altLang="ko-KR" dirty="0">
-                <a:solidFill>
-                  <a:srgbClr val="002060"/>
-                </a:solidFill>
-                <a:latin typeface="G마켓 산스 Medium" panose="02000000000000000000" pitchFamily="50" charset="-127"/>
-                <a:ea typeface="G마켓 산스 Medium" panose="02000000000000000000" pitchFamily="50" charset="-127"/>
-              </a:rPr>
-              <a:t>1) </a:t>
-            </a:r>
-            <a:r>
-              <a:rPr lang="ko-KR" altLang="en-US" dirty="0">
-                <a:solidFill>
-                  <a:srgbClr val="002060"/>
-                </a:solidFill>
-                <a:latin typeface="G마켓 산스 Medium" panose="02000000000000000000" pitchFamily="50" charset="-127"/>
-                <a:ea typeface="G마켓 산스 Medium" panose="02000000000000000000" pitchFamily="50" charset="-127"/>
-              </a:rPr>
-              <a:t>성별</a:t>
-            </a:r>
-            <a:endParaRPr lang="en-US" altLang="ko-KR" dirty="0">
-              <a:solidFill>
-                <a:srgbClr val="002060"/>
-              </a:solidFill>
-              <a:latin typeface="G마켓 산스 Medium" panose="02000000000000000000" pitchFamily="50" charset="-127"/>
-              <a:ea typeface="G마켓 산스 Medium" panose="02000000000000000000" pitchFamily="50" charset="-127"/>
-            </a:endParaRPr>
-          </a:p>
-          <a:p>
-            <a:pPr>
-              <a:lnSpc>
-                <a:spcPct val="150000"/>
-              </a:lnSpc>
-            </a:pPr>
-            <a:r>
-              <a:rPr lang="en-US" altLang="ko-KR" dirty="0">
-                <a:solidFill>
-                  <a:srgbClr val="002060"/>
-                </a:solidFill>
-                <a:latin typeface="G마켓 산스 Medium" panose="02000000000000000000" pitchFamily="50" charset="-127"/>
-                <a:ea typeface="G마켓 산스 Medium" panose="02000000000000000000" pitchFamily="50" charset="-127"/>
-              </a:rPr>
-              <a:t>2) </a:t>
-            </a:r>
-            <a:r>
-              <a:rPr lang="ko-KR" altLang="en-US" dirty="0">
-                <a:solidFill>
-                  <a:srgbClr val="002060"/>
-                </a:solidFill>
-                <a:latin typeface="G마켓 산스 Medium" panose="02000000000000000000" pitchFamily="50" charset="-127"/>
-                <a:ea typeface="G마켓 산스 Medium" panose="02000000000000000000" pitchFamily="50" charset="-127"/>
-              </a:rPr>
-              <a:t>연령</a:t>
-            </a:r>
-            <a:endParaRPr lang="en-US" altLang="ko-KR" dirty="0">
-              <a:solidFill>
-                <a:srgbClr val="002060"/>
-              </a:solidFill>
-              <a:latin typeface="G마켓 산스 Medium" panose="02000000000000000000" pitchFamily="50" charset="-127"/>
-              <a:ea typeface="G마켓 산스 Medium" panose="02000000000000000000" pitchFamily="50" charset="-127"/>
-            </a:endParaRPr>
-          </a:p>
-          <a:p>
-            <a:pPr>
-              <a:lnSpc>
-                <a:spcPct val="150000"/>
-              </a:lnSpc>
-            </a:pPr>
-            <a:r>
-              <a:rPr lang="en-US" altLang="ko-KR" dirty="0">
-                <a:solidFill>
-                  <a:srgbClr val="002060"/>
-                </a:solidFill>
-                <a:latin typeface="G마켓 산스 Medium" panose="02000000000000000000" pitchFamily="50" charset="-127"/>
-                <a:ea typeface="G마켓 산스 Medium" panose="02000000000000000000" pitchFamily="50" charset="-127"/>
-              </a:rPr>
-              <a:t>3) </a:t>
-            </a:r>
-            <a:r>
-              <a:rPr lang="ko-KR" altLang="en-US" dirty="0">
-                <a:solidFill>
-                  <a:srgbClr val="002060"/>
-                </a:solidFill>
-                <a:latin typeface="G마켓 산스 Medium" panose="02000000000000000000" pitchFamily="50" charset="-127"/>
-                <a:ea typeface="G마켓 산스 Medium" panose="02000000000000000000" pitchFamily="50" charset="-127"/>
-              </a:rPr>
-              <a:t>학력</a:t>
-            </a:r>
-            <a:endParaRPr lang="en-US" altLang="ko-KR" dirty="0">
-              <a:solidFill>
-                <a:srgbClr val="002060"/>
-              </a:solidFill>
-              <a:latin typeface="G마켓 산스 Medium" panose="02000000000000000000" pitchFamily="50" charset="-127"/>
-              <a:ea typeface="G마켓 산스 Medium" panose="02000000000000000000" pitchFamily="50" charset="-127"/>
-            </a:endParaRPr>
-          </a:p>
-          <a:p>
-            <a:pPr>
-              <a:lnSpc>
-                <a:spcPct val="150000"/>
-              </a:lnSpc>
-            </a:pPr>
-            <a:r>
-              <a:rPr lang="en-US" altLang="ko-KR" dirty="0">
-                <a:solidFill>
-                  <a:srgbClr val="002060"/>
-                </a:solidFill>
-                <a:latin typeface="G마켓 산스 Medium" panose="02000000000000000000" pitchFamily="50" charset="-127"/>
-                <a:ea typeface="G마켓 산스 Medium" panose="02000000000000000000" pitchFamily="50" charset="-127"/>
-              </a:rPr>
-              <a:t>4) </a:t>
-            </a:r>
-            <a:r>
-              <a:rPr lang="ko-KR" altLang="en-US" dirty="0">
-                <a:solidFill>
-                  <a:srgbClr val="002060"/>
-                </a:solidFill>
-                <a:latin typeface="G마켓 산스 Medium" panose="02000000000000000000" pitchFamily="50" charset="-127"/>
-                <a:ea typeface="G마켓 산스 Medium" panose="02000000000000000000" pitchFamily="50" charset="-127"/>
-              </a:rPr>
-              <a:t>혼인 여부</a:t>
-            </a:r>
-          </a:p>
-          <a:p>
-            <a:pPr>
-              <a:lnSpc>
-                <a:spcPct val="150000"/>
-              </a:lnSpc>
-            </a:pPr>
-            <a:r>
-              <a:rPr lang="en-US" altLang="ko-KR" dirty="0">
-                <a:solidFill>
-                  <a:srgbClr val="002060"/>
-                </a:solidFill>
-                <a:latin typeface="G마켓 산스 Medium" panose="02000000000000000000" pitchFamily="50" charset="-127"/>
-                <a:ea typeface="G마켓 산스 Medium" panose="02000000000000000000" pitchFamily="50" charset="-127"/>
-              </a:rPr>
-              <a:t>5) </a:t>
-            </a:r>
-            <a:r>
-              <a:rPr lang="ko-KR" altLang="en-US" dirty="0" err="1">
-                <a:solidFill>
-                  <a:srgbClr val="002060"/>
-                </a:solidFill>
-                <a:latin typeface="G마켓 산스 Medium" panose="02000000000000000000" pitchFamily="50" charset="-127"/>
-                <a:ea typeface="G마켓 산스 Medium" panose="02000000000000000000" pitchFamily="50" charset="-127"/>
-              </a:rPr>
-              <a:t>자차</a:t>
-            </a:r>
-            <a:r>
-              <a:rPr lang="ko-KR" altLang="en-US" dirty="0">
-                <a:solidFill>
-                  <a:srgbClr val="002060"/>
-                </a:solidFill>
-                <a:latin typeface="G마켓 산스 Medium" panose="02000000000000000000" pitchFamily="50" charset="-127"/>
-                <a:ea typeface="G마켓 산스 Medium" panose="02000000000000000000" pitchFamily="50" charset="-127"/>
-              </a:rPr>
-              <a:t> 여부</a:t>
-            </a:r>
-            <a:endParaRPr lang="en-US" altLang="ko-KR" dirty="0">
-              <a:solidFill>
-                <a:srgbClr val="002060"/>
-              </a:solidFill>
-              <a:latin typeface="G마켓 산스 Medium" panose="02000000000000000000" pitchFamily="50" charset="-127"/>
-              <a:ea typeface="G마켓 산스 Medium" panose="02000000000000000000" pitchFamily="50" charset="-127"/>
-            </a:endParaRPr>
-          </a:p>
-          <a:p>
-            <a:pPr>
-              <a:lnSpc>
-                <a:spcPct val="150000"/>
-              </a:lnSpc>
-            </a:pPr>
-            <a:r>
-              <a:rPr lang="en-US" altLang="ko-KR" dirty="0">
-                <a:solidFill>
-                  <a:srgbClr val="002060"/>
-                </a:solidFill>
-                <a:latin typeface="G마켓 산스 Medium" panose="02000000000000000000" pitchFamily="50" charset="-127"/>
-                <a:ea typeface="G마켓 산스 Medium" panose="02000000000000000000" pitchFamily="50" charset="-127"/>
-              </a:rPr>
-              <a:t>6) </a:t>
-            </a:r>
-            <a:r>
-              <a:rPr lang="ko-KR" altLang="en-US" dirty="0">
-                <a:solidFill>
-                  <a:srgbClr val="002060"/>
-                </a:solidFill>
-                <a:latin typeface="G마켓 산스 Medium" panose="02000000000000000000" pitchFamily="50" charset="-127"/>
-                <a:ea typeface="G마켓 산스 Medium" panose="02000000000000000000" pitchFamily="50" charset="-127"/>
-              </a:rPr>
-              <a:t>가치관</a:t>
-            </a:r>
-            <a:endParaRPr lang="en-US" altLang="ko-KR" dirty="0">
-              <a:solidFill>
-                <a:srgbClr val="002060"/>
-              </a:solidFill>
-              <a:latin typeface="G마켓 산스 Medium" panose="02000000000000000000" pitchFamily="50" charset="-127"/>
-              <a:ea typeface="G마켓 산스 Medium" panose="02000000000000000000" pitchFamily="50" charset="-127"/>
-            </a:endParaRPr>
-          </a:p>
-        </p:txBody>
-      </p:sp>
-      <p:sp>
-        <p:nvSpPr>
-          <p:cNvPr id="66" name="TextBox 65">
-            <a:extLst>
-              <a:ext uri="{FF2B5EF4-FFF2-40B4-BE49-F238E27FC236}">
-                <a16:creationId xmlns:a16="http://schemas.microsoft.com/office/drawing/2014/main" id="{5ACF5703-A291-E8EE-4A12-AE63C46788B6}"/>
-              </a:ext>
-            </a:extLst>
-          </p:cNvPr>
-          <p:cNvSpPr txBox="1"/>
-          <p:nvPr/>
-        </p:nvSpPr>
-        <p:spPr>
-          <a:xfrm>
-            <a:off x="14192288" y="2365849"/>
-            <a:ext cx="2415981" cy="523220"/>
-          </a:xfrm>
-          <a:prstGeom prst="rect">
-            <a:avLst/>
-          </a:prstGeom>
-          <a:solidFill>
-            <a:schemeClr val="bg1"/>
-          </a:solidFill>
-        </p:spPr>
-        <p:txBody>
-          <a:bodyPr wrap="square">
-            <a:spAutoFit/>
-          </a:bodyPr>
-          <a:lstStyle/>
-          <a:p>
-            <a:pPr algn="ctr"/>
-            <a:r>
-              <a:rPr lang="ko-KR" altLang="en-US" sz="2800" dirty="0">
-                <a:solidFill>
-                  <a:srgbClr val="002060"/>
-                </a:solidFill>
-                <a:latin typeface="G마켓 산스 Bold" panose="02000000000000000000" pitchFamily="50" charset="-127"/>
-                <a:ea typeface="G마켓 산스 Bold" panose="02000000000000000000" pitchFamily="50" charset="-127"/>
-              </a:rPr>
-              <a:t>만족도</a:t>
-            </a:r>
-          </a:p>
-        </p:txBody>
-      </p:sp>
-      <p:sp>
-        <p:nvSpPr>
-          <p:cNvPr id="68" name="TextBox 67">
-            <a:extLst>
-              <a:ext uri="{FF2B5EF4-FFF2-40B4-BE49-F238E27FC236}">
-                <a16:creationId xmlns:a16="http://schemas.microsoft.com/office/drawing/2014/main" id="{CAB44407-EF61-A4FC-451A-6A19EEBE5E7C}"/>
-              </a:ext>
-            </a:extLst>
-          </p:cNvPr>
-          <p:cNvSpPr txBox="1"/>
-          <p:nvPr/>
-        </p:nvSpPr>
-        <p:spPr>
-          <a:xfrm>
-            <a:off x="13572943" y="2781300"/>
-            <a:ext cx="3654673" cy="3797193"/>
-          </a:xfrm>
-          <a:prstGeom prst="rect">
-            <a:avLst/>
-          </a:prstGeom>
-          <a:noFill/>
-        </p:spPr>
-        <p:txBody>
-          <a:bodyPr wrap="square">
-            <a:spAutoFit/>
-          </a:bodyPr>
-          <a:lstStyle/>
-          <a:p>
-            <a:pPr marL="342900" indent="-342900">
-              <a:lnSpc>
-                <a:spcPct val="150000"/>
-              </a:lnSpc>
-              <a:buAutoNum type="arabicParenR"/>
-            </a:pPr>
-            <a:r>
-              <a:rPr lang="ko-KR" altLang="en-US" dirty="0">
-                <a:solidFill>
-                  <a:srgbClr val="002060"/>
-                </a:solidFill>
-                <a:latin typeface="G마켓 산스 Medium" panose="02000000000000000000" pitchFamily="50" charset="-127"/>
-                <a:ea typeface="G마켓 산스 Medium" panose="02000000000000000000" pitchFamily="50" charset="-127"/>
-              </a:rPr>
-              <a:t>삶의 만족도</a:t>
-            </a:r>
-            <a:endParaRPr lang="en-US" altLang="ko-KR" dirty="0">
-              <a:solidFill>
-                <a:srgbClr val="002060"/>
-              </a:solidFill>
-              <a:latin typeface="G마켓 산스 Medium" panose="02000000000000000000" pitchFamily="50" charset="-127"/>
-              <a:ea typeface="G마켓 산스 Medium" panose="02000000000000000000" pitchFamily="50" charset="-127"/>
-            </a:endParaRPr>
-          </a:p>
-          <a:p>
-            <a:pPr>
-              <a:lnSpc>
-                <a:spcPct val="150000"/>
-              </a:lnSpc>
-            </a:pPr>
-            <a:r>
-              <a:rPr lang="en-US" altLang="ko-KR" dirty="0">
-                <a:solidFill>
-                  <a:schemeClr val="tx1">
-                    <a:lumMod val="50000"/>
-                    <a:lumOff val="50000"/>
-                  </a:schemeClr>
-                </a:solidFill>
-                <a:latin typeface="G마켓 산스 Medium" panose="02000000000000000000" pitchFamily="50" charset="-127"/>
-                <a:ea typeface="G마켓 산스 Medium" panose="02000000000000000000" pitchFamily="50" charset="-127"/>
-              </a:rPr>
-              <a:t>: </a:t>
-            </a:r>
-            <a:r>
-              <a:rPr lang="ko-KR" altLang="en-US" dirty="0">
-                <a:solidFill>
-                  <a:schemeClr val="tx1">
-                    <a:lumMod val="50000"/>
-                    <a:lumOff val="50000"/>
-                  </a:schemeClr>
-                </a:solidFill>
-                <a:latin typeface="G마켓 산스 Medium" panose="02000000000000000000" pitchFamily="50" charset="-127"/>
-                <a:ea typeface="G마켓 산스 Medium" panose="02000000000000000000" pitchFamily="50" charset="-127"/>
-              </a:rPr>
-              <a:t>전반적인 삶의 만족도</a:t>
-            </a:r>
-            <a:endParaRPr lang="en-US" altLang="ko-KR" dirty="0">
-              <a:solidFill>
-                <a:schemeClr val="tx1">
-                  <a:lumMod val="50000"/>
-                  <a:lumOff val="50000"/>
-                </a:schemeClr>
-              </a:solidFill>
-              <a:latin typeface="G마켓 산스 Medium" panose="02000000000000000000" pitchFamily="50" charset="-127"/>
-              <a:ea typeface="G마켓 산스 Medium" panose="02000000000000000000" pitchFamily="50" charset="-127"/>
-            </a:endParaRPr>
-          </a:p>
-          <a:p>
-            <a:pPr>
-              <a:lnSpc>
-                <a:spcPct val="150000"/>
-              </a:lnSpc>
-            </a:pPr>
-            <a:r>
-              <a:rPr lang="en-US" altLang="ko-KR" dirty="0">
-                <a:solidFill>
-                  <a:srgbClr val="002060"/>
-                </a:solidFill>
-                <a:latin typeface="G마켓 산스 Medium" panose="02000000000000000000" pitchFamily="50" charset="-127"/>
-                <a:ea typeface="G마켓 산스 Medium" panose="02000000000000000000" pitchFamily="50" charset="-127"/>
-              </a:rPr>
-              <a:t>2) </a:t>
-            </a:r>
-            <a:r>
-              <a:rPr lang="ko-KR" altLang="en-US" dirty="0">
-                <a:solidFill>
-                  <a:srgbClr val="002060"/>
-                </a:solidFill>
-                <a:latin typeface="G마켓 산스 Medium" panose="02000000000000000000" pitchFamily="50" charset="-127"/>
-                <a:ea typeface="G마켓 산스 Medium" panose="02000000000000000000" pitchFamily="50" charset="-127"/>
-              </a:rPr>
-              <a:t>생활수준 만족도</a:t>
-            </a:r>
-            <a:endParaRPr lang="en-US" altLang="ko-KR" dirty="0">
-              <a:solidFill>
-                <a:srgbClr val="002060"/>
-              </a:solidFill>
-              <a:latin typeface="G마켓 산스 Medium" panose="02000000000000000000" pitchFamily="50" charset="-127"/>
-              <a:ea typeface="G마켓 산스 Medium" panose="02000000000000000000" pitchFamily="50" charset="-127"/>
-            </a:endParaRPr>
-          </a:p>
-          <a:p>
-            <a:pPr>
-              <a:lnSpc>
-                <a:spcPct val="150000"/>
-              </a:lnSpc>
-            </a:pPr>
-            <a:r>
-              <a:rPr lang="en-US" altLang="ko-KR" dirty="0">
-                <a:solidFill>
-                  <a:srgbClr val="002060"/>
-                </a:solidFill>
-                <a:latin typeface="G마켓 산스 Medium" panose="02000000000000000000" pitchFamily="50" charset="-127"/>
-                <a:ea typeface="G마켓 산스 Medium" panose="02000000000000000000" pitchFamily="50" charset="-127"/>
-              </a:rPr>
-              <a:t>: </a:t>
-            </a:r>
-            <a:r>
-              <a:rPr lang="ko-KR" altLang="en-US" dirty="0">
-                <a:solidFill>
-                  <a:schemeClr val="tx1">
-                    <a:lumMod val="50000"/>
-                    <a:lumOff val="50000"/>
-                  </a:schemeClr>
-                </a:solidFill>
-                <a:latin typeface="G마켓 산스 Medium" panose="02000000000000000000" pitchFamily="50" charset="-127"/>
-                <a:ea typeface="G마켓 산스 Medium" panose="02000000000000000000" pitchFamily="50" charset="-127"/>
-              </a:rPr>
-              <a:t>생활의 경제적 수준에 대한 만족도</a:t>
-            </a:r>
-            <a:endParaRPr lang="en-US" altLang="ko-KR" dirty="0">
-              <a:solidFill>
-                <a:schemeClr val="tx1">
-                  <a:lumMod val="50000"/>
-                  <a:lumOff val="50000"/>
-                </a:schemeClr>
-              </a:solidFill>
-              <a:latin typeface="G마켓 산스 Medium" panose="02000000000000000000" pitchFamily="50" charset="-127"/>
-              <a:ea typeface="G마켓 산스 Medium" panose="02000000000000000000" pitchFamily="50" charset="-127"/>
-            </a:endParaRPr>
-          </a:p>
-          <a:p>
-            <a:pPr>
-              <a:lnSpc>
-                <a:spcPct val="150000"/>
-              </a:lnSpc>
-            </a:pPr>
-            <a:r>
-              <a:rPr lang="en-US" altLang="ko-KR" dirty="0">
-                <a:solidFill>
-                  <a:srgbClr val="002060"/>
-                </a:solidFill>
-                <a:latin typeface="G마켓 산스 Medium" panose="02000000000000000000" pitchFamily="50" charset="-127"/>
-                <a:ea typeface="G마켓 산스 Medium" panose="02000000000000000000" pitchFamily="50" charset="-127"/>
-              </a:rPr>
-              <a:t>3) </a:t>
-            </a:r>
-            <a:r>
-              <a:rPr lang="ko-KR" altLang="en-US" dirty="0">
-                <a:solidFill>
-                  <a:srgbClr val="002060"/>
-                </a:solidFill>
-                <a:latin typeface="G마켓 산스 Medium" panose="02000000000000000000" pitchFamily="50" charset="-127"/>
-                <a:ea typeface="G마켓 산스 Medium" panose="02000000000000000000" pitchFamily="50" charset="-127"/>
-              </a:rPr>
-              <a:t>건강 만족도</a:t>
-            </a:r>
-            <a:endParaRPr lang="en-US" altLang="ko-KR" dirty="0">
-              <a:solidFill>
-                <a:srgbClr val="002060"/>
-              </a:solidFill>
-              <a:latin typeface="G마켓 산스 Medium" panose="02000000000000000000" pitchFamily="50" charset="-127"/>
-              <a:ea typeface="G마켓 산스 Medium" panose="02000000000000000000" pitchFamily="50" charset="-127"/>
-            </a:endParaRPr>
-          </a:p>
-          <a:p>
-            <a:pPr>
-              <a:lnSpc>
-                <a:spcPct val="150000"/>
-              </a:lnSpc>
-            </a:pPr>
-            <a:r>
-              <a:rPr lang="en-US" altLang="ko-KR" dirty="0">
-                <a:solidFill>
-                  <a:srgbClr val="002060"/>
-                </a:solidFill>
-                <a:latin typeface="G마켓 산스 Medium" panose="02000000000000000000" pitchFamily="50" charset="-127"/>
-                <a:ea typeface="G마켓 산스 Medium" panose="02000000000000000000" pitchFamily="50" charset="-127"/>
-              </a:rPr>
-              <a:t>: </a:t>
-            </a:r>
-            <a:r>
-              <a:rPr lang="ko-KR" altLang="en-US" dirty="0">
-                <a:solidFill>
-                  <a:schemeClr val="tx1">
-                    <a:lumMod val="50000"/>
-                    <a:lumOff val="50000"/>
-                  </a:schemeClr>
-                </a:solidFill>
-                <a:latin typeface="G마켓 산스 Medium" panose="02000000000000000000" pitchFamily="50" charset="-127"/>
-                <a:ea typeface="G마켓 산스 Medium" panose="02000000000000000000" pitchFamily="50" charset="-127"/>
-              </a:rPr>
-              <a:t>본인의 건강에 대한 만족도</a:t>
-            </a:r>
-            <a:endParaRPr lang="en-US" altLang="ko-KR" dirty="0">
-              <a:solidFill>
-                <a:schemeClr val="tx1">
-                  <a:lumMod val="50000"/>
-                  <a:lumOff val="50000"/>
-                </a:schemeClr>
-              </a:solidFill>
-              <a:latin typeface="G마켓 산스 Medium" panose="02000000000000000000" pitchFamily="50" charset="-127"/>
-              <a:ea typeface="G마켓 산스 Medium" panose="02000000000000000000" pitchFamily="50" charset="-127"/>
-            </a:endParaRPr>
-          </a:p>
-          <a:p>
-            <a:pPr>
-              <a:lnSpc>
-                <a:spcPct val="150000"/>
-              </a:lnSpc>
-            </a:pPr>
-            <a:r>
-              <a:rPr lang="en-US" altLang="ko-KR" dirty="0">
-                <a:solidFill>
-                  <a:srgbClr val="002060"/>
-                </a:solidFill>
-                <a:latin typeface="G마켓 산스 Medium" panose="02000000000000000000" pitchFamily="50" charset="-127"/>
-                <a:ea typeface="G마켓 산스 Medium" panose="02000000000000000000" pitchFamily="50" charset="-127"/>
-              </a:rPr>
-              <a:t>4) </a:t>
-            </a:r>
-            <a:r>
-              <a:rPr lang="ko-KR" altLang="en-US" dirty="0">
-                <a:solidFill>
-                  <a:srgbClr val="002060"/>
-                </a:solidFill>
-                <a:latin typeface="G마켓 산스 Medium" panose="02000000000000000000" pitchFamily="50" charset="-127"/>
-                <a:ea typeface="G마켓 산스 Medium" panose="02000000000000000000" pitchFamily="50" charset="-127"/>
-              </a:rPr>
-              <a:t>대인관계 만족도</a:t>
-            </a:r>
-            <a:endParaRPr lang="en-US" altLang="ko-KR" dirty="0">
-              <a:solidFill>
-                <a:srgbClr val="002060"/>
-              </a:solidFill>
-              <a:latin typeface="G마켓 산스 Medium" panose="02000000000000000000" pitchFamily="50" charset="-127"/>
-              <a:ea typeface="G마켓 산스 Medium" panose="02000000000000000000" pitchFamily="50" charset="-127"/>
-            </a:endParaRPr>
-          </a:p>
-          <a:p>
-            <a:pPr>
-              <a:lnSpc>
-                <a:spcPct val="150000"/>
-              </a:lnSpc>
-            </a:pPr>
-            <a:r>
-              <a:rPr lang="en-US" altLang="ko-KR" dirty="0">
-                <a:solidFill>
-                  <a:srgbClr val="002060"/>
-                </a:solidFill>
-                <a:latin typeface="G마켓 산스 Medium" panose="02000000000000000000" pitchFamily="50" charset="-127"/>
-                <a:ea typeface="G마켓 산스 Medium" panose="02000000000000000000" pitchFamily="50" charset="-127"/>
-              </a:rPr>
-              <a:t>: </a:t>
-            </a:r>
-            <a:r>
-              <a:rPr lang="ko-KR" altLang="en-US" dirty="0">
-                <a:solidFill>
-                  <a:schemeClr val="tx1">
-                    <a:lumMod val="50000"/>
-                    <a:lumOff val="50000"/>
-                  </a:schemeClr>
-                </a:solidFill>
-                <a:latin typeface="G마켓 산스 Medium" panose="02000000000000000000" pitchFamily="50" charset="-127"/>
-                <a:ea typeface="G마켓 산스 Medium" panose="02000000000000000000" pitchFamily="50" charset="-127"/>
-              </a:rPr>
-              <a:t>전체적인 대인관계에 대한 만족도</a:t>
-            </a:r>
-            <a:endParaRPr lang="en-US" altLang="ko-KR" dirty="0">
-              <a:solidFill>
-                <a:schemeClr val="tx1">
-                  <a:lumMod val="50000"/>
-                  <a:lumOff val="50000"/>
-                </a:schemeClr>
-              </a:solidFill>
-              <a:latin typeface="G마켓 산스 Medium" panose="02000000000000000000" pitchFamily="50" charset="-127"/>
-              <a:ea typeface="G마켓 산스 Medium" panose="02000000000000000000" pitchFamily="50" charset="-127"/>
-            </a:endParaRPr>
-          </a:p>
-          <a:p>
-            <a:pPr>
-              <a:lnSpc>
-                <a:spcPct val="150000"/>
-              </a:lnSpc>
-            </a:pPr>
-            <a:endParaRPr lang="en-US" altLang="ko-KR" dirty="0">
-              <a:solidFill>
-                <a:schemeClr val="tx1">
-                  <a:lumMod val="50000"/>
-                  <a:lumOff val="50000"/>
-                </a:schemeClr>
-              </a:solidFill>
-              <a:latin typeface="G마켓 산스 Medium" panose="02000000000000000000" pitchFamily="50" charset="-127"/>
-              <a:ea typeface="G마켓 산스 Medium" panose="02000000000000000000" pitchFamily="50" charset="-127"/>
-            </a:endParaRPr>
-          </a:p>
-        </p:txBody>
-      </p:sp>
-      <p:sp>
-        <p:nvSpPr>
-          <p:cNvPr id="69" name="TextBox 68">
-            <a:extLst>
-              <a:ext uri="{FF2B5EF4-FFF2-40B4-BE49-F238E27FC236}">
-                <a16:creationId xmlns:a16="http://schemas.microsoft.com/office/drawing/2014/main" id="{2F35F647-9C72-DADD-2876-2296C29DAF00}"/>
-              </a:ext>
-            </a:extLst>
-          </p:cNvPr>
-          <p:cNvSpPr txBox="1"/>
-          <p:nvPr/>
-        </p:nvSpPr>
-        <p:spPr>
-          <a:xfrm>
-            <a:off x="10363200" y="7581900"/>
-            <a:ext cx="6019800" cy="707886"/>
-          </a:xfrm>
-          <a:prstGeom prst="rect">
-            <a:avLst/>
-          </a:prstGeom>
-          <a:solidFill>
-            <a:schemeClr val="bg1"/>
-          </a:solidFill>
-        </p:spPr>
-        <p:txBody>
-          <a:bodyPr wrap="square">
-            <a:spAutoFit/>
-          </a:bodyPr>
-          <a:lstStyle/>
-          <a:p>
-            <a:pPr algn="ctr"/>
-            <a:r>
-              <a:rPr lang="en-US" altLang="ko-KR" sz="4000" dirty="0">
-                <a:solidFill>
-                  <a:srgbClr val="002060"/>
-                </a:solidFill>
-                <a:latin typeface="G마켓 산스 Bold" panose="02000000000000000000" pitchFamily="50" charset="-127"/>
-                <a:ea typeface="G마켓 산스 Bold" panose="02000000000000000000" pitchFamily="50" charset="-127"/>
-              </a:rPr>
-              <a:t>“</a:t>
-            </a:r>
-            <a:r>
-              <a:rPr lang="ko-KR" altLang="en-US" sz="4000" dirty="0">
-                <a:solidFill>
-                  <a:srgbClr val="002060"/>
-                </a:solidFill>
-                <a:latin typeface="G마켓 산스 Bold" panose="02000000000000000000" pitchFamily="50" charset="-127"/>
-                <a:ea typeface="G마켓 산스 Bold" panose="02000000000000000000" pitchFamily="50" charset="-127"/>
-              </a:rPr>
-              <a:t>사용자 개인과 비교</a:t>
-            </a:r>
-            <a:r>
-              <a:rPr lang="en-US" altLang="ko-KR" sz="4000" dirty="0">
-                <a:solidFill>
-                  <a:srgbClr val="002060"/>
-                </a:solidFill>
-                <a:latin typeface="G마켓 산스 Bold" panose="02000000000000000000" pitchFamily="50" charset="-127"/>
-                <a:ea typeface="G마켓 산스 Bold" panose="02000000000000000000" pitchFamily="50" charset="-127"/>
-              </a:rPr>
-              <a:t>·</a:t>
-            </a:r>
-            <a:r>
-              <a:rPr lang="ko-KR" altLang="en-US" sz="4000" dirty="0">
-                <a:solidFill>
-                  <a:srgbClr val="002060"/>
-                </a:solidFill>
-                <a:latin typeface="G마켓 산스 Bold" panose="02000000000000000000" pitchFamily="50" charset="-127"/>
-                <a:ea typeface="G마켓 산스 Bold" panose="02000000000000000000" pitchFamily="50" charset="-127"/>
-              </a:rPr>
-              <a:t>분석</a:t>
-            </a:r>
-            <a:r>
-              <a:rPr lang="en-US" altLang="ko-KR" sz="4000" dirty="0">
-                <a:solidFill>
-                  <a:srgbClr val="002060"/>
-                </a:solidFill>
-                <a:latin typeface="G마켓 산스 Bold" panose="02000000000000000000" pitchFamily="50" charset="-127"/>
-                <a:ea typeface="G마켓 산스 Bold" panose="02000000000000000000" pitchFamily="50" charset="-127"/>
-              </a:rPr>
-              <a:t>”</a:t>
-            </a:r>
-          </a:p>
-        </p:txBody>
-      </p:sp>
-      <p:sp>
-        <p:nvSpPr>
-          <p:cNvPr id="70" name="이등변 삼각형 69">
-            <a:extLst>
-              <a:ext uri="{FF2B5EF4-FFF2-40B4-BE49-F238E27FC236}">
-                <a16:creationId xmlns:a16="http://schemas.microsoft.com/office/drawing/2014/main" id="{0DBB5C95-073E-3960-723A-3589C32907DD}"/>
-              </a:ext>
-            </a:extLst>
-          </p:cNvPr>
-          <p:cNvSpPr/>
-          <p:nvPr/>
-        </p:nvSpPr>
-        <p:spPr>
-          <a:xfrm rot="10800000">
-            <a:off x="9932767" y="7464378"/>
-            <a:ext cx="7503875" cy="996679"/>
-          </a:xfrm>
-          <a:prstGeom prst="triangle">
-            <a:avLst/>
-          </a:prstGeom>
-          <a:solidFill>
-            <a:srgbClr val="6E9CCC">
-              <a:alpha val="16000"/>
-            </a:srgbClr>
-          </a:solidFill>
-          <a:ln>
-            <a:noFill/>
-          </a:ln>
-        </p:spPr>
-        <p:style>
-          <a:lnRef idx="2">
-            <a:schemeClr val="accent1">
-              <a:shade val="50000"/>
-            </a:schemeClr>
-          </a:lnRef>
-          <a:fillRef idx="1">
-            <a:schemeClr val="accent1"/>
-          </a:fillRef>
-          <a:effectRef idx="0">
-            <a:schemeClr val="accent1"/>
-          </a:effectRef>
-          <a:fontRef idx="minor">
-            <a:schemeClr val="lt1"/>
-          </a:fontRef>
-        </p:style>
-        <p:txBody>
-          <a:bodyPr rtlCol="0" anchor="ctr"/>
-          <a:lstStyle/>
-          <a:p>
-            <a:pPr algn="ctr"/>
-            <a:endParaRPr lang="ko-KR" altLang="en-US" dirty="0"/>
-          </a:p>
-        </p:txBody>
-      </p:sp>
-      <p:sp>
-        <p:nvSpPr>
           <p:cNvPr id="64" name="TextBox 63">
             <a:extLst>
               <a:ext uri="{FF2B5EF4-FFF2-40B4-BE49-F238E27FC236}">
@@ -13974,240 +13037,6 @@
           </a:p>
         </p:txBody>
       </p:sp>
-      <p:sp>
-        <p:nvSpPr>
-          <p:cNvPr id="5" name="직사각형 4"/>
-          <p:cNvSpPr/>
-          <p:nvPr/>
-        </p:nvSpPr>
-        <p:spPr>
-          <a:xfrm>
-            <a:off x="10804848" y="2168723"/>
-            <a:ext cx="1495922" cy="307777"/>
-          </a:xfrm>
-          <a:prstGeom prst="rect">
-            <a:avLst/>
-          </a:prstGeom>
-        </p:spPr>
-        <p:txBody>
-          <a:bodyPr wrap="none">
-            <a:spAutoFit/>
-          </a:bodyPr>
-          <a:lstStyle/>
-          <a:p>
-            <a:pPr algn="ctr"/>
-            <a:r>
-              <a:rPr lang="ko-KR" altLang="en-US" sz="1400" dirty="0">
-                <a:solidFill>
-                  <a:schemeClr val="bg1">
-                    <a:lumMod val="50000"/>
-                  </a:schemeClr>
-                </a:solidFill>
-                <a:latin typeface="G마켓 산스 Medium" panose="02000000000000000000" pitchFamily="50" charset="-127"/>
-                <a:ea typeface="G마켓 산스 Medium" panose="02000000000000000000" pitchFamily="50" charset="-127"/>
-              </a:rPr>
-              <a:t>회원 가입시 입력</a:t>
-            </a:r>
-            <a:endParaRPr lang="en-US" altLang="ko-KR" sz="1400" dirty="0">
-              <a:solidFill>
-                <a:schemeClr val="bg1">
-                  <a:lumMod val="50000"/>
-                </a:schemeClr>
-              </a:solidFill>
-              <a:latin typeface="G마켓 산스 Medium" panose="02000000000000000000" pitchFamily="50" charset="-127"/>
-              <a:ea typeface="G마켓 산스 Medium" panose="02000000000000000000" pitchFamily="50" charset="-127"/>
-            </a:endParaRPr>
-          </a:p>
-        </p:txBody>
-      </p:sp>
-      <p:sp>
-        <p:nvSpPr>
-          <p:cNvPr id="60" name="직사각형 59"/>
-          <p:cNvSpPr/>
-          <p:nvPr/>
-        </p:nvSpPr>
-        <p:spPr>
-          <a:xfrm>
-            <a:off x="14565755" y="2169720"/>
-            <a:ext cx="1669048" cy="307777"/>
-          </a:xfrm>
-          <a:prstGeom prst="rect">
-            <a:avLst/>
-          </a:prstGeom>
-        </p:spPr>
-        <p:txBody>
-          <a:bodyPr wrap="none">
-            <a:spAutoFit/>
-          </a:bodyPr>
-          <a:lstStyle/>
-          <a:p>
-            <a:pPr algn="ctr"/>
-            <a:r>
-              <a:rPr lang="ko-KR" altLang="en-US" sz="1400" dirty="0">
-                <a:solidFill>
-                  <a:schemeClr val="bg1">
-                    <a:lumMod val="50000"/>
-                  </a:schemeClr>
-                </a:solidFill>
-                <a:latin typeface="G마켓 산스 Medium" panose="02000000000000000000" pitchFamily="50" charset="-127"/>
-                <a:ea typeface="G마켓 산스 Medium" panose="02000000000000000000" pitchFamily="50" charset="-127"/>
-              </a:rPr>
-              <a:t>기존 데이터와 비교</a:t>
-            </a:r>
-            <a:endParaRPr lang="en-US" altLang="ko-KR" sz="1400" dirty="0">
-              <a:solidFill>
-                <a:schemeClr val="bg1">
-                  <a:lumMod val="50000"/>
-                </a:schemeClr>
-              </a:solidFill>
-              <a:latin typeface="G마켓 산스 Medium" panose="02000000000000000000" pitchFamily="50" charset="-127"/>
-              <a:ea typeface="G마켓 산스 Medium" panose="02000000000000000000" pitchFamily="50" charset="-127"/>
-            </a:endParaRPr>
-          </a:p>
-        </p:txBody>
-      </p:sp>
-      <p:sp>
-        <p:nvSpPr>
-          <p:cNvPr id="74" name="TextBox 73"/>
-          <p:cNvSpPr txBox="1"/>
-          <p:nvPr/>
-        </p:nvSpPr>
-        <p:spPr>
-          <a:xfrm>
-            <a:off x="9906000" y="8267700"/>
-            <a:ext cx="6934200" cy="1338828"/>
-          </a:xfrm>
-          <a:prstGeom prst="rect">
-            <a:avLst/>
-          </a:prstGeom>
-          <a:noFill/>
-        </p:spPr>
-        <p:txBody>
-          <a:bodyPr wrap="square" rtlCol="0">
-            <a:spAutoFit/>
-          </a:bodyPr>
-          <a:lstStyle/>
-          <a:p>
-            <a:pPr algn="ctr"/>
-            <a:r>
-              <a:rPr lang="ko-KR" altLang="en-US" sz="2700" dirty="0">
-                <a:solidFill>
-                  <a:srgbClr val="002060"/>
-                </a:solidFill>
-                <a:latin typeface="G마켓 산스 Bold" panose="02000000000000000000" pitchFamily="50" charset="-127"/>
-                <a:ea typeface="G마켓 산스 Bold" panose="02000000000000000000" pitchFamily="50" charset="-127"/>
-              </a:rPr>
-              <a:t>분석한 내용을 바탕으로</a:t>
-            </a:r>
-            <a:endParaRPr lang="en-US" altLang="ko-KR" sz="2700" dirty="0">
-              <a:solidFill>
-                <a:srgbClr val="002060"/>
-              </a:solidFill>
-              <a:latin typeface="G마켓 산스 Bold" panose="02000000000000000000" pitchFamily="50" charset="-127"/>
-              <a:ea typeface="G마켓 산스 Bold" panose="02000000000000000000" pitchFamily="50" charset="-127"/>
-            </a:endParaRPr>
-          </a:p>
-          <a:p>
-            <a:pPr algn="ctr"/>
-            <a:r>
-              <a:rPr lang="ko-KR" altLang="en-US" sz="2700" dirty="0" smtClean="0">
-                <a:solidFill>
-                  <a:srgbClr val="002060"/>
-                </a:solidFill>
-                <a:latin typeface="G마켓 산스 Bold" panose="02000000000000000000" pitchFamily="50" charset="-127"/>
-                <a:ea typeface="G마켓 산스 Bold" panose="02000000000000000000" pitchFamily="50" charset="-127"/>
-              </a:rPr>
-              <a:t>사용자의 예상 만족도와</a:t>
-            </a:r>
-            <a:r>
-              <a:rPr lang="en-US" altLang="ko-KR" sz="2700" dirty="0">
-                <a:solidFill>
-                  <a:srgbClr val="002060"/>
-                </a:solidFill>
-                <a:latin typeface="G마켓 산스 Bold" panose="02000000000000000000" pitchFamily="50" charset="-127"/>
-                <a:ea typeface="G마켓 산스 Bold" panose="02000000000000000000" pitchFamily="50" charset="-127"/>
-              </a:rPr>
-              <a:t>,</a:t>
-            </a:r>
-          </a:p>
-          <a:p>
-            <a:pPr algn="ctr"/>
-            <a:r>
-              <a:rPr lang="ko-KR" altLang="en-US" sz="2700" dirty="0" smtClean="0">
-                <a:solidFill>
-                  <a:srgbClr val="002060"/>
-                </a:solidFill>
-                <a:latin typeface="G마켓 산스 Bold" panose="02000000000000000000" pitchFamily="50" charset="-127"/>
-                <a:ea typeface="G마켓 산스 Bold" panose="02000000000000000000" pitchFamily="50" charset="-127"/>
-              </a:rPr>
-              <a:t>만족도를 높일 수 있는 방법 </a:t>
-            </a:r>
-            <a:r>
-              <a:rPr lang="ko-KR" altLang="en-US" sz="2700" dirty="0">
-                <a:solidFill>
-                  <a:srgbClr val="002060"/>
-                </a:solidFill>
-                <a:latin typeface="G마켓 산스 Bold" panose="02000000000000000000" pitchFamily="50" charset="-127"/>
-                <a:ea typeface="G마켓 산스 Bold" panose="02000000000000000000" pitchFamily="50" charset="-127"/>
-              </a:rPr>
-              <a:t>제시</a:t>
-            </a:r>
-            <a:endParaRPr lang="en-US" altLang="ko-KR" sz="2700" dirty="0">
-              <a:solidFill>
-                <a:srgbClr val="002060"/>
-              </a:solidFill>
-              <a:latin typeface="G마켓 산스 Bold" panose="02000000000000000000" pitchFamily="50" charset="-127"/>
-              <a:ea typeface="G마켓 산스 Bold" panose="02000000000000000000" pitchFamily="50" charset="-127"/>
-            </a:endParaRPr>
-          </a:p>
-        </p:txBody>
-      </p:sp>
-      <p:sp>
-        <p:nvSpPr>
-          <p:cNvPr id="61" name="TextBox 60">
-            <a:extLst>
-              <a:ext uri="{FF2B5EF4-FFF2-40B4-BE49-F238E27FC236}">
-                <a16:creationId xmlns:a16="http://schemas.microsoft.com/office/drawing/2014/main" id="{5EBB711D-57E6-DB6C-F4C7-82AD98360413}"/>
-              </a:ext>
-            </a:extLst>
-          </p:cNvPr>
-          <p:cNvSpPr txBox="1"/>
-          <p:nvPr/>
-        </p:nvSpPr>
-        <p:spPr>
-          <a:xfrm>
-            <a:off x="11189657" y="5321523"/>
-            <a:ext cx="726302" cy="473206"/>
-          </a:xfrm>
-          <a:prstGeom prst="rect">
-            <a:avLst/>
-          </a:prstGeom>
-          <a:noFill/>
-        </p:spPr>
-        <p:txBody>
-          <a:bodyPr wrap="square">
-            <a:spAutoFit/>
-          </a:bodyPr>
-          <a:lstStyle/>
-          <a:p>
-            <a:pPr algn="ctr">
-              <a:lnSpc>
-                <a:spcPct val="150000"/>
-              </a:lnSpc>
-            </a:pPr>
-            <a:r>
-              <a:rPr lang="en-US" altLang="ko-KR" dirty="0">
-                <a:solidFill>
-                  <a:srgbClr val="002060"/>
-                </a:solidFill>
-                <a:latin typeface="G마켓 산스 Medium" panose="02000000000000000000" pitchFamily="50" charset="-127"/>
-                <a:ea typeface="G마켓 산스 Medium" panose="02000000000000000000" pitchFamily="50" charset="-127"/>
-              </a:rPr>
-              <a:t>…</a:t>
-            </a:r>
-          </a:p>
-        </p:txBody>
-      </p:sp>
       <p:pic>
         <p:nvPicPr>
           <p:cNvPr id="4" name="그림 3"/>
@@ -14232,6 +13061,1180 @@
           </a:prstGeom>
         </p:spPr>
       </p:pic>
+      <p:grpSp>
+        <p:nvGrpSpPr>
+          <p:cNvPr id="21" name="그룹 20">
+            <a:extLst>
+              <a:ext uri="{FF2B5EF4-FFF2-40B4-BE49-F238E27FC236}">
+                <a16:creationId xmlns:a16="http://schemas.microsoft.com/office/drawing/2014/main" id="{0B6FBB31-8834-E91D-D7D7-377DAE0BE27E}"/>
+              </a:ext>
+            </a:extLst>
+          </p:cNvPr>
+          <p:cNvGrpSpPr/>
+          <p:nvPr/>
+        </p:nvGrpSpPr>
+        <p:grpSpPr>
+          <a:xfrm>
+            <a:off x="10134600" y="2476500"/>
+            <a:ext cx="7550217" cy="7121146"/>
+            <a:chOff x="5403783" y="2485382"/>
+            <a:chExt cx="7550217" cy="7121146"/>
+          </a:xfrm>
+        </p:grpSpPr>
+        <p:sp>
+          <p:nvSpPr>
+            <p:cNvPr id="22" name="직사각형 21">
+              <a:extLst>
+                <a:ext uri="{FF2B5EF4-FFF2-40B4-BE49-F238E27FC236}">
+                  <a16:creationId xmlns:a16="http://schemas.microsoft.com/office/drawing/2014/main" id="{67A0FB33-0CC2-9152-14C6-9A118DCB1EF3}"/>
+                </a:ext>
+              </a:extLst>
+            </p:cNvPr>
+            <p:cNvSpPr/>
+            <p:nvPr/>
+          </p:nvSpPr>
+          <p:spPr>
+            <a:xfrm>
+              <a:off x="5450125" y="2887920"/>
+              <a:ext cx="3200934" cy="4572449"/>
+            </a:xfrm>
+            <a:prstGeom prst="rect">
+              <a:avLst/>
+            </a:prstGeom>
+            <a:noFill/>
+            <a:ln>
+              <a:solidFill>
+                <a:schemeClr val="accent1">
+                  <a:shade val="50000"/>
+                </a:schemeClr>
+              </a:solidFill>
+            </a:ln>
+          </p:spPr>
+          <p:style>
+            <a:lnRef idx="2">
+              <a:schemeClr val="accent1">
+                <a:shade val="50000"/>
+              </a:schemeClr>
+            </a:lnRef>
+            <a:fillRef idx="1">
+              <a:schemeClr val="accent1"/>
+            </a:fillRef>
+            <a:effectRef idx="0">
+              <a:schemeClr val="accent1"/>
+            </a:effectRef>
+            <a:fontRef idx="minor">
+              <a:schemeClr val="lt1"/>
+            </a:fontRef>
+          </p:style>
+          <p:txBody>
+            <a:bodyPr rtlCol="0" anchor="ctr"/>
+            <a:lstStyle/>
+            <a:p>
+              <a:pPr algn="ctr"/>
+              <a:endParaRPr lang="ko-KR" altLang="en-US"/>
+            </a:p>
+          </p:txBody>
+        </p:sp>
+        <p:sp>
+          <p:nvSpPr>
+            <p:cNvPr id="23" name="직사각형 22">
+              <a:extLst>
+                <a:ext uri="{FF2B5EF4-FFF2-40B4-BE49-F238E27FC236}">
+                  <a16:creationId xmlns:a16="http://schemas.microsoft.com/office/drawing/2014/main" id="{F0065A53-78F1-4315-9102-FFD38BAC4040}"/>
+                </a:ext>
+              </a:extLst>
+            </p:cNvPr>
+            <p:cNvSpPr/>
+            <p:nvPr/>
+          </p:nvSpPr>
+          <p:spPr>
+            <a:xfrm>
+              <a:off x="9022022" y="2887920"/>
+              <a:ext cx="3931978" cy="4572449"/>
+            </a:xfrm>
+            <a:prstGeom prst="rect">
+              <a:avLst/>
+            </a:prstGeom>
+            <a:noFill/>
+            <a:ln>
+              <a:solidFill>
+                <a:schemeClr val="accent1">
+                  <a:shade val="50000"/>
+                </a:schemeClr>
+              </a:solidFill>
+            </a:ln>
+          </p:spPr>
+          <p:style>
+            <a:lnRef idx="2">
+              <a:schemeClr val="accent1">
+                <a:shade val="50000"/>
+              </a:schemeClr>
+            </a:lnRef>
+            <a:fillRef idx="1">
+              <a:schemeClr val="accent1"/>
+            </a:fillRef>
+            <a:effectRef idx="0">
+              <a:schemeClr val="accent1"/>
+            </a:effectRef>
+            <a:fontRef idx="minor">
+              <a:schemeClr val="lt1"/>
+            </a:fontRef>
+          </p:style>
+          <p:txBody>
+            <a:bodyPr rtlCol="0" anchor="ctr"/>
+            <a:lstStyle/>
+            <a:p>
+              <a:pPr algn="ctr"/>
+              <a:endParaRPr lang="ko-KR" altLang="en-US"/>
+            </a:p>
+          </p:txBody>
+        </p:sp>
+        <p:sp>
+          <p:nvSpPr>
+            <p:cNvPr id="24" name="TextBox 23">
+              <a:extLst>
+                <a:ext uri="{FF2B5EF4-FFF2-40B4-BE49-F238E27FC236}">
+                  <a16:creationId xmlns:a16="http://schemas.microsoft.com/office/drawing/2014/main" id="{599B954D-00EA-59A2-4801-CB45E6F95975}"/>
+                </a:ext>
+              </a:extLst>
+            </p:cNvPr>
+            <p:cNvSpPr txBox="1"/>
+            <p:nvPr/>
+          </p:nvSpPr>
+          <p:spPr>
+            <a:xfrm>
+              <a:off x="5842601" y="2682508"/>
+              <a:ext cx="2415981" cy="523220"/>
+            </a:xfrm>
+            <a:prstGeom prst="rect">
+              <a:avLst/>
+            </a:prstGeom>
+            <a:solidFill>
+              <a:schemeClr val="bg1"/>
+            </a:solidFill>
+          </p:spPr>
+          <p:txBody>
+            <a:bodyPr wrap="square">
+              <a:spAutoFit/>
+            </a:bodyPr>
+            <a:lstStyle/>
+            <a:p>
+              <a:pPr algn="ctr"/>
+              <a:r>
+                <a:rPr lang="ko-KR" altLang="en-US" sz="2800" dirty="0">
+                  <a:solidFill>
+                    <a:srgbClr val="002060"/>
+                  </a:solidFill>
+                  <a:latin typeface="G마켓 산스 Bold" panose="02000000000000000000" pitchFamily="50" charset="-127"/>
+                  <a:ea typeface="G마켓 산스 Bold" panose="02000000000000000000" pitchFamily="50" charset="-127"/>
+                </a:rPr>
+                <a:t>사용자 정보</a:t>
+              </a:r>
+            </a:p>
+          </p:txBody>
+        </p:sp>
+        <p:sp>
+          <p:nvSpPr>
+            <p:cNvPr id="25" name="TextBox 24">
+              <a:extLst>
+                <a:ext uri="{FF2B5EF4-FFF2-40B4-BE49-F238E27FC236}">
+                  <a16:creationId xmlns:a16="http://schemas.microsoft.com/office/drawing/2014/main" id="{C23766D8-EF61-FE94-F0AE-88FA71E3521D}"/>
+                </a:ext>
+              </a:extLst>
+            </p:cNvPr>
+            <p:cNvSpPr txBox="1"/>
+            <p:nvPr/>
+          </p:nvSpPr>
+          <p:spPr>
+            <a:xfrm>
+              <a:off x="5617989" y="3294735"/>
+              <a:ext cx="2768080" cy="3416320"/>
+            </a:xfrm>
+            <a:prstGeom prst="rect">
+              <a:avLst/>
+            </a:prstGeom>
+            <a:noFill/>
+          </p:spPr>
+          <p:txBody>
+            <a:bodyPr wrap="square">
+              <a:spAutoFit/>
+            </a:bodyPr>
+            <a:lstStyle/>
+            <a:p>
+              <a:pPr>
+                <a:lnSpc>
+                  <a:spcPct val="150000"/>
+                </a:lnSpc>
+              </a:pPr>
+              <a:r>
+                <a:rPr lang="en-US" altLang="ko-KR" dirty="0">
+                  <a:solidFill>
+                    <a:srgbClr val="002060"/>
+                  </a:solidFill>
+                  <a:latin typeface="G마켓 산스 Medium" panose="02000000000000000000" pitchFamily="50" charset="-127"/>
+                  <a:ea typeface="G마켓 산스 Medium" panose="02000000000000000000" pitchFamily="50" charset="-127"/>
+                </a:rPr>
+                <a:t>1) </a:t>
+              </a:r>
+              <a:r>
+                <a:rPr lang="ko-KR" altLang="en-US" dirty="0">
+                  <a:solidFill>
+                    <a:srgbClr val="002060"/>
+                  </a:solidFill>
+                  <a:latin typeface="G마켓 산스 Medium" panose="02000000000000000000" pitchFamily="50" charset="-127"/>
+                  <a:ea typeface="G마켓 산스 Medium" panose="02000000000000000000" pitchFamily="50" charset="-127"/>
+                </a:rPr>
+                <a:t>성별</a:t>
+              </a:r>
+              <a:endParaRPr lang="en-US" altLang="ko-KR" dirty="0">
+                <a:solidFill>
+                  <a:srgbClr val="002060"/>
+                </a:solidFill>
+                <a:latin typeface="G마켓 산스 Medium" panose="02000000000000000000" pitchFamily="50" charset="-127"/>
+                <a:ea typeface="G마켓 산스 Medium" panose="02000000000000000000" pitchFamily="50" charset="-127"/>
+              </a:endParaRPr>
+            </a:p>
+            <a:p>
+              <a:pPr>
+                <a:lnSpc>
+                  <a:spcPct val="150000"/>
+                </a:lnSpc>
+              </a:pPr>
+              <a:r>
+                <a:rPr lang="en-US" altLang="ko-KR" dirty="0">
+                  <a:solidFill>
+                    <a:srgbClr val="002060"/>
+                  </a:solidFill>
+                  <a:latin typeface="G마켓 산스 Medium" panose="02000000000000000000" pitchFamily="50" charset="-127"/>
+                  <a:ea typeface="G마켓 산스 Medium" panose="02000000000000000000" pitchFamily="50" charset="-127"/>
+                </a:rPr>
+                <a:t>2) </a:t>
+              </a:r>
+              <a:r>
+                <a:rPr lang="ko-KR" altLang="en-US" dirty="0">
+                  <a:solidFill>
+                    <a:srgbClr val="002060"/>
+                  </a:solidFill>
+                  <a:latin typeface="G마켓 산스 Medium" panose="02000000000000000000" pitchFamily="50" charset="-127"/>
+                  <a:ea typeface="G마켓 산스 Medium" panose="02000000000000000000" pitchFamily="50" charset="-127"/>
+                </a:rPr>
+                <a:t>연령</a:t>
+              </a:r>
+              <a:endParaRPr lang="en-US" altLang="ko-KR" dirty="0">
+                <a:solidFill>
+                  <a:srgbClr val="002060"/>
+                </a:solidFill>
+                <a:latin typeface="G마켓 산스 Medium" panose="02000000000000000000" pitchFamily="50" charset="-127"/>
+                <a:ea typeface="G마켓 산스 Medium" panose="02000000000000000000" pitchFamily="50" charset="-127"/>
+              </a:endParaRPr>
+            </a:p>
+            <a:p>
+              <a:pPr>
+                <a:lnSpc>
+                  <a:spcPct val="150000"/>
+                </a:lnSpc>
+              </a:pPr>
+              <a:r>
+                <a:rPr lang="en-US" altLang="ko-KR" dirty="0">
+                  <a:solidFill>
+                    <a:srgbClr val="002060"/>
+                  </a:solidFill>
+                  <a:latin typeface="G마켓 산스 Medium" panose="02000000000000000000" pitchFamily="50" charset="-127"/>
+                  <a:ea typeface="G마켓 산스 Medium" panose="02000000000000000000" pitchFamily="50" charset="-127"/>
+                </a:rPr>
+                <a:t>3) </a:t>
+              </a:r>
+              <a:r>
+                <a:rPr lang="ko-KR" altLang="en-US" dirty="0">
+                  <a:solidFill>
+                    <a:srgbClr val="002060"/>
+                  </a:solidFill>
+                  <a:latin typeface="G마켓 산스 Medium" panose="02000000000000000000" pitchFamily="50" charset="-127"/>
+                  <a:ea typeface="G마켓 산스 Medium" panose="02000000000000000000" pitchFamily="50" charset="-127"/>
+                </a:rPr>
+                <a:t>학력</a:t>
+              </a:r>
+              <a:endParaRPr lang="en-US" altLang="ko-KR" dirty="0">
+                <a:solidFill>
+                  <a:srgbClr val="002060"/>
+                </a:solidFill>
+                <a:latin typeface="G마켓 산스 Medium" panose="02000000000000000000" pitchFamily="50" charset="-127"/>
+                <a:ea typeface="G마켓 산스 Medium" panose="02000000000000000000" pitchFamily="50" charset="-127"/>
+              </a:endParaRPr>
+            </a:p>
+            <a:p>
+              <a:pPr>
+                <a:lnSpc>
+                  <a:spcPct val="150000"/>
+                </a:lnSpc>
+              </a:pPr>
+              <a:r>
+                <a:rPr lang="en-US" altLang="ko-KR" dirty="0">
+                  <a:solidFill>
+                    <a:srgbClr val="002060"/>
+                  </a:solidFill>
+                  <a:latin typeface="G마켓 산스 Medium" panose="02000000000000000000" pitchFamily="50" charset="-127"/>
+                  <a:ea typeface="G마켓 산스 Medium" panose="02000000000000000000" pitchFamily="50" charset="-127"/>
+                </a:rPr>
+                <a:t>4) </a:t>
+              </a:r>
+              <a:r>
+                <a:rPr lang="ko-KR" altLang="en-US" dirty="0">
+                  <a:solidFill>
+                    <a:srgbClr val="002060"/>
+                  </a:solidFill>
+                  <a:latin typeface="G마켓 산스 Medium" panose="02000000000000000000" pitchFamily="50" charset="-127"/>
+                  <a:ea typeface="G마켓 산스 Medium" panose="02000000000000000000" pitchFamily="50" charset="-127"/>
+                </a:rPr>
+                <a:t>혼인 여부</a:t>
+              </a:r>
+            </a:p>
+            <a:p>
+              <a:pPr>
+                <a:lnSpc>
+                  <a:spcPct val="150000"/>
+                </a:lnSpc>
+              </a:pPr>
+              <a:r>
+                <a:rPr lang="en-US" altLang="ko-KR" dirty="0">
+                  <a:solidFill>
+                    <a:srgbClr val="002060"/>
+                  </a:solidFill>
+                  <a:latin typeface="G마켓 산스 Medium" panose="02000000000000000000" pitchFamily="50" charset="-127"/>
+                  <a:ea typeface="G마켓 산스 Medium" panose="02000000000000000000" pitchFamily="50" charset="-127"/>
+                </a:rPr>
+                <a:t>5) </a:t>
+              </a:r>
+              <a:r>
+                <a:rPr lang="ko-KR" altLang="en-US" dirty="0" err="1">
+                  <a:solidFill>
+                    <a:srgbClr val="002060"/>
+                  </a:solidFill>
+                  <a:latin typeface="G마켓 산스 Medium" panose="02000000000000000000" pitchFamily="50" charset="-127"/>
+                  <a:ea typeface="G마켓 산스 Medium" panose="02000000000000000000" pitchFamily="50" charset="-127"/>
+                </a:rPr>
+                <a:t>자차</a:t>
+              </a:r>
+              <a:r>
+                <a:rPr lang="ko-KR" altLang="en-US" dirty="0">
+                  <a:solidFill>
+                    <a:srgbClr val="002060"/>
+                  </a:solidFill>
+                  <a:latin typeface="G마켓 산스 Medium" panose="02000000000000000000" pitchFamily="50" charset="-127"/>
+                  <a:ea typeface="G마켓 산스 Medium" panose="02000000000000000000" pitchFamily="50" charset="-127"/>
+                </a:rPr>
+                <a:t> 여부</a:t>
+              </a:r>
+              <a:endParaRPr lang="en-US" altLang="ko-KR" dirty="0">
+                <a:solidFill>
+                  <a:srgbClr val="002060"/>
+                </a:solidFill>
+                <a:latin typeface="G마켓 산스 Medium" panose="02000000000000000000" pitchFamily="50" charset="-127"/>
+                <a:ea typeface="G마켓 산스 Medium" panose="02000000000000000000" pitchFamily="50" charset="-127"/>
+              </a:endParaRPr>
+            </a:p>
+            <a:p>
+              <a:pPr>
+                <a:lnSpc>
+                  <a:spcPct val="150000"/>
+                </a:lnSpc>
+              </a:pPr>
+              <a:r>
+                <a:rPr lang="en-US" altLang="ko-KR" dirty="0">
+                  <a:solidFill>
+                    <a:srgbClr val="002060"/>
+                  </a:solidFill>
+                  <a:latin typeface="G마켓 산스 Medium" panose="02000000000000000000" pitchFamily="50" charset="-127"/>
+                  <a:ea typeface="G마켓 산스 Medium" panose="02000000000000000000" pitchFamily="50" charset="-127"/>
+                </a:rPr>
+                <a:t>6) </a:t>
+              </a:r>
+              <a:r>
+                <a:rPr lang="ko-KR" altLang="en-US" dirty="0">
+                  <a:solidFill>
+                    <a:srgbClr val="002060"/>
+                  </a:solidFill>
+                  <a:latin typeface="G마켓 산스 Medium" panose="02000000000000000000" pitchFamily="50" charset="-127"/>
+                  <a:ea typeface="G마켓 산스 Medium" panose="02000000000000000000" pitchFamily="50" charset="-127"/>
+                </a:rPr>
+                <a:t>가치관</a:t>
+              </a:r>
+              <a:endParaRPr lang="en-US" altLang="ko-KR" dirty="0">
+                <a:solidFill>
+                  <a:srgbClr val="002060"/>
+                </a:solidFill>
+                <a:latin typeface="G마켓 산스 Medium" panose="02000000000000000000" pitchFamily="50" charset="-127"/>
+                <a:ea typeface="G마켓 산스 Medium" panose="02000000000000000000" pitchFamily="50" charset="-127"/>
+              </a:endParaRPr>
+            </a:p>
+            <a:p>
+              <a:pPr>
+                <a:lnSpc>
+                  <a:spcPct val="150000"/>
+                </a:lnSpc>
+              </a:pPr>
+              <a:r>
+                <a:rPr lang="en-US" altLang="ko-KR" dirty="0">
+                  <a:solidFill>
+                    <a:srgbClr val="002060"/>
+                  </a:solidFill>
+                  <a:latin typeface="G마켓 산스 Medium" panose="02000000000000000000" pitchFamily="50" charset="-127"/>
+                  <a:ea typeface="G마켓 산스 Medium" panose="02000000000000000000" pitchFamily="50" charset="-127"/>
+                </a:rPr>
+                <a:t>7) </a:t>
+              </a:r>
+              <a:r>
+                <a:rPr lang="ko-KR" altLang="en-US" dirty="0">
+                  <a:solidFill>
+                    <a:srgbClr val="002060"/>
+                  </a:solidFill>
+                  <a:latin typeface="G마켓 산스 Medium" panose="02000000000000000000" pitchFamily="50" charset="-127"/>
+                  <a:ea typeface="G마켓 산스 Medium" panose="02000000000000000000" pitchFamily="50" charset="-127"/>
+                </a:rPr>
+                <a:t>운동 횟수</a:t>
+              </a:r>
+              <a:endParaRPr lang="en-US" altLang="ko-KR" dirty="0">
+                <a:solidFill>
+                  <a:srgbClr val="002060"/>
+                </a:solidFill>
+                <a:latin typeface="G마켓 산스 Medium" panose="02000000000000000000" pitchFamily="50" charset="-127"/>
+                <a:ea typeface="G마켓 산스 Medium" panose="02000000000000000000" pitchFamily="50" charset="-127"/>
+              </a:endParaRPr>
+            </a:p>
+            <a:p>
+              <a:pPr algn="ctr">
+                <a:lnSpc>
+                  <a:spcPct val="150000"/>
+                </a:lnSpc>
+              </a:pPr>
+              <a:r>
+                <a:rPr lang="en-US" altLang="ko-KR" dirty="0">
+                  <a:solidFill>
+                    <a:srgbClr val="002060"/>
+                  </a:solidFill>
+                  <a:latin typeface="G마켓 산스 Medium" panose="02000000000000000000" pitchFamily="50" charset="-127"/>
+                  <a:ea typeface="G마켓 산스 Medium" panose="02000000000000000000" pitchFamily="50" charset="-127"/>
+                </a:rPr>
+                <a:t>…</a:t>
+              </a:r>
+            </a:p>
+          </p:txBody>
+        </p:sp>
+        <p:sp>
+          <p:nvSpPr>
+            <p:cNvPr id="26" name="TextBox 25">
+              <a:extLst>
+                <a:ext uri="{FF2B5EF4-FFF2-40B4-BE49-F238E27FC236}">
+                  <a16:creationId xmlns:a16="http://schemas.microsoft.com/office/drawing/2014/main" id="{F99CE0DB-BADD-B61B-03D4-0DDE6BDE0123}"/>
+                </a:ext>
+              </a:extLst>
+            </p:cNvPr>
+            <p:cNvSpPr txBox="1"/>
+            <p:nvPr/>
+          </p:nvSpPr>
+          <p:spPr>
+            <a:xfrm>
+              <a:off x="9690071" y="2682508"/>
+              <a:ext cx="2415981" cy="523220"/>
+            </a:xfrm>
+            <a:prstGeom prst="rect">
+              <a:avLst/>
+            </a:prstGeom>
+            <a:solidFill>
+              <a:schemeClr val="bg1"/>
+            </a:solidFill>
+          </p:spPr>
+          <p:txBody>
+            <a:bodyPr wrap="square">
+              <a:spAutoFit/>
+            </a:bodyPr>
+            <a:lstStyle/>
+            <a:p>
+              <a:pPr algn="ctr"/>
+              <a:r>
+                <a:rPr lang="ko-KR" altLang="en-US" sz="2800" dirty="0">
+                  <a:solidFill>
+                    <a:srgbClr val="002060"/>
+                  </a:solidFill>
+                  <a:latin typeface="G마켓 산스 Bold" panose="02000000000000000000" pitchFamily="50" charset="-127"/>
+                  <a:ea typeface="G마켓 산스 Bold" panose="02000000000000000000" pitchFamily="50" charset="-127"/>
+                </a:rPr>
+                <a:t>만족도</a:t>
+              </a:r>
+            </a:p>
+          </p:txBody>
+        </p:sp>
+        <p:sp>
+          <p:nvSpPr>
+            <p:cNvPr id="27" name="TextBox 26">
+              <a:extLst>
+                <a:ext uri="{FF2B5EF4-FFF2-40B4-BE49-F238E27FC236}">
+                  <a16:creationId xmlns:a16="http://schemas.microsoft.com/office/drawing/2014/main" id="{7A0AF6AA-A7AA-EDFD-C6EB-252C76C0355C}"/>
+                </a:ext>
+              </a:extLst>
+            </p:cNvPr>
+            <p:cNvSpPr txBox="1"/>
+            <p:nvPr/>
+          </p:nvSpPr>
+          <p:spPr>
+            <a:xfrm>
+              <a:off x="9070726" y="3294735"/>
+              <a:ext cx="3654673" cy="3797193"/>
+            </a:xfrm>
+            <a:prstGeom prst="rect">
+              <a:avLst/>
+            </a:prstGeom>
+            <a:noFill/>
+          </p:spPr>
+          <p:txBody>
+            <a:bodyPr wrap="square">
+              <a:spAutoFit/>
+            </a:bodyPr>
+            <a:lstStyle/>
+            <a:p>
+              <a:pPr marL="342900" indent="-342900">
+                <a:lnSpc>
+                  <a:spcPct val="150000"/>
+                </a:lnSpc>
+                <a:buAutoNum type="arabicParenR"/>
+              </a:pPr>
+              <a:r>
+                <a:rPr lang="ko-KR" altLang="en-US" dirty="0">
+                  <a:solidFill>
+                    <a:srgbClr val="002060"/>
+                  </a:solidFill>
+                  <a:latin typeface="G마켓 산스 Medium" panose="02000000000000000000" pitchFamily="50" charset="-127"/>
+                  <a:ea typeface="G마켓 산스 Medium" panose="02000000000000000000" pitchFamily="50" charset="-127"/>
+                </a:rPr>
+                <a:t>삶의 만족도</a:t>
+              </a:r>
+              <a:endParaRPr lang="en-US" altLang="ko-KR" dirty="0">
+                <a:solidFill>
+                  <a:srgbClr val="002060"/>
+                </a:solidFill>
+                <a:latin typeface="G마켓 산스 Medium" panose="02000000000000000000" pitchFamily="50" charset="-127"/>
+                <a:ea typeface="G마켓 산스 Medium" panose="02000000000000000000" pitchFamily="50" charset="-127"/>
+              </a:endParaRPr>
+            </a:p>
+            <a:p>
+              <a:pPr>
+                <a:lnSpc>
+                  <a:spcPct val="150000"/>
+                </a:lnSpc>
+              </a:pPr>
+              <a:r>
+                <a:rPr lang="en-US" altLang="ko-KR" dirty="0">
+                  <a:solidFill>
+                    <a:schemeClr val="tx1">
+                      <a:lumMod val="50000"/>
+                      <a:lumOff val="50000"/>
+                    </a:schemeClr>
+                  </a:solidFill>
+                  <a:latin typeface="G마켓 산스 Medium" panose="02000000000000000000" pitchFamily="50" charset="-127"/>
+                  <a:ea typeface="G마켓 산스 Medium" panose="02000000000000000000" pitchFamily="50" charset="-127"/>
+                </a:rPr>
+                <a:t>: </a:t>
+              </a:r>
+              <a:r>
+                <a:rPr lang="ko-KR" altLang="en-US" dirty="0">
+                  <a:solidFill>
+                    <a:schemeClr val="tx1">
+                      <a:lumMod val="50000"/>
+                      <a:lumOff val="50000"/>
+                    </a:schemeClr>
+                  </a:solidFill>
+                  <a:latin typeface="G마켓 산스 Medium" panose="02000000000000000000" pitchFamily="50" charset="-127"/>
+                  <a:ea typeface="G마켓 산스 Medium" panose="02000000000000000000" pitchFamily="50" charset="-127"/>
+                </a:rPr>
+                <a:t>전반적인 삶의 만족도</a:t>
+              </a:r>
+              <a:endParaRPr lang="en-US" altLang="ko-KR" dirty="0">
+                <a:solidFill>
+                  <a:schemeClr val="tx1">
+                    <a:lumMod val="50000"/>
+                    <a:lumOff val="50000"/>
+                  </a:schemeClr>
+                </a:solidFill>
+                <a:latin typeface="G마켓 산스 Medium" panose="02000000000000000000" pitchFamily="50" charset="-127"/>
+                <a:ea typeface="G마켓 산스 Medium" panose="02000000000000000000" pitchFamily="50" charset="-127"/>
+              </a:endParaRPr>
+            </a:p>
+            <a:p>
+              <a:pPr>
+                <a:lnSpc>
+                  <a:spcPct val="150000"/>
+                </a:lnSpc>
+              </a:pPr>
+              <a:r>
+                <a:rPr lang="en-US" altLang="ko-KR" dirty="0">
+                  <a:solidFill>
+                    <a:srgbClr val="002060"/>
+                  </a:solidFill>
+                  <a:latin typeface="G마켓 산스 Medium" panose="02000000000000000000" pitchFamily="50" charset="-127"/>
+                  <a:ea typeface="G마켓 산스 Medium" panose="02000000000000000000" pitchFamily="50" charset="-127"/>
+                </a:rPr>
+                <a:t>2) </a:t>
+              </a:r>
+              <a:r>
+                <a:rPr lang="ko-KR" altLang="en-US" dirty="0">
+                  <a:solidFill>
+                    <a:srgbClr val="002060"/>
+                  </a:solidFill>
+                  <a:latin typeface="G마켓 산스 Medium" panose="02000000000000000000" pitchFamily="50" charset="-127"/>
+                  <a:ea typeface="G마켓 산스 Medium" panose="02000000000000000000" pitchFamily="50" charset="-127"/>
+                </a:rPr>
+                <a:t>생활수준 만족도</a:t>
+              </a:r>
+              <a:endParaRPr lang="en-US" altLang="ko-KR" dirty="0">
+                <a:solidFill>
+                  <a:srgbClr val="002060"/>
+                </a:solidFill>
+                <a:latin typeface="G마켓 산스 Medium" panose="02000000000000000000" pitchFamily="50" charset="-127"/>
+                <a:ea typeface="G마켓 산스 Medium" panose="02000000000000000000" pitchFamily="50" charset="-127"/>
+              </a:endParaRPr>
+            </a:p>
+            <a:p>
+              <a:pPr>
+                <a:lnSpc>
+                  <a:spcPct val="150000"/>
+                </a:lnSpc>
+              </a:pPr>
+              <a:r>
+                <a:rPr lang="en-US" altLang="ko-KR" dirty="0">
+                  <a:solidFill>
+                    <a:srgbClr val="002060"/>
+                  </a:solidFill>
+                  <a:latin typeface="G마켓 산스 Medium" panose="02000000000000000000" pitchFamily="50" charset="-127"/>
+                  <a:ea typeface="G마켓 산스 Medium" panose="02000000000000000000" pitchFamily="50" charset="-127"/>
+                </a:rPr>
+                <a:t>: </a:t>
+              </a:r>
+              <a:r>
+                <a:rPr lang="ko-KR" altLang="en-US" dirty="0">
+                  <a:solidFill>
+                    <a:schemeClr val="tx1">
+                      <a:lumMod val="50000"/>
+                      <a:lumOff val="50000"/>
+                    </a:schemeClr>
+                  </a:solidFill>
+                  <a:latin typeface="G마켓 산스 Medium" panose="02000000000000000000" pitchFamily="50" charset="-127"/>
+                  <a:ea typeface="G마켓 산스 Medium" panose="02000000000000000000" pitchFamily="50" charset="-127"/>
+                </a:rPr>
+                <a:t>생활의 경제적 수준에 대한 만족도</a:t>
+              </a:r>
+              <a:endParaRPr lang="en-US" altLang="ko-KR" dirty="0">
+                <a:solidFill>
+                  <a:schemeClr val="tx1">
+                    <a:lumMod val="50000"/>
+                    <a:lumOff val="50000"/>
+                  </a:schemeClr>
+                </a:solidFill>
+                <a:latin typeface="G마켓 산스 Medium" panose="02000000000000000000" pitchFamily="50" charset="-127"/>
+                <a:ea typeface="G마켓 산스 Medium" panose="02000000000000000000" pitchFamily="50" charset="-127"/>
+              </a:endParaRPr>
+            </a:p>
+            <a:p>
+              <a:pPr>
+                <a:lnSpc>
+                  <a:spcPct val="150000"/>
+                </a:lnSpc>
+              </a:pPr>
+              <a:r>
+                <a:rPr lang="en-US" altLang="ko-KR" dirty="0">
+                  <a:solidFill>
+                    <a:srgbClr val="002060"/>
+                  </a:solidFill>
+                  <a:latin typeface="G마켓 산스 Medium" panose="02000000000000000000" pitchFamily="50" charset="-127"/>
+                  <a:ea typeface="G마켓 산스 Medium" panose="02000000000000000000" pitchFamily="50" charset="-127"/>
+                </a:rPr>
+                <a:t>3) </a:t>
+              </a:r>
+              <a:r>
+                <a:rPr lang="ko-KR" altLang="en-US" dirty="0">
+                  <a:solidFill>
+                    <a:srgbClr val="002060"/>
+                  </a:solidFill>
+                  <a:latin typeface="G마켓 산스 Medium" panose="02000000000000000000" pitchFamily="50" charset="-127"/>
+                  <a:ea typeface="G마켓 산스 Medium" panose="02000000000000000000" pitchFamily="50" charset="-127"/>
+                </a:rPr>
+                <a:t>건강 만족도</a:t>
+              </a:r>
+              <a:endParaRPr lang="en-US" altLang="ko-KR" dirty="0">
+                <a:solidFill>
+                  <a:srgbClr val="002060"/>
+                </a:solidFill>
+                <a:latin typeface="G마켓 산스 Medium" panose="02000000000000000000" pitchFamily="50" charset="-127"/>
+                <a:ea typeface="G마켓 산스 Medium" panose="02000000000000000000" pitchFamily="50" charset="-127"/>
+              </a:endParaRPr>
+            </a:p>
+            <a:p>
+              <a:pPr>
+                <a:lnSpc>
+                  <a:spcPct val="150000"/>
+                </a:lnSpc>
+              </a:pPr>
+              <a:r>
+                <a:rPr lang="en-US" altLang="ko-KR" dirty="0">
+                  <a:solidFill>
+                    <a:srgbClr val="002060"/>
+                  </a:solidFill>
+                  <a:latin typeface="G마켓 산스 Medium" panose="02000000000000000000" pitchFamily="50" charset="-127"/>
+                  <a:ea typeface="G마켓 산스 Medium" panose="02000000000000000000" pitchFamily="50" charset="-127"/>
+                </a:rPr>
+                <a:t>: </a:t>
+              </a:r>
+              <a:r>
+                <a:rPr lang="ko-KR" altLang="en-US" dirty="0">
+                  <a:solidFill>
+                    <a:schemeClr val="tx1">
+                      <a:lumMod val="50000"/>
+                      <a:lumOff val="50000"/>
+                    </a:schemeClr>
+                  </a:solidFill>
+                  <a:latin typeface="G마켓 산스 Medium" panose="02000000000000000000" pitchFamily="50" charset="-127"/>
+                  <a:ea typeface="G마켓 산스 Medium" panose="02000000000000000000" pitchFamily="50" charset="-127"/>
+                </a:rPr>
+                <a:t>본인의 건강에 대한 만족도</a:t>
+              </a:r>
+              <a:endParaRPr lang="en-US" altLang="ko-KR" dirty="0">
+                <a:solidFill>
+                  <a:schemeClr val="tx1">
+                    <a:lumMod val="50000"/>
+                    <a:lumOff val="50000"/>
+                  </a:schemeClr>
+                </a:solidFill>
+                <a:latin typeface="G마켓 산스 Medium" panose="02000000000000000000" pitchFamily="50" charset="-127"/>
+                <a:ea typeface="G마켓 산스 Medium" panose="02000000000000000000" pitchFamily="50" charset="-127"/>
+              </a:endParaRPr>
+            </a:p>
+            <a:p>
+              <a:pPr>
+                <a:lnSpc>
+                  <a:spcPct val="150000"/>
+                </a:lnSpc>
+              </a:pPr>
+              <a:r>
+                <a:rPr lang="en-US" altLang="ko-KR" dirty="0">
+                  <a:solidFill>
+                    <a:srgbClr val="002060"/>
+                  </a:solidFill>
+                  <a:latin typeface="G마켓 산스 Medium" panose="02000000000000000000" pitchFamily="50" charset="-127"/>
+                  <a:ea typeface="G마켓 산스 Medium" panose="02000000000000000000" pitchFamily="50" charset="-127"/>
+                </a:rPr>
+                <a:t>4) </a:t>
+              </a:r>
+              <a:r>
+                <a:rPr lang="ko-KR" altLang="en-US" dirty="0">
+                  <a:solidFill>
+                    <a:srgbClr val="002060"/>
+                  </a:solidFill>
+                  <a:latin typeface="G마켓 산스 Medium" panose="02000000000000000000" pitchFamily="50" charset="-127"/>
+                  <a:ea typeface="G마켓 산스 Medium" panose="02000000000000000000" pitchFamily="50" charset="-127"/>
+                </a:rPr>
+                <a:t>대인관계 만족도</a:t>
+              </a:r>
+              <a:endParaRPr lang="en-US" altLang="ko-KR" dirty="0">
+                <a:solidFill>
+                  <a:srgbClr val="002060"/>
+                </a:solidFill>
+                <a:latin typeface="G마켓 산스 Medium" panose="02000000000000000000" pitchFamily="50" charset="-127"/>
+                <a:ea typeface="G마켓 산스 Medium" panose="02000000000000000000" pitchFamily="50" charset="-127"/>
+              </a:endParaRPr>
+            </a:p>
+            <a:p>
+              <a:pPr>
+                <a:lnSpc>
+                  <a:spcPct val="150000"/>
+                </a:lnSpc>
+              </a:pPr>
+              <a:r>
+                <a:rPr lang="en-US" altLang="ko-KR" dirty="0">
+                  <a:solidFill>
+                    <a:srgbClr val="002060"/>
+                  </a:solidFill>
+                  <a:latin typeface="G마켓 산스 Medium" panose="02000000000000000000" pitchFamily="50" charset="-127"/>
+                  <a:ea typeface="G마켓 산스 Medium" panose="02000000000000000000" pitchFamily="50" charset="-127"/>
+                </a:rPr>
+                <a:t>: </a:t>
+              </a:r>
+              <a:r>
+                <a:rPr lang="ko-KR" altLang="en-US" dirty="0">
+                  <a:solidFill>
+                    <a:schemeClr val="tx1">
+                      <a:lumMod val="50000"/>
+                      <a:lumOff val="50000"/>
+                    </a:schemeClr>
+                  </a:solidFill>
+                  <a:latin typeface="G마켓 산스 Medium" panose="02000000000000000000" pitchFamily="50" charset="-127"/>
+                  <a:ea typeface="G마켓 산스 Medium" panose="02000000000000000000" pitchFamily="50" charset="-127"/>
+                </a:rPr>
+                <a:t>전체적인 대인관계에 대한 만족도</a:t>
+              </a:r>
+              <a:endParaRPr lang="en-US" altLang="ko-KR" dirty="0">
+                <a:solidFill>
+                  <a:schemeClr val="tx1">
+                    <a:lumMod val="50000"/>
+                    <a:lumOff val="50000"/>
+                  </a:schemeClr>
+                </a:solidFill>
+                <a:latin typeface="G마켓 산스 Medium" panose="02000000000000000000" pitchFamily="50" charset="-127"/>
+                <a:ea typeface="G마켓 산스 Medium" panose="02000000000000000000" pitchFamily="50" charset="-127"/>
+              </a:endParaRPr>
+            </a:p>
+            <a:p>
+              <a:pPr>
+                <a:lnSpc>
+                  <a:spcPct val="150000"/>
+                </a:lnSpc>
+              </a:pPr>
+              <a:endParaRPr lang="en-US" altLang="ko-KR" dirty="0">
+                <a:solidFill>
+                  <a:schemeClr val="tx1">
+                    <a:lumMod val="50000"/>
+                    <a:lumOff val="50000"/>
+                  </a:schemeClr>
+                </a:solidFill>
+                <a:latin typeface="G마켓 산스 Medium" panose="02000000000000000000" pitchFamily="50" charset="-127"/>
+                <a:ea typeface="G마켓 산스 Medium" panose="02000000000000000000" pitchFamily="50" charset="-127"/>
+              </a:endParaRPr>
+            </a:p>
+          </p:txBody>
+        </p:sp>
+        <p:sp>
+          <p:nvSpPr>
+            <p:cNvPr id="28" name="TextBox 27">
+              <a:extLst>
+                <a:ext uri="{FF2B5EF4-FFF2-40B4-BE49-F238E27FC236}">
+                  <a16:creationId xmlns:a16="http://schemas.microsoft.com/office/drawing/2014/main" id="{4013BDA9-2A27-CB9E-0940-F33748F816C8}"/>
+                </a:ext>
+              </a:extLst>
+            </p:cNvPr>
+            <p:cNvSpPr txBox="1"/>
+            <p:nvPr/>
+          </p:nvSpPr>
+          <p:spPr>
+            <a:xfrm>
+              <a:off x="5860983" y="7581900"/>
+              <a:ext cx="6019800" cy="707886"/>
+            </a:xfrm>
+            <a:prstGeom prst="rect">
+              <a:avLst/>
+            </a:prstGeom>
+            <a:solidFill>
+              <a:schemeClr val="bg1"/>
+            </a:solidFill>
+          </p:spPr>
+          <p:txBody>
+            <a:bodyPr wrap="square">
+              <a:spAutoFit/>
+            </a:bodyPr>
+            <a:lstStyle/>
+            <a:p>
+              <a:pPr algn="ctr"/>
+              <a:r>
+                <a:rPr lang="en-US" altLang="ko-KR" sz="4000" dirty="0">
+                  <a:solidFill>
+                    <a:srgbClr val="002060"/>
+                  </a:solidFill>
+                  <a:latin typeface="G마켓 산스 Bold" panose="02000000000000000000" pitchFamily="50" charset="-127"/>
+                  <a:ea typeface="G마켓 산스 Bold" panose="02000000000000000000" pitchFamily="50" charset="-127"/>
+                </a:rPr>
+                <a:t>“</a:t>
+              </a:r>
+              <a:r>
+                <a:rPr lang="ko-KR" altLang="en-US" sz="4000" dirty="0">
+                  <a:solidFill>
+                    <a:srgbClr val="002060"/>
+                  </a:solidFill>
+                  <a:latin typeface="G마켓 산스 Bold" panose="02000000000000000000" pitchFamily="50" charset="-127"/>
+                  <a:ea typeface="G마켓 산스 Bold" panose="02000000000000000000" pitchFamily="50" charset="-127"/>
+                </a:rPr>
+                <a:t>사용자 개인과 비교</a:t>
+              </a:r>
+              <a:r>
+                <a:rPr lang="en-US" altLang="ko-KR" sz="4000" dirty="0">
+                  <a:solidFill>
+                    <a:srgbClr val="002060"/>
+                  </a:solidFill>
+                  <a:latin typeface="G마켓 산스 Bold" panose="02000000000000000000" pitchFamily="50" charset="-127"/>
+                  <a:ea typeface="G마켓 산스 Bold" panose="02000000000000000000" pitchFamily="50" charset="-127"/>
+                </a:rPr>
+                <a:t>·</a:t>
+              </a:r>
+              <a:r>
+                <a:rPr lang="ko-KR" altLang="en-US" sz="4000" dirty="0">
+                  <a:solidFill>
+                    <a:srgbClr val="002060"/>
+                  </a:solidFill>
+                  <a:latin typeface="G마켓 산스 Bold" panose="02000000000000000000" pitchFamily="50" charset="-127"/>
+                  <a:ea typeface="G마켓 산스 Bold" panose="02000000000000000000" pitchFamily="50" charset="-127"/>
+                </a:rPr>
+                <a:t>분석</a:t>
+              </a:r>
+              <a:r>
+                <a:rPr lang="en-US" altLang="ko-KR" sz="4000" dirty="0">
+                  <a:solidFill>
+                    <a:srgbClr val="002060"/>
+                  </a:solidFill>
+                  <a:latin typeface="G마켓 산스 Bold" panose="02000000000000000000" pitchFamily="50" charset="-127"/>
+                  <a:ea typeface="G마켓 산스 Bold" panose="02000000000000000000" pitchFamily="50" charset="-127"/>
+                </a:rPr>
+                <a:t>”</a:t>
+              </a:r>
+            </a:p>
+          </p:txBody>
+        </p:sp>
+        <p:sp>
+          <p:nvSpPr>
+            <p:cNvPr id="29" name="이등변 삼각형 28">
+              <a:extLst>
+                <a:ext uri="{FF2B5EF4-FFF2-40B4-BE49-F238E27FC236}">
+                  <a16:creationId xmlns:a16="http://schemas.microsoft.com/office/drawing/2014/main" id="{B426496C-5CB3-3187-06A0-735494E09E89}"/>
+                </a:ext>
+              </a:extLst>
+            </p:cNvPr>
+            <p:cNvSpPr/>
+            <p:nvPr/>
+          </p:nvSpPr>
+          <p:spPr>
+            <a:xfrm rot="10800000">
+              <a:off x="5430550" y="7464378"/>
+              <a:ext cx="7503875" cy="996679"/>
+            </a:xfrm>
+            <a:prstGeom prst="triangle">
+              <a:avLst/>
+            </a:prstGeom>
+            <a:solidFill>
+              <a:srgbClr val="6E9CCC">
+                <a:alpha val="16000"/>
+              </a:srgbClr>
+            </a:solidFill>
+            <a:ln>
+              <a:noFill/>
+            </a:ln>
+          </p:spPr>
+          <p:style>
+            <a:lnRef idx="2">
+              <a:schemeClr val="accent1">
+                <a:shade val="50000"/>
+              </a:schemeClr>
+            </a:lnRef>
+            <a:fillRef idx="1">
+              <a:schemeClr val="accent1"/>
+            </a:fillRef>
+            <a:effectRef idx="0">
+              <a:schemeClr val="accent1"/>
+            </a:effectRef>
+            <a:fontRef idx="minor">
+              <a:schemeClr val="lt1"/>
+            </a:fontRef>
+          </p:style>
+          <p:txBody>
+            <a:bodyPr rtlCol="0" anchor="ctr"/>
+            <a:lstStyle/>
+            <a:p>
+              <a:pPr algn="ctr"/>
+              <a:endParaRPr lang="ko-KR" altLang="en-US" dirty="0"/>
+            </a:p>
+          </p:txBody>
+        </p:sp>
+        <p:sp>
+          <p:nvSpPr>
+            <p:cNvPr id="30" name="직사각형 29">
+              <a:extLst>
+                <a:ext uri="{FF2B5EF4-FFF2-40B4-BE49-F238E27FC236}">
+                  <a16:creationId xmlns:a16="http://schemas.microsoft.com/office/drawing/2014/main" id="{EC4E6458-8E73-FF46-BD1F-73379750169E}"/>
+                </a:ext>
+              </a:extLst>
+            </p:cNvPr>
+            <p:cNvSpPr/>
+            <p:nvPr/>
+          </p:nvSpPr>
+          <p:spPr>
+            <a:xfrm>
+              <a:off x="6104661" y="2485382"/>
+              <a:ext cx="1891865" cy="307777"/>
+            </a:xfrm>
+            <a:prstGeom prst="rect">
+              <a:avLst/>
+            </a:prstGeom>
+          </p:spPr>
+          <p:txBody>
+            <a:bodyPr wrap="none">
+              <a:spAutoFit/>
+            </a:bodyPr>
+            <a:lstStyle/>
+            <a:p>
+              <a:pPr algn="ctr"/>
+              <a:r>
+                <a:rPr lang="ko-KR" altLang="en-US" sz="1400" dirty="0">
+                  <a:solidFill>
+                    <a:schemeClr val="bg1">
+                      <a:lumMod val="50000"/>
+                    </a:schemeClr>
+                  </a:solidFill>
+                  <a:latin typeface="G마켓 산스 Medium" panose="02000000000000000000" pitchFamily="50" charset="-127"/>
+                  <a:ea typeface="G마켓 산스 Medium" panose="02000000000000000000" pitchFamily="50" charset="-127"/>
+                </a:rPr>
+                <a:t>설문 조사를 통해 받은</a:t>
+              </a:r>
+              <a:endParaRPr lang="en-US" altLang="ko-KR" sz="1400" dirty="0">
+                <a:solidFill>
+                  <a:schemeClr val="bg1">
+                    <a:lumMod val="50000"/>
+                  </a:schemeClr>
+                </a:solidFill>
+                <a:latin typeface="G마켓 산스 Medium" panose="02000000000000000000" pitchFamily="50" charset="-127"/>
+                <a:ea typeface="G마켓 산스 Medium" panose="02000000000000000000" pitchFamily="50" charset="-127"/>
+              </a:endParaRPr>
+            </a:p>
+          </p:txBody>
+        </p:sp>
+        <p:sp>
+          <p:nvSpPr>
+            <p:cNvPr id="31" name="직사각형 30">
+              <a:extLst>
+                <a:ext uri="{FF2B5EF4-FFF2-40B4-BE49-F238E27FC236}">
+                  <a16:creationId xmlns:a16="http://schemas.microsoft.com/office/drawing/2014/main" id="{CC140474-B943-B42E-DE98-A956E7B744FE}"/>
+                </a:ext>
+              </a:extLst>
+            </p:cNvPr>
+            <p:cNvSpPr/>
+            <p:nvPr/>
+          </p:nvSpPr>
+          <p:spPr>
+            <a:xfrm>
+              <a:off x="9952131" y="2486379"/>
+              <a:ext cx="1891865" cy="307777"/>
+            </a:xfrm>
+            <a:prstGeom prst="rect">
+              <a:avLst/>
+            </a:prstGeom>
+          </p:spPr>
+          <p:txBody>
+            <a:bodyPr wrap="none">
+              <a:spAutoFit/>
+            </a:bodyPr>
+            <a:lstStyle/>
+            <a:p>
+              <a:pPr algn="ctr"/>
+              <a:r>
+                <a:rPr lang="ko-KR" altLang="en-US" sz="1400" dirty="0">
+                  <a:solidFill>
+                    <a:schemeClr val="bg1">
+                      <a:lumMod val="50000"/>
+                    </a:schemeClr>
+                  </a:solidFill>
+                  <a:latin typeface="G마켓 산스 Medium" panose="02000000000000000000" pitchFamily="50" charset="-127"/>
+                  <a:ea typeface="G마켓 산스 Medium" panose="02000000000000000000" pitchFamily="50" charset="-127"/>
+                </a:rPr>
+                <a:t>회귀 모델을 통해 비교</a:t>
+              </a:r>
+              <a:endParaRPr lang="en-US" altLang="ko-KR" sz="1400" dirty="0">
+                <a:solidFill>
+                  <a:schemeClr val="bg1">
+                    <a:lumMod val="50000"/>
+                  </a:schemeClr>
+                </a:solidFill>
+                <a:latin typeface="G마켓 산스 Medium" panose="02000000000000000000" pitchFamily="50" charset="-127"/>
+                <a:ea typeface="G마켓 산스 Medium" panose="02000000000000000000" pitchFamily="50" charset="-127"/>
+              </a:endParaRPr>
+            </a:p>
+          </p:txBody>
+        </p:sp>
+        <p:sp>
+          <p:nvSpPr>
+            <p:cNvPr id="32" name="TextBox 31">
+              <a:extLst>
+                <a:ext uri="{FF2B5EF4-FFF2-40B4-BE49-F238E27FC236}">
+                  <a16:creationId xmlns:a16="http://schemas.microsoft.com/office/drawing/2014/main" id="{32D3EDE2-9AD2-93BE-F50C-4C1E617D04B3}"/>
+                </a:ext>
+              </a:extLst>
+            </p:cNvPr>
+            <p:cNvSpPr txBox="1"/>
+            <p:nvPr/>
+          </p:nvSpPr>
+          <p:spPr>
+            <a:xfrm>
+              <a:off x="5403783" y="8267700"/>
+              <a:ext cx="6934200" cy="1338828"/>
+            </a:xfrm>
+            <a:prstGeom prst="rect">
+              <a:avLst/>
+            </a:prstGeom>
+            <a:noFill/>
+          </p:spPr>
+          <p:txBody>
+            <a:bodyPr wrap="square" rtlCol="0">
+              <a:spAutoFit/>
+            </a:bodyPr>
+            <a:lstStyle/>
+            <a:p>
+              <a:pPr algn="ctr"/>
+              <a:r>
+                <a:rPr lang="ko-KR" altLang="en-US" sz="2700" dirty="0">
+                  <a:solidFill>
+                    <a:srgbClr val="002060"/>
+                  </a:solidFill>
+                  <a:latin typeface="G마켓 산스 Bold" panose="02000000000000000000" pitchFamily="50" charset="-127"/>
+                  <a:ea typeface="G마켓 산스 Bold" panose="02000000000000000000" pitchFamily="50" charset="-127"/>
+                </a:rPr>
+                <a:t>분석한 내용을 바탕으로</a:t>
+              </a:r>
+              <a:endParaRPr lang="en-US" altLang="ko-KR" sz="2700" dirty="0">
+                <a:solidFill>
+                  <a:srgbClr val="002060"/>
+                </a:solidFill>
+                <a:latin typeface="G마켓 산스 Bold" panose="02000000000000000000" pitchFamily="50" charset="-127"/>
+                <a:ea typeface="G마켓 산스 Bold" panose="02000000000000000000" pitchFamily="50" charset="-127"/>
+              </a:endParaRPr>
+            </a:p>
+            <a:p>
+              <a:pPr algn="ctr"/>
+              <a:r>
+                <a:rPr lang="ko-KR" altLang="en-US" sz="2700" dirty="0">
+                  <a:solidFill>
+                    <a:srgbClr val="002060"/>
+                  </a:solidFill>
+                  <a:latin typeface="G마켓 산스 Bold" panose="02000000000000000000" pitchFamily="50" charset="-127"/>
+                  <a:ea typeface="G마켓 산스 Bold" panose="02000000000000000000" pitchFamily="50" charset="-127"/>
+                </a:rPr>
+                <a:t>사용자의 예상 만족도와 실제 만족도를 비교</a:t>
+              </a:r>
+              <a:r>
+                <a:rPr lang="en-US" altLang="ko-KR" sz="2700" dirty="0">
+                  <a:solidFill>
+                    <a:srgbClr val="002060"/>
+                  </a:solidFill>
+                  <a:latin typeface="G마켓 산스 Bold" panose="02000000000000000000" pitchFamily="50" charset="-127"/>
+                  <a:ea typeface="G마켓 산스 Bold" panose="02000000000000000000" pitchFamily="50" charset="-127"/>
+                </a:rPr>
+                <a:t>,</a:t>
+              </a:r>
+            </a:p>
+            <a:p>
+              <a:pPr algn="ctr"/>
+              <a:r>
+                <a:rPr lang="ko-KR" altLang="en-US" sz="2700" dirty="0">
+                  <a:solidFill>
+                    <a:srgbClr val="002060"/>
+                  </a:solidFill>
+                  <a:latin typeface="G마켓 산스 Bold" panose="02000000000000000000" pitchFamily="50" charset="-127"/>
+                  <a:ea typeface="G마켓 산스 Bold" panose="02000000000000000000" pitchFamily="50" charset="-127"/>
+                </a:rPr>
+                <a:t>만족도를 높일 수 있는 방법 제시</a:t>
+              </a:r>
+              <a:endParaRPr lang="en-US" altLang="ko-KR" sz="2700" dirty="0">
+                <a:solidFill>
+                  <a:srgbClr val="002060"/>
+                </a:solidFill>
+                <a:latin typeface="G마켓 산스 Bold" panose="02000000000000000000" pitchFamily="50" charset="-127"/>
+                <a:ea typeface="G마켓 산스 Bold" panose="02000000000000000000" pitchFamily="50" charset="-127"/>
+              </a:endParaRPr>
+            </a:p>
+          </p:txBody>
+        </p:sp>
+      </p:grpSp>
     </p:spTree>
     <p:extLst>
       <p:ext uri="{BB962C8B-B14F-4D97-AF65-F5344CB8AC3E}">
@@ -14527,7 +14530,7 @@
                 </a:lnSpc>
               </a:pPr>
               <a:r>
-                <a:rPr lang="en-US" altLang="ko-KR" sz="2200" dirty="0" smtClean="0">
+                <a:rPr lang="en-US" altLang="ko-KR" sz="2200" dirty="0">
                   <a:solidFill>
                     <a:schemeClr val="tx1">
                       <a:lumMod val="50000"/>
@@ -14540,7 +14543,7 @@
                 <a:t>MZ</a:t>
               </a:r>
               <a:r>
-                <a:rPr lang="ko-KR" altLang="en-US" sz="2200" dirty="0" smtClean="0">
+                <a:rPr lang="ko-KR" altLang="en-US" sz="2200" dirty="0">
                   <a:solidFill>
                     <a:schemeClr val="tx1">
                       <a:lumMod val="50000"/>
@@ -14649,7 +14652,7 @@
           <a:lstStyle/>
           <a:p>
             <a:r>
-              <a:rPr lang="en-US" altLang="ko-KR" sz="3200" dirty="0" smtClean="0">
+              <a:rPr lang="en-US" altLang="ko-KR" sz="3200" dirty="0">
                 <a:solidFill>
                   <a:srgbClr val="002060"/>
                 </a:solidFill>
@@ -14659,7 +14662,7 @@
               <a:t>MZ </a:t>
             </a:r>
             <a:r>
-              <a:rPr lang="ko-KR" altLang="en-US" sz="3200" dirty="0" smtClean="0">
+              <a:rPr lang="ko-KR" altLang="en-US" sz="3200" dirty="0">
                 <a:solidFill>
                   <a:srgbClr val="002060"/>
                 </a:solidFill>
